--- a/Ecommerce-Project/report data/project ppt.pptx
+++ b/Ecommerce-Project/report data/project ppt.pptx
@@ -22,6 +22,10 @@
     <p:sldId id="270" r:id="rId16"/>
     <p:sldId id="271" r:id="rId17"/>
     <p:sldId id="272" r:id="rId18"/>
+    <p:sldId id="273" r:id="rId19"/>
+    <p:sldId id="274" r:id="rId20"/>
+    <p:sldId id="275" r:id="rId21"/>
+    <p:sldId id="276" r:id="rId22"/>
   </p:sldIdLst>
   <p:sldSz cx="12192000" cy="6858000"/>
   <p:notesSz cx="6858000" cy="9144000"/>
@@ -298,7 +302,7 @@
           <a:p>
             <a:fld id="{55898C19-3F43-4A22-A9B4-86092ACC440F}" type="datetimeFigureOut">
               <a:rPr lang="en-US" smtClean="0"/>
-              <a:t>4/22/2018</a:t>
+              <a:t>4/23/2018</a:t>
             </a:fld>
             <a:endParaRPr lang="en-US"/>
           </a:p>
@@ -570,7 +574,7 @@
           <a:p>
             <a:fld id="{55898C19-3F43-4A22-A9B4-86092ACC440F}" type="datetimeFigureOut">
               <a:rPr lang="en-US" smtClean="0"/>
-              <a:t>4/22/2018</a:t>
+              <a:t>4/23/2018</a:t>
             </a:fld>
             <a:endParaRPr lang="en-US"/>
           </a:p>
@@ -801,7 +805,7 @@
           <a:p>
             <a:fld id="{55898C19-3F43-4A22-A9B4-86092ACC440F}" type="datetimeFigureOut">
               <a:rPr lang="en-US" smtClean="0"/>
-              <a:t>4/22/2018</a:t>
+              <a:t>4/23/2018</a:t>
             </a:fld>
             <a:endParaRPr lang="en-US"/>
           </a:p>
@@ -1111,7 +1115,7 @@
           <a:p>
             <a:fld id="{55898C19-3F43-4A22-A9B4-86092ACC440F}" type="datetimeFigureOut">
               <a:rPr lang="en-US" smtClean="0"/>
-              <a:t>4/22/2018</a:t>
+              <a:t>4/23/2018</a:t>
             </a:fld>
             <a:endParaRPr lang="en-US"/>
           </a:p>
@@ -1584,7 +1588,7 @@
           <a:p>
             <a:fld id="{55898C19-3F43-4A22-A9B4-86092ACC440F}" type="datetimeFigureOut">
               <a:rPr lang="en-US" smtClean="0"/>
-              <a:t>4/22/2018</a:t>
+              <a:t>4/23/2018</a:t>
             </a:fld>
             <a:endParaRPr lang="en-US"/>
           </a:p>
@@ -2131,7 +2135,7 @@
           <a:p>
             <a:fld id="{55898C19-3F43-4A22-A9B4-86092ACC440F}" type="datetimeFigureOut">
               <a:rPr lang="en-US" smtClean="0"/>
-              <a:t>4/22/2018</a:t>
+              <a:t>4/23/2018</a:t>
             </a:fld>
             <a:endParaRPr lang="en-US"/>
           </a:p>
@@ -2905,7 +2909,7 @@
           <a:p>
             <a:fld id="{55898C19-3F43-4A22-A9B4-86092ACC440F}" type="datetimeFigureOut">
               <a:rPr lang="en-US" smtClean="0"/>
-              <a:t>4/22/2018</a:t>
+              <a:t>4/23/2018</a:t>
             </a:fld>
             <a:endParaRPr lang="en-US"/>
           </a:p>
@@ -3080,7 +3084,7 @@
           <a:p>
             <a:fld id="{55898C19-3F43-4A22-A9B4-86092ACC440F}" type="datetimeFigureOut">
               <a:rPr lang="en-US" smtClean="0"/>
-              <a:t>4/22/2018</a:t>
+              <a:t>4/23/2018</a:t>
             </a:fld>
             <a:endParaRPr lang="en-US"/>
           </a:p>
@@ -3303,7 +3307,7 @@
           <a:p>
             <a:fld id="{55898C19-3F43-4A22-A9B4-86092ACC440F}" type="datetimeFigureOut">
               <a:rPr lang="en-US" smtClean="0"/>
-              <a:t>4/22/2018</a:t>
+              <a:t>4/23/2018</a:t>
             </a:fld>
             <a:endParaRPr lang="en-US"/>
           </a:p>
@@ -3483,7 +3487,7 @@
           <a:p>
             <a:fld id="{55898C19-3F43-4A22-A9B4-86092ACC440F}" type="datetimeFigureOut">
               <a:rPr lang="en-US" smtClean="0"/>
-              <a:t>4/22/2018</a:t>
+              <a:t>4/23/2018</a:t>
             </a:fld>
             <a:endParaRPr lang="en-US"/>
           </a:p>
@@ -3772,7 +3776,7 @@
           <a:p>
             <a:fld id="{55898C19-3F43-4A22-A9B4-86092ACC440F}" type="datetimeFigureOut">
               <a:rPr lang="en-US" smtClean="0"/>
-              <a:t>4/22/2018</a:t>
+              <a:t>4/23/2018</a:t>
             </a:fld>
             <a:endParaRPr lang="en-US"/>
           </a:p>
@@ -4014,7 +4018,7 @@
           <a:p>
             <a:fld id="{55898C19-3F43-4A22-A9B4-86092ACC440F}" type="datetimeFigureOut">
               <a:rPr lang="en-US" smtClean="0"/>
-              <a:t>4/22/2018</a:t>
+              <a:t>4/23/2018</a:t>
             </a:fld>
             <a:endParaRPr lang="en-US"/>
           </a:p>
@@ -4393,7 +4397,7 @@
           <a:p>
             <a:fld id="{55898C19-3F43-4A22-A9B4-86092ACC440F}" type="datetimeFigureOut">
               <a:rPr lang="en-US" smtClean="0"/>
-              <a:t>4/22/2018</a:t>
+              <a:t>4/23/2018</a:t>
             </a:fld>
             <a:endParaRPr lang="en-US"/>
           </a:p>
@@ -4511,7 +4515,7 @@
           <a:p>
             <a:fld id="{55898C19-3F43-4A22-A9B4-86092ACC440F}" type="datetimeFigureOut">
               <a:rPr lang="en-US" smtClean="0"/>
-              <a:t>4/22/2018</a:t>
+              <a:t>4/23/2018</a:t>
             </a:fld>
             <a:endParaRPr lang="en-US"/>
           </a:p>
@@ -4606,7 +4610,7 @@
           <a:p>
             <a:fld id="{55898C19-3F43-4A22-A9B4-86092ACC440F}" type="datetimeFigureOut">
               <a:rPr lang="en-US" smtClean="0"/>
-              <a:t>4/22/2018</a:t>
+              <a:t>4/23/2018</a:t>
             </a:fld>
             <a:endParaRPr lang="en-US"/>
           </a:p>
@@ -4860,7 +4864,7 @@
           <a:p>
             <a:fld id="{55898C19-3F43-4A22-A9B4-86092ACC440F}" type="datetimeFigureOut">
               <a:rPr lang="en-US" smtClean="0"/>
-              <a:t>4/22/2018</a:t>
+              <a:t>4/23/2018</a:t>
             </a:fld>
             <a:endParaRPr lang="en-US"/>
           </a:p>
@@ -5122,7 +5126,7 @@
           <a:p>
             <a:fld id="{55898C19-3F43-4A22-A9B4-86092ACC440F}" type="datetimeFigureOut">
               <a:rPr lang="en-US" smtClean="0"/>
-              <a:t>4/22/2018</a:t>
+              <a:t>4/23/2018</a:t>
             </a:fld>
             <a:endParaRPr lang="en-US"/>
           </a:p>
@@ -5365,7 +5369,7 @@
           <a:p>
             <a:fld id="{55898C19-3F43-4A22-A9B4-86092ACC440F}" type="datetimeFigureOut">
               <a:rPr lang="en-US" smtClean="0"/>
-              <a:t>4/22/2018</a:t>
+              <a:t>4/23/2018</a:t>
             </a:fld>
             <a:endParaRPr lang="en-US"/>
           </a:p>
@@ -6858,9 +6862,6 @@
               </a:rPr>
               <a:t>Customer Service Module</a:t>
             </a:r>
-            <a:endParaRPr lang="en-US" sz="2400" dirty="0">
-              <a:latin typeface="Calibri Light" panose="020F0302020204030204" pitchFamily="34" charset="0"/>
-            </a:endParaRPr>
           </a:p>
           <a:p>
             <a:pPr marL="0" indent="0">
@@ -7021,9 +7022,6 @@
               </a:rPr>
               <a:t>also works as a public website where one can see the information based on the purpose to access this website. There is no need for authentication here, because they has to only access the site not change or update any content and they also cannot change it because they have no authority to change.</a:t>
             </a:r>
-            <a:endParaRPr lang="en-US" sz="2400" dirty="0">
-              <a:latin typeface="Calibri Light" panose="020F0302020204030204" pitchFamily="34" charset="0"/>
-            </a:endParaRPr>
           </a:p>
           <a:p>
             <a:pPr marL="0" indent="0">
@@ -7043,6 +7041,1584 @@
   <p:clrMapOvr>
     <a:masterClrMapping/>
   </p:clrMapOvr>
+</p:sld>
+</file>
+
+<file path=ppt/slides/slide18.xml><?xml version="1.0" encoding="utf-8"?>
+<p:sld xmlns:a="http://schemas.openxmlformats.org/drawingml/2006/main" xmlns:r="http://schemas.openxmlformats.org/officeDocument/2006/relationships" xmlns:p="http://schemas.openxmlformats.org/presentationml/2006/main">
+  <p:cSld>
+    <p:spTree>
+      <p:nvGrpSpPr>
+        <p:cNvPr id="1" name=""/>
+        <p:cNvGrpSpPr/>
+        <p:nvPr/>
+      </p:nvGrpSpPr>
+      <p:grpSpPr>
+        <a:xfrm>
+          <a:off x="0" y="0"/>
+          <a:ext cx="0" cy="0"/>
+          <a:chOff x="0" y="0"/>
+          <a:chExt cx="0" cy="0"/>
+        </a:xfrm>
+      </p:grpSpPr>
+      <p:sp>
+        <p:nvSpPr>
+          <p:cNvPr id="4" name="Rectangle 3"/>
+          <p:cNvSpPr/>
+          <p:nvPr/>
+        </p:nvSpPr>
+        <p:spPr>
+          <a:xfrm>
+            <a:off x="1061544" y="2516278"/>
+            <a:ext cx="9816662" cy="1323439"/>
+          </a:xfrm>
+          <a:prstGeom prst="rect">
+            <a:avLst/>
+          </a:prstGeom>
+          <a:noFill/>
+        </p:spPr>
+        <p:txBody>
+          <a:bodyPr wrap="square" lIns="91440" tIns="45720" rIns="91440" bIns="45720">
+            <a:spAutoFit/>
+          </a:bodyPr>
+          <a:lstStyle/>
+          <a:p>
+            <a:pPr algn="ctr"/>
+            <a:r>
+              <a:rPr lang="en-US" sz="8000" b="1" i="1" u="sng" dirty="0" smtClean="0">
+                <a:latin typeface="Calibri Light" panose="020F0302020204030204" pitchFamily="34" charset="0"/>
+              </a:rPr>
+              <a:t>DATA FLOW DIAGRAM</a:t>
+            </a:r>
+            <a:endParaRPr lang="en-US" sz="8000" dirty="0">
+              <a:latin typeface="Calibri Light" panose="020F0302020204030204" pitchFamily="34" charset="0"/>
+            </a:endParaRPr>
+          </a:p>
+        </p:txBody>
+      </p:sp>
+    </p:spTree>
+    <p:extLst>
+      <p:ext uri="{BB962C8B-B14F-4D97-AF65-F5344CB8AC3E}">
+        <p14:creationId xmlns:p14="http://schemas.microsoft.com/office/powerpoint/2010/main" val="3030976122"/>
+      </p:ext>
+    </p:extLst>
+  </p:cSld>
+  <p:clrMapOvr>
+    <a:masterClrMapping/>
+  </p:clrMapOvr>
+  <p:timing>
+    <p:tnLst>
+      <p:par>
+        <p:cTn id="1" dur="indefinite" restart="never" nodeType="tmRoot"/>
+      </p:par>
+    </p:tnLst>
+  </p:timing>
+</p:sld>
+</file>
+
+<file path=ppt/slides/slide19.xml><?xml version="1.0" encoding="utf-8"?>
+<p:sld xmlns:a="http://schemas.openxmlformats.org/drawingml/2006/main" xmlns:r="http://schemas.openxmlformats.org/officeDocument/2006/relationships" xmlns:p="http://schemas.openxmlformats.org/presentationml/2006/main">
+  <p:cSld>
+    <p:spTree>
+      <p:nvGrpSpPr>
+        <p:cNvPr id="1" name=""/>
+        <p:cNvGrpSpPr/>
+        <p:nvPr/>
+      </p:nvGrpSpPr>
+      <p:grpSpPr>
+        <a:xfrm>
+          <a:off x="0" y="0"/>
+          <a:ext cx="0" cy="0"/>
+          <a:chOff x="0" y="0"/>
+          <a:chExt cx="0" cy="0"/>
+        </a:xfrm>
+      </p:grpSpPr>
+      <p:sp>
+        <p:nvSpPr>
+          <p:cNvPr id="2" name="Rounded Rectangle 1"/>
+          <p:cNvSpPr/>
+          <p:nvPr/>
+        </p:nvSpPr>
+        <p:spPr>
+          <a:xfrm>
+            <a:off x="2971800" y="1057250"/>
+            <a:ext cx="1744717" cy="1933904"/>
+          </a:xfrm>
+          <a:prstGeom prst="roundRect">
+            <a:avLst/>
+          </a:prstGeom>
+          <a:solidFill>
+            <a:schemeClr val="tx2"/>
+          </a:solidFill>
+        </p:spPr>
+        <p:style>
+          <a:lnRef idx="2">
+            <a:schemeClr val="dk1"/>
+          </a:lnRef>
+          <a:fillRef idx="1">
+            <a:schemeClr val="lt1"/>
+          </a:fillRef>
+          <a:effectRef idx="0">
+            <a:schemeClr val="dk1"/>
+          </a:effectRef>
+          <a:fontRef idx="minor">
+            <a:schemeClr val="dk1"/>
+          </a:fontRef>
+        </p:style>
+        <p:txBody>
+          <a:bodyPr rtlCol="0" anchor="ctr"/>
+          <a:lstStyle/>
+          <a:p>
+            <a:pPr algn="ctr"/>
+            <a:endParaRPr lang="en-US"/>
+          </a:p>
+        </p:txBody>
+      </p:sp>
+      <p:sp>
+        <p:nvSpPr>
+          <p:cNvPr id="3" name="TextBox 2"/>
+          <p:cNvSpPr txBox="1"/>
+          <p:nvPr/>
+        </p:nvSpPr>
+        <p:spPr>
+          <a:xfrm>
+            <a:off x="3192517" y="1309497"/>
+            <a:ext cx="1208689" cy="307777"/>
+          </a:xfrm>
+          <a:prstGeom prst="rect">
+            <a:avLst/>
+          </a:prstGeom>
+          <a:noFill/>
+        </p:spPr>
+        <p:txBody>
+          <a:bodyPr wrap="square" rtlCol="0">
+            <a:spAutoFit/>
+          </a:bodyPr>
+          <a:lstStyle/>
+          <a:p>
+            <a:pPr algn="ctr"/>
+            <a:r>
+              <a:rPr lang="en-US" sz="1400" b="1" dirty="0" smtClean="0">
+                <a:solidFill>
+                  <a:schemeClr val="bg1"/>
+                </a:solidFill>
+                <a:latin typeface="Calibri Light" panose="020F0302020204030204" pitchFamily="34" charset="0"/>
+              </a:rPr>
+              <a:t>Index Page</a:t>
+            </a:r>
+            <a:endParaRPr lang="en-US" sz="1400" b="1" dirty="0">
+              <a:solidFill>
+                <a:schemeClr val="bg1"/>
+              </a:solidFill>
+              <a:latin typeface="Calibri Light" panose="020F0302020204030204" pitchFamily="34" charset="0"/>
+            </a:endParaRPr>
+          </a:p>
+        </p:txBody>
+      </p:sp>
+      <p:sp>
+        <p:nvSpPr>
+          <p:cNvPr id="8" name="Rounded Rectangle 7"/>
+          <p:cNvSpPr/>
+          <p:nvPr/>
+        </p:nvSpPr>
+        <p:spPr>
+          <a:xfrm>
+            <a:off x="5284076" y="1057250"/>
+            <a:ext cx="2317531" cy="1933904"/>
+          </a:xfrm>
+          <a:prstGeom prst="roundRect">
+            <a:avLst/>
+          </a:prstGeom>
+          <a:solidFill>
+            <a:schemeClr val="tx2"/>
+          </a:solidFill>
+        </p:spPr>
+        <p:style>
+          <a:lnRef idx="2">
+            <a:schemeClr val="dk1"/>
+          </a:lnRef>
+          <a:fillRef idx="1">
+            <a:schemeClr val="lt1"/>
+          </a:fillRef>
+          <a:effectRef idx="0">
+            <a:schemeClr val="dk1"/>
+          </a:effectRef>
+          <a:fontRef idx="minor">
+            <a:schemeClr val="dk1"/>
+          </a:fontRef>
+        </p:style>
+        <p:txBody>
+          <a:bodyPr rtlCol="0" anchor="ctr"/>
+          <a:lstStyle/>
+          <a:p>
+            <a:pPr algn="ctr"/>
+            <a:endParaRPr lang="en-US"/>
+          </a:p>
+        </p:txBody>
+      </p:sp>
+      <p:sp>
+        <p:nvSpPr>
+          <p:cNvPr id="10" name="TextBox 9"/>
+          <p:cNvSpPr txBox="1"/>
+          <p:nvPr/>
+        </p:nvSpPr>
+        <p:spPr>
+          <a:xfrm>
+            <a:off x="5284076" y="1298986"/>
+            <a:ext cx="2243959" cy="307777"/>
+          </a:xfrm>
+          <a:prstGeom prst="rect">
+            <a:avLst/>
+          </a:prstGeom>
+          <a:noFill/>
+        </p:spPr>
+        <p:txBody>
+          <a:bodyPr wrap="square" rtlCol="0">
+            <a:spAutoFit/>
+          </a:bodyPr>
+          <a:lstStyle/>
+          <a:p>
+            <a:pPr algn="ctr"/>
+            <a:r>
+              <a:rPr lang="en-US" sz="1400" b="1" dirty="0" smtClean="0">
+                <a:solidFill>
+                  <a:schemeClr val="bg1"/>
+                </a:solidFill>
+                <a:latin typeface="Calibri Light" panose="020F0302020204030204" pitchFamily="34" charset="0"/>
+              </a:rPr>
+              <a:t>Category Page</a:t>
+            </a:r>
+            <a:endParaRPr lang="en-US" sz="1400" b="1" dirty="0">
+              <a:solidFill>
+                <a:schemeClr val="bg1"/>
+              </a:solidFill>
+              <a:latin typeface="Calibri Light" panose="020F0302020204030204" pitchFamily="34" charset="0"/>
+            </a:endParaRPr>
+          </a:p>
+        </p:txBody>
+      </p:sp>
+      <p:sp>
+        <p:nvSpPr>
+          <p:cNvPr id="11" name="TextBox 10"/>
+          <p:cNvSpPr txBox="1"/>
+          <p:nvPr/>
+        </p:nvSpPr>
+        <p:spPr>
+          <a:xfrm>
+            <a:off x="5454869" y="1685214"/>
+            <a:ext cx="987972" cy="861774"/>
+          </a:xfrm>
+          <a:prstGeom prst="rect">
+            <a:avLst/>
+          </a:prstGeom>
+          <a:noFill/>
+        </p:spPr>
+        <p:txBody>
+          <a:bodyPr wrap="square" rtlCol="0">
+            <a:spAutoFit/>
+          </a:bodyPr>
+          <a:lstStyle/>
+          <a:p>
+            <a:pPr algn="ctr"/>
+            <a:r>
+              <a:rPr lang="en-US" sz="1000" b="1" dirty="0">
+                <a:solidFill>
+                  <a:schemeClr val="bg1"/>
+                </a:solidFill>
+              </a:rPr>
+              <a:t> </a:t>
+            </a:r>
+            <a:r>
+              <a:rPr lang="en-US" sz="1000" b="1" dirty="0" smtClean="0">
+                <a:solidFill>
+                  <a:schemeClr val="bg1"/>
+                </a:solidFill>
+              </a:rPr>
+              <a:t>Product</a:t>
+            </a:r>
+            <a:endParaRPr lang="en-US" sz="1000" b="1" dirty="0">
+              <a:solidFill>
+                <a:schemeClr val="bg1"/>
+              </a:solidFill>
+            </a:endParaRPr>
+          </a:p>
+          <a:p>
+            <a:pPr algn="ctr"/>
+            <a:r>
+              <a:rPr lang="en-US" sz="1000" dirty="0" smtClean="0">
+                <a:solidFill>
+                  <a:schemeClr val="bg1"/>
+                </a:solidFill>
+              </a:rPr>
+              <a:t>Product 1</a:t>
+            </a:r>
+          </a:p>
+          <a:p>
+            <a:pPr algn="ctr"/>
+            <a:r>
+              <a:rPr lang="en-US" sz="1000" dirty="0" smtClean="0">
+                <a:solidFill>
+                  <a:schemeClr val="bg1"/>
+                </a:solidFill>
+              </a:rPr>
+              <a:t>Product 2</a:t>
+            </a:r>
+          </a:p>
+          <a:p>
+            <a:pPr algn="ctr"/>
+            <a:r>
+              <a:rPr lang="en-US" sz="1000" dirty="0" smtClean="0">
+                <a:solidFill>
+                  <a:schemeClr val="bg1"/>
+                </a:solidFill>
+              </a:rPr>
+              <a:t>Product 3</a:t>
+            </a:r>
+          </a:p>
+          <a:p>
+            <a:pPr algn="ctr"/>
+            <a:r>
+              <a:rPr lang="en-US" sz="1000" dirty="0" smtClean="0">
+                <a:solidFill>
+                  <a:schemeClr val="bg1"/>
+                </a:solidFill>
+              </a:rPr>
+              <a:t>Product 4</a:t>
+            </a:r>
+            <a:endParaRPr lang="en-US" sz="1000" dirty="0">
+              <a:solidFill>
+                <a:schemeClr val="bg1"/>
+              </a:solidFill>
+            </a:endParaRPr>
+          </a:p>
+        </p:txBody>
+      </p:sp>
+      <p:sp>
+        <p:nvSpPr>
+          <p:cNvPr id="14" name="TextBox 13"/>
+          <p:cNvSpPr txBox="1"/>
+          <p:nvPr/>
+        </p:nvSpPr>
+        <p:spPr>
+          <a:xfrm>
+            <a:off x="6442841" y="1750932"/>
+            <a:ext cx="917028" cy="400110"/>
+          </a:xfrm>
+          <a:prstGeom prst="rect">
+            <a:avLst/>
+          </a:prstGeom>
+          <a:noFill/>
+        </p:spPr>
+        <p:txBody>
+          <a:bodyPr wrap="square" rtlCol="0">
+            <a:spAutoFit/>
+          </a:bodyPr>
+          <a:lstStyle/>
+          <a:p>
+            <a:pPr algn="ctr"/>
+            <a:r>
+              <a:rPr lang="en-US" sz="1000" dirty="0" smtClean="0">
+                <a:solidFill>
+                  <a:schemeClr val="bg1"/>
+                </a:solidFill>
+              </a:rPr>
+              <a:t>Add To Cart</a:t>
+            </a:r>
+            <a:endParaRPr lang="en-US" sz="1000" dirty="0">
+              <a:solidFill>
+                <a:schemeClr val="bg1"/>
+              </a:solidFill>
+            </a:endParaRPr>
+          </a:p>
+        </p:txBody>
+      </p:sp>
+      <p:sp>
+        <p:nvSpPr>
+          <p:cNvPr id="15" name="TextBox 14"/>
+          <p:cNvSpPr txBox="1"/>
+          <p:nvPr/>
+        </p:nvSpPr>
+        <p:spPr>
+          <a:xfrm>
+            <a:off x="6534806" y="2191594"/>
+            <a:ext cx="917028" cy="246221"/>
+          </a:xfrm>
+          <a:prstGeom prst="rect">
+            <a:avLst/>
+          </a:prstGeom>
+          <a:noFill/>
+        </p:spPr>
+        <p:txBody>
+          <a:bodyPr wrap="square" rtlCol="0">
+            <a:spAutoFit/>
+          </a:bodyPr>
+          <a:lstStyle/>
+          <a:p>
+            <a:pPr algn="ctr"/>
+            <a:r>
+              <a:rPr lang="en-US" sz="1000" dirty="0" smtClean="0">
+                <a:solidFill>
+                  <a:schemeClr val="bg1"/>
+                </a:solidFill>
+              </a:rPr>
+              <a:t>View Cart</a:t>
+            </a:r>
+            <a:endParaRPr lang="en-US" sz="1000" dirty="0">
+              <a:solidFill>
+                <a:schemeClr val="bg1"/>
+              </a:solidFill>
+            </a:endParaRPr>
+          </a:p>
+        </p:txBody>
+      </p:sp>
+      <p:sp>
+        <p:nvSpPr>
+          <p:cNvPr id="16" name="Rounded Rectangle 15"/>
+          <p:cNvSpPr/>
+          <p:nvPr/>
+        </p:nvSpPr>
+        <p:spPr>
+          <a:xfrm>
+            <a:off x="8266386" y="1057250"/>
+            <a:ext cx="2317531" cy="1933904"/>
+          </a:xfrm>
+          <a:prstGeom prst="roundRect">
+            <a:avLst/>
+          </a:prstGeom>
+          <a:solidFill>
+            <a:schemeClr val="tx2"/>
+          </a:solidFill>
+        </p:spPr>
+        <p:style>
+          <a:lnRef idx="2">
+            <a:schemeClr val="dk1"/>
+          </a:lnRef>
+          <a:fillRef idx="1">
+            <a:schemeClr val="lt1"/>
+          </a:fillRef>
+          <a:effectRef idx="0">
+            <a:schemeClr val="dk1"/>
+          </a:effectRef>
+          <a:fontRef idx="minor">
+            <a:schemeClr val="dk1"/>
+          </a:fontRef>
+        </p:style>
+        <p:txBody>
+          <a:bodyPr rtlCol="0" anchor="ctr"/>
+          <a:lstStyle/>
+          <a:p>
+            <a:pPr algn="ctr"/>
+            <a:endParaRPr lang="en-US"/>
+          </a:p>
+        </p:txBody>
+      </p:sp>
+      <p:sp>
+        <p:nvSpPr>
+          <p:cNvPr id="19" name="TextBox 18"/>
+          <p:cNvSpPr txBox="1"/>
+          <p:nvPr/>
+        </p:nvSpPr>
+        <p:spPr>
+          <a:xfrm>
+            <a:off x="8303171" y="1309656"/>
+            <a:ext cx="2243959" cy="307777"/>
+          </a:xfrm>
+          <a:prstGeom prst="rect">
+            <a:avLst/>
+          </a:prstGeom>
+          <a:noFill/>
+        </p:spPr>
+        <p:txBody>
+          <a:bodyPr wrap="square" rtlCol="0">
+            <a:spAutoFit/>
+          </a:bodyPr>
+          <a:lstStyle/>
+          <a:p>
+            <a:pPr algn="ctr"/>
+            <a:r>
+              <a:rPr lang="en-US" sz="1400" b="1" dirty="0" smtClean="0">
+                <a:solidFill>
+                  <a:schemeClr val="bg1"/>
+                </a:solidFill>
+                <a:latin typeface="Calibri Light" panose="020F0302020204030204" pitchFamily="34" charset="0"/>
+              </a:rPr>
+              <a:t>Cart Page</a:t>
+            </a:r>
+            <a:endParaRPr lang="en-US" sz="1400" b="1" dirty="0">
+              <a:solidFill>
+                <a:schemeClr val="bg1"/>
+              </a:solidFill>
+              <a:latin typeface="Calibri Light" panose="020F0302020204030204" pitchFamily="34" charset="0"/>
+            </a:endParaRPr>
+          </a:p>
+        </p:txBody>
+      </p:sp>
+      <p:sp>
+        <p:nvSpPr>
+          <p:cNvPr id="20" name="TextBox 19"/>
+          <p:cNvSpPr txBox="1"/>
+          <p:nvPr/>
+        </p:nvSpPr>
+        <p:spPr>
+          <a:xfrm>
+            <a:off x="8376745" y="1643567"/>
+            <a:ext cx="987972" cy="907941"/>
+          </a:xfrm>
+          <a:prstGeom prst="rect">
+            <a:avLst/>
+          </a:prstGeom>
+          <a:noFill/>
+        </p:spPr>
+        <p:txBody>
+          <a:bodyPr wrap="square" rtlCol="0">
+            <a:spAutoFit/>
+          </a:bodyPr>
+          <a:lstStyle/>
+          <a:p>
+            <a:pPr algn="ctr"/>
+            <a:r>
+              <a:rPr lang="en-US" sz="1000" dirty="0" smtClean="0">
+                <a:solidFill>
+                  <a:schemeClr val="bg1"/>
+                </a:solidFill>
+              </a:rPr>
+              <a:t>Cart Items</a:t>
+            </a:r>
+          </a:p>
+          <a:p>
+            <a:pPr algn="ctr"/>
+            <a:r>
+              <a:rPr lang="en-US" sz="1000" dirty="0" smtClean="0">
+                <a:solidFill>
+                  <a:schemeClr val="bg1"/>
+                </a:solidFill>
+              </a:rPr>
+              <a:t>Item</a:t>
+            </a:r>
+            <a:r>
+              <a:rPr lang="en-US" sz="1100" dirty="0" smtClean="0">
+                <a:solidFill>
+                  <a:schemeClr val="bg1"/>
+                </a:solidFill>
+              </a:rPr>
+              <a:t> 1</a:t>
+            </a:r>
+          </a:p>
+          <a:p>
+            <a:pPr algn="ctr"/>
+            <a:r>
+              <a:rPr lang="en-US" sz="1100" dirty="0" smtClean="0">
+                <a:solidFill>
+                  <a:schemeClr val="bg1"/>
+                </a:solidFill>
+              </a:rPr>
+              <a:t>Item 2</a:t>
+            </a:r>
+          </a:p>
+          <a:p>
+            <a:pPr algn="ctr"/>
+            <a:r>
+              <a:rPr lang="en-US" sz="1100" dirty="0" smtClean="0">
+                <a:solidFill>
+                  <a:schemeClr val="bg1"/>
+                </a:solidFill>
+              </a:rPr>
+              <a:t>Item 3</a:t>
+            </a:r>
+          </a:p>
+          <a:p>
+            <a:pPr algn="ctr"/>
+            <a:r>
+              <a:rPr lang="en-US" sz="1000" dirty="0" smtClean="0">
+                <a:solidFill>
+                  <a:schemeClr val="bg1"/>
+                </a:solidFill>
+              </a:rPr>
+              <a:t>Item 4</a:t>
+            </a:r>
+            <a:endParaRPr lang="en-US" sz="1000" dirty="0">
+              <a:solidFill>
+                <a:schemeClr val="bg1"/>
+              </a:solidFill>
+            </a:endParaRPr>
+          </a:p>
+        </p:txBody>
+      </p:sp>
+      <p:sp>
+        <p:nvSpPr>
+          <p:cNvPr id="21" name="TextBox 20"/>
+          <p:cNvSpPr txBox="1"/>
+          <p:nvPr/>
+        </p:nvSpPr>
+        <p:spPr>
+          <a:xfrm>
+            <a:off x="3255578" y="1677678"/>
+            <a:ext cx="987972" cy="861774"/>
+          </a:xfrm>
+          <a:prstGeom prst="rect">
+            <a:avLst/>
+          </a:prstGeom>
+          <a:noFill/>
+        </p:spPr>
+        <p:txBody>
+          <a:bodyPr wrap="square" rtlCol="0">
+            <a:spAutoFit/>
+          </a:bodyPr>
+          <a:lstStyle/>
+          <a:p>
+            <a:pPr algn="ctr"/>
+            <a:r>
+              <a:rPr lang="en-US" sz="1000" b="1" dirty="0">
+                <a:solidFill>
+                  <a:schemeClr val="bg1"/>
+                </a:solidFill>
+              </a:rPr>
+              <a:t> </a:t>
+            </a:r>
+            <a:r>
+              <a:rPr lang="en-US" sz="1000" b="1" dirty="0" smtClean="0">
+                <a:solidFill>
+                  <a:schemeClr val="bg1"/>
+                </a:solidFill>
+              </a:rPr>
+              <a:t>Category</a:t>
+            </a:r>
+            <a:endParaRPr lang="en-US" sz="1000" b="1" dirty="0">
+              <a:solidFill>
+                <a:schemeClr val="bg1"/>
+              </a:solidFill>
+            </a:endParaRPr>
+          </a:p>
+          <a:p>
+            <a:pPr algn="ctr"/>
+            <a:r>
+              <a:rPr lang="en-US" sz="1000" dirty="0">
+                <a:solidFill>
+                  <a:schemeClr val="bg1"/>
+                </a:solidFill>
+              </a:rPr>
+              <a:t>Category</a:t>
+            </a:r>
+            <a:r>
+              <a:rPr lang="en-US" sz="1000" dirty="0" smtClean="0">
+                <a:solidFill>
+                  <a:schemeClr val="bg1"/>
+                </a:solidFill>
+              </a:rPr>
+              <a:t> 1</a:t>
+            </a:r>
+          </a:p>
+          <a:p>
+            <a:pPr algn="ctr"/>
+            <a:r>
+              <a:rPr lang="en-US" sz="1000" dirty="0">
+                <a:solidFill>
+                  <a:schemeClr val="bg1"/>
+                </a:solidFill>
+              </a:rPr>
+              <a:t>Category</a:t>
+            </a:r>
+            <a:r>
+              <a:rPr lang="en-US" sz="1000" dirty="0" smtClean="0">
+                <a:solidFill>
+                  <a:schemeClr val="bg1"/>
+                </a:solidFill>
+              </a:rPr>
+              <a:t> 2</a:t>
+            </a:r>
+          </a:p>
+          <a:p>
+            <a:pPr algn="ctr"/>
+            <a:r>
+              <a:rPr lang="en-US" sz="1000" dirty="0">
+                <a:solidFill>
+                  <a:schemeClr val="bg1"/>
+                </a:solidFill>
+              </a:rPr>
+              <a:t>Category</a:t>
+            </a:r>
+            <a:r>
+              <a:rPr lang="en-US" sz="1000" dirty="0" smtClean="0">
+                <a:solidFill>
+                  <a:schemeClr val="bg1"/>
+                </a:solidFill>
+              </a:rPr>
+              <a:t> 3</a:t>
+            </a:r>
+          </a:p>
+          <a:p>
+            <a:pPr algn="ctr"/>
+            <a:r>
+              <a:rPr lang="en-US" sz="1000" dirty="0">
+                <a:solidFill>
+                  <a:schemeClr val="bg1"/>
+                </a:solidFill>
+              </a:rPr>
+              <a:t>Category</a:t>
+            </a:r>
+            <a:r>
+              <a:rPr lang="en-US" sz="1000" dirty="0" smtClean="0">
+                <a:solidFill>
+                  <a:schemeClr val="bg1"/>
+                </a:solidFill>
+              </a:rPr>
+              <a:t> 4</a:t>
+            </a:r>
+            <a:endParaRPr lang="en-US" sz="1000" dirty="0">
+              <a:solidFill>
+                <a:schemeClr val="bg1"/>
+              </a:solidFill>
+            </a:endParaRPr>
+          </a:p>
+        </p:txBody>
+      </p:sp>
+      <p:sp>
+        <p:nvSpPr>
+          <p:cNvPr id="23" name="TextBox 22"/>
+          <p:cNvSpPr txBox="1"/>
+          <p:nvPr/>
+        </p:nvSpPr>
+        <p:spPr>
+          <a:xfrm>
+            <a:off x="9511863" y="1791504"/>
+            <a:ext cx="924910" cy="246221"/>
+          </a:xfrm>
+          <a:prstGeom prst="rect">
+            <a:avLst/>
+          </a:prstGeom>
+          <a:noFill/>
+        </p:spPr>
+        <p:txBody>
+          <a:bodyPr wrap="square" rtlCol="0">
+            <a:spAutoFit/>
+          </a:bodyPr>
+          <a:lstStyle/>
+          <a:p>
+            <a:pPr algn="ctr"/>
+            <a:r>
+              <a:rPr lang="en-US" sz="1000" dirty="0" smtClean="0">
+                <a:solidFill>
+                  <a:schemeClr val="bg1"/>
+                </a:solidFill>
+              </a:rPr>
+              <a:t>Clear Cart</a:t>
+            </a:r>
+            <a:endParaRPr lang="en-US" sz="1000" dirty="0">
+              <a:solidFill>
+                <a:schemeClr val="bg1"/>
+              </a:solidFill>
+            </a:endParaRPr>
+          </a:p>
+        </p:txBody>
+      </p:sp>
+      <p:sp>
+        <p:nvSpPr>
+          <p:cNvPr id="24" name="TextBox 23"/>
+          <p:cNvSpPr txBox="1"/>
+          <p:nvPr/>
+        </p:nvSpPr>
+        <p:spPr>
+          <a:xfrm>
+            <a:off x="9490840" y="2239978"/>
+            <a:ext cx="945933" cy="400110"/>
+          </a:xfrm>
+          <a:prstGeom prst="rect">
+            <a:avLst/>
+          </a:prstGeom>
+          <a:noFill/>
+        </p:spPr>
+        <p:txBody>
+          <a:bodyPr wrap="square" rtlCol="0">
+            <a:spAutoFit/>
+          </a:bodyPr>
+          <a:lstStyle/>
+          <a:p>
+            <a:pPr algn="ctr"/>
+            <a:r>
+              <a:rPr lang="en-US" sz="1000" dirty="0" smtClean="0">
+                <a:solidFill>
+                  <a:schemeClr val="bg1"/>
+                </a:solidFill>
+              </a:rPr>
+              <a:t>Proceed To Checkout</a:t>
+            </a:r>
+            <a:endParaRPr lang="en-US" sz="1000" dirty="0">
+              <a:solidFill>
+                <a:schemeClr val="bg1"/>
+              </a:solidFill>
+            </a:endParaRPr>
+          </a:p>
+        </p:txBody>
+      </p:sp>
+      <p:sp>
+        <p:nvSpPr>
+          <p:cNvPr id="25" name="TextBox 24"/>
+          <p:cNvSpPr txBox="1"/>
+          <p:nvPr/>
+        </p:nvSpPr>
+        <p:spPr>
+          <a:xfrm>
+            <a:off x="8628994" y="2640088"/>
+            <a:ext cx="1681655" cy="246221"/>
+          </a:xfrm>
+          <a:prstGeom prst="rect">
+            <a:avLst/>
+          </a:prstGeom>
+          <a:noFill/>
+        </p:spPr>
+        <p:txBody>
+          <a:bodyPr wrap="square" rtlCol="0">
+            <a:spAutoFit/>
+          </a:bodyPr>
+          <a:lstStyle/>
+          <a:p>
+            <a:pPr algn="ctr"/>
+            <a:r>
+              <a:rPr lang="en-US" sz="1000" b="1" dirty="0" smtClean="0">
+                <a:solidFill>
+                  <a:schemeClr val="bg1"/>
+                </a:solidFill>
+              </a:rPr>
+              <a:t>Continue Shopping</a:t>
+            </a:r>
+            <a:endParaRPr lang="en-US" sz="1000" b="1" dirty="0">
+              <a:solidFill>
+                <a:schemeClr val="bg1"/>
+              </a:solidFill>
+            </a:endParaRPr>
+          </a:p>
+        </p:txBody>
+      </p:sp>
+      <p:sp>
+        <p:nvSpPr>
+          <p:cNvPr id="27" name="Rounded Rectangle 26"/>
+          <p:cNvSpPr/>
+          <p:nvPr/>
+        </p:nvSpPr>
+        <p:spPr>
+          <a:xfrm>
+            <a:off x="8266386" y="3720501"/>
+            <a:ext cx="2317531" cy="1933904"/>
+          </a:xfrm>
+          <a:prstGeom prst="roundRect">
+            <a:avLst/>
+          </a:prstGeom>
+          <a:solidFill>
+            <a:schemeClr val="tx2"/>
+          </a:solidFill>
+        </p:spPr>
+        <p:style>
+          <a:lnRef idx="2">
+            <a:schemeClr val="dk1"/>
+          </a:lnRef>
+          <a:fillRef idx="1">
+            <a:schemeClr val="lt1"/>
+          </a:fillRef>
+          <a:effectRef idx="0">
+            <a:schemeClr val="dk1"/>
+          </a:effectRef>
+          <a:fontRef idx="minor">
+            <a:schemeClr val="dk1"/>
+          </a:fontRef>
+        </p:style>
+        <p:txBody>
+          <a:bodyPr rtlCol="0" anchor="ctr"/>
+          <a:lstStyle/>
+          <a:p>
+            <a:pPr algn="ctr"/>
+            <a:endParaRPr lang="en-US"/>
+          </a:p>
+        </p:txBody>
+      </p:sp>
+      <p:sp>
+        <p:nvSpPr>
+          <p:cNvPr id="28" name="TextBox 27"/>
+          <p:cNvSpPr txBox="1"/>
+          <p:nvPr/>
+        </p:nvSpPr>
+        <p:spPr>
+          <a:xfrm>
+            <a:off x="8213833" y="3997026"/>
+            <a:ext cx="2243959" cy="307777"/>
+          </a:xfrm>
+          <a:prstGeom prst="rect">
+            <a:avLst/>
+          </a:prstGeom>
+          <a:noFill/>
+        </p:spPr>
+        <p:txBody>
+          <a:bodyPr wrap="square" rtlCol="0">
+            <a:spAutoFit/>
+          </a:bodyPr>
+          <a:lstStyle/>
+          <a:p>
+            <a:pPr algn="ctr"/>
+            <a:r>
+              <a:rPr lang="en-US" sz="1400" b="1" dirty="0" err="1" smtClean="0">
+                <a:solidFill>
+                  <a:schemeClr val="bg1"/>
+                </a:solidFill>
+                <a:latin typeface="Calibri Light" panose="020F0302020204030204" pitchFamily="34" charset="0"/>
+              </a:rPr>
+              <a:t>CheckOut</a:t>
+            </a:r>
+            <a:r>
+              <a:rPr lang="en-US" sz="1400" b="1" dirty="0" smtClean="0">
+                <a:solidFill>
+                  <a:schemeClr val="bg1"/>
+                </a:solidFill>
+                <a:latin typeface="Calibri Light" panose="020F0302020204030204" pitchFamily="34" charset="0"/>
+              </a:rPr>
+              <a:t> Page</a:t>
+            </a:r>
+            <a:endParaRPr lang="en-US" sz="1400" b="1" dirty="0">
+              <a:solidFill>
+                <a:schemeClr val="bg1"/>
+              </a:solidFill>
+              <a:latin typeface="Calibri Light" panose="020F0302020204030204" pitchFamily="34" charset="0"/>
+            </a:endParaRPr>
+          </a:p>
+        </p:txBody>
+      </p:sp>
+      <p:sp>
+        <p:nvSpPr>
+          <p:cNvPr id="29" name="TextBox 28"/>
+          <p:cNvSpPr txBox="1"/>
+          <p:nvPr/>
+        </p:nvSpPr>
+        <p:spPr>
+          <a:xfrm>
+            <a:off x="8450317" y="4481013"/>
+            <a:ext cx="1923393" cy="246221"/>
+          </a:xfrm>
+          <a:prstGeom prst="rect">
+            <a:avLst/>
+          </a:prstGeom>
+          <a:noFill/>
+        </p:spPr>
+        <p:txBody>
+          <a:bodyPr wrap="square" rtlCol="0">
+            <a:spAutoFit/>
+          </a:bodyPr>
+          <a:lstStyle/>
+          <a:p>
+            <a:pPr algn="ctr"/>
+            <a:r>
+              <a:rPr lang="en-US" sz="1000" dirty="0" smtClean="0">
+                <a:solidFill>
+                  <a:schemeClr val="bg1"/>
+                </a:solidFill>
+              </a:rPr>
+              <a:t>Purchase Calculations</a:t>
+            </a:r>
+            <a:endParaRPr lang="en-US" sz="1000" dirty="0">
+              <a:solidFill>
+                <a:schemeClr val="bg1"/>
+              </a:solidFill>
+            </a:endParaRPr>
+          </a:p>
+        </p:txBody>
+      </p:sp>
+      <p:sp>
+        <p:nvSpPr>
+          <p:cNvPr id="31" name="TextBox 30"/>
+          <p:cNvSpPr txBox="1"/>
+          <p:nvPr/>
+        </p:nvSpPr>
+        <p:spPr>
+          <a:xfrm>
+            <a:off x="8463454" y="4780333"/>
+            <a:ext cx="1923393" cy="246221"/>
+          </a:xfrm>
+          <a:prstGeom prst="rect">
+            <a:avLst/>
+          </a:prstGeom>
+          <a:noFill/>
+        </p:spPr>
+        <p:txBody>
+          <a:bodyPr wrap="square" rtlCol="0">
+            <a:spAutoFit/>
+          </a:bodyPr>
+          <a:lstStyle/>
+          <a:p>
+            <a:pPr algn="ctr"/>
+            <a:r>
+              <a:rPr lang="en-US" sz="1000" dirty="0" smtClean="0">
+                <a:solidFill>
+                  <a:schemeClr val="bg1"/>
+                </a:solidFill>
+              </a:rPr>
+              <a:t>Enter Personal Details</a:t>
+            </a:r>
+            <a:endParaRPr lang="en-US" sz="1000" dirty="0">
+              <a:solidFill>
+                <a:schemeClr val="bg1"/>
+              </a:solidFill>
+            </a:endParaRPr>
+          </a:p>
+        </p:txBody>
+      </p:sp>
+      <p:sp>
+        <p:nvSpPr>
+          <p:cNvPr id="32" name="TextBox 31"/>
+          <p:cNvSpPr txBox="1"/>
+          <p:nvPr/>
+        </p:nvSpPr>
+        <p:spPr>
+          <a:xfrm>
+            <a:off x="8463454" y="5083376"/>
+            <a:ext cx="1923393" cy="246221"/>
+          </a:xfrm>
+          <a:prstGeom prst="rect">
+            <a:avLst/>
+          </a:prstGeom>
+          <a:noFill/>
+        </p:spPr>
+        <p:txBody>
+          <a:bodyPr wrap="square" rtlCol="0">
+            <a:spAutoFit/>
+          </a:bodyPr>
+          <a:lstStyle/>
+          <a:p>
+            <a:pPr algn="ctr"/>
+            <a:r>
+              <a:rPr lang="en-US" sz="1000" dirty="0" smtClean="0">
+                <a:solidFill>
+                  <a:schemeClr val="bg1"/>
+                </a:solidFill>
+              </a:rPr>
+              <a:t>Submit Purchase</a:t>
+            </a:r>
+            <a:endParaRPr lang="en-US" sz="1000" dirty="0">
+              <a:solidFill>
+                <a:schemeClr val="bg1"/>
+              </a:solidFill>
+            </a:endParaRPr>
+          </a:p>
+        </p:txBody>
+      </p:sp>
+      <p:sp>
+        <p:nvSpPr>
+          <p:cNvPr id="33" name="Rounded Rectangle 32"/>
+          <p:cNvSpPr/>
+          <p:nvPr/>
+        </p:nvSpPr>
+        <p:spPr>
+          <a:xfrm>
+            <a:off x="5284075" y="3720501"/>
+            <a:ext cx="2317531" cy="1933904"/>
+          </a:xfrm>
+          <a:prstGeom prst="roundRect">
+            <a:avLst/>
+          </a:prstGeom>
+          <a:solidFill>
+            <a:schemeClr val="tx2"/>
+          </a:solidFill>
+        </p:spPr>
+        <p:style>
+          <a:lnRef idx="2">
+            <a:schemeClr val="dk1"/>
+          </a:lnRef>
+          <a:fillRef idx="1">
+            <a:schemeClr val="lt1"/>
+          </a:fillRef>
+          <a:effectRef idx="0">
+            <a:schemeClr val="dk1"/>
+          </a:effectRef>
+          <a:fontRef idx="minor">
+            <a:schemeClr val="dk1"/>
+          </a:fontRef>
+        </p:style>
+        <p:txBody>
+          <a:bodyPr rtlCol="0" anchor="ctr"/>
+          <a:lstStyle/>
+          <a:p>
+            <a:pPr algn="ctr"/>
+            <a:endParaRPr lang="en-US"/>
+          </a:p>
+        </p:txBody>
+      </p:sp>
+      <p:sp>
+        <p:nvSpPr>
+          <p:cNvPr id="35" name="TextBox 34"/>
+          <p:cNvSpPr txBox="1"/>
+          <p:nvPr/>
+        </p:nvSpPr>
+        <p:spPr>
+          <a:xfrm>
+            <a:off x="5242034" y="3997026"/>
+            <a:ext cx="2243959" cy="307777"/>
+          </a:xfrm>
+          <a:prstGeom prst="rect">
+            <a:avLst/>
+          </a:prstGeom>
+          <a:noFill/>
+        </p:spPr>
+        <p:txBody>
+          <a:bodyPr wrap="square" rtlCol="0">
+            <a:spAutoFit/>
+          </a:bodyPr>
+          <a:lstStyle/>
+          <a:p>
+            <a:pPr algn="ctr"/>
+            <a:r>
+              <a:rPr lang="en-US" sz="1400" b="1" dirty="0" smtClean="0">
+                <a:solidFill>
+                  <a:schemeClr val="bg1"/>
+                </a:solidFill>
+                <a:latin typeface="Calibri Light" panose="020F0302020204030204" pitchFamily="34" charset="0"/>
+              </a:rPr>
+              <a:t>Confirmation Page</a:t>
+            </a:r>
+            <a:endParaRPr lang="en-US" sz="1400" b="1" dirty="0">
+              <a:solidFill>
+                <a:schemeClr val="bg1"/>
+              </a:solidFill>
+              <a:latin typeface="Calibri Light" panose="020F0302020204030204" pitchFamily="34" charset="0"/>
+            </a:endParaRPr>
+          </a:p>
+        </p:txBody>
+      </p:sp>
+      <p:sp>
+        <p:nvSpPr>
+          <p:cNvPr id="36" name="TextBox 35"/>
+          <p:cNvSpPr txBox="1"/>
+          <p:nvPr/>
+        </p:nvSpPr>
+        <p:spPr>
+          <a:xfrm>
+            <a:off x="5717628" y="4564814"/>
+            <a:ext cx="1387365" cy="553998"/>
+          </a:xfrm>
+          <a:prstGeom prst="rect">
+            <a:avLst/>
+          </a:prstGeom>
+          <a:noFill/>
+        </p:spPr>
+        <p:txBody>
+          <a:bodyPr wrap="square" rtlCol="0">
+            <a:spAutoFit/>
+          </a:bodyPr>
+          <a:lstStyle/>
+          <a:p>
+            <a:pPr algn="ctr"/>
+            <a:r>
+              <a:rPr lang="en-US" sz="1000" dirty="0" smtClean="0">
+                <a:solidFill>
+                  <a:schemeClr val="bg1"/>
+                </a:solidFill>
+              </a:rPr>
+              <a:t>Purchase </a:t>
+            </a:r>
+            <a:r>
+              <a:rPr lang="en-US" sz="1000" dirty="0" err="1" smtClean="0">
+                <a:solidFill>
+                  <a:schemeClr val="bg1"/>
+                </a:solidFill>
+              </a:rPr>
+              <a:t>Confiramation</a:t>
+            </a:r>
+            <a:r>
+              <a:rPr lang="en-US" sz="1000" dirty="0" smtClean="0">
+                <a:solidFill>
+                  <a:schemeClr val="bg1"/>
+                </a:solidFill>
+              </a:rPr>
+              <a:t> Details</a:t>
+            </a:r>
+            <a:endParaRPr lang="en-US" sz="1000" dirty="0">
+              <a:solidFill>
+                <a:schemeClr val="bg1"/>
+              </a:solidFill>
+            </a:endParaRPr>
+          </a:p>
+        </p:txBody>
+      </p:sp>
+      <p:sp>
+        <p:nvSpPr>
+          <p:cNvPr id="37" name="Right Arrow 36"/>
+          <p:cNvSpPr/>
+          <p:nvPr/>
+        </p:nvSpPr>
+        <p:spPr>
+          <a:xfrm>
+            <a:off x="4120056" y="1950987"/>
+            <a:ext cx="1513490" cy="273270"/>
+          </a:xfrm>
+          <a:prstGeom prst="rightArrow">
+            <a:avLst/>
+          </a:prstGeom>
+          <a:solidFill>
+            <a:schemeClr val="tx1"/>
+          </a:solidFill>
+          <a:ln>
+            <a:solidFill>
+              <a:schemeClr val="bg1"/>
+            </a:solidFill>
+          </a:ln>
+        </p:spPr>
+        <p:style>
+          <a:lnRef idx="2">
+            <a:schemeClr val="accent1">
+              <a:shade val="50000"/>
+            </a:schemeClr>
+          </a:lnRef>
+          <a:fillRef idx="1">
+            <a:schemeClr val="accent1"/>
+          </a:fillRef>
+          <a:effectRef idx="0">
+            <a:schemeClr val="accent1"/>
+          </a:effectRef>
+          <a:fontRef idx="minor">
+            <a:schemeClr val="lt1"/>
+          </a:fontRef>
+        </p:style>
+        <p:txBody>
+          <a:bodyPr rtlCol="0" anchor="ctr"/>
+          <a:lstStyle/>
+          <a:p>
+            <a:pPr algn="ctr"/>
+            <a:endParaRPr lang="en-US">
+              <a:solidFill>
+                <a:schemeClr val="tx1"/>
+              </a:solidFill>
+            </a:endParaRPr>
+          </a:p>
+        </p:txBody>
+      </p:sp>
+      <p:sp>
+        <p:nvSpPr>
+          <p:cNvPr id="38" name="Right Arrow 37"/>
+          <p:cNvSpPr/>
+          <p:nvPr/>
+        </p:nvSpPr>
+        <p:spPr>
+          <a:xfrm>
+            <a:off x="7359870" y="2191594"/>
+            <a:ext cx="1269124" cy="273270"/>
+          </a:xfrm>
+          <a:prstGeom prst="rightArrow">
+            <a:avLst/>
+          </a:prstGeom>
+          <a:solidFill>
+            <a:schemeClr val="tx1"/>
+          </a:solidFill>
+          <a:ln>
+            <a:solidFill>
+              <a:schemeClr val="bg1"/>
+            </a:solidFill>
+          </a:ln>
+        </p:spPr>
+        <p:style>
+          <a:lnRef idx="2">
+            <a:schemeClr val="accent1">
+              <a:shade val="50000"/>
+            </a:schemeClr>
+          </a:lnRef>
+          <a:fillRef idx="1">
+            <a:schemeClr val="accent1"/>
+          </a:fillRef>
+          <a:effectRef idx="0">
+            <a:schemeClr val="accent1"/>
+          </a:effectRef>
+          <a:fontRef idx="minor">
+            <a:schemeClr val="lt1"/>
+          </a:fontRef>
+        </p:style>
+        <p:txBody>
+          <a:bodyPr rtlCol="0" anchor="ctr"/>
+          <a:lstStyle/>
+          <a:p>
+            <a:pPr algn="ctr"/>
+            <a:endParaRPr lang="en-US">
+              <a:solidFill>
+                <a:schemeClr val="tx1"/>
+              </a:solidFill>
+            </a:endParaRPr>
+          </a:p>
+        </p:txBody>
+      </p:sp>
+      <p:sp>
+        <p:nvSpPr>
+          <p:cNvPr id="39" name="Left Arrow 38"/>
+          <p:cNvSpPr/>
+          <p:nvPr/>
+        </p:nvSpPr>
+        <p:spPr>
+          <a:xfrm>
+            <a:off x="7357242" y="2643059"/>
+            <a:ext cx="1466192" cy="245789"/>
+          </a:xfrm>
+          <a:prstGeom prst="leftArrow">
+            <a:avLst/>
+          </a:prstGeom>
+          <a:solidFill>
+            <a:schemeClr val="tx1"/>
+          </a:solidFill>
+          <a:ln>
+            <a:solidFill>
+              <a:schemeClr val="bg1"/>
+            </a:solidFill>
+          </a:ln>
+        </p:spPr>
+        <p:style>
+          <a:lnRef idx="2">
+            <a:schemeClr val="accent1">
+              <a:shade val="50000"/>
+            </a:schemeClr>
+          </a:lnRef>
+          <a:fillRef idx="1">
+            <a:schemeClr val="accent1"/>
+          </a:fillRef>
+          <a:effectRef idx="0">
+            <a:schemeClr val="accent1"/>
+          </a:effectRef>
+          <a:fontRef idx="minor">
+            <a:schemeClr val="lt1"/>
+          </a:fontRef>
+        </p:style>
+        <p:txBody>
+          <a:bodyPr rtlCol="0" anchor="ctr"/>
+          <a:lstStyle/>
+          <a:p>
+            <a:pPr algn="ctr"/>
+            <a:endParaRPr lang="en-US"/>
+          </a:p>
+        </p:txBody>
+      </p:sp>
+      <p:sp>
+        <p:nvSpPr>
+          <p:cNvPr id="43" name="Curved Left Arrow 42"/>
+          <p:cNvSpPr/>
+          <p:nvPr/>
+        </p:nvSpPr>
+        <p:spPr>
+          <a:xfrm>
+            <a:off x="10468305" y="2355243"/>
+            <a:ext cx="998480" cy="2763578"/>
+          </a:xfrm>
+          <a:prstGeom prst="curvedLeftArrow">
+            <a:avLst/>
+          </a:prstGeom>
+          <a:solidFill>
+            <a:schemeClr val="tx1"/>
+          </a:solidFill>
+          <a:ln>
+            <a:solidFill>
+              <a:schemeClr val="bg1"/>
+            </a:solidFill>
+          </a:ln>
+        </p:spPr>
+        <p:style>
+          <a:lnRef idx="2">
+            <a:schemeClr val="accent1">
+              <a:shade val="50000"/>
+            </a:schemeClr>
+          </a:lnRef>
+          <a:fillRef idx="1">
+            <a:schemeClr val="accent1"/>
+          </a:fillRef>
+          <a:effectRef idx="0">
+            <a:schemeClr val="accent1"/>
+          </a:effectRef>
+          <a:fontRef idx="minor">
+            <a:schemeClr val="lt1"/>
+          </a:fontRef>
+        </p:style>
+        <p:txBody>
+          <a:bodyPr rtlCol="0" anchor="ctr"/>
+          <a:lstStyle/>
+          <a:p>
+            <a:pPr algn="ctr"/>
+            <a:endParaRPr lang="en-US">
+              <a:solidFill>
+                <a:schemeClr val="tx1"/>
+              </a:solidFill>
+            </a:endParaRPr>
+          </a:p>
+        </p:txBody>
+      </p:sp>
+      <p:sp>
+        <p:nvSpPr>
+          <p:cNvPr id="44" name="Left Arrow 43"/>
+          <p:cNvSpPr/>
+          <p:nvPr/>
+        </p:nvSpPr>
+        <p:spPr>
+          <a:xfrm>
+            <a:off x="7325708" y="5076164"/>
+            <a:ext cx="1466192" cy="245789"/>
+          </a:xfrm>
+          <a:prstGeom prst="leftArrow">
+            <a:avLst/>
+          </a:prstGeom>
+          <a:solidFill>
+            <a:schemeClr val="tx1"/>
+          </a:solidFill>
+          <a:ln>
+            <a:solidFill>
+              <a:schemeClr val="bg1"/>
+            </a:solidFill>
+          </a:ln>
+        </p:spPr>
+        <p:style>
+          <a:lnRef idx="2">
+            <a:schemeClr val="accent1">
+              <a:shade val="50000"/>
+            </a:schemeClr>
+          </a:lnRef>
+          <a:fillRef idx="1">
+            <a:schemeClr val="accent1"/>
+          </a:fillRef>
+          <a:effectRef idx="0">
+            <a:schemeClr val="accent1"/>
+          </a:effectRef>
+          <a:fontRef idx="minor">
+            <a:schemeClr val="lt1"/>
+          </a:fontRef>
+        </p:style>
+        <p:txBody>
+          <a:bodyPr rtlCol="0" anchor="ctr"/>
+          <a:lstStyle/>
+          <a:p>
+            <a:pPr algn="ctr"/>
+            <a:endParaRPr lang="en-US"/>
+          </a:p>
+        </p:txBody>
+      </p:sp>
+      <p:sp>
+        <p:nvSpPr>
+          <p:cNvPr id="45" name="Rectangle 44"/>
+          <p:cNvSpPr/>
+          <p:nvPr/>
+        </p:nvSpPr>
+        <p:spPr>
+          <a:xfrm flipH="1">
+            <a:off x="295619" y="3195283"/>
+            <a:ext cx="2546115" cy="3170099"/>
+          </a:xfrm>
+          <a:prstGeom prst="rect">
+            <a:avLst/>
+          </a:prstGeom>
+          <a:noFill/>
+        </p:spPr>
+        <p:txBody>
+          <a:bodyPr wrap="square" lIns="91440" tIns="45720" rIns="91440" bIns="45720">
+            <a:spAutoFit/>
+          </a:bodyPr>
+          <a:lstStyle/>
+          <a:p>
+            <a:pPr algn="ctr"/>
+            <a:r>
+              <a:rPr lang="en-US" sz="4000" b="1" cap="none" spc="0" dirty="0" smtClean="0">
+                <a:ln w="12700">
+                  <a:solidFill>
+                    <a:schemeClr val="tx2">
+                      <a:lumMod val="75000"/>
+                    </a:schemeClr>
+                  </a:solidFill>
+                  <a:prstDash val="solid"/>
+                </a:ln>
+                <a:pattFill prst="dkUpDiag">
+                  <a:fgClr>
+                    <a:schemeClr val="tx2"/>
+                  </a:fgClr>
+                  <a:bgClr>
+                    <a:schemeClr val="tx2">
+                      <a:lumMod val="20000"/>
+                      <a:lumOff val="80000"/>
+                    </a:schemeClr>
+                  </a:bgClr>
+                </a:pattFill>
+                <a:effectLst>
+                  <a:outerShdw dist="38100" dir="2640000" algn="bl" rotWithShape="0">
+                    <a:schemeClr val="tx2">
+                      <a:lumMod val="75000"/>
+                    </a:schemeClr>
+                  </a:outerShdw>
+                </a:effectLst>
+              </a:rPr>
+              <a:t>Online Shopping System Process </a:t>
+            </a:r>
+            <a:r>
+              <a:rPr lang="en-US" sz="4000" b="1" cap="none" spc="0" dirty="0" err="1" smtClean="0">
+                <a:ln w="12700">
+                  <a:solidFill>
+                    <a:schemeClr val="tx2">
+                      <a:lumMod val="75000"/>
+                    </a:schemeClr>
+                  </a:solidFill>
+                  <a:prstDash val="solid"/>
+                </a:ln>
+                <a:pattFill prst="dkUpDiag">
+                  <a:fgClr>
+                    <a:schemeClr val="tx2"/>
+                  </a:fgClr>
+                  <a:bgClr>
+                    <a:schemeClr val="tx2">
+                      <a:lumMod val="20000"/>
+                      <a:lumOff val="80000"/>
+                    </a:schemeClr>
+                  </a:bgClr>
+                </a:pattFill>
+                <a:effectLst>
+                  <a:outerShdw dist="38100" dir="2640000" algn="bl" rotWithShape="0">
+                    <a:schemeClr val="tx2">
+                      <a:lumMod val="75000"/>
+                    </a:schemeClr>
+                  </a:outerShdw>
+                </a:effectLst>
+              </a:rPr>
+              <a:t>WorkFlow</a:t>
+            </a:r>
+            <a:endParaRPr lang="en-US" sz="4000" b="1" cap="none" spc="0" dirty="0">
+              <a:ln w="12700">
+                <a:solidFill>
+                  <a:schemeClr val="tx2">
+                    <a:lumMod val="75000"/>
+                  </a:schemeClr>
+                </a:solidFill>
+                <a:prstDash val="solid"/>
+              </a:ln>
+              <a:pattFill prst="dkUpDiag">
+                <a:fgClr>
+                  <a:schemeClr val="tx2"/>
+                </a:fgClr>
+                <a:bgClr>
+                  <a:schemeClr val="tx2">
+                    <a:lumMod val="20000"/>
+                    <a:lumOff val="80000"/>
+                  </a:schemeClr>
+                </a:bgClr>
+              </a:pattFill>
+              <a:effectLst>
+                <a:outerShdw dist="38100" dir="2640000" algn="bl" rotWithShape="0">
+                  <a:schemeClr val="tx2">
+                    <a:lumMod val="75000"/>
+                  </a:schemeClr>
+                </a:outerShdw>
+              </a:effectLst>
+            </a:endParaRPr>
+          </a:p>
+        </p:txBody>
+      </p:sp>
+    </p:spTree>
+    <p:extLst>
+      <p:ext uri="{BB962C8B-B14F-4D97-AF65-F5344CB8AC3E}">
+        <p14:creationId xmlns:p14="http://schemas.microsoft.com/office/powerpoint/2010/main" val="1500649797"/>
+      </p:ext>
+    </p:extLst>
+  </p:cSld>
+  <p:clrMapOvr>
+    <a:masterClrMapping/>
+  </p:clrMapOvr>
+  <p:timing>
+    <p:tnLst>
+      <p:par>
+        <p:cTn id="1" dur="indefinite" restart="never" nodeType="tmRoot"/>
+      </p:par>
+    </p:tnLst>
+  </p:timing>
 </p:sld>
 </file>
 
@@ -7157,6 +8733,1820 @@
     <p:extLst>
       <p:ext uri="{BB962C8B-B14F-4D97-AF65-F5344CB8AC3E}">
         <p14:creationId xmlns:p14="http://schemas.microsoft.com/office/powerpoint/2010/main" val="1904094130"/>
+      </p:ext>
+    </p:extLst>
+  </p:cSld>
+  <p:clrMapOvr>
+    <a:masterClrMapping/>
+  </p:clrMapOvr>
+  <p:timing>
+    <p:tnLst>
+      <p:par>
+        <p:cTn id="1" dur="indefinite" restart="never" nodeType="tmRoot"/>
+      </p:par>
+    </p:tnLst>
+  </p:timing>
+</p:sld>
+</file>
+
+<file path=ppt/slides/slide20.xml><?xml version="1.0" encoding="utf-8"?>
+<p:sld xmlns:a="http://schemas.openxmlformats.org/drawingml/2006/main" xmlns:r="http://schemas.openxmlformats.org/officeDocument/2006/relationships" xmlns:p="http://schemas.openxmlformats.org/presentationml/2006/main">
+  <p:cSld>
+    <p:spTree>
+      <p:nvGrpSpPr>
+        <p:cNvPr id="1" name=""/>
+        <p:cNvGrpSpPr/>
+        <p:nvPr/>
+      </p:nvGrpSpPr>
+      <p:grpSpPr>
+        <a:xfrm>
+          <a:off x="0" y="0"/>
+          <a:ext cx="0" cy="0"/>
+          <a:chOff x="0" y="0"/>
+          <a:chExt cx="0" cy="0"/>
+        </a:xfrm>
+      </p:grpSpPr>
+      <p:sp>
+        <p:nvSpPr>
+          <p:cNvPr id="2" name="Flowchart: Magnetic Disk 1"/>
+          <p:cNvSpPr/>
+          <p:nvPr/>
+        </p:nvSpPr>
+        <p:spPr>
+          <a:xfrm>
+            <a:off x="4824249" y="5129997"/>
+            <a:ext cx="1460938" cy="1524000"/>
+          </a:xfrm>
+          <a:prstGeom prst="flowChartMagneticDisk">
+            <a:avLst/>
+          </a:prstGeom>
+          <a:solidFill>
+            <a:schemeClr val="tx2"/>
+          </a:solidFill>
+          <a:ln>
+            <a:solidFill>
+              <a:schemeClr val="tx1"/>
+            </a:solidFill>
+          </a:ln>
+        </p:spPr>
+        <p:style>
+          <a:lnRef idx="2">
+            <a:schemeClr val="accent1">
+              <a:shade val="50000"/>
+            </a:schemeClr>
+          </a:lnRef>
+          <a:fillRef idx="1">
+            <a:schemeClr val="accent1"/>
+          </a:fillRef>
+          <a:effectRef idx="0">
+            <a:schemeClr val="accent1"/>
+          </a:effectRef>
+          <a:fontRef idx="minor">
+            <a:schemeClr val="lt1"/>
+          </a:fontRef>
+        </p:style>
+        <p:txBody>
+          <a:bodyPr rtlCol="0" anchor="ctr"/>
+          <a:lstStyle/>
+          <a:p>
+            <a:pPr algn="ctr"/>
+            <a:endParaRPr lang="en-US"/>
+          </a:p>
+        </p:txBody>
+      </p:sp>
+      <p:sp>
+        <p:nvSpPr>
+          <p:cNvPr id="3" name="Flowchart: Connector 2"/>
+          <p:cNvSpPr/>
+          <p:nvPr/>
+        </p:nvSpPr>
+        <p:spPr>
+          <a:xfrm>
+            <a:off x="2039007" y="1786759"/>
+            <a:ext cx="1145627" cy="1124607"/>
+          </a:xfrm>
+          <a:prstGeom prst="flowChartConnector">
+            <a:avLst/>
+          </a:prstGeom>
+          <a:solidFill>
+            <a:schemeClr val="tx2"/>
+          </a:solidFill>
+        </p:spPr>
+        <p:style>
+          <a:lnRef idx="2">
+            <a:schemeClr val="dk1"/>
+          </a:lnRef>
+          <a:fillRef idx="1">
+            <a:schemeClr val="lt1"/>
+          </a:fillRef>
+          <a:effectRef idx="0">
+            <a:schemeClr val="dk1"/>
+          </a:effectRef>
+          <a:fontRef idx="minor">
+            <a:schemeClr val="dk1"/>
+          </a:fontRef>
+        </p:style>
+        <p:txBody>
+          <a:bodyPr rtlCol="0" anchor="ctr"/>
+          <a:lstStyle/>
+          <a:p>
+            <a:pPr algn="ctr"/>
+            <a:endParaRPr lang="en-US">
+              <a:ln w="0"/>
+              <a:solidFill>
+                <a:schemeClr val="tx1"/>
+              </a:solidFill>
+              <a:effectLst>
+                <a:outerShdw blurRad="38100" dist="19050" dir="2700000" algn="tl" rotWithShape="0">
+                  <a:schemeClr val="dk1">
+                    <a:alpha val="40000"/>
+                  </a:schemeClr>
+                </a:outerShdw>
+              </a:effectLst>
+            </a:endParaRPr>
+          </a:p>
+        </p:txBody>
+      </p:sp>
+      <p:sp>
+        <p:nvSpPr>
+          <p:cNvPr id="5" name="Flowchart: Connector 4"/>
+          <p:cNvSpPr/>
+          <p:nvPr/>
+        </p:nvSpPr>
+        <p:spPr>
+          <a:xfrm>
+            <a:off x="2039006" y="3158359"/>
+            <a:ext cx="1145627" cy="1124607"/>
+          </a:xfrm>
+          <a:prstGeom prst="flowChartConnector">
+            <a:avLst/>
+          </a:prstGeom>
+          <a:solidFill>
+            <a:schemeClr val="tx2"/>
+          </a:solidFill>
+        </p:spPr>
+        <p:style>
+          <a:lnRef idx="2">
+            <a:schemeClr val="accent1">
+              <a:shade val="50000"/>
+            </a:schemeClr>
+          </a:lnRef>
+          <a:fillRef idx="1">
+            <a:schemeClr val="accent1"/>
+          </a:fillRef>
+          <a:effectRef idx="0">
+            <a:schemeClr val="accent1"/>
+          </a:effectRef>
+          <a:fontRef idx="minor">
+            <a:schemeClr val="lt1"/>
+          </a:fontRef>
+        </p:style>
+        <p:txBody>
+          <a:bodyPr rtlCol="0" anchor="ctr"/>
+          <a:lstStyle/>
+          <a:p>
+            <a:pPr algn="ctr"/>
+            <a:endParaRPr lang="en-US"/>
+          </a:p>
+        </p:txBody>
+      </p:sp>
+      <p:sp>
+        <p:nvSpPr>
+          <p:cNvPr id="6" name="TextBox 5"/>
+          <p:cNvSpPr txBox="1"/>
+          <p:nvPr/>
+        </p:nvSpPr>
+        <p:spPr>
+          <a:xfrm>
+            <a:off x="2228193" y="2154621"/>
+            <a:ext cx="788276" cy="430887"/>
+          </a:xfrm>
+          <a:prstGeom prst="rect">
+            <a:avLst/>
+          </a:prstGeom>
+          <a:noFill/>
+        </p:spPr>
+        <p:txBody>
+          <a:bodyPr wrap="square" rtlCol="0">
+            <a:spAutoFit/>
+          </a:bodyPr>
+          <a:lstStyle/>
+          <a:p>
+            <a:pPr algn="ctr"/>
+            <a:r>
+              <a:rPr lang="en-US" sz="1100" dirty="0" smtClean="0">
+                <a:solidFill>
+                  <a:schemeClr val="bg1"/>
+                </a:solidFill>
+              </a:rPr>
+              <a:t>Admin/ Vendor</a:t>
+            </a:r>
+            <a:endParaRPr lang="en-US" sz="1100" dirty="0">
+              <a:solidFill>
+                <a:schemeClr val="bg1"/>
+              </a:solidFill>
+            </a:endParaRPr>
+          </a:p>
+        </p:txBody>
+      </p:sp>
+      <p:sp>
+        <p:nvSpPr>
+          <p:cNvPr id="7" name="TextBox 6"/>
+          <p:cNvSpPr txBox="1"/>
+          <p:nvPr/>
+        </p:nvSpPr>
+        <p:spPr>
+          <a:xfrm>
+            <a:off x="2228193" y="3505218"/>
+            <a:ext cx="788276" cy="600164"/>
+          </a:xfrm>
+          <a:prstGeom prst="rect">
+            <a:avLst/>
+          </a:prstGeom>
+          <a:noFill/>
+        </p:spPr>
+        <p:txBody>
+          <a:bodyPr wrap="square" rtlCol="0">
+            <a:spAutoFit/>
+          </a:bodyPr>
+          <a:lstStyle/>
+          <a:p>
+            <a:pPr algn="ctr"/>
+            <a:r>
+              <a:rPr lang="en-US" sz="1100" dirty="0" smtClean="0">
+                <a:solidFill>
+                  <a:schemeClr val="bg1"/>
+                </a:solidFill>
+              </a:rPr>
+              <a:t>Users/ Customers</a:t>
+            </a:r>
+            <a:endParaRPr lang="en-US" sz="1100" dirty="0">
+              <a:solidFill>
+                <a:schemeClr val="bg1"/>
+              </a:solidFill>
+            </a:endParaRPr>
+          </a:p>
+        </p:txBody>
+      </p:sp>
+      <p:sp>
+        <p:nvSpPr>
+          <p:cNvPr id="8" name="Rounded Rectangle 7"/>
+          <p:cNvSpPr/>
+          <p:nvPr/>
+        </p:nvSpPr>
+        <p:spPr>
+          <a:xfrm>
+            <a:off x="4035971" y="1786759"/>
+            <a:ext cx="2102069" cy="2764220"/>
+          </a:xfrm>
+          <a:prstGeom prst="roundRect">
+            <a:avLst/>
+          </a:prstGeom>
+          <a:solidFill>
+            <a:schemeClr val="tx2"/>
+          </a:solidFill>
+        </p:spPr>
+        <p:style>
+          <a:lnRef idx="2">
+            <a:schemeClr val="accent1">
+              <a:shade val="50000"/>
+            </a:schemeClr>
+          </a:lnRef>
+          <a:fillRef idx="1">
+            <a:schemeClr val="accent1"/>
+          </a:fillRef>
+          <a:effectRef idx="0">
+            <a:schemeClr val="accent1"/>
+          </a:effectRef>
+          <a:fontRef idx="minor">
+            <a:schemeClr val="lt1"/>
+          </a:fontRef>
+        </p:style>
+        <p:txBody>
+          <a:bodyPr rtlCol="0" anchor="ctr"/>
+          <a:lstStyle/>
+          <a:p>
+            <a:pPr algn="ctr"/>
+            <a:endParaRPr lang="en-US"/>
+          </a:p>
+        </p:txBody>
+      </p:sp>
+      <p:sp>
+        <p:nvSpPr>
+          <p:cNvPr id="9" name="TextBox 8"/>
+          <p:cNvSpPr txBox="1"/>
+          <p:nvPr/>
+        </p:nvSpPr>
+        <p:spPr>
+          <a:xfrm>
+            <a:off x="4309239" y="2585508"/>
+            <a:ext cx="1555531" cy="830997"/>
+          </a:xfrm>
+          <a:prstGeom prst="rect">
+            <a:avLst/>
+          </a:prstGeom>
+          <a:noFill/>
+        </p:spPr>
+        <p:txBody>
+          <a:bodyPr wrap="square" rtlCol="0">
+            <a:spAutoFit/>
+          </a:bodyPr>
+          <a:lstStyle/>
+          <a:p>
+            <a:pPr algn="ctr"/>
+            <a:r>
+              <a:rPr lang="en-US" sz="1600" b="1" dirty="0" smtClean="0">
+                <a:solidFill>
+                  <a:schemeClr val="bg1"/>
+                </a:solidFill>
+              </a:rPr>
+              <a:t>E-commerce Portal Management</a:t>
+            </a:r>
+            <a:endParaRPr lang="en-US" sz="1600" b="1" dirty="0">
+              <a:solidFill>
+                <a:schemeClr val="bg1"/>
+              </a:solidFill>
+            </a:endParaRPr>
+          </a:p>
+        </p:txBody>
+      </p:sp>
+      <p:cxnSp>
+        <p:nvCxnSpPr>
+          <p:cNvPr id="11" name="Elbow Connector 10"/>
+          <p:cNvCxnSpPr>
+            <a:stCxn id="3" idx="6"/>
+          </p:cNvCxnSpPr>
+          <p:nvPr/>
+        </p:nvCxnSpPr>
+        <p:spPr>
+          <a:xfrm>
+            <a:off x="3184634" y="2349063"/>
+            <a:ext cx="851337" cy="478220"/>
+          </a:xfrm>
+          <a:prstGeom prst="bentConnector3">
+            <a:avLst/>
+          </a:prstGeom>
+          <a:ln>
+            <a:solidFill>
+              <a:schemeClr val="tx1"/>
+            </a:solidFill>
+            <a:tailEnd type="triangle"/>
+          </a:ln>
+        </p:spPr>
+        <p:style>
+          <a:lnRef idx="1">
+            <a:schemeClr val="accent1"/>
+          </a:lnRef>
+          <a:fillRef idx="0">
+            <a:schemeClr val="accent1"/>
+          </a:fillRef>
+          <a:effectRef idx="0">
+            <a:schemeClr val="accent1"/>
+          </a:effectRef>
+          <a:fontRef idx="minor">
+            <a:schemeClr val="tx1"/>
+          </a:fontRef>
+        </p:style>
+      </p:cxnSp>
+      <p:cxnSp>
+        <p:nvCxnSpPr>
+          <p:cNvPr id="13" name="Elbow Connector 12"/>
+          <p:cNvCxnSpPr>
+            <a:stCxn id="5" idx="6"/>
+            <a:endCxn id="8" idx="1"/>
+          </p:cNvCxnSpPr>
+          <p:nvPr/>
+        </p:nvCxnSpPr>
+        <p:spPr>
+          <a:xfrm flipV="1">
+            <a:off x="3184633" y="3168869"/>
+            <a:ext cx="851338" cy="551794"/>
+          </a:xfrm>
+          <a:prstGeom prst="bentConnector3">
+            <a:avLst/>
+          </a:prstGeom>
+          <a:ln>
+            <a:solidFill>
+              <a:schemeClr val="tx1"/>
+            </a:solidFill>
+            <a:tailEnd type="triangle"/>
+          </a:ln>
+        </p:spPr>
+        <p:style>
+          <a:lnRef idx="1">
+            <a:schemeClr val="accent1"/>
+          </a:lnRef>
+          <a:fillRef idx="0">
+            <a:schemeClr val="accent1"/>
+          </a:fillRef>
+          <a:effectRef idx="0">
+            <a:schemeClr val="accent1"/>
+          </a:effectRef>
+          <a:fontRef idx="minor">
+            <a:schemeClr val="tx1"/>
+          </a:fontRef>
+        </p:style>
+      </p:cxnSp>
+      <p:sp>
+        <p:nvSpPr>
+          <p:cNvPr id="14" name="Rounded Rectangle 13"/>
+          <p:cNvSpPr/>
+          <p:nvPr/>
+        </p:nvSpPr>
+        <p:spPr>
+          <a:xfrm>
+            <a:off x="8723586" y="935421"/>
+            <a:ext cx="2406869" cy="641131"/>
+          </a:xfrm>
+          <a:prstGeom prst="roundRect">
+            <a:avLst/>
+          </a:prstGeom>
+          <a:solidFill>
+            <a:schemeClr val="tx2"/>
+          </a:solidFill>
+          <a:ln>
+            <a:solidFill>
+              <a:schemeClr val="tx1"/>
+            </a:solidFill>
+          </a:ln>
+        </p:spPr>
+        <p:style>
+          <a:lnRef idx="2">
+            <a:schemeClr val="accent1">
+              <a:shade val="50000"/>
+            </a:schemeClr>
+          </a:lnRef>
+          <a:fillRef idx="1">
+            <a:schemeClr val="accent1"/>
+          </a:fillRef>
+          <a:effectRef idx="0">
+            <a:schemeClr val="accent1"/>
+          </a:effectRef>
+          <a:fontRef idx="minor">
+            <a:schemeClr val="lt1"/>
+          </a:fontRef>
+        </p:style>
+        <p:txBody>
+          <a:bodyPr rtlCol="0" anchor="ctr"/>
+          <a:lstStyle/>
+          <a:p>
+            <a:pPr algn="ctr"/>
+            <a:endParaRPr lang="en-US"/>
+          </a:p>
+        </p:txBody>
+      </p:sp>
+      <p:sp>
+        <p:nvSpPr>
+          <p:cNvPr id="15" name="Rounded Rectangle 14"/>
+          <p:cNvSpPr/>
+          <p:nvPr/>
+        </p:nvSpPr>
+        <p:spPr>
+          <a:xfrm>
+            <a:off x="8728840" y="1707931"/>
+            <a:ext cx="2406869" cy="641131"/>
+          </a:xfrm>
+          <a:prstGeom prst="roundRect">
+            <a:avLst/>
+          </a:prstGeom>
+          <a:solidFill>
+            <a:schemeClr val="tx2"/>
+          </a:solidFill>
+          <a:ln>
+            <a:solidFill>
+              <a:schemeClr val="tx1"/>
+            </a:solidFill>
+          </a:ln>
+        </p:spPr>
+        <p:style>
+          <a:lnRef idx="2">
+            <a:schemeClr val="accent1">
+              <a:shade val="50000"/>
+            </a:schemeClr>
+          </a:lnRef>
+          <a:fillRef idx="1">
+            <a:schemeClr val="accent1"/>
+          </a:fillRef>
+          <a:effectRef idx="0">
+            <a:schemeClr val="accent1"/>
+          </a:effectRef>
+          <a:fontRef idx="minor">
+            <a:schemeClr val="lt1"/>
+          </a:fontRef>
+        </p:style>
+        <p:txBody>
+          <a:bodyPr rtlCol="0" anchor="ctr"/>
+          <a:lstStyle/>
+          <a:p>
+            <a:pPr algn="ctr"/>
+            <a:endParaRPr lang="en-US"/>
+          </a:p>
+        </p:txBody>
+      </p:sp>
+      <p:sp>
+        <p:nvSpPr>
+          <p:cNvPr id="16" name="Rounded Rectangle 15"/>
+          <p:cNvSpPr/>
+          <p:nvPr/>
+        </p:nvSpPr>
+        <p:spPr>
+          <a:xfrm>
+            <a:off x="8723586" y="2506717"/>
+            <a:ext cx="2406869" cy="641131"/>
+          </a:xfrm>
+          <a:prstGeom prst="roundRect">
+            <a:avLst/>
+          </a:prstGeom>
+          <a:solidFill>
+            <a:schemeClr val="tx2"/>
+          </a:solidFill>
+          <a:ln>
+            <a:solidFill>
+              <a:schemeClr val="tx1"/>
+            </a:solidFill>
+          </a:ln>
+        </p:spPr>
+        <p:style>
+          <a:lnRef idx="2">
+            <a:schemeClr val="accent1">
+              <a:shade val="50000"/>
+            </a:schemeClr>
+          </a:lnRef>
+          <a:fillRef idx="1">
+            <a:schemeClr val="accent1"/>
+          </a:fillRef>
+          <a:effectRef idx="0">
+            <a:schemeClr val="accent1"/>
+          </a:effectRef>
+          <a:fontRef idx="minor">
+            <a:schemeClr val="lt1"/>
+          </a:fontRef>
+        </p:style>
+        <p:txBody>
+          <a:bodyPr rtlCol="0" anchor="ctr"/>
+          <a:lstStyle/>
+          <a:p>
+            <a:pPr algn="ctr"/>
+            <a:endParaRPr lang="en-US"/>
+          </a:p>
+        </p:txBody>
+      </p:sp>
+      <p:sp>
+        <p:nvSpPr>
+          <p:cNvPr id="17" name="Rounded Rectangle 16"/>
+          <p:cNvSpPr/>
+          <p:nvPr/>
+        </p:nvSpPr>
+        <p:spPr>
+          <a:xfrm>
+            <a:off x="8723585" y="3279227"/>
+            <a:ext cx="2406869" cy="641131"/>
+          </a:xfrm>
+          <a:prstGeom prst="roundRect">
+            <a:avLst/>
+          </a:prstGeom>
+          <a:solidFill>
+            <a:schemeClr val="tx2"/>
+          </a:solidFill>
+          <a:ln>
+            <a:solidFill>
+              <a:schemeClr val="tx1"/>
+            </a:solidFill>
+          </a:ln>
+        </p:spPr>
+        <p:style>
+          <a:lnRef idx="2">
+            <a:schemeClr val="accent1">
+              <a:shade val="50000"/>
+            </a:schemeClr>
+          </a:lnRef>
+          <a:fillRef idx="1">
+            <a:schemeClr val="accent1"/>
+          </a:fillRef>
+          <a:effectRef idx="0">
+            <a:schemeClr val="accent1"/>
+          </a:effectRef>
+          <a:fontRef idx="minor">
+            <a:schemeClr val="lt1"/>
+          </a:fontRef>
+        </p:style>
+        <p:txBody>
+          <a:bodyPr rtlCol="0" anchor="ctr"/>
+          <a:lstStyle/>
+          <a:p>
+            <a:pPr algn="ctr"/>
+            <a:endParaRPr lang="en-US"/>
+          </a:p>
+        </p:txBody>
+      </p:sp>
+      <p:sp>
+        <p:nvSpPr>
+          <p:cNvPr id="18" name="Rounded Rectangle 17"/>
+          <p:cNvSpPr/>
+          <p:nvPr/>
+        </p:nvSpPr>
+        <p:spPr>
+          <a:xfrm>
+            <a:off x="8723585" y="4088524"/>
+            <a:ext cx="2406869" cy="641131"/>
+          </a:xfrm>
+          <a:prstGeom prst="roundRect">
+            <a:avLst/>
+          </a:prstGeom>
+          <a:solidFill>
+            <a:schemeClr val="tx2"/>
+          </a:solidFill>
+          <a:ln>
+            <a:solidFill>
+              <a:schemeClr val="tx1"/>
+            </a:solidFill>
+          </a:ln>
+        </p:spPr>
+        <p:style>
+          <a:lnRef idx="2">
+            <a:schemeClr val="accent1">
+              <a:shade val="50000"/>
+            </a:schemeClr>
+          </a:lnRef>
+          <a:fillRef idx="1">
+            <a:schemeClr val="accent1"/>
+          </a:fillRef>
+          <a:effectRef idx="0">
+            <a:schemeClr val="accent1"/>
+          </a:effectRef>
+          <a:fontRef idx="minor">
+            <a:schemeClr val="lt1"/>
+          </a:fontRef>
+        </p:style>
+        <p:txBody>
+          <a:bodyPr rtlCol="0" anchor="ctr"/>
+          <a:lstStyle/>
+          <a:p>
+            <a:pPr algn="ctr"/>
+            <a:endParaRPr lang="en-US"/>
+          </a:p>
+        </p:txBody>
+      </p:sp>
+      <p:sp>
+        <p:nvSpPr>
+          <p:cNvPr id="19" name="Rounded Rectangle 18"/>
+          <p:cNvSpPr/>
+          <p:nvPr/>
+        </p:nvSpPr>
+        <p:spPr>
+          <a:xfrm>
+            <a:off x="8723584" y="4866288"/>
+            <a:ext cx="2406869" cy="641131"/>
+          </a:xfrm>
+          <a:prstGeom prst="roundRect">
+            <a:avLst/>
+          </a:prstGeom>
+          <a:solidFill>
+            <a:schemeClr val="tx2"/>
+          </a:solidFill>
+          <a:ln>
+            <a:solidFill>
+              <a:schemeClr val="tx1"/>
+            </a:solidFill>
+          </a:ln>
+        </p:spPr>
+        <p:style>
+          <a:lnRef idx="2">
+            <a:schemeClr val="accent1">
+              <a:shade val="50000"/>
+            </a:schemeClr>
+          </a:lnRef>
+          <a:fillRef idx="1">
+            <a:schemeClr val="accent1"/>
+          </a:fillRef>
+          <a:effectRef idx="0">
+            <a:schemeClr val="accent1"/>
+          </a:effectRef>
+          <a:fontRef idx="minor">
+            <a:schemeClr val="lt1"/>
+          </a:fontRef>
+        </p:style>
+        <p:txBody>
+          <a:bodyPr rtlCol="0" anchor="ctr"/>
+          <a:lstStyle/>
+          <a:p>
+            <a:pPr algn="ctr"/>
+            <a:endParaRPr lang="en-US"/>
+          </a:p>
+        </p:txBody>
+      </p:sp>
+      <p:sp>
+        <p:nvSpPr>
+          <p:cNvPr id="20" name="TextBox 19"/>
+          <p:cNvSpPr txBox="1"/>
+          <p:nvPr/>
+        </p:nvSpPr>
+        <p:spPr>
+          <a:xfrm>
+            <a:off x="8723583" y="1129028"/>
+            <a:ext cx="2406869" cy="253916"/>
+          </a:xfrm>
+          <a:prstGeom prst="rect">
+            <a:avLst/>
+          </a:prstGeom>
+          <a:noFill/>
+        </p:spPr>
+        <p:txBody>
+          <a:bodyPr wrap="square" rtlCol="0">
+            <a:spAutoFit/>
+          </a:bodyPr>
+          <a:lstStyle/>
+          <a:p>
+            <a:pPr algn="ctr"/>
+            <a:r>
+              <a:rPr lang="en-US" sz="1050" dirty="0" smtClean="0">
+                <a:solidFill>
+                  <a:schemeClr val="bg1"/>
+                </a:solidFill>
+              </a:rPr>
+              <a:t>Product Management</a:t>
+            </a:r>
+            <a:endParaRPr lang="en-US" sz="1050" dirty="0">
+              <a:solidFill>
+                <a:schemeClr val="bg1"/>
+              </a:solidFill>
+            </a:endParaRPr>
+          </a:p>
+        </p:txBody>
+      </p:sp>
+      <p:sp>
+        <p:nvSpPr>
+          <p:cNvPr id="21" name="TextBox 20"/>
+          <p:cNvSpPr txBox="1"/>
+          <p:nvPr/>
+        </p:nvSpPr>
+        <p:spPr>
+          <a:xfrm>
+            <a:off x="8723582" y="1930984"/>
+            <a:ext cx="2406869" cy="253916"/>
+          </a:xfrm>
+          <a:prstGeom prst="rect">
+            <a:avLst/>
+          </a:prstGeom>
+          <a:noFill/>
+        </p:spPr>
+        <p:txBody>
+          <a:bodyPr wrap="square" rtlCol="0">
+            <a:spAutoFit/>
+          </a:bodyPr>
+          <a:lstStyle/>
+          <a:p>
+            <a:pPr algn="ctr"/>
+            <a:r>
+              <a:rPr lang="en-US" sz="1050" dirty="0" smtClean="0">
+                <a:solidFill>
+                  <a:schemeClr val="bg1"/>
+                </a:solidFill>
+              </a:rPr>
+              <a:t>Vendor Management</a:t>
+            </a:r>
+            <a:endParaRPr lang="en-US" sz="1050" dirty="0">
+              <a:solidFill>
+                <a:schemeClr val="bg1"/>
+              </a:solidFill>
+            </a:endParaRPr>
+          </a:p>
+        </p:txBody>
+      </p:sp>
+      <p:sp>
+        <p:nvSpPr>
+          <p:cNvPr id="22" name="TextBox 21"/>
+          <p:cNvSpPr txBox="1"/>
+          <p:nvPr/>
+        </p:nvSpPr>
+        <p:spPr>
+          <a:xfrm>
+            <a:off x="8723582" y="2687187"/>
+            <a:ext cx="2406869" cy="253916"/>
+          </a:xfrm>
+          <a:prstGeom prst="rect">
+            <a:avLst/>
+          </a:prstGeom>
+          <a:noFill/>
+        </p:spPr>
+        <p:txBody>
+          <a:bodyPr wrap="square" rtlCol="0">
+            <a:spAutoFit/>
+          </a:bodyPr>
+          <a:lstStyle/>
+          <a:p>
+            <a:pPr algn="ctr"/>
+            <a:r>
+              <a:rPr lang="en-US" sz="1050" dirty="0" smtClean="0">
+                <a:solidFill>
+                  <a:schemeClr val="bg1"/>
+                </a:solidFill>
+              </a:rPr>
+              <a:t>User Management</a:t>
+            </a:r>
+            <a:endParaRPr lang="en-US" sz="1050" dirty="0">
+              <a:solidFill>
+                <a:schemeClr val="bg1"/>
+              </a:solidFill>
+            </a:endParaRPr>
+          </a:p>
+        </p:txBody>
+      </p:sp>
+      <p:sp>
+        <p:nvSpPr>
+          <p:cNvPr id="23" name="TextBox 22"/>
+          <p:cNvSpPr txBox="1"/>
+          <p:nvPr/>
+        </p:nvSpPr>
+        <p:spPr>
+          <a:xfrm>
+            <a:off x="8723581" y="3501737"/>
+            <a:ext cx="2406869" cy="253916"/>
+          </a:xfrm>
+          <a:prstGeom prst="rect">
+            <a:avLst/>
+          </a:prstGeom>
+          <a:noFill/>
+        </p:spPr>
+        <p:txBody>
+          <a:bodyPr wrap="square" rtlCol="0">
+            <a:spAutoFit/>
+          </a:bodyPr>
+          <a:lstStyle/>
+          <a:p>
+            <a:pPr algn="ctr"/>
+            <a:r>
+              <a:rPr lang="en-US" sz="1050" dirty="0" smtClean="0">
+                <a:solidFill>
+                  <a:schemeClr val="bg1"/>
+                </a:solidFill>
+              </a:rPr>
+              <a:t>Cart Management</a:t>
+            </a:r>
+            <a:endParaRPr lang="en-US" sz="1050" dirty="0">
+              <a:solidFill>
+                <a:schemeClr val="bg1"/>
+              </a:solidFill>
+            </a:endParaRPr>
+          </a:p>
+        </p:txBody>
+      </p:sp>
+      <p:sp>
+        <p:nvSpPr>
+          <p:cNvPr id="24" name="TextBox 23"/>
+          <p:cNvSpPr txBox="1"/>
+          <p:nvPr/>
+        </p:nvSpPr>
+        <p:spPr>
+          <a:xfrm>
+            <a:off x="8723580" y="4316287"/>
+            <a:ext cx="2406869" cy="253916"/>
+          </a:xfrm>
+          <a:prstGeom prst="rect">
+            <a:avLst/>
+          </a:prstGeom>
+          <a:noFill/>
+        </p:spPr>
+        <p:txBody>
+          <a:bodyPr wrap="square" rtlCol="0">
+            <a:spAutoFit/>
+          </a:bodyPr>
+          <a:lstStyle/>
+          <a:p>
+            <a:pPr algn="ctr"/>
+            <a:r>
+              <a:rPr lang="en-US" sz="1050" dirty="0" smtClean="0">
+                <a:solidFill>
+                  <a:schemeClr val="bg1"/>
+                </a:solidFill>
+              </a:rPr>
+              <a:t>Place Order</a:t>
+            </a:r>
+            <a:endParaRPr lang="en-US" sz="1050" dirty="0">
+              <a:solidFill>
+                <a:schemeClr val="bg1"/>
+              </a:solidFill>
+            </a:endParaRPr>
+          </a:p>
+        </p:txBody>
+      </p:sp>
+      <p:sp>
+        <p:nvSpPr>
+          <p:cNvPr id="25" name="TextBox 24"/>
+          <p:cNvSpPr txBox="1"/>
+          <p:nvPr/>
+        </p:nvSpPr>
+        <p:spPr>
+          <a:xfrm>
+            <a:off x="8723580" y="5088797"/>
+            <a:ext cx="2406869" cy="253916"/>
+          </a:xfrm>
+          <a:prstGeom prst="rect">
+            <a:avLst/>
+          </a:prstGeom>
+          <a:noFill/>
+        </p:spPr>
+        <p:txBody>
+          <a:bodyPr wrap="square" rtlCol="0">
+            <a:spAutoFit/>
+          </a:bodyPr>
+          <a:lstStyle/>
+          <a:p>
+            <a:pPr algn="ctr"/>
+            <a:r>
+              <a:rPr lang="en-US" sz="1050" dirty="0" smtClean="0">
+                <a:solidFill>
+                  <a:schemeClr val="bg1"/>
+                </a:solidFill>
+              </a:rPr>
+              <a:t>User Details Management</a:t>
+            </a:r>
+            <a:endParaRPr lang="en-US" sz="1050" dirty="0">
+              <a:solidFill>
+                <a:schemeClr val="bg1"/>
+              </a:solidFill>
+            </a:endParaRPr>
+          </a:p>
+        </p:txBody>
+      </p:sp>
+      <p:sp>
+        <p:nvSpPr>
+          <p:cNvPr id="26" name="Rounded Rectangle 25"/>
+          <p:cNvSpPr/>
+          <p:nvPr/>
+        </p:nvSpPr>
+        <p:spPr>
+          <a:xfrm>
+            <a:off x="8723579" y="5701855"/>
+            <a:ext cx="2406869" cy="641131"/>
+          </a:xfrm>
+          <a:prstGeom prst="roundRect">
+            <a:avLst/>
+          </a:prstGeom>
+          <a:solidFill>
+            <a:schemeClr val="tx2"/>
+          </a:solidFill>
+          <a:ln>
+            <a:solidFill>
+              <a:schemeClr val="tx1"/>
+            </a:solidFill>
+          </a:ln>
+        </p:spPr>
+        <p:style>
+          <a:lnRef idx="2">
+            <a:schemeClr val="accent1">
+              <a:shade val="50000"/>
+            </a:schemeClr>
+          </a:lnRef>
+          <a:fillRef idx="1">
+            <a:schemeClr val="accent1"/>
+          </a:fillRef>
+          <a:effectRef idx="0">
+            <a:schemeClr val="accent1"/>
+          </a:effectRef>
+          <a:fontRef idx="minor">
+            <a:schemeClr val="lt1"/>
+          </a:fontRef>
+        </p:style>
+        <p:txBody>
+          <a:bodyPr rtlCol="0" anchor="ctr"/>
+          <a:lstStyle/>
+          <a:p>
+            <a:pPr algn="ctr"/>
+            <a:endParaRPr lang="en-US"/>
+          </a:p>
+        </p:txBody>
+      </p:sp>
+      <p:sp>
+        <p:nvSpPr>
+          <p:cNvPr id="27" name="TextBox 26"/>
+          <p:cNvSpPr txBox="1"/>
+          <p:nvPr/>
+        </p:nvSpPr>
+        <p:spPr>
+          <a:xfrm>
+            <a:off x="8723578" y="5900714"/>
+            <a:ext cx="2406869" cy="253916"/>
+          </a:xfrm>
+          <a:prstGeom prst="rect">
+            <a:avLst/>
+          </a:prstGeom>
+          <a:noFill/>
+        </p:spPr>
+        <p:txBody>
+          <a:bodyPr wrap="square" rtlCol="0">
+            <a:spAutoFit/>
+          </a:bodyPr>
+          <a:lstStyle/>
+          <a:p>
+            <a:pPr algn="ctr"/>
+            <a:r>
+              <a:rPr lang="en-US" sz="1050" dirty="0" smtClean="0">
+                <a:solidFill>
+                  <a:schemeClr val="bg1"/>
+                </a:solidFill>
+              </a:rPr>
+              <a:t>View Product</a:t>
+            </a:r>
+            <a:endParaRPr lang="en-US" sz="1050" dirty="0">
+              <a:solidFill>
+                <a:schemeClr val="bg1"/>
+              </a:solidFill>
+            </a:endParaRPr>
+          </a:p>
+        </p:txBody>
+      </p:sp>
+      <p:sp>
+        <p:nvSpPr>
+          <p:cNvPr id="28" name="TextBox 27"/>
+          <p:cNvSpPr txBox="1"/>
+          <p:nvPr/>
+        </p:nvSpPr>
+        <p:spPr>
+          <a:xfrm>
+            <a:off x="4942491" y="5902500"/>
+            <a:ext cx="1224454" cy="307777"/>
+          </a:xfrm>
+          <a:prstGeom prst="rect">
+            <a:avLst/>
+          </a:prstGeom>
+          <a:noFill/>
+        </p:spPr>
+        <p:txBody>
+          <a:bodyPr wrap="square" rtlCol="0">
+            <a:spAutoFit/>
+          </a:bodyPr>
+          <a:lstStyle/>
+          <a:p>
+            <a:pPr algn="ctr"/>
+            <a:r>
+              <a:rPr lang="en-US" sz="1400" dirty="0" smtClean="0">
+                <a:solidFill>
+                  <a:schemeClr val="bg1"/>
+                </a:solidFill>
+              </a:rPr>
+              <a:t>Database</a:t>
+            </a:r>
+            <a:endParaRPr lang="en-US" sz="1400" dirty="0">
+              <a:solidFill>
+                <a:schemeClr val="bg1"/>
+              </a:solidFill>
+            </a:endParaRPr>
+          </a:p>
+        </p:txBody>
+      </p:sp>
+      <p:cxnSp>
+        <p:nvCxnSpPr>
+          <p:cNvPr id="60" name="Elbow Connector 59"/>
+          <p:cNvCxnSpPr>
+            <a:endCxn id="23" idx="1"/>
+          </p:cNvCxnSpPr>
+          <p:nvPr/>
+        </p:nvCxnSpPr>
+        <p:spPr>
+          <a:xfrm>
+            <a:off x="6138040" y="3501737"/>
+            <a:ext cx="2585541" cy="126958"/>
+          </a:xfrm>
+          <a:prstGeom prst="bentConnector3">
+            <a:avLst/>
+          </a:prstGeom>
+          <a:ln>
+            <a:solidFill>
+              <a:schemeClr val="tx1"/>
+            </a:solidFill>
+            <a:tailEnd type="triangle"/>
+          </a:ln>
+        </p:spPr>
+        <p:style>
+          <a:lnRef idx="1">
+            <a:schemeClr val="accent1"/>
+          </a:lnRef>
+          <a:fillRef idx="0">
+            <a:schemeClr val="accent1"/>
+          </a:fillRef>
+          <a:effectRef idx="0">
+            <a:schemeClr val="accent1"/>
+          </a:effectRef>
+          <a:fontRef idx="minor">
+            <a:schemeClr val="tx1"/>
+          </a:fontRef>
+        </p:style>
+      </p:cxnSp>
+      <p:cxnSp>
+        <p:nvCxnSpPr>
+          <p:cNvPr id="62" name="Elbow Connector 61"/>
+          <p:cNvCxnSpPr>
+            <a:endCxn id="24" idx="1"/>
+          </p:cNvCxnSpPr>
+          <p:nvPr/>
+        </p:nvCxnSpPr>
+        <p:spPr>
+          <a:xfrm>
+            <a:off x="6138040" y="3514331"/>
+            <a:ext cx="2585540" cy="928914"/>
+          </a:xfrm>
+          <a:prstGeom prst="bentConnector3">
+            <a:avLst/>
+          </a:prstGeom>
+          <a:ln>
+            <a:solidFill>
+              <a:schemeClr val="tx1"/>
+            </a:solidFill>
+            <a:tailEnd type="triangle"/>
+          </a:ln>
+        </p:spPr>
+        <p:style>
+          <a:lnRef idx="1">
+            <a:schemeClr val="accent1"/>
+          </a:lnRef>
+          <a:fillRef idx="0">
+            <a:schemeClr val="accent1"/>
+          </a:fillRef>
+          <a:effectRef idx="0">
+            <a:schemeClr val="accent1"/>
+          </a:effectRef>
+          <a:fontRef idx="minor">
+            <a:schemeClr val="tx1"/>
+          </a:fontRef>
+        </p:style>
+      </p:cxnSp>
+      <p:cxnSp>
+        <p:nvCxnSpPr>
+          <p:cNvPr id="64" name="Elbow Connector 63"/>
+          <p:cNvCxnSpPr>
+            <a:endCxn id="25" idx="1"/>
+          </p:cNvCxnSpPr>
+          <p:nvPr/>
+        </p:nvCxnSpPr>
+        <p:spPr>
+          <a:xfrm>
+            <a:off x="6138036" y="3522754"/>
+            <a:ext cx="2585544" cy="1693001"/>
+          </a:xfrm>
+          <a:prstGeom prst="bentConnector3">
+            <a:avLst/>
+          </a:prstGeom>
+          <a:ln>
+            <a:solidFill>
+              <a:schemeClr val="tx1"/>
+            </a:solidFill>
+            <a:tailEnd type="triangle"/>
+          </a:ln>
+        </p:spPr>
+        <p:style>
+          <a:lnRef idx="1">
+            <a:schemeClr val="accent1"/>
+          </a:lnRef>
+          <a:fillRef idx="0">
+            <a:schemeClr val="accent1"/>
+          </a:fillRef>
+          <a:effectRef idx="0">
+            <a:schemeClr val="accent1"/>
+          </a:effectRef>
+          <a:fontRef idx="minor">
+            <a:schemeClr val="tx1"/>
+          </a:fontRef>
+        </p:style>
+      </p:cxnSp>
+      <p:cxnSp>
+        <p:nvCxnSpPr>
+          <p:cNvPr id="66" name="Elbow Connector 65"/>
+          <p:cNvCxnSpPr>
+            <a:endCxn id="27" idx="1"/>
+          </p:cNvCxnSpPr>
+          <p:nvPr/>
+        </p:nvCxnSpPr>
+        <p:spPr>
+          <a:xfrm>
+            <a:off x="6138036" y="3520121"/>
+            <a:ext cx="2585542" cy="2507551"/>
+          </a:xfrm>
+          <a:prstGeom prst="bentConnector3">
+            <a:avLst/>
+          </a:prstGeom>
+          <a:ln>
+            <a:solidFill>
+              <a:schemeClr val="tx1"/>
+            </a:solidFill>
+            <a:tailEnd type="triangle"/>
+          </a:ln>
+        </p:spPr>
+        <p:style>
+          <a:lnRef idx="1">
+            <a:schemeClr val="accent1"/>
+          </a:lnRef>
+          <a:fillRef idx="0">
+            <a:schemeClr val="accent1"/>
+          </a:fillRef>
+          <a:effectRef idx="0">
+            <a:schemeClr val="accent1"/>
+          </a:effectRef>
+          <a:fontRef idx="minor">
+            <a:schemeClr val="tx1"/>
+          </a:fontRef>
+        </p:style>
+      </p:cxnSp>
+      <p:cxnSp>
+        <p:nvCxnSpPr>
+          <p:cNvPr id="68" name="Elbow Connector 67"/>
+          <p:cNvCxnSpPr>
+            <a:endCxn id="20" idx="1"/>
+          </p:cNvCxnSpPr>
+          <p:nvPr/>
+        </p:nvCxnSpPr>
+        <p:spPr>
+          <a:xfrm flipV="1">
+            <a:off x="6138036" y="1255986"/>
+            <a:ext cx="2585547" cy="1685117"/>
+          </a:xfrm>
+          <a:prstGeom prst="bentConnector3">
+            <a:avLst/>
+          </a:prstGeom>
+          <a:ln>
+            <a:solidFill>
+              <a:schemeClr val="tx1"/>
+            </a:solidFill>
+            <a:tailEnd type="triangle"/>
+          </a:ln>
+        </p:spPr>
+        <p:style>
+          <a:lnRef idx="1">
+            <a:schemeClr val="accent1"/>
+          </a:lnRef>
+          <a:fillRef idx="0">
+            <a:schemeClr val="accent1"/>
+          </a:fillRef>
+          <a:effectRef idx="0">
+            <a:schemeClr val="accent1"/>
+          </a:effectRef>
+          <a:fontRef idx="minor">
+            <a:schemeClr val="tx1"/>
+          </a:fontRef>
+        </p:style>
+      </p:cxnSp>
+      <p:cxnSp>
+        <p:nvCxnSpPr>
+          <p:cNvPr id="70" name="Elbow Connector 69"/>
+          <p:cNvCxnSpPr>
+            <a:endCxn id="21" idx="1"/>
+          </p:cNvCxnSpPr>
+          <p:nvPr/>
+        </p:nvCxnSpPr>
+        <p:spPr>
+          <a:xfrm flipV="1">
+            <a:off x="6143296" y="2057942"/>
+            <a:ext cx="2580286" cy="871400"/>
+          </a:xfrm>
+          <a:prstGeom prst="bentConnector3">
+            <a:avLst/>
+          </a:prstGeom>
+          <a:ln>
+            <a:solidFill>
+              <a:schemeClr val="tx1"/>
+            </a:solidFill>
+            <a:tailEnd type="triangle"/>
+          </a:ln>
+        </p:spPr>
+        <p:style>
+          <a:lnRef idx="1">
+            <a:schemeClr val="accent1"/>
+          </a:lnRef>
+          <a:fillRef idx="0">
+            <a:schemeClr val="accent1"/>
+          </a:fillRef>
+          <a:effectRef idx="0">
+            <a:schemeClr val="accent1"/>
+          </a:effectRef>
+          <a:fontRef idx="minor">
+            <a:schemeClr val="tx1"/>
+          </a:fontRef>
+        </p:style>
+      </p:cxnSp>
+      <p:cxnSp>
+        <p:nvCxnSpPr>
+          <p:cNvPr id="74" name="Elbow Connector 73"/>
+          <p:cNvCxnSpPr>
+            <a:endCxn id="22" idx="1"/>
+          </p:cNvCxnSpPr>
+          <p:nvPr/>
+        </p:nvCxnSpPr>
+        <p:spPr>
+          <a:xfrm flipV="1">
+            <a:off x="6140666" y="2814145"/>
+            <a:ext cx="2582916" cy="122234"/>
+          </a:xfrm>
+          <a:prstGeom prst="bentConnector3">
+            <a:avLst/>
+          </a:prstGeom>
+          <a:ln>
+            <a:solidFill>
+              <a:schemeClr val="tx1"/>
+            </a:solidFill>
+            <a:tailEnd type="triangle"/>
+          </a:ln>
+        </p:spPr>
+        <p:style>
+          <a:lnRef idx="1">
+            <a:schemeClr val="accent1"/>
+          </a:lnRef>
+          <a:fillRef idx="0">
+            <a:schemeClr val="accent1"/>
+          </a:fillRef>
+          <a:effectRef idx="0">
+            <a:schemeClr val="accent1"/>
+          </a:effectRef>
+          <a:fontRef idx="minor">
+            <a:schemeClr val="tx1"/>
+          </a:fontRef>
+        </p:style>
+      </p:cxnSp>
+      <p:sp>
+        <p:nvSpPr>
+          <p:cNvPr id="75" name="TextBox 74"/>
+          <p:cNvSpPr txBox="1"/>
+          <p:nvPr/>
+        </p:nvSpPr>
+        <p:spPr>
+          <a:xfrm>
+            <a:off x="6285187" y="2487447"/>
+            <a:ext cx="1040524" cy="430887"/>
+          </a:xfrm>
+          <a:prstGeom prst="rect">
+            <a:avLst/>
+          </a:prstGeom>
+          <a:noFill/>
+        </p:spPr>
+        <p:txBody>
+          <a:bodyPr wrap="square" rtlCol="0">
+            <a:spAutoFit/>
+          </a:bodyPr>
+          <a:lstStyle/>
+          <a:p>
+            <a:pPr algn="ctr"/>
+            <a:r>
+              <a:rPr lang="en-US" sz="1100" dirty="0" smtClean="0"/>
+              <a:t>Admin / vendors</a:t>
+            </a:r>
+            <a:endParaRPr lang="en-US" sz="1100" dirty="0"/>
+          </a:p>
+        </p:txBody>
+      </p:sp>
+      <p:sp>
+        <p:nvSpPr>
+          <p:cNvPr id="76" name="TextBox 75"/>
+          <p:cNvSpPr txBox="1"/>
+          <p:nvPr/>
+        </p:nvSpPr>
+        <p:spPr>
+          <a:xfrm>
+            <a:off x="6285187" y="3522753"/>
+            <a:ext cx="1040524" cy="430887"/>
+          </a:xfrm>
+          <a:prstGeom prst="rect">
+            <a:avLst/>
+          </a:prstGeom>
+          <a:noFill/>
+        </p:spPr>
+        <p:txBody>
+          <a:bodyPr wrap="square" rtlCol="0">
+            <a:spAutoFit/>
+          </a:bodyPr>
+          <a:lstStyle/>
+          <a:p>
+            <a:pPr algn="ctr"/>
+            <a:r>
+              <a:rPr lang="en-US" sz="1100" dirty="0" smtClean="0"/>
+              <a:t>Users / </a:t>
+            </a:r>
+          </a:p>
+          <a:p>
+            <a:pPr algn="ctr"/>
+            <a:r>
+              <a:rPr lang="en-US" sz="1100" dirty="0" smtClean="0"/>
+              <a:t>Customers</a:t>
+            </a:r>
+            <a:endParaRPr lang="en-US" sz="1100" dirty="0"/>
+          </a:p>
+        </p:txBody>
+      </p:sp>
+      <p:cxnSp>
+        <p:nvCxnSpPr>
+          <p:cNvPr id="84" name="Elbow Connector 83"/>
+          <p:cNvCxnSpPr>
+            <a:stCxn id="8" idx="2"/>
+            <a:endCxn id="2" idx="1"/>
+          </p:cNvCxnSpPr>
+          <p:nvPr/>
+        </p:nvCxnSpPr>
+        <p:spPr>
+          <a:xfrm rot="16200000" flipH="1">
+            <a:off x="5031353" y="4606632"/>
+            <a:ext cx="579018" cy="467712"/>
+          </a:xfrm>
+          <a:prstGeom prst="bentConnector3">
+            <a:avLst/>
+          </a:prstGeom>
+          <a:ln>
+            <a:solidFill>
+              <a:schemeClr val="tx1"/>
+            </a:solidFill>
+            <a:tailEnd type="triangle"/>
+          </a:ln>
+        </p:spPr>
+        <p:style>
+          <a:lnRef idx="1">
+            <a:schemeClr val="accent1"/>
+          </a:lnRef>
+          <a:fillRef idx="0">
+            <a:schemeClr val="accent1"/>
+          </a:fillRef>
+          <a:effectRef idx="0">
+            <a:schemeClr val="accent1"/>
+          </a:effectRef>
+          <a:fontRef idx="minor">
+            <a:schemeClr val="tx1"/>
+          </a:fontRef>
+        </p:style>
+      </p:cxnSp>
+      <p:cxnSp>
+        <p:nvCxnSpPr>
+          <p:cNvPr id="86" name="Elbow Connector 85"/>
+          <p:cNvCxnSpPr>
+            <a:stCxn id="2" idx="2"/>
+          </p:cNvCxnSpPr>
+          <p:nvPr/>
+        </p:nvCxnSpPr>
+        <p:spPr>
+          <a:xfrm rot="10800000">
+            <a:off x="4382815" y="4570203"/>
+            <a:ext cx="441435" cy="1321794"/>
+          </a:xfrm>
+          <a:prstGeom prst="bentConnector2">
+            <a:avLst/>
+          </a:prstGeom>
+          <a:ln>
+            <a:solidFill>
+              <a:schemeClr val="tx1"/>
+            </a:solidFill>
+            <a:tailEnd type="triangle"/>
+          </a:ln>
+        </p:spPr>
+        <p:style>
+          <a:lnRef idx="1">
+            <a:schemeClr val="accent1"/>
+          </a:lnRef>
+          <a:fillRef idx="0">
+            <a:schemeClr val="accent1"/>
+          </a:fillRef>
+          <a:effectRef idx="0">
+            <a:schemeClr val="accent1"/>
+          </a:effectRef>
+          <a:fontRef idx="minor">
+            <a:schemeClr val="tx1"/>
+          </a:fontRef>
+        </p:style>
+      </p:cxnSp>
+      <p:sp>
+        <p:nvSpPr>
+          <p:cNvPr id="87" name="Rectangle 86"/>
+          <p:cNvSpPr/>
+          <p:nvPr/>
+        </p:nvSpPr>
+        <p:spPr>
+          <a:xfrm>
+            <a:off x="235161" y="4115892"/>
+            <a:ext cx="2412145" cy="2585323"/>
+          </a:xfrm>
+          <a:prstGeom prst="rect">
+            <a:avLst/>
+          </a:prstGeom>
+          <a:noFill/>
+        </p:spPr>
+        <p:txBody>
+          <a:bodyPr wrap="square" lIns="91440" tIns="45720" rIns="91440" bIns="45720">
+            <a:spAutoFit/>
+          </a:bodyPr>
+          <a:lstStyle/>
+          <a:p>
+            <a:pPr algn="ctr"/>
+            <a:r>
+              <a:rPr lang="en-US" sz="5400" b="1" cap="none" spc="0" dirty="0" smtClean="0">
+                <a:ln w="12700">
+                  <a:solidFill>
+                    <a:schemeClr val="tx2">
+                      <a:lumMod val="75000"/>
+                    </a:schemeClr>
+                  </a:solidFill>
+                  <a:prstDash val="solid"/>
+                </a:ln>
+                <a:pattFill prst="dkUpDiag">
+                  <a:fgClr>
+                    <a:schemeClr val="tx2"/>
+                  </a:fgClr>
+                  <a:bgClr>
+                    <a:schemeClr val="tx2">
+                      <a:lumMod val="20000"/>
+                      <a:lumOff val="80000"/>
+                    </a:schemeClr>
+                  </a:bgClr>
+                </a:pattFill>
+                <a:effectLst>
+                  <a:outerShdw dist="38100" dir="2640000" algn="bl" rotWithShape="0">
+                    <a:schemeClr val="tx2">
+                      <a:lumMod val="75000"/>
+                    </a:schemeClr>
+                  </a:outerShdw>
+                </a:effectLst>
+              </a:rPr>
+              <a:t>DFD</a:t>
+            </a:r>
+          </a:p>
+          <a:p>
+            <a:pPr algn="ctr"/>
+            <a:r>
+              <a:rPr lang="en-US" sz="5400" b="1" dirty="0" smtClean="0">
+                <a:ln w="12700">
+                  <a:solidFill>
+                    <a:schemeClr val="tx2">
+                      <a:lumMod val="75000"/>
+                    </a:schemeClr>
+                  </a:solidFill>
+                  <a:prstDash val="solid"/>
+                </a:ln>
+                <a:pattFill prst="dkUpDiag">
+                  <a:fgClr>
+                    <a:schemeClr val="tx2"/>
+                  </a:fgClr>
+                  <a:bgClr>
+                    <a:schemeClr val="tx2">
+                      <a:lumMod val="20000"/>
+                      <a:lumOff val="80000"/>
+                    </a:schemeClr>
+                  </a:bgClr>
+                </a:pattFill>
+                <a:effectLst>
+                  <a:outerShdw dist="38100" dir="2640000" algn="bl" rotWithShape="0">
+                    <a:schemeClr val="tx2">
+                      <a:lumMod val="75000"/>
+                    </a:schemeClr>
+                  </a:outerShdw>
+                </a:effectLst>
+              </a:rPr>
+              <a:t>Level 0</a:t>
+            </a:r>
+            <a:endParaRPr lang="en-US" sz="5400" b="1" cap="none" spc="0" dirty="0">
+              <a:ln w="12700">
+                <a:solidFill>
+                  <a:schemeClr val="tx2">
+                    <a:lumMod val="75000"/>
+                  </a:schemeClr>
+                </a:solidFill>
+                <a:prstDash val="solid"/>
+              </a:ln>
+              <a:pattFill prst="dkUpDiag">
+                <a:fgClr>
+                  <a:schemeClr val="tx2"/>
+                </a:fgClr>
+                <a:bgClr>
+                  <a:schemeClr val="tx2">
+                    <a:lumMod val="20000"/>
+                    <a:lumOff val="80000"/>
+                  </a:schemeClr>
+                </a:bgClr>
+              </a:pattFill>
+              <a:effectLst>
+                <a:outerShdw dist="38100" dir="2640000" algn="bl" rotWithShape="0">
+                  <a:schemeClr val="tx2">
+                    <a:lumMod val="75000"/>
+                  </a:schemeClr>
+                </a:outerShdw>
+              </a:effectLst>
+            </a:endParaRPr>
+          </a:p>
+        </p:txBody>
+      </p:sp>
+    </p:spTree>
+    <p:extLst>
+      <p:ext uri="{BB962C8B-B14F-4D97-AF65-F5344CB8AC3E}">
+        <p14:creationId xmlns:p14="http://schemas.microsoft.com/office/powerpoint/2010/main" val="1560072970"/>
+      </p:ext>
+    </p:extLst>
+  </p:cSld>
+  <p:clrMapOvr>
+    <a:masterClrMapping/>
+  </p:clrMapOvr>
+  <p:timing>
+    <p:tnLst>
+      <p:par>
+        <p:cTn id="1" dur="indefinite" restart="never" nodeType="tmRoot"/>
+      </p:par>
+    </p:tnLst>
+  </p:timing>
+</p:sld>
+</file>
+
+<file path=ppt/slides/slide21.xml><?xml version="1.0" encoding="utf-8"?>
+<p:sld xmlns:a="http://schemas.openxmlformats.org/drawingml/2006/main" xmlns:r="http://schemas.openxmlformats.org/officeDocument/2006/relationships" xmlns:p="http://schemas.openxmlformats.org/presentationml/2006/main">
+  <p:cSld>
+    <p:spTree>
+      <p:nvGrpSpPr>
+        <p:cNvPr id="1" name=""/>
+        <p:cNvGrpSpPr/>
+        <p:nvPr/>
+      </p:nvGrpSpPr>
+      <p:grpSpPr>
+        <a:xfrm>
+          <a:off x="0" y="0"/>
+          <a:ext cx="0" cy="0"/>
+          <a:chOff x="0" y="0"/>
+          <a:chExt cx="0" cy="0"/>
+        </a:xfrm>
+      </p:grpSpPr>
+      <p:pic>
+        <p:nvPicPr>
+          <p:cNvPr id="3" name="Picture 2"/>
+          <p:cNvPicPr>
+            <a:picLocks noChangeAspect="1"/>
+          </p:cNvPicPr>
+          <p:nvPr/>
+        </p:nvPicPr>
+        <p:blipFill>
+          <a:blip r:embed="rId2">
+            <a:extLst>
+              <a:ext uri="{28A0092B-C50C-407E-A947-70E740481C1C}">
+                <a14:useLocalDpi xmlns:a14="http://schemas.microsoft.com/office/drawing/2010/main" val="0"/>
+              </a:ext>
+            </a:extLst>
+          </a:blip>
+          <a:stretch>
+            <a:fillRect/>
+          </a:stretch>
+        </p:blipFill>
+        <p:spPr>
+          <a:xfrm>
+            <a:off x="3489434" y="1324304"/>
+            <a:ext cx="8246983" cy="4545724"/>
+          </a:xfrm>
+          <a:prstGeom prst="rect">
+            <a:avLst/>
+          </a:prstGeom>
+        </p:spPr>
+      </p:pic>
+      <p:sp>
+        <p:nvSpPr>
+          <p:cNvPr id="4" name="Rectangle 3"/>
+          <p:cNvSpPr/>
+          <p:nvPr/>
+        </p:nvSpPr>
+        <p:spPr>
+          <a:xfrm>
+            <a:off x="378354" y="2546922"/>
+            <a:ext cx="2459440" cy="3416320"/>
+          </a:xfrm>
+          <a:prstGeom prst="rect">
+            <a:avLst/>
+          </a:prstGeom>
+          <a:noFill/>
+        </p:spPr>
+        <p:txBody>
+          <a:bodyPr wrap="square" lIns="91440" tIns="45720" rIns="91440" bIns="45720">
+            <a:spAutoFit/>
+          </a:bodyPr>
+          <a:lstStyle/>
+          <a:p>
+            <a:pPr algn="ctr"/>
+            <a:r>
+              <a:rPr lang="en-US" sz="5400" b="1" cap="none" spc="0" smtClean="0">
+                <a:ln w="12700">
+                  <a:solidFill>
+                    <a:schemeClr val="tx2">
+                      <a:lumMod val="75000"/>
+                    </a:schemeClr>
+                  </a:solidFill>
+                  <a:prstDash val="solid"/>
+                </a:ln>
+                <a:pattFill prst="dkUpDiag">
+                  <a:fgClr>
+                    <a:schemeClr val="tx2"/>
+                  </a:fgClr>
+                  <a:bgClr>
+                    <a:schemeClr val="tx2">
+                      <a:lumMod val="20000"/>
+                      <a:lumOff val="80000"/>
+                    </a:schemeClr>
+                  </a:bgClr>
+                </a:pattFill>
+                <a:effectLst>
+                  <a:outerShdw dist="38100" dir="2640000" algn="bl" rotWithShape="0">
+                    <a:schemeClr val="tx2">
+                      <a:lumMod val="75000"/>
+                    </a:schemeClr>
+                  </a:outerShdw>
+                </a:effectLst>
+              </a:rPr>
+              <a:t>User DFD</a:t>
+            </a:r>
+          </a:p>
+          <a:p>
+            <a:pPr algn="ctr"/>
+            <a:r>
+              <a:rPr lang="en-US" sz="5400" b="1" smtClean="0">
+                <a:ln w="12700">
+                  <a:solidFill>
+                    <a:schemeClr val="tx2">
+                      <a:lumMod val="75000"/>
+                    </a:schemeClr>
+                  </a:solidFill>
+                  <a:prstDash val="solid"/>
+                </a:ln>
+                <a:pattFill prst="dkUpDiag">
+                  <a:fgClr>
+                    <a:schemeClr val="tx2"/>
+                  </a:fgClr>
+                  <a:bgClr>
+                    <a:schemeClr val="tx2">
+                      <a:lumMod val="20000"/>
+                      <a:lumOff val="80000"/>
+                    </a:schemeClr>
+                  </a:bgClr>
+                </a:pattFill>
+                <a:effectLst>
+                  <a:outerShdw dist="38100" dir="2640000" algn="bl" rotWithShape="0">
+                    <a:schemeClr val="tx2">
+                      <a:lumMod val="75000"/>
+                    </a:schemeClr>
+                  </a:outerShdw>
+                </a:effectLst>
+              </a:rPr>
+              <a:t>Level </a:t>
+            </a:r>
+            <a:r>
+              <a:rPr lang="en-US" sz="5400" b="1" dirty="0" smtClean="0">
+                <a:ln w="12700">
+                  <a:solidFill>
+                    <a:schemeClr val="tx2">
+                      <a:lumMod val="75000"/>
+                    </a:schemeClr>
+                  </a:solidFill>
+                  <a:prstDash val="solid"/>
+                </a:ln>
+                <a:pattFill prst="dkUpDiag">
+                  <a:fgClr>
+                    <a:schemeClr val="tx2"/>
+                  </a:fgClr>
+                  <a:bgClr>
+                    <a:schemeClr val="tx2">
+                      <a:lumMod val="20000"/>
+                      <a:lumOff val="80000"/>
+                    </a:schemeClr>
+                  </a:bgClr>
+                </a:pattFill>
+                <a:effectLst>
+                  <a:outerShdw dist="38100" dir="2640000" algn="bl" rotWithShape="0">
+                    <a:schemeClr val="tx2">
+                      <a:lumMod val="75000"/>
+                    </a:schemeClr>
+                  </a:outerShdw>
+                </a:effectLst>
+              </a:rPr>
+              <a:t>1</a:t>
+            </a:r>
+            <a:endParaRPr lang="en-US" sz="5400" b="1" cap="none" spc="0" dirty="0">
+              <a:ln w="12700">
+                <a:solidFill>
+                  <a:schemeClr val="tx2">
+                    <a:lumMod val="75000"/>
+                  </a:schemeClr>
+                </a:solidFill>
+                <a:prstDash val="solid"/>
+              </a:ln>
+              <a:pattFill prst="dkUpDiag">
+                <a:fgClr>
+                  <a:schemeClr val="tx2"/>
+                </a:fgClr>
+                <a:bgClr>
+                  <a:schemeClr val="tx2">
+                    <a:lumMod val="20000"/>
+                    <a:lumOff val="80000"/>
+                  </a:schemeClr>
+                </a:bgClr>
+              </a:pattFill>
+              <a:effectLst>
+                <a:outerShdw dist="38100" dir="2640000" algn="bl" rotWithShape="0">
+                  <a:schemeClr val="tx2">
+                    <a:lumMod val="75000"/>
+                  </a:schemeClr>
+                </a:outerShdw>
+              </a:effectLst>
+            </a:endParaRPr>
+          </a:p>
+        </p:txBody>
+      </p:sp>
+    </p:spTree>
+    <p:extLst>
+      <p:ext uri="{BB962C8B-B14F-4D97-AF65-F5344CB8AC3E}">
+        <p14:creationId xmlns:p14="http://schemas.microsoft.com/office/powerpoint/2010/main" val="2855379307"/>
       </p:ext>
     </p:extLst>
   </p:cSld>
@@ -8351,13 +11741,19 @@
               <a:rPr lang="en-US" sz="2400" b="1" i="1" dirty="0" smtClean="0">
                 <a:latin typeface="Calibri Light" panose="020F0302020204030204" pitchFamily="34" charset="0"/>
               </a:rPr>
-              <a:t>		Ide </a:t>
+              <a:t>		</a:t>
+            </a:r>
+            <a:r>
+              <a:rPr lang="en-US" sz="2400" b="1" i="1" dirty="0" smtClean="0">
+                <a:latin typeface="Calibri Light" panose="020F0302020204030204" pitchFamily="34" charset="0"/>
+              </a:rPr>
+              <a:t>IDE 	</a:t>
             </a:r>
             <a:r>
               <a:rPr lang="en-US" sz="2400" b="1" i="1" dirty="0">
                 <a:latin typeface="Calibri Light" panose="020F0302020204030204" pitchFamily="34" charset="0"/>
               </a:rPr>
-              <a:t>Tool		:</a:t>
+              <a:t>		:</a:t>
             </a:r>
             <a:r>
               <a:rPr lang="en-US" sz="2400" i="1" dirty="0">

--- a/Ecommerce-Project/report data/project ppt.pptx
+++ b/Ecommerce-Project/report data/project ppt.pptx
@@ -15,17 +15,35 @@
     <p:sldId id="263" r:id="rId9"/>
     <p:sldId id="264" r:id="rId10"/>
     <p:sldId id="265" r:id="rId11"/>
-    <p:sldId id="267" r:id="rId12"/>
-    <p:sldId id="266" r:id="rId13"/>
-    <p:sldId id="268" r:id="rId14"/>
-    <p:sldId id="269" r:id="rId15"/>
-    <p:sldId id="270" r:id="rId16"/>
-    <p:sldId id="271" r:id="rId17"/>
-    <p:sldId id="272" r:id="rId18"/>
-    <p:sldId id="273" r:id="rId19"/>
-    <p:sldId id="274" r:id="rId20"/>
-    <p:sldId id="275" r:id="rId21"/>
-    <p:sldId id="276" r:id="rId22"/>
+    <p:sldId id="281" r:id="rId12"/>
+    <p:sldId id="282" r:id="rId13"/>
+    <p:sldId id="267" r:id="rId14"/>
+    <p:sldId id="266" r:id="rId15"/>
+    <p:sldId id="268" r:id="rId16"/>
+    <p:sldId id="269" r:id="rId17"/>
+    <p:sldId id="270" r:id="rId18"/>
+    <p:sldId id="271" r:id="rId19"/>
+    <p:sldId id="272" r:id="rId20"/>
+    <p:sldId id="273" r:id="rId21"/>
+    <p:sldId id="274" r:id="rId22"/>
+    <p:sldId id="275" r:id="rId23"/>
+    <p:sldId id="276" r:id="rId24"/>
+    <p:sldId id="277" r:id="rId25"/>
+    <p:sldId id="278" r:id="rId26"/>
+    <p:sldId id="279" r:id="rId27"/>
+    <p:sldId id="280" r:id="rId28"/>
+    <p:sldId id="283" r:id="rId29"/>
+    <p:sldId id="284" r:id="rId30"/>
+    <p:sldId id="285" r:id="rId31"/>
+    <p:sldId id="287" r:id="rId32"/>
+    <p:sldId id="289" r:id="rId33"/>
+    <p:sldId id="290" r:id="rId34"/>
+    <p:sldId id="292" r:id="rId35"/>
+    <p:sldId id="293" r:id="rId36"/>
+    <p:sldId id="294" r:id="rId37"/>
+    <p:sldId id="295" r:id="rId38"/>
+    <p:sldId id="296" r:id="rId39"/>
+    <p:sldId id="291" r:id="rId40"/>
   </p:sldIdLst>
   <p:sldSz cx="12192000" cy="6858000"/>
   <p:notesSz cx="6858000" cy="9144000"/>
@@ -302,7 +320,7 @@
           <a:p>
             <a:fld id="{55898C19-3F43-4A22-A9B4-86092ACC440F}" type="datetimeFigureOut">
               <a:rPr lang="en-US" smtClean="0"/>
-              <a:t>4/23/2018</a:t>
+              <a:t>4/24/2018</a:t>
             </a:fld>
             <a:endParaRPr lang="en-US"/>
           </a:p>
@@ -574,7 +592,7 @@
           <a:p>
             <a:fld id="{55898C19-3F43-4A22-A9B4-86092ACC440F}" type="datetimeFigureOut">
               <a:rPr lang="en-US" smtClean="0"/>
-              <a:t>4/23/2018</a:t>
+              <a:t>4/24/2018</a:t>
             </a:fld>
             <a:endParaRPr lang="en-US"/>
           </a:p>
@@ -805,7 +823,7 @@
           <a:p>
             <a:fld id="{55898C19-3F43-4A22-A9B4-86092ACC440F}" type="datetimeFigureOut">
               <a:rPr lang="en-US" smtClean="0"/>
-              <a:t>4/23/2018</a:t>
+              <a:t>4/24/2018</a:t>
             </a:fld>
             <a:endParaRPr lang="en-US"/>
           </a:p>
@@ -1115,7 +1133,7 @@
           <a:p>
             <a:fld id="{55898C19-3F43-4A22-A9B4-86092ACC440F}" type="datetimeFigureOut">
               <a:rPr lang="en-US" smtClean="0"/>
-              <a:t>4/23/2018</a:t>
+              <a:t>4/24/2018</a:t>
             </a:fld>
             <a:endParaRPr lang="en-US"/>
           </a:p>
@@ -1588,7 +1606,7 @@
           <a:p>
             <a:fld id="{55898C19-3F43-4A22-A9B4-86092ACC440F}" type="datetimeFigureOut">
               <a:rPr lang="en-US" smtClean="0"/>
-              <a:t>4/23/2018</a:t>
+              <a:t>4/24/2018</a:t>
             </a:fld>
             <a:endParaRPr lang="en-US"/>
           </a:p>
@@ -2135,7 +2153,7 @@
           <a:p>
             <a:fld id="{55898C19-3F43-4A22-A9B4-86092ACC440F}" type="datetimeFigureOut">
               <a:rPr lang="en-US" smtClean="0"/>
-              <a:t>4/23/2018</a:t>
+              <a:t>4/24/2018</a:t>
             </a:fld>
             <a:endParaRPr lang="en-US"/>
           </a:p>
@@ -2909,7 +2927,7 @@
           <a:p>
             <a:fld id="{55898C19-3F43-4A22-A9B4-86092ACC440F}" type="datetimeFigureOut">
               <a:rPr lang="en-US" smtClean="0"/>
-              <a:t>4/23/2018</a:t>
+              <a:t>4/24/2018</a:t>
             </a:fld>
             <a:endParaRPr lang="en-US"/>
           </a:p>
@@ -3084,7 +3102,7 @@
           <a:p>
             <a:fld id="{55898C19-3F43-4A22-A9B4-86092ACC440F}" type="datetimeFigureOut">
               <a:rPr lang="en-US" smtClean="0"/>
-              <a:t>4/23/2018</a:t>
+              <a:t>4/24/2018</a:t>
             </a:fld>
             <a:endParaRPr lang="en-US"/>
           </a:p>
@@ -3307,7 +3325,7 @@
           <a:p>
             <a:fld id="{55898C19-3F43-4A22-A9B4-86092ACC440F}" type="datetimeFigureOut">
               <a:rPr lang="en-US" smtClean="0"/>
-              <a:t>4/23/2018</a:t>
+              <a:t>4/24/2018</a:t>
             </a:fld>
             <a:endParaRPr lang="en-US"/>
           </a:p>
@@ -3487,7 +3505,7 @@
           <a:p>
             <a:fld id="{55898C19-3F43-4A22-A9B4-86092ACC440F}" type="datetimeFigureOut">
               <a:rPr lang="en-US" smtClean="0"/>
-              <a:t>4/23/2018</a:t>
+              <a:t>4/24/2018</a:t>
             </a:fld>
             <a:endParaRPr lang="en-US"/>
           </a:p>
@@ -3776,7 +3794,7 @@
           <a:p>
             <a:fld id="{55898C19-3F43-4A22-A9B4-86092ACC440F}" type="datetimeFigureOut">
               <a:rPr lang="en-US" smtClean="0"/>
-              <a:t>4/23/2018</a:t>
+              <a:t>4/24/2018</a:t>
             </a:fld>
             <a:endParaRPr lang="en-US"/>
           </a:p>
@@ -4018,7 +4036,7 @@
           <a:p>
             <a:fld id="{55898C19-3F43-4A22-A9B4-86092ACC440F}" type="datetimeFigureOut">
               <a:rPr lang="en-US" smtClean="0"/>
-              <a:t>4/23/2018</a:t>
+              <a:t>4/24/2018</a:t>
             </a:fld>
             <a:endParaRPr lang="en-US"/>
           </a:p>
@@ -4397,7 +4415,7 @@
           <a:p>
             <a:fld id="{55898C19-3F43-4A22-A9B4-86092ACC440F}" type="datetimeFigureOut">
               <a:rPr lang="en-US" smtClean="0"/>
-              <a:t>4/23/2018</a:t>
+              <a:t>4/24/2018</a:t>
             </a:fld>
             <a:endParaRPr lang="en-US"/>
           </a:p>
@@ -4515,7 +4533,7 @@
           <a:p>
             <a:fld id="{55898C19-3F43-4A22-A9B4-86092ACC440F}" type="datetimeFigureOut">
               <a:rPr lang="en-US" smtClean="0"/>
-              <a:t>4/23/2018</a:t>
+              <a:t>4/24/2018</a:t>
             </a:fld>
             <a:endParaRPr lang="en-US"/>
           </a:p>
@@ -4610,7 +4628,7 @@
           <a:p>
             <a:fld id="{55898C19-3F43-4A22-A9B4-86092ACC440F}" type="datetimeFigureOut">
               <a:rPr lang="en-US" smtClean="0"/>
-              <a:t>4/23/2018</a:t>
+              <a:t>4/24/2018</a:t>
             </a:fld>
             <a:endParaRPr lang="en-US"/>
           </a:p>
@@ -4864,7 +4882,7 @@
           <a:p>
             <a:fld id="{55898C19-3F43-4A22-A9B4-86092ACC440F}" type="datetimeFigureOut">
               <a:rPr lang="en-US" smtClean="0"/>
-              <a:t>4/23/2018</a:t>
+              <a:t>4/24/2018</a:t>
             </a:fld>
             <a:endParaRPr lang="en-US"/>
           </a:p>
@@ -5126,7 +5144,7 @@
           <a:p>
             <a:fld id="{55898C19-3F43-4A22-A9B4-86092ACC440F}" type="datetimeFigureOut">
               <a:rPr lang="en-US" smtClean="0"/>
-              <a:t>4/23/2018</a:t>
+              <a:t>4/24/2018</a:t>
             </a:fld>
             <a:endParaRPr lang="en-US"/>
           </a:p>
@@ -5369,7 +5387,7 @@
           <a:p>
             <a:fld id="{55898C19-3F43-4A22-A9B4-86092ACC440F}" type="datetimeFigureOut">
               <a:rPr lang="en-US" smtClean="0"/>
-              <a:t>4/23/2018</a:t>
+              <a:t>4/24/2018</a:t>
             </a:fld>
             <a:endParaRPr lang="en-US"/>
           </a:p>
@@ -5797,7 +5815,7 @@
         </p:nvSpPr>
         <p:spPr>
           <a:xfrm>
-            <a:off x="838200" y="365125"/>
+            <a:off x="838200" y="898525"/>
             <a:ext cx="10515600" cy="665185"/>
           </a:xfrm>
         </p:spPr>
@@ -5832,7 +5850,7 @@
         </p:nvSpPr>
         <p:spPr>
           <a:xfrm>
-            <a:off x="838200" y="1030310"/>
+            <a:off x="838200" y="1424010"/>
             <a:ext cx="10515600" cy="5146653"/>
           </a:xfrm>
         </p:spPr>
@@ -6058,6 +6076,13 @@
   <p:clrMapOvr>
     <a:masterClrMapping/>
   </p:clrMapOvr>
+  <p:timing>
+    <p:tnLst>
+      <p:par>
+        <p:cTn id="1" dur="indefinite" restart="never" nodeType="tmRoot"/>
+      </p:par>
+    </p:tnLst>
+  </p:timing>
 </p:sld>
 </file>
 
@@ -6080,34 +6105,108 @@
       </p:grpSpPr>
       <p:sp>
         <p:nvSpPr>
-          <p:cNvPr id="4" name="Rectangle 3"/>
-          <p:cNvSpPr/>
-          <p:nvPr/>
-        </p:nvSpPr>
-        <p:spPr>
-          <a:xfrm>
-            <a:off x="2034861" y="2400665"/>
-            <a:ext cx="8126569" cy="1323439"/>
-          </a:xfrm>
-          <a:prstGeom prst="rect">
-            <a:avLst/>
-          </a:prstGeom>
-          <a:noFill/>
-        </p:spPr>
-        <p:txBody>
-          <a:bodyPr wrap="square" lIns="91440" tIns="45720" rIns="91440" bIns="45720">
-            <a:spAutoFit/>
+          <p:cNvPr id="2" name="Title 1"/>
+          <p:cNvSpPr>
+            <a:spLocks noGrp="1"/>
+          </p:cNvSpPr>
+          <p:nvPr>
+            <p:ph type="title"/>
+          </p:nvPr>
+        </p:nvSpPr>
+        <p:spPr>
+          <a:xfrm>
+            <a:off x="685800" y="764373"/>
+            <a:ext cx="10820400" cy="988227"/>
+          </a:xfrm>
+        </p:spPr>
+        <p:txBody>
+          <a:bodyPr/>
+          <a:lstStyle/>
+          <a:p>
+            <a:pPr algn="ctr"/>
+            <a:r>
+              <a:rPr lang="en-US" dirty="0" smtClean="0"/>
+              <a:t>WEB SERVICE</a:t>
+            </a:r>
+            <a:endParaRPr lang="en-US" dirty="0"/>
+          </a:p>
+        </p:txBody>
+      </p:sp>
+      <p:sp>
+        <p:nvSpPr>
+          <p:cNvPr id="3" name="Content Placeholder 2"/>
+          <p:cNvSpPr>
+            <a:spLocks noGrp="1"/>
+          </p:cNvSpPr>
+          <p:nvPr>
+            <p:ph idx="1"/>
+          </p:nvPr>
+        </p:nvSpPr>
+        <p:spPr>
+          <a:xfrm>
+            <a:off x="685800" y="2042160"/>
+            <a:ext cx="10820400" cy="4024125"/>
+          </a:xfrm>
+        </p:spPr>
+        <p:txBody>
+          <a:bodyPr>
+            <a:noAutofit/>
           </a:bodyPr>
           <a:lstStyle/>
           <a:p>
-            <a:pPr algn="ctr"/>
-            <a:r>
-              <a:rPr lang="en-US" sz="8000" b="1" i="1" u="sng" dirty="0">
-                <a:latin typeface="Calibri Light" panose="020F0302020204030204" pitchFamily="34" charset="0"/>
-              </a:rPr>
-              <a:t>SYSTEM ANALYSIS</a:t>
-            </a:r>
-            <a:endParaRPr lang="en-US" sz="8000" dirty="0">
+            <a:pPr algn="just"/>
+            <a:r>
+              <a:rPr lang="en-US" sz="2400" dirty="0">
+                <a:latin typeface="Calibri Light" panose="020F0302020204030204" pitchFamily="34" charset="0"/>
+              </a:rPr>
+              <a:t>A web service is a collection of open protocols and standards used for exchanging data between applications or systems</a:t>
+            </a:r>
+            <a:r>
+              <a:rPr lang="en-US" sz="2400" dirty="0" smtClean="0">
+                <a:latin typeface="Calibri Light" panose="020F0302020204030204" pitchFamily="34" charset="0"/>
+              </a:rPr>
+              <a:t>.</a:t>
+            </a:r>
+          </a:p>
+          <a:p>
+            <a:pPr algn="just"/>
+            <a:r>
+              <a:rPr lang="en-US" sz="2400" dirty="0">
+                <a:latin typeface="Calibri Light" panose="020F0302020204030204" pitchFamily="34" charset="0"/>
+              </a:rPr>
+              <a:t>Software applications written in various programming languages and running on various platforms can use web services to exchange data over computer networks like the Internet in a manner similar to inter-process communication on a single computer</a:t>
+            </a:r>
+            <a:r>
+              <a:rPr lang="en-US" sz="2400" dirty="0" smtClean="0">
+                <a:latin typeface="Calibri Light" panose="020F0302020204030204" pitchFamily="34" charset="0"/>
+              </a:rPr>
+              <a:t>.</a:t>
+            </a:r>
+          </a:p>
+          <a:p>
+            <a:pPr algn="just"/>
+            <a:r>
+              <a:rPr lang="en-US" sz="2400" dirty="0">
+                <a:latin typeface="Calibri Light" panose="020F0302020204030204" pitchFamily="34" charset="0"/>
+              </a:rPr>
+              <a:t>Web services based on REST Architecture are known as RESTful Web Services. These web services use HTTP methods to implement the concept of REST architecture</a:t>
+            </a:r>
+            <a:r>
+              <a:rPr lang="en-US" sz="2400" dirty="0" smtClean="0">
+                <a:latin typeface="Calibri Light" panose="020F0302020204030204" pitchFamily="34" charset="0"/>
+              </a:rPr>
+              <a:t>.</a:t>
+            </a:r>
+          </a:p>
+          <a:p>
+            <a:pPr algn="just"/>
+            <a:r>
+              <a:rPr lang="en-US" sz="2400" dirty="0">
+                <a:latin typeface="Calibri Light" panose="020F0302020204030204" pitchFamily="34" charset="0"/>
+              </a:rPr>
+              <a:t>A RESTful web service usually defines a URI (Uniform Resource Identifier), which is a service that provides resource representation such as JSON and a set of HTTP Methods.</a:t>
+            </a:r>
+            <a:endParaRPr lang="en-US" sz="2400" dirty="0">
               <a:latin typeface="Calibri Light" panose="020F0302020204030204" pitchFamily="34" charset="0"/>
             </a:endParaRPr>
           </a:p>
@@ -6116,13 +6215,20 @@
     </p:spTree>
     <p:extLst>
       <p:ext uri="{BB962C8B-B14F-4D97-AF65-F5344CB8AC3E}">
-        <p14:creationId xmlns:p14="http://schemas.microsoft.com/office/powerpoint/2010/main" val="1266125824"/>
+        <p14:creationId xmlns:p14="http://schemas.microsoft.com/office/powerpoint/2010/main" val="2684012374"/>
       </p:ext>
     </p:extLst>
   </p:cSld>
   <p:clrMapOvr>
     <a:masterClrMapping/>
   </p:clrMapOvr>
+  <p:timing>
+    <p:tnLst>
+      <p:par>
+        <p:cTn id="1" dur="indefinite" restart="never" nodeType="tmRoot"/>
+      </p:par>
+    </p:tnLst>
+  </p:timing>
 </p:sld>
 </file>
 
@@ -6143,109 +6249,112 @@
           <a:chExt cx="0" cy="0"/>
         </a:xfrm>
       </p:grpSpPr>
-      <p:sp>
-        <p:nvSpPr>
-          <p:cNvPr id="2" name="Title 1"/>
-          <p:cNvSpPr>
-            <a:spLocks noGrp="1"/>
+      <p:pic>
+        <p:nvPicPr>
+          <p:cNvPr id="1026" name="Picture 2" descr="https://qph.fs.quoracdn.net/main-qimg-fe8b9dba81b9edd4b2fdde0f05db3c22"/>
+          <p:cNvPicPr>
+            <a:picLocks noChangeAspect="1" noChangeArrowheads="1"/>
+          </p:cNvPicPr>
+          <p:nvPr/>
+        </p:nvPicPr>
+        <p:blipFill>
+          <a:blip r:embed="rId2">
+            <a:extLst>
+              <a:ext uri="{28A0092B-C50C-407E-A947-70E740481C1C}">
+                <a14:useLocalDpi xmlns:a14="http://schemas.microsoft.com/office/drawing/2010/main" val="0"/>
+              </a:ext>
+            </a:extLst>
+          </a:blip>
+          <a:srcRect/>
+          <a:stretch>
+            <a:fillRect/>
+          </a:stretch>
+        </p:blipFill>
+        <p:spPr bwMode="auto">
+          <a:xfrm>
+            <a:off x="1155700" y="1841501"/>
+            <a:ext cx="9829800" cy="4610100"/>
+          </a:xfrm>
+          <a:prstGeom prst="rect">
+            <a:avLst/>
+          </a:prstGeom>
+          <a:noFill/>
+          <a:extLst>
+            <a:ext uri="{909E8E84-426E-40DD-AFC4-6F175D3DCCD1}">
+              <a14:hiddenFill xmlns:a14="http://schemas.microsoft.com/office/drawing/2010/main">
+                <a:solidFill>
+                  <a:srgbClr val="FFFFFF"/>
+                </a:solidFill>
+              </a14:hiddenFill>
+            </a:ext>
+          </a:extLst>
+        </p:spPr>
+      </p:pic>
+      <p:sp>
+        <p:nvSpPr>
+          <p:cNvPr id="5" name="Title 1"/>
+          <p:cNvSpPr txBox="1">
+            <a:spLocks/>
           </p:cNvSpPr>
-          <p:nvPr>
-            <p:ph type="title"/>
-          </p:nvPr>
+          <p:nvPr/>
         </p:nvSpPr>
         <p:spPr>
           <a:xfrm>
             <a:off x="685800" y="764373"/>
-            <a:ext cx="10820400" cy="1293028"/>
-          </a:xfrm>
+            <a:ext cx="10820400" cy="988227"/>
+          </a:xfrm>
+          <a:prstGeom prst="rect">
+            <a:avLst/>
+          </a:prstGeom>
         </p:spPr>
         <p:txBody>
           <a:bodyPr/>
-          <a:lstStyle/>
+          <a:lstStyle>
+            <a:lvl1pPr algn="r" defTabSz="914400" rtl="0" eaLnBrk="1" latinLnBrk="0" hangingPunct="1">
+              <a:lnSpc>
+                <a:spcPct val="90000"/>
+              </a:lnSpc>
+              <a:spcBef>
+                <a:spcPct val="0"/>
+              </a:spcBef>
+              <a:buNone/>
+              <a:defRPr sz="4000" kern="1200" cap="all" baseline="0">
+                <a:solidFill>
+                  <a:schemeClr val="tx1"/>
+                </a:solidFill>
+                <a:latin typeface="+mj-lt"/>
+                <a:ea typeface="+mj-ea"/>
+                <a:cs typeface="+mj-cs"/>
+              </a:defRPr>
+            </a:lvl1pPr>
+          </a:lstStyle>
           <a:p>
             <a:pPr algn="ctr"/>
             <a:r>
-              <a:rPr lang="en-US" b="1" i="1" u="sng" dirty="0">
-                <a:latin typeface="Calibri Light" panose="020F0302020204030204" pitchFamily="34" charset="0"/>
-              </a:rPr>
-              <a:t>Problem Definition</a:t>
-            </a:r>
-            <a:endParaRPr lang="en-US" i="1" u="sng" dirty="0">
-              <a:latin typeface="Calibri Light" panose="020F0302020204030204" pitchFamily="34" charset="0"/>
-            </a:endParaRPr>
-          </a:p>
-        </p:txBody>
-      </p:sp>
-      <p:sp>
-        <p:nvSpPr>
-          <p:cNvPr id="3" name="Content Placeholder 2"/>
-          <p:cNvSpPr>
-            <a:spLocks noGrp="1"/>
-          </p:cNvSpPr>
-          <p:nvPr>
-            <p:ph idx="1"/>
-          </p:nvPr>
-        </p:nvSpPr>
-        <p:spPr/>
-        <p:txBody>
-          <a:bodyPr>
-            <a:normAutofit/>
-          </a:bodyPr>
-          <a:lstStyle/>
-          <a:p>
-            <a:pPr marL="0" indent="0" algn="just">
-              <a:lnSpc>
-                <a:spcPct val="100000"/>
-              </a:lnSpc>
-              <a:buNone/>
-            </a:pPr>
-            <a:endParaRPr lang="en-US" sz="2400" dirty="0" smtClean="0">
-              <a:latin typeface="Calibri Light" panose="020F0302020204030204" pitchFamily="34" charset="0"/>
-            </a:endParaRPr>
-          </a:p>
-          <a:p>
-            <a:pPr marL="0" indent="0" algn="just">
-              <a:lnSpc>
-                <a:spcPct val="100000"/>
-              </a:lnSpc>
-              <a:buNone/>
-            </a:pPr>
-            <a:r>
-              <a:rPr lang="en-US" sz="2400" dirty="0" smtClean="0">
-                <a:latin typeface="Calibri Light" panose="020F0302020204030204" pitchFamily="34" charset="0"/>
-              </a:rPr>
-              <a:t> </a:t>
-            </a:r>
-            <a:r>
-              <a:rPr lang="en-US" sz="2400" dirty="0">
-                <a:latin typeface="Calibri Light" panose="020F0302020204030204" pitchFamily="34" charset="0"/>
-              </a:rPr>
-              <a:t>The e-shopping Administrator is the super user and has complete control over all the activities that can be performed. The application notifies the administrator of all shop creation requests, and the administrator can then approve or reject them. The administrator also manages the list of available product categories. The administrator can also view and delete entries in the guestbook.</a:t>
-            </a:r>
-          </a:p>
-          <a:p>
-            <a:pPr marL="0" indent="0" algn="just">
-              <a:lnSpc>
-                <a:spcPct val="100000"/>
-              </a:lnSpc>
-              <a:buNone/>
-            </a:pPr>
-            <a:endParaRPr lang="en-US" sz="2400" dirty="0">
-              <a:latin typeface="Calibri Light" panose="020F0302020204030204" pitchFamily="34" charset="0"/>
-            </a:endParaRPr>
+              <a:rPr lang="en-US" smtClean="0"/>
+              <a:t>WEB SERVICE</a:t>
+            </a:r>
+            <a:endParaRPr lang="en-US" dirty="0"/>
           </a:p>
         </p:txBody>
       </p:sp>
     </p:spTree>
     <p:extLst>
       <p:ext uri="{BB962C8B-B14F-4D97-AF65-F5344CB8AC3E}">
-        <p14:creationId xmlns:p14="http://schemas.microsoft.com/office/powerpoint/2010/main" val="800537761"/>
+        <p14:creationId xmlns:p14="http://schemas.microsoft.com/office/powerpoint/2010/main" val="2886284042"/>
       </p:ext>
     </p:extLst>
   </p:cSld>
   <p:clrMapOvr>
     <a:masterClrMapping/>
   </p:clrMapOvr>
+  <p:timing>
+    <p:tnLst>
+      <p:par>
+        <p:cTn id="1" dur="indefinite" restart="never" nodeType="tmRoot"/>
+      </p:par>
+    </p:tnLst>
+  </p:timing>
 </p:sld>
 </file>
 
@@ -6268,92 +6377,34 @@
       </p:grpSpPr>
       <p:sp>
         <p:nvSpPr>
-          <p:cNvPr id="2" name="Title 1"/>
-          <p:cNvSpPr>
-            <a:spLocks noGrp="1"/>
-          </p:cNvSpPr>
-          <p:nvPr>
-            <p:ph type="title"/>
-          </p:nvPr>
-        </p:nvSpPr>
-        <p:spPr>
-          <a:xfrm>
-            <a:off x="685800" y="764373"/>
-            <a:ext cx="10820400" cy="1293028"/>
-          </a:xfrm>
-        </p:spPr>
-        <p:txBody>
-          <a:bodyPr/>
+          <p:cNvPr id="4" name="Rectangle 3"/>
+          <p:cNvSpPr/>
+          <p:nvPr/>
+        </p:nvSpPr>
+        <p:spPr>
+          <a:xfrm>
+            <a:off x="2034861" y="2400665"/>
+            <a:ext cx="8126569" cy="1323439"/>
+          </a:xfrm>
+          <a:prstGeom prst="rect">
+            <a:avLst/>
+          </a:prstGeom>
+          <a:noFill/>
+        </p:spPr>
+        <p:txBody>
+          <a:bodyPr wrap="square" lIns="91440" tIns="45720" rIns="91440" bIns="45720">
+            <a:spAutoFit/>
+          </a:bodyPr>
           <a:lstStyle/>
           <a:p>
             <a:pPr algn="ctr"/>
             <a:r>
-              <a:rPr lang="en-US" b="1" i="1" u="sng" dirty="0">
-                <a:latin typeface="Calibri Light" panose="020F0302020204030204" pitchFamily="34" charset="0"/>
-              </a:rPr>
-              <a:t>Employees</a:t>
-            </a:r>
-            <a:endParaRPr lang="en-US" i="1" u="sng" dirty="0">
-              <a:latin typeface="Calibri Light" panose="020F0302020204030204" pitchFamily="34" charset="0"/>
-            </a:endParaRPr>
-          </a:p>
-        </p:txBody>
-      </p:sp>
-      <p:sp>
-        <p:nvSpPr>
-          <p:cNvPr id="3" name="Content Placeholder 2"/>
-          <p:cNvSpPr>
-            <a:spLocks noGrp="1"/>
-          </p:cNvSpPr>
-          <p:nvPr>
-            <p:ph idx="1"/>
-          </p:nvPr>
-        </p:nvSpPr>
-        <p:spPr/>
-        <p:txBody>
-          <a:bodyPr>
-            <a:normAutofit/>
-          </a:bodyPr>
-          <a:lstStyle/>
-          <a:p>
-            <a:pPr marL="0" indent="0">
-              <a:lnSpc>
-                <a:spcPct val="100000"/>
-              </a:lnSpc>
-              <a:buNone/>
-            </a:pPr>
-            <a:endParaRPr lang="en-US" sz="2800" i="1" dirty="0" smtClean="0">
-              <a:latin typeface="Calibri Light" panose="020F0302020204030204" pitchFamily="34" charset="0"/>
-            </a:endParaRPr>
-          </a:p>
-          <a:p>
-            <a:pPr marL="0" indent="0">
-              <a:lnSpc>
-                <a:spcPct val="100000"/>
-              </a:lnSpc>
-              <a:buNone/>
-            </a:pPr>
-            <a:r>
-              <a:rPr lang="en-US" sz="2800" i="1" dirty="0" smtClean="0">
-                <a:latin typeface="Calibri Light" panose="020F0302020204030204" pitchFamily="34" charset="0"/>
-              </a:rPr>
-              <a:t>Purchase </a:t>
-            </a:r>
-            <a:r>
-              <a:rPr lang="en-US" sz="2800" i="1" dirty="0">
-                <a:latin typeface="Calibri Light" panose="020F0302020204030204" pitchFamily="34" charset="0"/>
-              </a:rPr>
-              <a:t>department under a Purchase manager to overlook purchasing activities if warehousing needs arise. Sales department under a Sales manager who will look after the sale of products and services, the most important activity. Accounts department under an Accounts manager to look after the accounting activities of the enterprise.</a:t>
-            </a:r>
-          </a:p>
-          <a:p>
-            <a:pPr marL="0" indent="0">
-              <a:lnSpc>
-                <a:spcPct val="100000"/>
-              </a:lnSpc>
-              <a:buNone/>
-            </a:pPr>
-            <a:endParaRPr lang="en-US" sz="2800" i="1" dirty="0">
+              <a:rPr lang="en-US" sz="8000" b="1" i="1" u="sng" dirty="0">
+                <a:latin typeface="Calibri Light" panose="020F0302020204030204" pitchFamily="34" charset="0"/>
+              </a:rPr>
+              <a:t>SYSTEM ANALYSIS</a:t>
+            </a:r>
+            <a:endParaRPr lang="en-US" sz="8000" dirty="0">
               <a:latin typeface="Calibri Light" panose="020F0302020204030204" pitchFamily="34" charset="0"/>
             </a:endParaRPr>
           </a:p>
@@ -6362,13 +6413,20 @@
     </p:spTree>
     <p:extLst>
       <p:ext uri="{BB962C8B-B14F-4D97-AF65-F5344CB8AC3E}">
-        <p14:creationId xmlns:p14="http://schemas.microsoft.com/office/powerpoint/2010/main" val="608028033"/>
+        <p14:creationId xmlns:p14="http://schemas.microsoft.com/office/powerpoint/2010/main" val="1266125824"/>
       </p:ext>
     </p:extLst>
   </p:cSld>
   <p:clrMapOvr>
     <a:masterClrMapping/>
   </p:clrMapOvr>
+  <p:timing>
+    <p:tnLst>
+      <p:par>
+        <p:cTn id="1" dur="indefinite" restart="never" nodeType="tmRoot"/>
+      </p:par>
+    </p:tnLst>
+  </p:timing>
 </p:sld>
 </file>
 
@@ -6414,7 +6472,7 @@
               <a:rPr lang="en-US" b="1" i="1" u="sng" dirty="0">
                 <a:latin typeface="Calibri Light" panose="020F0302020204030204" pitchFamily="34" charset="0"/>
               </a:rPr>
-              <a:t>Requirement Specification</a:t>
+              <a:t>Problem Definition</a:t>
             </a:r>
             <a:endParaRPr lang="en-US" i="1" u="sng" dirty="0">
               <a:latin typeface="Calibri Light" panose="020F0302020204030204" pitchFamily="34" charset="0"/>
@@ -6435,7 +6493,7 @@
         <p:spPr/>
         <p:txBody>
           <a:bodyPr>
-            <a:noAutofit/>
+            <a:normAutofit/>
           </a:bodyPr>
           <a:lstStyle/>
           <a:p>
@@ -6445,7 +6503,7 @@
               </a:lnSpc>
               <a:buNone/>
             </a:pPr>
-            <a:endParaRPr lang="en-US" sz="2400" i="1" dirty="0" smtClean="0">
+            <a:endParaRPr lang="en-US" sz="2400" dirty="0" smtClean="0">
               <a:latin typeface="Calibri Light" panose="020F0302020204030204" pitchFamily="34" charset="0"/>
             </a:endParaRPr>
           </a:p>
@@ -6457,16 +6515,16 @@
               <a:buNone/>
             </a:pPr>
             <a:r>
-              <a:rPr lang="en-US" sz="2400" i="1" dirty="0" smtClean="0">
-                <a:latin typeface="Calibri Light" panose="020F0302020204030204" pitchFamily="34" charset="0"/>
-              </a:rPr>
-              <a:t>It </a:t>
-            </a:r>
-            <a:r>
-              <a:rPr lang="en-US" sz="2400" i="1" dirty="0">
-                <a:latin typeface="Calibri Light" panose="020F0302020204030204" pitchFamily="34" charset="0"/>
-              </a:rPr>
-              <a:t>is quite difficult and time consuming task to find the information as well as maintaining information manually. If all these information are to be kept at a single place it is also not possible in the manual system. Computerized system will upgrade and manage information very easily. As it is a web-based application so it uses Internet technologies and its hardware/software requirement will also be more comprehensive than Desktop application system. Some Network devices will be required like modems, switches, Internet connection. Software required for the system is also different from a normal desktop system. First of all a server software will be mandatory (here Internet Information Server (IIS)). A browser is also needed as a client process on the user side.</a:t>
+              <a:rPr lang="en-US" sz="2400" dirty="0" smtClean="0">
+                <a:latin typeface="Calibri Light" panose="020F0302020204030204" pitchFamily="34" charset="0"/>
+              </a:rPr>
+              <a:t> </a:t>
+            </a:r>
+            <a:r>
+              <a:rPr lang="en-US" sz="2400" dirty="0">
+                <a:latin typeface="Calibri Light" panose="020F0302020204030204" pitchFamily="34" charset="0"/>
+              </a:rPr>
+              <a:t>The e-shopping Administrator is the super user and has complete control over all the activities that can be performed. The application notifies the administrator of all shop creation requests, and the administrator can then approve or reject them. The administrator also manages the list of available product categories. The administrator can also view and delete entries in the guestbook.</a:t>
             </a:r>
           </a:p>
           <a:p>
@@ -6476,7 +6534,7 @@
               </a:lnSpc>
               <a:buNone/>
             </a:pPr>
-            <a:endParaRPr lang="en-US" sz="2400" i="1" dirty="0">
+            <a:endParaRPr lang="en-US" sz="2400" dirty="0">
               <a:latin typeface="Calibri Light" panose="020F0302020204030204" pitchFamily="34" charset="0"/>
             </a:endParaRPr>
           </a:p>
@@ -6485,13 +6543,20 @@
     </p:spTree>
     <p:extLst>
       <p:ext uri="{BB962C8B-B14F-4D97-AF65-F5344CB8AC3E}">
-        <p14:creationId xmlns:p14="http://schemas.microsoft.com/office/powerpoint/2010/main" val="2664927569"/>
+        <p14:creationId xmlns:p14="http://schemas.microsoft.com/office/powerpoint/2010/main" val="800537761"/>
       </p:ext>
     </p:extLst>
   </p:cSld>
   <p:clrMapOvr>
     <a:masterClrMapping/>
   </p:clrMapOvr>
+  <p:timing>
+    <p:tnLst>
+      <p:par>
+        <p:cTn id="1" dur="indefinite" restart="never" nodeType="tmRoot"/>
+      </p:par>
+    </p:tnLst>
+  </p:timing>
 </p:sld>
 </file>
 
@@ -6537,13 +6602,7 @@
               <a:rPr lang="en-US" b="1" i="1" u="sng" dirty="0">
                 <a:latin typeface="Calibri Light" panose="020F0302020204030204" pitchFamily="34" charset="0"/>
               </a:rPr>
-              <a:t>Preliminary </a:t>
-            </a:r>
-            <a:r>
-              <a:rPr lang="en-US" b="1" i="1" u="sng" dirty="0" smtClean="0">
-                <a:latin typeface="Calibri Light" panose="020F0302020204030204" pitchFamily="34" charset="0"/>
-              </a:rPr>
-              <a:t>Investigation</a:t>
+              <a:t>Employees</a:t>
             </a:r>
             <a:endParaRPr lang="en-US" i="1" u="sng" dirty="0">
               <a:latin typeface="Calibri Light" panose="020F0302020204030204" pitchFamily="34" charset="0"/>
@@ -6564,52 +6623,70 @@
         <p:spPr/>
         <p:txBody>
           <a:bodyPr>
-            <a:noAutofit/>
+            <a:normAutofit/>
           </a:bodyPr>
           <a:lstStyle/>
           <a:p>
-            <a:pPr marL="0" indent="0" algn="just">
+            <a:pPr marL="0" indent="0">
               <a:lnSpc>
                 <a:spcPct val="100000"/>
               </a:lnSpc>
               <a:buNone/>
             </a:pPr>
-            <a:endParaRPr lang="en-US" sz="2400" i="1" dirty="0" smtClean="0">
+            <a:endParaRPr lang="en-US" sz="2800" i="1" dirty="0" smtClean="0">
               <a:latin typeface="Calibri Light" panose="020F0302020204030204" pitchFamily="34" charset="0"/>
             </a:endParaRPr>
           </a:p>
           <a:p>
-            <a:pPr marL="0" indent="0" algn="just">
+            <a:pPr marL="0" indent="0">
               <a:lnSpc>
                 <a:spcPct val="100000"/>
               </a:lnSpc>
               <a:buNone/>
             </a:pPr>
             <a:r>
-              <a:rPr lang="en-US" sz="2400" i="1" dirty="0" smtClean="0">
-                <a:latin typeface="Calibri Light" panose="020F0302020204030204" pitchFamily="34" charset="0"/>
-              </a:rPr>
-              <a:t>System </a:t>
-            </a:r>
-            <a:r>
-              <a:rPr lang="en-US" sz="2400" i="1" dirty="0">
-                <a:latin typeface="Calibri Light" panose="020F0302020204030204" pitchFamily="34" charset="0"/>
-              </a:rPr>
-              <a:t>Analysis is not only time consuming but also a rigorous task. But it is crucial and most important phase of Software development process. Preliminary Investigation is the process of gathering data for requirement analysis. It is more helpful for problem definition and requirement specification.</a:t>
-            </a:r>
+              <a:rPr lang="en-US" sz="2800" i="1" dirty="0" smtClean="0">
+                <a:latin typeface="Calibri Light" panose="020F0302020204030204" pitchFamily="34" charset="0"/>
+              </a:rPr>
+              <a:t>Purchase </a:t>
+            </a:r>
+            <a:r>
+              <a:rPr lang="en-US" sz="2800" i="1" dirty="0">
+                <a:latin typeface="Calibri Light" panose="020F0302020204030204" pitchFamily="34" charset="0"/>
+              </a:rPr>
+              <a:t>department under a Purchase manager to overlook purchasing activities if warehousing needs arise. Sales department under a Sales manager who will look after the sale of products and services, the most important activity. Accounts department under an Accounts manager to look after the accounting activities of the enterprise.</a:t>
+            </a:r>
+          </a:p>
+          <a:p>
+            <a:pPr marL="0" indent="0">
+              <a:lnSpc>
+                <a:spcPct val="100000"/>
+              </a:lnSpc>
+              <a:buNone/>
+            </a:pPr>
+            <a:endParaRPr lang="en-US" sz="2800" i="1" dirty="0">
+              <a:latin typeface="Calibri Light" panose="020F0302020204030204" pitchFamily="34" charset="0"/>
+            </a:endParaRPr>
           </a:p>
         </p:txBody>
       </p:sp>
     </p:spTree>
     <p:extLst>
       <p:ext uri="{BB962C8B-B14F-4D97-AF65-F5344CB8AC3E}">
-        <p14:creationId xmlns:p14="http://schemas.microsoft.com/office/powerpoint/2010/main" val="575038311"/>
+        <p14:creationId xmlns:p14="http://schemas.microsoft.com/office/powerpoint/2010/main" val="608028033"/>
       </p:ext>
     </p:extLst>
   </p:cSld>
   <p:clrMapOvr>
     <a:masterClrMapping/>
   </p:clrMapOvr>
+  <p:timing>
+    <p:tnLst>
+      <p:par>
+        <p:cTn id="1" dur="indefinite" restart="never" nodeType="tmRoot"/>
+      </p:par>
+    </p:tnLst>
+  </p:timing>
 </p:sld>
 </file>
 
@@ -6642,8 +6719,8 @@
         </p:nvSpPr>
         <p:spPr>
           <a:xfrm>
-            <a:off x="685800" y="378007"/>
-            <a:ext cx="10820400" cy="948517"/>
+            <a:off x="685800" y="764373"/>
+            <a:ext cx="10820400" cy="1293028"/>
           </a:xfrm>
         </p:spPr>
         <p:txBody>
@@ -6655,15 +6732,9 @@
               <a:rPr lang="en-US" b="1" i="1" u="sng" dirty="0">
                 <a:latin typeface="Calibri Light" panose="020F0302020204030204" pitchFamily="34" charset="0"/>
               </a:rPr>
-              <a:t>MODULE </a:t>
-            </a:r>
-            <a:r>
-              <a:rPr lang="en-US" b="1" i="1" u="sng" dirty="0" smtClean="0">
-                <a:latin typeface="Calibri Light" panose="020F0302020204030204" pitchFamily="34" charset="0"/>
-              </a:rPr>
-              <a:t>DESCRIPTION</a:t>
-            </a:r>
-            <a:endParaRPr lang="en-US" dirty="0">
+              <a:t>Requirement Specification</a:t>
+            </a:r>
+            <a:endParaRPr lang="en-US" i="1" u="sng" dirty="0">
               <a:latin typeface="Calibri Light" panose="020F0302020204030204" pitchFamily="34" charset="0"/>
             </a:endParaRPr>
           </a:p>
@@ -6679,195 +6750,51 @@
             <p:ph idx="1"/>
           </p:nvPr>
         </p:nvSpPr>
-        <p:spPr>
-          <a:xfrm>
-            <a:off x="685800" y="1326524"/>
-            <a:ext cx="10820400" cy="5434884"/>
-          </a:xfrm>
-        </p:spPr>
+        <p:spPr/>
         <p:txBody>
           <a:bodyPr>
             <a:noAutofit/>
           </a:bodyPr>
           <a:lstStyle/>
           <a:p>
-            <a:pPr marL="0" indent="0">
+            <a:pPr marL="0" indent="0" algn="just">
+              <a:lnSpc>
+                <a:spcPct val="100000"/>
+              </a:lnSpc>
               <a:buNone/>
             </a:pPr>
-            <a:r>
-              <a:rPr lang="en-US" sz="2400" dirty="0" smtClean="0">
-                <a:latin typeface="Calibri Light" panose="020F0302020204030204" pitchFamily="34" charset="0"/>
-              </a:rPr>
-              <a:t>We </a:t>
-            </a:r>
-            <a:r>
-              <a:rPr lang="en-US" sz="2400" dirty="0">
-                <a:latin typeface="Calibri Light" panose="020F0302020204030204" pitchFamily="34" charset="0"/>
-              </a:rPr>
-              <a:t>know that it is quite difficult to do anything of its whole part at a time. So it is the task of the programmer to break/split the whole set of task into various small module so that one can handle them effectively. But it depends upon the software system that in which Extent it will be broken so that there is no inter-dependency among them.</a:t>
-            </a:r>
-          </a:p>
-          <a:p>
-            <a:pPr marL="0" indent="0">
-              <a:buNone/>
-            </a:pPr>
-            <a:endParaRPr lang="en-US" sz="2400" dirty="0" smtClean="0">
+            <a:endParaRPr lang="en-US" sz="2400" i="1" dirty="0" smtClean="0">
               <a:latin typeface="Calibri Light" panose="020F0302020204030204" pitchFamily="34" charset="0"/>
             </a:endParaRPr>
           </a:p>
           <a:p>
-            <a:pPr marL="0" indent="0">
+            <a:pPr marL="0" indent="0" algn="just">
+              <a:lnSpc>
+                <a:spcPct val="100000"/>
+              </a:lnSpc>
               <a:buNone/>
             </a:pPr>
             <a:r>
-              <a:rPr lang="en-US" sz="2400" dirty="0" smtClean="0">
-                <a:latin typeface="Calibri Light" panose="020F0302020204030204" pitchFamily="34" charset="0"/>
-              </a:rPr>
-              <a:t>This </a:t>
-            </a:r>
-            <a:r>
-              <a:rPr lang="en-US" sz="2400" dirty="0">
-                <a:latin typeface="Calibri Light" panose="020F0302020204030204" pitchFamily="34" charset="0"/>
-              </a:rPr>
-              <a:t>project developed for “On-Line Shopping” is broken into following module.</a:t>
-            </a:r>
-          </a:p>
-          <a:p>
-            <a:pPr marL="0" indent="0">
+              <a:rPr lang="en-US" sz="2400" i="1" dirty="0" smtClean="0">
+                <a:latin typeface="Calibri Light" panose="020F0302020204030204" pitchFamily="34" charset="0"/>
+              </a:rPr>
+              <a:t>It </a:t>
+            </a:r>
+            <a:r>
+              <a:rPr lang="en-US" sz="2400" i="1" dirty="0">
+                <a:latin typeface="Calibri Light" panose="020F0302020204030204" pitchFamily="34" charset="0"/>
+              </a:rPr>
+              <a:t>is quite difficult and time consuming task to find the information as well as maintaining information manually. If all these information are to be kept at a single place it is also not possible in the manual system. Computerized system will upgrade and manage information very easily. As it is a web-based application so it uses Internet technologies and its hardware/software requirement will also be more comprehensive than Desktop application system. Some Network devices will be required like modems, switches, Internet connection. Software required for the system is also different from a normal desktop system. First of all a server software will be mandatory (here Internet Information Server (IIS)). A browser is also needed as a client process on the user side.</a:t>
+            </a:r>
+          </a:p>
+          <a:p>
+            <a:pPr marL="0" indent="0" algn="just">
+              <a:lnSpc>
+                <a:spcPct val="100000"/>
+              </a:lnSpc>
               <a:buNone/>
             </a:pPr>
-            <a:r>
-              <a:rPr lang="en-US" sz="2400" dirty="0">
-                <a:latin typeface="Calibri Light" panose="020F0302020204030204" pitchFamily="34" charset="0"/>
-              </a:rPr>
-              <a:t>1. </a:t>
-            </a:r>
-            <a:r>
-              <a:rPr lang="en-US" sz="2400" dirty="0" smtClean="0">
-                <a:latin typeface="Calibri Light" panose="020F0302020204030204" pitchFamily="34" charset="0"/>
-              </a:rPr>
-              <a:t>Admin/Vendor </a:t>
-            </a:r>
-            <a:r>
-              <a:rPr lang="en-US" sz="2400" dirty="0">
-                <a:latin typeface="Calibri Light" panose="020F0302020204030204" pitchFamily="34" charset="0"/>
-              </a:rPr>
-              <a:t>Module</a:t>
-            </a:r>
-          </a:p>
-          <a:p>
-            <a:pPr marL="0" indent="0">
-              <a:buNone/>
-            </a:pPr>
-            <a:r>
-              <a:rPr lang="en-US" sz="2400" dirty="0">
-                <a:latin typeface="Calibri Light" panose="020F0302020204030204" pitchFamily="34" charset="0"/>
-              </a:rPr>
-              <a:t>2. User </a:t>
-            </a:r>
-            <a:r>
-              <a:rPr lang="en-US" sz="2400" dirty="0" smtClean="0">
-                <a:latin typeface="Calibri Light" panose="020F0302020204030204" pitchFamily="34" charset="0"/>
-              </a:rPr>
-              <a:t>Module</a:t>
-            </a:r>
-          </a:p>
-          <a:p>
-            <a:pPr marL="0" indent="0">
-              <a:buNone/>
-            </a:pPr>
-            <a:r>
-              <a:rPr lang="en-US" sz="2400" dirty="0" smtClean="0">
-                <a:latin typeface="Calibri Light" panose="020F0302020204030204" pitchFamily="34" charset="0"/>
-              </a:rPr>
-              <a:t>3. </a:t>
-            </a:r>
-            <a:r>
-              <a:rPr lang="en-US" sz="2400" dirty="0">
-                <a:latin typeface="Calibri Light" panose="020F0302020204030204" pitchFamily="34" charset="0"/>
-              </a:rPr>
-              <a:t>Payment Module</a:t>
-            </a:r>
-          </a:p>
-          <a:p>
-            <a:pPr marL="0" indent="0">
-              <a:buNone/>
-            </a:pPr>
-            <a:r>
-              <a:rPr lang="en-US" sz="2400" dirty="0" smtClean="0">
-                <a:latin typeface="Calibri Light" panose="020F0302020204030204" pitchFamily="34" charset="0"/>
-              </a:rPr>
-              <a:t>4.Purchase </a:t>
-            </a:r>
-            <a:r>
-              <a:rPr lang="en-US" sz="2400" dirty="0">
-                <a:latin typeface="Calibri Light" panose="020F0302020204030204" pitchFamily="34" charset="0"/>
-              </a:rPr>
-              <a:t>Module</a:t>
-            </a:r>
-          </a:p>
-          <a:p>
-            <a:pPr marL="0" indent="0">
-              <a:buNone/>
-            </a:pPr>
-            <a:r>
-              <a:rPr lang="en-US" sz="2400" dirty="0" smtClean="0">
-                <a:latin typeface="Calibri Light" panose="020F0302020204030204" pitchFamily="34" charset="0"/>
-              </a:rPr>
-              <a:t>5. </a:t>
-            </a:r>
-            <a:r>
-              <a:rPr lang="en-US" sz="2400" dirty="0">
-                <a:latin typeface="Calibri Light" panose="020F0302020204030204" pitchFamily="34" charset="0"/>
-              </a:rPr>
-              <a:t>Searching Module</a:t>
-            </a:r>
-          </a:p>
-          <a:p>
-            <a:pPr marL="0" indent="0">
-              <a:buNone/>
-            </a:pPr>
-            <a:r>
-              <a:rPr lang="en-US" sz="2400" dirty="0" smtClean="0">
-                <a:latin typeface="Calibri Light" panose="020F0302020204030204" pitchFamily="34" charset="0"/>
-              </a:rPr>
-              <a:t>6. </a:t>
-            </a:r>
-            <a:r>
-              <a:rPr lang="en-US" sz="2400" dirty="0">
-                <a:latin typeface="Calibri Light" panose="020F0302020204030204" pitchFamily="34" charset="0"/>
-              </a:rPr>
-              <a:t>Report </a:t>
-            </a:r>
-            <a:r>
-              <a:rPr lang="en-US" sz="2400" dirty="0" smtClean="0">
-                <a:latin typeface="Calibri Light" panose="020F0302020204030204" pitchFamily="34" charset="0"/>
-              </a:rPr>
-              <a:t>Module</a:t>
-            </a:r>
-          </a:p>
-          <a:p>
-            <a:pPr marL="0" indent="0">
-              <a:buNone/>
-            </a:pPr>
-            <a:r>
-              <a:rPr lang="en-US" sz="2400" dirty="0" smtClean="0">
-                <a:latin typeface="Calibri Light" panose="020F0302020204030204" pitchFamily="34" charset="0"/>
-              </a:rPr>
-              <a:t>7. </a:t>
-            </a:r>
-            <a:r>
-              <a:rPr lang="en-US" sz="2400" dirty="0">
-                <a:latin typeface="Calibri Light" panose="020F0302020204030204" pitchFamily="34" charset="0"/>
-              </a:rPr>
-              <a:t>Customer Service Module</a:t>
-            </a:r>
-          </a:p>
-          <a:p>
-            <a:pPr marL="0" indent="0">
-              <a:buNone/>
-            </a:pPr>
-            <a:endParaRPr lang="en-US" sz="2400" dirty="0">
+            <a:endParaRPr lang="en-US" sz="2400" i="1" dirty="0">
               <a:latin typeface="Calibri Light" panose="020F0302020204030204" pitchFamily="34" charset="0"/>
             </a:endParaRPr>
           </a:p>
@@ -6876,13 +6803,20 @@
     </p:spTree>
     <p:extLst>
       <p:ext uri="{BB962C8B-B14F-4D97-AF65-F5344CB8AC3E}">
-        <p14:creationId xmlns:p14="http://schemas.microsoft.com/office/powerpoint/2010/main" val="2701405341"/>
+        <p14:creationId xmlns:p14="http://schemas.microsoft.com/office/powerpoint/2010/main" val="2664927569"/>
       </p:ext>
     </p:extLst>
   </p:cSld>
   <p:clrMapOvr>
     <a:masterClrMapping/>
   </p:clrMapOvr>
+  <p:timing>
+    <p:tnLst>
+      <p:par>
+        <p:cTn id="1" dur="indefinite" restart="never" nodeType="tmRoot"/>
+      </p:par>
+    </p:tnLst>
+  </p:timing>
 </p:sld>
 </file>
 
@@ -6916,7 +6850,7 @@
         <p:spPr>
           <a:xfrm>
             <a:off x="685800" y="764373"/>
-            <a:ext cx="10820400" cy="781092"/>
+            <a:ext cx="10820400" cy="1293028"/>
           </a:xfrm>
         </p:spPr>
         <p:txBody>
@@ -6928,15 +6862,15 @@
               <a:rPr lang="en-US" b="1" i="1" u="sng" dirty="0">
                 <a:latin typeface="Calibri Light" panose="020F0302020204030204" pitchFamily="34" charset="0"/>
               </a:rPr>
-              <a:t>PROCESS </a:t>
+              <a:t>Preliminary </a:t>
             </a:r>
             <a:r>
               <a:rPr lang="en-US" b="1" i="1" u="sng" dirty="0" smtClean="0">
                 <a:latin typeface="Calibri Light" panose="020F0302020204030204" pitchFamily="34" charset="0"/>
               </a:rPr>
-              <a:t>LOGIC</a:t>
-            </a:r>
-            <a:endParaRPr lang="en-US" dirty="0">
+              <a:t>Investigation</a:t>
+            </a:r>
+            <a:endParaRPr lang="en-US" i="1" u="sng" dirty="0">
               <a:latin typeface="Calibri Light" panose="020F0302020204030204" pitchFamily="34" charset="0"/>
             </a:endParaRPr>
           </a:p>
@@ -6952,95 +6886,62 @@
             <p:ph idx="1"/>
           </p:nvPr>
         </p:nvSpPr>
-        <p:spPr>
-          <a:xfrm>
-            <a:off x="685800" y="1545466"/>
-            <a:ext cx="10820400" cy="4673220"/>
-          </a:xfrm>
-        </p:spPr>
+        <p:spPr/>
         <p:txBody>
           <a:bodyPr>
             <a:noAutofit/>
           </a:bodyPr>
           <a:lstStyle/>
           <a:p>
-            <a:pPr algn="just">
+            <a:pPr marL="0" indent="0" algn="just">
               <a:lnSpc>
                 <a:spcPct val="100000"/>
               </a:lnSpc>
+              <a:buNone/>
             </a:pPr>
-            <a:r>
-              <a:rPr lang="en-US" sz="2400" dirty="0">
-                <a:latin typeface="Calibri Light" panose="020F0302020204030204" pitchFamily="34" charset="0"/>
-              </a:rPr>
-              <a:t>Process logic is concerned with how the system interact with users and fulfill there requirements? Being a web based system; user of this system can easily access this system through Internet. It provides various functionalities, attracts the user to use it, and makes the user comfortable to work on it</a:t>
-            </a:r>
-            <a:r>
-              <a:rPr lang="en-US" sz="2400" dirty="0" smtClean="0">
-                <a:latin typeface="Calibri Light" panose="020F0302020204030204" pitchFamily="34" charset="0"/>
-              </a:rPr>
-              <a:t>.</a:t>
-            </a:r>
-          </a:p>
-          <a:p>
-            <a:pPr algn="just">
+            <a:endParaRPr lang="en-US" sz="2400" i="1" dirty="0" smtClean="0">
+              <a:latin typeface="Calibri Light" panose="020F0302020204030204" pitchFamily="34" charset="0"/>
+            </a:endParaRPr>
+          </a:p>
+          <a:p>
+            <a:pPr marL="0" indent="0" algn="just">
               <a:lnSpc>
                 <a:spcPct val="100000"/>
               </a:lnSpc>
+              <a:buNone/>
             </a:pPr>
             <a:r>
-              <a:rPr lang="en-US" sz="2400" dirty="0" smtClean="0">
-                <a:latin typeface="Calibri Light" panose="020F0302020204030204" pitchFamily="34" charset="0"/>
-              </a:rPr>
-              <a:t>Before </a:t>
-            </a:r>
-            <a:r>
-              <a:rPr lang="en-US" sz="2400" dirty="0">
-                <a:latin typeface="Calibri Light" panose="020F0302020204030204" pitchFamily="34" charset="0"/>
-              </a:rPr>
-              <a:t>providing access to the manipulating authorities, it first demands for user name and password based on user type. If the name and password entered are correct then one can enter the admin menu and can change any contents from this place. </a:t>
-            </a:r>
-            <a:endParaRPr lang="en-US" sz="2400" dirty="0" smtClean="0">
-              <a:latin typeface="Calibri Light" panose="020F0302020204030204" pitchFamily="34" charset="0"/>
-            </a:endParaRPr>
-          </a:p>
-          <a:p>
-            <a:pPr algn="just">
-              <a:lnSpc>
-                <a:spcPct val="100000"/>
-              </a:lnSpc>
-            </a:pPr>
-            <a:r>
-              <a:rPr lang="en-US" sz="2400" dirty="0" smtClean="0">
-                <a:latin typeface="Calibri Light" panose="020F0302020204030204" pitchFamily="34" charset="0"/>
-              </a:rPr>
-              <a:t>It </a:t>
-            </a:r>
-            <a:r>
-              <a:rPr lang="en-US" sz="2400" dirty="0">
-                <a:latin typeface="Calibri Light" panose="020F0302020204030204" pitchFamily="34" charset="0"/>
-              </a:rPr>
-              <a:t>also works as a public website where one can see the information based on the purpose to access this website. There is no need for authentication here, because they has to only access the site not change or update any content and they also cannot change it because they have no authority to change.</a:t>
-            </a:r>
-          </a:p>
-          <a:p>
-            <a:pPr marL="0" indent="0">
-              <a:buNone/>
-            </a:pPr>
-            <a:endParaRPr lang="en-US" sz="2400" dirty="0"/>
+              <a:rPr lang="en-US" sz="2400" i="1" dirty="0" smtClean="0">
+                <a:latin typeface="Calibri Light" panose="020F0302020204030204" pitchFamily="34" charset="0"/>
+              </a:rPr>
+              <a:t>System </a:t>
+            </a:r>
+            <a:r>
+              <a:rPr lang="en-US" sz="2400" i="1" dirty="0">
+                <a:latin typeface="Calibri Light" panose="020F0302020204030204" pitchFamily="34" charset="0"/>
+              </a:rPr>
+              <a:t>Analysis is not only time consuming but also a rigorous task. But it is crucial and most important phase of Software development process. Preliminary Investigation is the process of gathering data for requirement analysis. It is more helpful for problem definition and requirement specification.</a:t>
+            </a:r>
           </a:p>
         </p:txBody>
       </p:sp>
     </p:spTree>
     <p:extLst>
       <p:ext uri="{BB962C8B-B14F-4D97-AF65-F5344CB8AC3E}">
-        <p14:creationId xmlns:p14="http://schemas.microsoft.com/office/powerpoint/2010/main" val="1031771254"/>
+        <p14:creationId xmlns:p14="http://schemas.microsoft.com/office/powerpoint/2010/main" val="575038311"/>
       </p:ext>
     </p:extLst>
   </p:cSld>
   <p:clrMapOvr>
     <a:masterClrMapping/>
   </p:clrMapOvr>
+  <p:timing>
+    <p:tnLst>
+      <p:par>
+        <p:cTn id="1" dur="indefinite" restart="never" nodeType="tmRoot"/>
+      </p:par>
+    </p:tnLst>
+  </p:timing>
 </p:sld>
 </file>
 
@@ -7063,34 +6964,242 @@
       </p:grpSpPr>
       <p:sp>
         <p:nvSpPr>
-          <p:cNvPr id="4" name="Rectangle 3"/>
-          <p:cNvSpPr/>
-          <p:nvPr/>
-        </p:nvSpPr>
-        <p:spPr>
-          <a:xfrm>
-            <a:off x="1061544" y="2516278"/>
-            <a:ext cx="9816662" cy="1323439"/>
-          </a:xfrm>
-          <a:prstGeom prst="rect">
-            <a:avLst/>
-          </a:prstGeom>
-          <a:noFill/>
-        </p:spPr>
-        <p:txBody>
-          <a:bodyPr wrap="square" lIns="91440" tIns="45720" rIns="91440" bIns="45720">
-            <a:spAutoFit/>
+          <p:cNvPr id="2" name="Title 1"/>
+          <p:cNvSpPr>
+            <a:spLocks noGrp="1"/>
+          </p:cNvSpPr>
+          <p:nvPr>
+            <p:ph type="title"/>
+          </p:nvPr>
+        </p:nvSpPr>
+        <p:spPr>
+          <a:xfrm>
+            <a:off x="685800" y="378007"/>
+            <a:ext cx="10820400" cy="948517"/>
+          </a:xfrm>
+        </p:spPr>
+        <p:txBody>
+          <a:bodyPr/>
+          <a:lstStyle/>
+          <a:p>
+            <a:pPr algn="ctr"/>
+            <a:r>
+              <a:rPr lang="en-US" b="1" i="1" u="sng" dirty="0">
+                <a:latin typeface="Calibri Light" panose="020F0302020204030204" pitchFamily="34" charset="0"/>
+              </a:rPr>
+              <a:t>MODULE </a:t>
+            </a:r>
+            <a:r>
+              <a:rPr lang="en-US" b="1" i="1" u="sng" dirty="0" smtClean="0">
+                <a:latin typeface="Calibri Light" panose="020F0302020204030204" pitchFamily="34" charset="0"/>
+              </a:rPr>
+              <a:t>DESCRIPTION</a:t>
+            </a:r>
+            <a:endParaRPr lang="en-US" dirty="0">
+              <a:latin typeface="Calibri Light" panose="020F0302020204030204" pitchFamily="34" charset="0"/>
+            </a:endParaRPr>
+          </a:p>
+        </p:txBody>
+      </p:sp>
+      <p:sp>
+        <p:nvSpPr>
+          <p:cNvPr id="3" name="Content Placeholder 2"/>
+          <p:cNvSpPr>
+            <a:spLocks noGrp="1"/>
+          </p:cNvSpPr>
+          <p:nvPr>
+            <p:ph idx="1"/>
+          </p:nvPr>
+        </p:nvSpPr>
+        <p:spPr>
+          <a:xfrm>
+            <a:off x="685800" y="1326524"/>
+            <a:ext cx="10820400" cy="5434884"/>
+          </a:xfrm>
+        </p:spPr>
+        <p:txBody>
+          <a:bodyPr>
+            <a:noAutofit/>
           </a:bodyPr>
           <a:lstStyle/>
           <a:p>
-            <a:pPr algn="ctr"/>
-            <a:r>
-              <a:rPr lang="en-US" sz="8000" b="1" i="1" u="sng" dirty="0" smtClean="0">
-                <a:latin typeface="Calibri Light" panose="020F0302020204030204" pitchFamily="34" charset="0"/>
-              </a:rPr>
-              <a:t>DATA FLOW DIAGRAM</a:t>
-            </a:r>
-            <a:endParaRPr lang="en-US" sz="8000" dirty="0">
+            <a:pPr marL="0" indent="0">
+              <a:buNone/>
+            </a:pPr>
+            <a:r>
+              <a:rPr lang="en-US" sz="2400" dirty="0" smtClean="0">
+                <a:latin typeface="Calibri Light" panose="020F0302020204030204" pitchFamily="34" charset="0"/>
+              </a:rPr>
+              <a:t>We </a:t>
+            </a:r>
+            <a:r>
+              <a:rPr lang="en-US" sz="2400" dirty="0">
+                <a:latin typeface="Calibri Light" panose="020F0302020204030204" pitchFamily="34" charset="0"/>
+              </a:rPr>
+              <a:t>know that it is quite difficult to do anything of its whole part at a time. So it is the task of the programmer to break/split the whole set of task into various small module so that one can handle them effectively. But it depends upon the software system that in which Extent it will be broken so that there is no inter-dependency among them.</a:t>
+            </a:r>
+          </a:p>
+          <a:p>
+            <a:pPr marL="0" indent="0">
+              <a:buNone/>
+            </a:pPr>
+            <a:endParaRPr lang="en-US" sz="2400" dirty="0" smtClean="0">
+              <a:latin typeface="Calibri Light" panose="020F0302020204030204" pitchFamily="34" charset="0"/>
+            </a:endParaRPr>
+          </a:p>
+          <a:p>
+            <a:pPr marL="0" indent="0">
+              <a:buNone/>
+            </a:pPr>
+            <a:r>
+              <a:rPr lang="en-US" sz="2400" dirty="0" smtClean="0">
+                <a:latin typeface="Calibri Light" panose="020F0302020204030204" pitchFamily="34" charset="0"/>
+              </a:rPr>
+              <a:t>This </a:t>
+            </a:r>
+            <a:r>
+              <a:rPr lang="en-US" sz="2400" dirty="0">
+                <a:latin typeface="Calibri Light" panose="020F0302020204030204" pitchFamily="34" charset="0"/>
+              </a:rPr>
+              <a:t>project developed for “On-Line Shopping” is broken into following module.</a:t>
+            </a:r>
+          </a:p>
+          <a:p>
+            <a:pPr marL="0" indent="0">
+              <a:buNone/>
+            </a:pPr>
+            <a:r>
+              <a:rPr lang="en-US" sz="2400" dirty="0">
+                <a:latin typeface="Calibri Light" panose="020F0302020204030204" pitchFamily="34" charset="0"/>
+              </a:rPr>
+              <a:t>1. </a:t>
+            </a:r>
+            <a:r>
+              <a:rPr lang="en-US" sz="2400" dirty="0" smtClean="0">
+                <a:latin typeface="Calibri Light" panose="020F0302020204030204" pitchFamily="34" charset="0"/>
+              </a:rPr>
+              <a:t>Admin/Vendor </a:t>
+            </a:r>
+            <a:r>
+              <a:rPr lang="en-US" sz="2400" dirty="0">
+                <a:latin typeface="Calibri Light" panose="020F0302020204030204" pitchFamily="34" charset="0"/>
+              </a:rPr>
+              <a:t>Module</a:t>
+            </a:r>
+          </a:p>
+          <a:p>
+            <a:pPr marL="0" indent="0">
+              <a:buNone/>
+            </a:pPr>
+            <a:r>
+              <a:rPr lang="en-US" sz="2400" dirty="0">
+                <a:latin typeface="Calibri Light" panose="020F0302020204030204" pitchFamily="34" charset="0"/>
+              </a:rPr>
+              <a:t>2. User </a:t>
+            </a:r>
+            <a:r>
+              <a:rPr lang="en-US" sz="2400" dirty="0" smtClean="0">
+                <a:latin typeface="Calibri Light" panose="020F0302020204030204" pitchFamily="34" charset="0"/>
+              </a:rPr>
+              <a:t>Module</a:t>
+            </a:r>
+          </a:p>
+          <a:p>
+            <a:pPr marL="0" indent="0">
+              <a:buNone/>
+            </a:pPr>
+            <a:r>
+              <a:rPr lang="en-US" sz="2400" dirty="0" smtClean="0">
+                <a:latin typeface="Calibri Light" panose="020F0302020204030204" pitchFamily="34" charset="0"/>
+              </a:rPr>
+              <a:t>3. </a:t>
+            </a:r>
+            <a:r>
+              <a:rPr lang="en-US" sz="2400" dirty="0">
+                <a:latin typeface="Calibri Light" panose="020F0302020204030204" pitchFamily="34" charset="0"/>
+              </a:rPr>
+              <a:t>Payment Module</a:t>
+            </a:r>
+          </a:p>
+          <a:p>
+            <a:pPr marL="0" indent="0">
+              <a:buNone/>
+            </a:pPr>
+            <a:r>
+              <a:rPr lang="en-US" sz="2400" dirty="0" smtClean="0">
+                <a:latin typeface="Calibri Light" panose="020F0302020204030204" pitchFamily="34" charset="0"/>
+              </a:rPr>
+              <a:t>4.Purchase </a:t>
+            </a:r>
+            <a:r>
+              <a:rPr lang="en-US" sz="2400" dirty="0">
+                <a:latin typeface="Calibri Light" panose="020F0302020204030204" pitchFamily="34" charset="0"/>
+              </a:rPr>
+              <a:t>Module</a:t>
+            </a:r>
+          </a:p>
+          <a:p>
+            <a:pPr marL="0" indent="0">
+              <a:buNone/>
+            </a:pPr>
+            <a:r>
+              <a:rPr lang="en-US" sz="2400" dirty="0" smtClean="0">
+                <a:latin typeface="Calibri Light" panose="020F0302020204030204" pitchFamily="34" charset="0"/>
+              </a:rPr>
+              <a:t>5. </a:t>
+            </a:r>
+            <a:r>
+              <a:rPr lang="en-US" sz="2400" dirty="0">
+                <a:latin typeface="Calibri Light" panose="020F0302020204030204" pitchFamily="34" charset="0"/>
+              </a:rPr>
+              <a:t>Searching Module</a:t>
+            </a:r>
+          </a:p>
+          <a:p>
+            <a:pPr marL="0" indent="0">
+              <a:buNone/>
+            </a:pPr>
+            <a:r>
+              <a:rPr lang="en-US" sz="2400" dirty="0" smtClean="0">
+                <a:latin typeface="Calibri Light" panose="020F0302020204030204" pitchFamily="34" charset="0"/>
+              </a:rPr>
+              <a:t>6. </a:t>
+            </a:r>
+            <a:r>
+              <a:rPr lang="en-US" sz="2400" dirty="0">
+                <a:latin typeface="Calibri Light" panose="020F0302020204030204" pitchFamily="34" charset="0"/>
+              </a:rPr>
+              <a:t>Report </a:t>
+            </a:r>
+            <a:r>
+              <a:rPr lang="en-US" sz="2400" dirty="0" smtClean="0">
+                <a:latin typeface="Calibri Light" panose="020F0302020204030204" pitchFamily="34" charset="0"/>
+              </a:rPr>
+              <a:t>Module</a:t>
+            </a:r>
+          </a:p>
+          <a:p>
+            <a:pPr marL="0" indent="0">
+              <a:buNone/>
+            </a:pPr>
+            <a:r>
+              <a:rPr lang="en-US" sz="2400" dirty="0" smtClean="0">
+                <a:latin typeface="Calibri Light" panose="020F0302020204030204" pitchFamily="34" charset="0"/>
+              </a:rPr>
+              <a:t>7. </a:t>
+            </a:r>
+            <a:r>
+              <a:rPr lang="en-US" sz="2400" dirty="0">
+                <a:latin typeface="Calibri Light" panose="020F0302020204030204" pitchFamily="34" charset="0"/>
+              </a:rPr>
+              <a:t>Customer Service Module</a:t>
+            </a:r>
+          </a:p>
+          <a:p>
+            <a:pPr marL="0" indent="0">
+              <a:buNone/>
+            </a:pPr>
+            <a:endParaRPr lang="en-US" sz="2400" dirty="0">
               <a:latin typeface="Calibri Light" panose="020F0302020204030204" pitchFamily="34" charset="0"/>
             </a:endParaRPr>
           </a:p>
@@ -7099,7 +7208,7 @@
     </p:spTree>
     <p:extLst>
       <p:ext uri="{BB962C8B-B14F-4D97-AF65-F5344CB8AC3E}">
-        <p14:creationId xmlns:p14="http://schemas.microsoft.com/office/powerpoint/2010/main" val="3030976122"/>
+        <p14:creationId xmlns:p14="http://schemas.microsoft.com/office/powerpoint/2010/main" val="2701405341"/>
       </p:ext>
     </p:extLst>
   </p:cSld>
@@ -7135,81 +7244,38 @@
       </p:grpSpPr>
       <p:sp>
         <p:nvSpPr>
-          <p:cNvPr id="2" name="Rounded Rectangle 1"/>
-          <p:cNvSpPr/>
-          <p:nvPr/>
-        </p:nvSpPr>
-        <p:spPr>
-          <a:xfrm>
-            <a:off x="2971800" y="1057250"/>
-            <a:ext cx="1744717" cy="1933904"/>
-          </a:xfrm>
-          <a:prstGeom prst="roundRect">
-            <a:avLst/>
-          </a:prstGeom>
-          <a:solidFill>
-            <a:schemeClr val="tx2"/>
-          </a:solidFill>
-        </p:spPr>
-        <p:style>
-          <a:lnRef idx="2">
-            <a:schemeClr val="dk1"/>
-          </a:lnRef>
-          <a:fillRef idx="1">
-            <a:schemeClr val="lt1"/>
-          </a:fillRef>
-          <a:effectRef idx="0">
-            <a:schemeClr val="dk1"/>
-          </a:effectRef>
-          <a:fontRef idx="minor">
-            <a:schemeClr val="dk1"/>
-          </a:fontRef>
-        </p:style>
-        <p:txBody>
-          <a:bodyPr rtlCol="0" anchor="ctr"/>
+          <p:cNvPr id="2" name="Title 1"/>
+          <p:cNvSpPr>
+            <a:spLocks noGrp="1"/>
+          </p:cNvSpPr>
+          <p:nvPr>
+            <p:ph type="title"/>
+          </p:nvPr>
+        </p:nvSpPr>
+        <p:spPr>
+          <a:xfrm>
+            <a:off x="685800" y="764373"/>
+            <a:ext cx="10820400" cy="781092"/>
+          </a:xfrm>
+        </p:spPr>
+        <p:txBody>
+          <a:bodyPr/>
           <a:lstStyle/>
           <a:p>
             <a:pPr algn="ctr"/>
-            <a:endParaRPr lang="en-US"/>
-          </a:p>
-        </p:txBody>
-      </p:sp>
-      <p:sp>
-        <p:nvSpPr>
-          <p:cNvPr id="3" name="TextBox 2"/>
-          <p:cNvSpPr txBox="1"/>
-          <p:nvPr/>
-        </p:nvSpPr>
-        <p:spPr>
-          <a:xfrm>
-            <a:off x="3192517" y="1309497"/>
-            <a:ext cx="1208689" cy="307777"/>
-          </a:xfrm>
-          <a:prstGeom prst="rect">
-            <a:avLst/>
-          </a:prstGeom>
-          <a:noFill/>
-        </p:spPr>
-        <p:txBody>
-          <a:bodyPr wrap="square" rtlCol="0">
-            <a:spAutoFit/>
-          </a:bodyPr>
-          <a:lstStyle/>
-          <a:p>
-            <a:pPr algn="ctr"/>
-            <a:r>
-              <a:rPr lang="en-US" sz="1400" b="1" dirty="0" smtClean="0">
-                <a:solidFill>
-                  <a:schemeClr val="bg1"/>
-                </a:solidFill>
-                <a:latin typeface="Calibri Light" panose="020F0302020204030204" pitchFamily="34" charset="0"/>
-              </a:rPr>
-              <a:t>Index Page</a:t>
-            </a:r>
-            <a:endParaRPr lang="en-US" sz="1400" b="1" dirty="0">
-              <a:solidFill>
-                <a:schemeClr val="bg1"/>
-              </a:solidFill>
+            <a:r>
+              <a:rPr lang="en-US" b="1" i="1" u="sng" dirty="0">
+                <a:latin typeface="Calibri Light" panose="020F0302020204030204" pitchFamily="34" charset="0"/>
+              </a:rPr>
+              <a:t>PROCESS </a:t>
+            </a:r>
+            <a:r>
+              <a:rPr lang="en-US" b="1" i="1" u="sng" dirty="0" smtClean="0">
+                <a:latin typeface="Calibri Light" panose="020F0302020204030204" pitchFamily="34" charset="0"/>
+              </a:rPr>
+              <a:t>LOGIC</a:t>
+            </a:r>
+            <a:endParaRPr lang="en-US" dirty="0">
               <a:latin typeface="Calibri Light" panose="020F0302020204030204" pitchFamily="34" charset="0"/>
             </a:endParaRPr>
           </a:p>
@@ -7217,1395 +7283,97 @@
       </p:sp>
       <p:sp>
         <p:nvSpPr>
-          <p:cNvPr id="8" name="Rounded Rectangle 7"/>
-          <p:cNvSpPr/>
-          <p:nvPr/>
-        </p:nvSpPr>
-        <p:spPr>
-          <a:xfrm>
-            <a:off x="5284076" y="1057250"/>
-            <a:ext cx="2317531" cy="1933904"/>
-          </a:xfrm>
-          <a:prstGeom prst="roundRect">
-            <a:avLst/>
-          </a:prstGeom>
-          <a:solidFill>
-            <a:schemeClr val="tx2"/>
-          </a:solidFill>
-        </p:spPr>
-        <p:style>
-          <a:lnRef idx="2">
-            <a:schemeClr val="dk1"/>
-          </a:lnRef>
-          <a:fillRef idx="1">
-            <a:schemeClr val="lt1"/>
-          </a:fillRef>
-          <a:effectRef idx="0">
-            <a:schemeClr val="dk1"/>
-          </a:effectRef>
-          <a:fontRef idx="minor">
-            <a:schemeClr val="dk1"/>
-          </a:fontRef>
-        </p:style>
-        <p:txBody>
-          <a:bodyPr rtlCol="0" anchor="ctr"/>
-          <a:lstStyle/>
-          <a:p>
-            <a:pPr algn="ctr"/>
-            <a:endParaRPr lang="en-US"/>
-          </a:p>
-        </p:txBody>
-      </p:sp>
-      <p:sp>
-        <p:nvSpPr>
-          <p:cNvPr id="10" name="TextBox 9"/>
-          <p:cNvSpPr txBox="1"/>
-          <p:nvPr/>
-        </p:nvSpPr>
-        <p:spPr>
-          <a:xfrm>
-            <a:off x="5284076" y="1298986"/>
-            <a:ext cx="2243959" cy="307777"/>
-          </a:xfrm>
-          <a:prstGeom prst="rect">
-            <a:avLst/>
-          </a:prstGeom>
-          <a:noFill/>
-        </p:spPr>
-        <p:txBody>
-          <a:bodyPr wrap="square" rtlCol="0">
-            <a:spAutoFit/>
+          <p:cNvPr id="3" name="Content Placeholder 2"/>
+          <p:cNvSpPr>
+            <a:spLocks noGrp="1"/>
+          </p:cNvSpPr>
+          <p:nvPr>
+            <p:ph idx="1"/>
+          </p:nvPr>
+        </p:nvSpPr>
+        <p:spPr>
+          <a:xfrm>
+            <a:off x="685800" y="1545466"/>
+            <a:ext cx="10820400" cy="4673220"/>
+          </a:xfrm>
+        </p:spPr>
+        <p:txBody>
+          <a:bodyPr>
+            <a:noAutofit/>
           </a:bodyPr>
           <a:lstStyle/>
           <a:p>
-            <a:pPr algn="ctr"/>
-            <a:r>
-              <a:rPr lang="en-US" sz="1400" b="1" dirty="0" smtClean="0">
-                <a:solidFill>
-                  <a:schemeClr val="bg1"/>
-                </a:solidFill>
-                <a:latin typeface="Calibri Light" panose="020F0302020204030204" pitchFamily="34" charset="0"/>
-              </a:rPr>
-              <a:t>Category Page</a:t>
-            </a:r>
-            <a:endParaRPr lang="en-US" sz="1400" b="1" dirty="0">
-              <a:solidFill>
-                <a:schemeClr val="bg1"/>
-              </a:solidFill>
+            <a:pPr algn="just">
+              <a:lnSpc>
+                <a:spcPct val="100000"/>
+              </a:lnSpc>
+            </a:pPr>
+            <a:r>
+              <a:rPr lang="en-US" sz="2400" dirty="0">
+                <a:latin typeface="Calibri Light" panose="020F0302020204030204" pitchFamily="34" charset="0"/>
+              </a:rPr>
+              <a:t>Process logic is concerned with how the system interact with users and fulfill there requirements? Being a web based system; user of this system can easily access this system through Internet. It provides various functionalities, attracts the user to use it, and makes the user comfortable to work on it</a:t>
+            </a:r>
+            <a:r>
+              <a:rPr lang="en-US" sz="2400" dirty="0" smtClean="0">
+                <a:latin typeface="Calibri Light" panose="020F0302020204030204" pitchFamily="34" charset="0"/>
+              </a:rPr>
+              <a:t>.</a:t>
+            </a:r>
+          </a:p>
+          <a:p>
+            <a:pPr algn="just">
+              <a:lnSpc>
+                <a:spcPct val="100000"/>
+              </a:lnSpc>
+            </a:pPr>
+            <a:r>
+              <a:rPr lang="en-US" sz="2400" dirty="0" smtClean="0">
+                <a:latin typeface="Calibri Light" panose="020F0302020204030204" pitchFamily="34" charset="0"/>
+              </a:rPr>
+              <a:t>Before </a:t>
+            </a:r>
+            <a:r>
+              <a:rPr lang="en-US" sz="2400" dirty="0">
+                <a:latin typeface="Calibri Light" panose="020F0302020204030204" pitchFamily="34" charset="0"/>
+              </a:rPr>
+              <a:t>providing access to the manipulating authorities, it first demands for user name and password based on user type. If the name and password entered are correct then one can enter the admin menu and can change any contents from this place. </a:t>
+            </a:r>
+            <a:endParaRPr lang="en-US" sz="2400" dirty="0" smtClean="0">
               <a:latin typeface="Calibri Light" panose="020F0302020204030204" pitchFamily="34" charset="0"/>
             </a:endParaRPr>
           </a:p>
-        </p:txBody>
-      </p:sp>
-      <p:sp>
-        <p:nvSpPr>
-          <p:cNvPr id="11" name="TextBox 10"/>
-          <p:cNvSpPr txBox="1"/>
-          <p:nvPr/>
-        </p:nvSpPr>
-        <p:spPr>
-          <a:xfrm>
-            <a:off x="5454869" y="1685214"/>
-            <a:ext cx="987972" cy="861774"/>
-          </a:xfrm>
-          <a:prstGeom prst="rect">
-            <a:avLst/>
-          </a:prstGeom>
-          <a:noFill/>
-        </p:spPr>
-        <p:txBody>
-          <a:bodyPr wrap="square" rtlCol="0">
-            <a:spAutoFit/>
-          </a:bodyPr>
-          <a:lstStyle/>
-          <a:p>
-            <a:pPr algn="ctr"/>
-            <a:r>
-              <a:rPr lang="en-US" sz="1000" b="1" dirty="0">
-                <a:solidFill>
-                  <a:schemeClr val="bg1"/>
-                </a:solidFill>
-              </a:rPr>
-              <a:t> </a:t>
-            </a:r>
-            <a:r>
-              <a:rPr lang="en-US" sz="1000" b="1" dirty="0" smtClean="0">
-                <a:solidFill>
-                  <a:schemeClr val="bg1"/>
-                </a:solidFill>
-              </a:rPr>
-              <a:t>Product</a:t>
-            </a:r>
-            <a:endParaRPr lang="en-US" sz="1000" b="1" dirty="0">
-              <a:solidFill>
-                <a:schemeClr val="bg1"/>
-              </a:solidFill>
-            </a:endParaRPr>
-          </a:p>
-          <a:p>
-            <a:pPr algn="ctr"/>
-            <a:r>
-              <a:rPr lang="en-US" sz="1000" dirty="0" smtClean="0">
-                <a:solidFill>
-                  <a:schemeClr val="bg1"/>
-                </a:solidFill>
-              </a:rPr>
-              <a:t>Product 1</a:t>
-            </a:r>
-          </a:p>
-          <a:p>
-            <a:pPr algn="ctr"/>
-            <a:r>
-              <a:rPr lang="en-US" sz="1000" dirty="0" smtClean="0">
-                <a:solidFill>
-                  <a:schemeClr val="bg1"/>
-                </a:solidFill>
-              </a:rPr>
-              <a:t>Product 2</a:t>
-            </a:r>
-          </a:p>
-          <a:p>
-            <a:pPr algn="ctr"/>
-            <a:r>
-              <a:rPr lang="en-US" sz="1000" dirty="0" smtClean="0">
-                <a:solidFill>
-                  <a:schemeClr val="bg1"/>
-                </a:solidFill>
-              </a:rPr>
-              <a:t>Product 3</a:t>
-            </a:r>
-          </a:p>
-          <a:p>
-            <a:pPr algn="ctr"/>
-            <a:r>
-              <a:rPr lang="en-US" sz="1000" dirty="0" smtClean="0">
-                <a:solidFill>
-                  <a:schemeClr val="bg1"/>
-                </a:solidFill>
-              </a:rPr>
-              <a:t>Product 4</a:t>
-            </a:r>
-            <a:endParaRPr lang="en-US" sz="1000" dirty="0">
-              <a:solidFill>
-                <a:schemeClr val="bg1"/>
-              </a:solidFill>
-            </a:endParaRPr>
-          </a:p>
-        </p:txBody>
-      </p:sp>
-      <p:sp>
-        <p:nvSpPr>
-          <p:cNvPr id="14" name="TextBox 13"/>
-          <p:cNvSpPr txBox="1"/>
-          <p:nvPr/>
-        </p:nvSpPr>
-        <p:spPr>
-          <a:xfrm>
-            <a:off x="6442841" y="1750932"/>
-            <a:ext cx="917028" cy="400110"/>
-          </a:xfrm>
-          <a:prstGeom prst="rect">
-            <a:avLst/>
-          </a:prstGeom>
-          <a:noFill/>
-        </p:spPr>
-        <p:txBody>
-          <a:bodyPr wrap="square" rtlCol="0">
-            <a:spAutoFit/>
-          </a:bodyPr>
-          <a:lstStyle/>
-          <a:p>
-            <a:pPr algn="ctr"/>
-            <a:r>
-              <a:rPr lang="en-US" sz="1000" dirty="0" smtClean="0">
-                <a:solidFill>
-                  <a:schemeClr val="bg1"/>
-                </a:solidFill>
-              </a:rPr>
-              <a:t>Add To Cart</a:t>
-            </a:r>
-            <a:endParaRPr lang="en-US" sz="1000" dirty="0">
-              <a:solidFill>
-                <a:schemeClr val="bg1"/>
-              </a:solidFill>
-            </a:endParaRPr>
-          </a:p>
-        </p:txBody>
-      </p:sp>
-      <p:sp>
-        <p:nvSpPr>
-          <p:cNvPr id="15" name="TextBox 14"/>
-          <p:cNvSpPr txBox="1"/>
-          <p:nvPr/>
-        </p:nvSpPr>
-        <p:spPr>
-          <a:xfrm>
-            <a:off x="6534806" y="2191594"/>
-            <a:ext cx="917028" cy="246221"/>
-          </a:xfrm>
-          <a:prstGeom prst="rect">
-            <a:avLst/>
-          </a:prstGeom>
-          <a:noFill/>
-        </p:spPr>
-        <p:txBody>
-          <a:bodyPr wrap="square" rtlCol="0">
-            <a:spAutoFit/>
-          </a:bodyPr>
-          <a:lstStyle/>
-          <a:p>
-            <a:pPr algn="ctr"/>
-            <a:r>
-              <a:rPr lang="en-US" sz="1000" dirty="0" smtClean="0">
-                <a:solidFill>
-                  <a:schemeClr val="bg1"/>
-                </a:solidFill>
-              </a:rPr>
-              <a:t>View Cart</a:t>
-            </a:r>
-            <a:endParaRPr lang="en-US" sz="1000" dirty="0">
-              <a:solidFill>
-                <a:schemeClr val="bg1"/>
-              </a:solidFill>
-            </a:endParaRPr>
-          </a:p>
-        </p:txBody>
-      </p:sp>
-      <p:sp>
-        <p:nvSpPr>
-          <p:cNvPr id="16" name="Rounded Rectangle 15"/>
-          <p:cNvSpPr/>
-          <p:nvPr/>
-        </p:nvSpPr>
-        <p:spPr>
-          <a:xfrm>
-            <a:off x="8266386" y="1057250"/>
-            <a:ext cx="2317531" cy="1933904"/>
-          </a:xfrm>
-          <a:prstGeom prst="roundRect">
-            <a:avLst/>
-          </a:prstGeom>
-          <a:solidFill>
-            <a:schemeClr val="tx2"/>
-          </a:solidFill>
-        </p:spPr>
-        <p:style>
-          <a:lnRef idx="2">
-            <a:schemeClr val="dk1"/>
-          </a:lnRef>
-          <a:fillRef idx="1">
-            <a:schemeClr val="lt1"/>
-          </a:fillRef>
-          <a:effectRef idx="0">
-            <a:schemeClr val="dk1"/>
-          </a:effectRef>
-          <a:fontRef idx="minor">
-            <a:schemeClr val="dk1"/>
-          </a:fontRef>
-        </p:style>
-        <p:txBody>
-          <a:bodyPr rtlCol="0" anchor="ctr"/>
-          <a:lstStyle/>
-          <a:p>
-            <a:pPr algn="ctr"/>
-            <a:endParaRPr lang="en-US"/>
-          </a:p>
-        </p:txBody>
-      </p:sp>
-      <p:sp>
-        <p:nvSpPr>
-          <p:cNvPr id="19" name="TextBox 18"/>
-          <p:cNvSpPr txBox="1"/>
-          <p:nvPr/>
-        </p:nvSpPr>
-        <p:spPr>
-          <a:xfrm>
-            <a:off x="8303171" y="1309656"/>
-            <a:ext cx="2243959" cy="307777"/>
-          </a:xfrm>
-          <a:prstGeom prst="rect">
-            <a:avLst/>
-          </a:prstGeom>
-          <a:noFill/>
-        </p:spPr>
-        <p:txBody>
-          <a:bodyPr wrap="square" rtlCol="0">
-            <a:spAutoFit/>
-          </a:bodyPr>
-          <a:lstStyle/>
-          <a:p>
-            <a:pPr algn="ctr"/>
-            <a:r>
-              <a:rPr lang="en-US" sz="1400" b="1" dirty="0" smtClean="0">
-                <a:solidFill>
-                  <a:schemeClr val="bg1"/>
-                </a:solidFill>
-                <a:latin typeface="Calibri Light" panose="020F0302020204030204" pitchFamily="34" charset="0"/>
-              </a:rPr>
-              <a:t>Cart Page</a:t>
-            </a:r>
-            <a:endParaRPr lang="en-US" sz="1400" b="1" dirty="0">
-              <a:solidFill>
-                <a:schemeClr val="bg1"/>
-              </a:solidFill>
-              <a:latin typeface="Calibri Light" panose="020F0302020204030204" pitchFamily="34" charset="0"/>
-            </a:endParaRPr>
-          </a:p>
-        </p:txBody>
-      </p:sp>
-      <p:sp>
-        <p:nvSpPr>
-          <p:cNvPr id="20" name="TextBox 19"/>
-          <p:cNvSpPr txBox="1"/>
-          <p:nvPr/>
-        </p:nvSpPr>
-        <p:spPr>
-          <a:xfrm>
-            <a:off x="8376745" y="1643567"/>
-            <a:ext cx="987972" cy="907941"/>
-          </a:xfrm>
-          <a:prstGeom prst="rect">
-            <a:avLst/>
-          </a:prstGeom>
-          <a:noFill/>
-        </p:spPr>
-        <p:txBody>
-          <a:bodyPr wrap="square" rtlCol="0">
-            <a:spAutoFit/>
-          </a:bodyPr>
-          <a:lstStyle/>
-          <a:p>
-            <a:pPr algn="ctr"/>
-            <a:r>
-              <a:rPr lang="en-US" sz="1000" dirty="0" smtClean="0">
-                <a:solidFill>
-                  <a:schemeClr val="bg1"/>
-                </a:solidFill>
-              </a:rPr>
-              <a:t>Cart Items</a:t>
-            </a:r>
-          </a:p>
-          <a:p>
-            <a:pPr algn="ctr"/>
-            <a:r>
-              <a:rPr lang="en-US" sz="1000" dirty="0" smtClean="0">
-                <a:solidFill>
-                  <a:schemeClr val="bg1"/>
-                </a:solidFill>
-              </a:rPr>
-              <a:t>Item</a:t>
-            </a:r>
-            <a:r>
-              <a:rPr lang="en-US" sz="1100" dirty="0" smtClean="0">
-                <a:solidFill>
-                  <a:schemeClr val="bg1"/>
-                </a:solidFill>
-              </a:rPr>
-              <a:t> 1</a:t>
-            </a:r>
-          </a:p>
-          <a:p>
-            <a:pPr algn="ctr"/>
-            <a:r>
-              <a:rPr lang="en-US" sz="1100" dirty="0" smtClean="0">
-                <a:solidFill>
-                  <a:schemeClr val="bg1"/>
-                </a:solidFill>
-              </a:rPr>
-              <a:t>Item 2</a:t>
-            </a:r>
-          </a:p>
-          <a:p>
-            <a:pPr algn="ctr"/>
-            <a:r>
-              <a:rPr lang="en-US" sz="1100" dirty="0" smtClean="0">
-                <a:solidFill>
-                  <a:schemeClr val="bg1"/>
-                </a:solidFill>
-              </a:rPr>
-              <a:t>Item 3</a:t>
-            </a:r>
-          </a:p>
-          <a:p>
-            <a:pPr algn="ctr"/>
-            <a:r>
-              <a:rPr lang="en-US" sz="1000" dirty="0" smtClean="0">
-                <a:solidFill>
-                  <a:schemeClr val="bg1"/>
-                </a:solidFill>
-              </a:rPr>
-              <a:t>Item 4</a:t>
-            </a:r>
-            <a:endParaRPr lang="en-US" sz="1000" dirty="0">
-              <a:solidFill>
-                <a:schemeClr val="bg1"/>
-              </a:solidFill>
-            </a:endParaRPr>
-          </a:p>
-        </p:txBody>
-      </p:sp>
-      <p:sp>
-        <p:nvSpPr>
-          <p:cNvPr id="21" name="TextBox 20"/>
-          <p:cNvSpPr txBox="1"/>
-          <p:nvPr/>
-        </p:nvSpPr>
-        <p:spPr>
-          <a:xfrm>
-            <a:off x="3255578" y="1677678"/>
-            <a:ext cx="987972" cy="861774"/>
-          </a:xfrm>
-          <a:prstGeom prst="rect">
-            <a:avLst/>
-          </a:prstGeom>
-          <a:noFill/>
-        </p:spPr>
-        <p:txBody>
-          <a:bodyPr wrap="square" rtlCol="0">
-            <a:spAutoFit/>
-          </a:bodyPr>
-          <a:lstStyle/>
-          <a:p>
-            <a:pPr algn="ctr"/>
-            <a:r>
-              <a:rPr lang="en-US" sz="1000" b="1" dirty="0">
-                <a:solidFill>
-                  <a:schemeClr val="bg1"/>
-                </a:solidFill>
-              </a:rPr>
-              <a:t> </a:t>
-            </a:r>
-            <a:r>
-              <a:rPr lang="en-US" sz="1000" b="1" dirty="0" smtClean="0">
-                <a:solidFill>
-                  <a:schemeClr val="bg1"/>
-                </a:solidFill>
-              </a:rPr>
-              <a:t>Category</a:t>
-            </a:r>
-            <a:endParaRPr lang="en-US" sz="1000" b="1" dirty="0">
-              <a:solidFill>
-                <a:schemeClr val="bg1"/>
-              </a:solidFill>
-            </a:endParaRPr>
-          </a:p>
-          <a:p>
-            <a:pPr algn="ctr"/>
-            <a:r>
-              <a:rPr lang="en-US" sz="1000" dirty="0">
-                <a:solidFill>
-                  <a:schemeClr val="bg1"/>
-                </a:solidFill>
-              </a:rPr>
-              <a:t>Category</a:t>
-            </a:r>
-            <a:r>
-              <a:rPr lang="en-US" sz="1000" dirty="0" smtClean="0">
-                <a:solidFill>
-                  <a:schemeClr val="bg1"/>
-                </a:solidFill>
-              </a:rPr>
-              <a:t> 1</a:t>
-            </a:r>
-          </a:p>
-          <a:p>
-            <a:pPr algn="ctr"/>
-            <a:r>
-              <a:rPr lang="en-US" sz="1000" dirty="0">
-                <a:solidFill>
-                  <a:schemeClr val="bg1"/>
-                </a:solidFill>
-              </a:rPr>
-              <a:t>Category</a:t>
-            </a:r>
-            <a:r>
-              <a:rPr lang="en-US" sz="1000" dirty="0" smtClean="0">
-                <a:solidFill>
-                  <a:schemeClr val="bg1"/>
-                </a:solidFill>
-              </a:rPr>
-              <a:t> 2</a:t>
-            </a:r>
-          </a:p>
-          <a:p>
-            <a:pPr algn="ctr"/>
-            <a:r>
-              <a:rPr lang="en-US" sz="1000" dirty="0">
-                <a:solidFill>
-                  <a:schemeClr val="bg1"/>
-                </a:solidFill>
-              </a:rPr>
-              <a:t>Category</a:t>
-            </a:r>
-            <a:r>
-              <a:rPr lang="en-US" sz="1000" dirty="0" smtClean="0">
-                <a:solidFill>
-                  <a:schemeClr val="bg1"/>
-                </a:solidFill>
-              </a:rPr>
-              <a:t> 3</a:t>
-            </a:r>
-          </a:p>
-          <a:p>
-            <a:pPr algn="ctr"/>
-            <a:r>
-              <a:rPr lang="en-US" sz="1000" dirty="0">
-                <a:solidFill>
-                  <a:schemeClr val="bg1"/>
-                </a:solidFill>
-              </a:rPr>
-              <a:t>Category</a:t>
-            </a:r>
-            <a:r>
-              <a:rPr lang="en-US" sz="1000" dirty="0" smtClean="0">
-                <a:solidFill>
-                  <a:schemeClr val="bg1"/>
-                </a:solidFill>
-              </a:rPr>
-              <a:t> 4</a:t>
-            </a:r>
-            <a:endParaRPr lang="en-US" sz="1000" dirty="0">
-              <a:solidFill>
-                <a:schemeClr val="bg1"/>
-              </a:solidFill>
-            </a:endParaRPr>
-          </a:p>
-        </p:txBody>
-      </p:sp>
-      <p:sp>
-        <p:nvSpPr>
-          <p:cNvPr id="23" name="TextBox 22"/>
-          <p:cNvSpPr txBox="1"/>
-          <p:nvPr/>
-        </p:nvSpPr>
-        <p:spPr>
-          <a:xfrm>
-            <a:off x="9511863" y="1791504"/>
-            <a:ext cx="924910" cy="246221"/>
-          </a:xfrm>
-          <a:prstGeom prst="rect">
-            <a:avLst/>
-          </a:prstGeom>
-          <a:noFill/>
-        </p:spPr>
-        <p:txBody>
-          <a:bodyPr wrap="square" rtlCol="0">
-            <a:spAutoFit/>
-          </a:bodyPr>
-          <a:lstStyle/>
-          <a:p>
-            <a:pPr algn="ctr"/>
-            <a:r>
-              <a:rPr lang="en-US" sz="1000" dirty="0" smtClean="0">
-                <a:solidFill>
-                  <a:schemeClr val="bg1"/>
-                </a:solidFill>
-              </a:rPr>
-              <a:t>Clear Cart</a:t>
-            </a:r>
-            <a:endParaRPr lang="en-US" sz="1000" dirty="0">
-              <a:solidFill>
-                <a:schemeClr val="bg1"/>
-              </a:solidFill>
-            </a:endParaRPr>
-          </a:p>
-        </p:txBody>
-      </p:sp>
-      <p:sp>
-        <p:nvSpPr>
-          <p:cNvPr id="24" name="TextBox 23"/>
-          <p:cNvSpPr txBox="1"/>
-          <p:nvPr/>
-        </p:nvSpPr>
-        <p:spPr>
-          <a:xfrm>
-            <a:off x="9490840" y="2239978"/>
-            <a:ext cx="945933" cy="400110"/>
-          </a:xfrm>
-          <a:prstGeom prst="rect">
-            <a:avLst/>
-          </a:prstGeom>
-          <a:noFill/>
-        </p:spPr>
-        <p:txBody>
-          <a:bodyPr wrap="square" rtlCol="0">
-            <a:spAutoFit/>
-          </a:bodyPr>
-          <a:lstStyle/>
-          <a:p>
-            <a:pPr algn="ctr"/>
-            <a:r>
-              <a:rPr lang="en-US" sz="1000" dirty="0" smtClean="0">
-                <a:solidFill>
-                  <a:schemeClr val="bg1"/>
-                </a:solidFill>
-              </a:rPr>
-              <a:t>Proceed To Checkout</a:t>
-            </a:r>
-            <a:endParaRPr lang="en-US" sz="1000" dirty="0">
-              <a:solidFill>
-                <a:schemeClr val="bg1"/>
-              </a:solidFill>
-            </a:endParaRPr>
-          </a:p>
-        </p:txBody>
-      </p:sp>
-      <p:sp>
-        <p:nvSpPr>
-          <p:cNvPr id="25" name="TextBox 24"/>
-          <p:cNvSpPr txBox="1"/>
-          <p:nvPr/>
-        </p:nvSpPr>
-        <p:spPr>
-          <a:xfrm>
-            <a:off x="8628994" y="2640088"/>
-            <a:ext cx="1681655" cy="246221"/>
-          </a:xfrm>
-          <a:prstGeom prst="rect">
-            <a:avLst/>
-          </a:prstGeom>
-          <a:noFill/>
-        </p:spPr>
-        <p:txBody>
-          <a:bodyPr wrap="square" rtlCol="0">
-            <a:spAutoFit/>
-          </a:bodyPr>
-          <a:lstStyle/>
-          <a:p>
-            <a:pPr algn="ctr"/>
-            <a:r>
-              <a:rPr lang="en-US" sz="1000" b="1" dirty="0" smtClean="0">
-                <a:solidFill>
-                  <a:schemeClr val="bg1"/>
-                </a:solidFill>
-              </a:rPr>
-              <a:t>Continue Shopping</a:t>
-            </a:r>
-            <a:endParaRPr lang="en-US" sz="1000" b="1" dirty="0">
-              <a:solidFill>
-                <a:schemeClr val="bg1"/>
-              </a:solidFill>
-            </a:endParaRPr>
-          </a:p>
-        </p:txBody>
-      </p:sp>
-      <p:sp>
-        <p:nvSpPr>
-          <p:cNvPr id="27" name="Rounded Rectangle 26"/>
-          <p:cNvSpPr/>
-          <p:nvPr/>
-        </p:nvSpPr>
-        <p:spPr>
-          <a:xfrm>
-            <a:off x="8266386" y="3720501"/>
-            <a:ext cx="2317531" cy="1933904"/>
-          </a:xfrm>
-          <a:prstGeom prst="roundRect">
-            <a:avLst/>
-          </a:prstGeom>
-          <a:solidFill>
-            <a:schemeClr val="tx2"/>
-          </a:solidFill>
-        </p:spPr>
-        <p:style>
-          <a:lnRef idx="2">
-            <a:schemeClr val="dk1"/>
-          </a:lnRef>
-          <a:fillRef idx="1">
-            <a:schemeClr val="lt1"/>
-          </a:fillRef>
-          <a:effectRef idx="0">
-            <a:schemeClr val="dk1"/>
-          </a:effectRef>
-          <a:fontRef idx="minor">
-            <a:schemeClr val="dk1"/>
-          </a:fontRef>
-        </p:style>
-        <p:txBody>
-          <a:bodyPr rtlCol="0" anchor="ctr"/>
-          <a:lstStyle/>
-          <a:p>
-            <a:pPr algn="ctr"/>
-            <a:endParaRPr lang="en-US"/>
-          </a:p>
-        </p:txBody>
-      </p:sp>
-      <p:sp>
-        <p:nvSpPr>
-          <p:cNvPr id="28" name="TextBox 27"/>
-          <p:cNvSpPr txBox="1"/>
-          <p:nvPr/>
-        </p:nvSpPr>
-        <p:spPr>
-          <a:xfrm>
-            <a:off x="8213833" y="3997026"/>
-            <a:ext cx="2243959" cy="307777"/>
-          </a:xfrm>
-          <a:prstGeom prst="rect">
-            <a:avLst/>
-          </a:prstGeom>
-          <a:noFill/>
-        </p:spPr>
-        <p:txBody>
-          <a:bodyPr wrap="square" rtlCol="0">
-            <a:spAutoFit/>
-          </a:bodyPr>
-          <a:lstStyle/>
-          <a:p>
-            <a:pPr algn="ctr"/>
-            <a:r>
-              <a:rPr lang="en-US" sz="1400" b="1" dirty="0" err="1" smtClean="0">
-                <a:solidFill>
-                  <a:schemeClr val="bg1"/>
-                </a:solidFill>
-                <a:latin typeface="Calibri Light" panose="020F0302020204030204" pitchFamily="34" charset="0"/>
-              </a:rPr>
-              <a:t>CheckOut</a:t>
-            </a:r>
-            <a:r>
-              <a:rPr lang="en-US" sz="1400" b="1" dirty="0" smtClean="0">
-                <a:solidFill>
-                  <a:schemeClr val="bg1"/>
-                </a:solidFill>
-                <a:latin typeface="Calibri Light" panose="020F0302020204030204" pitchFamily="34" charset="0"/>
-              </a:rPr>
-              <a:t> Page</a:t>
-            </a:r>
-            <a:endParaRPr lang="en-US" sz="1400" b="1" dirty="0">
-              <a:solidFill>
-                <a:schemeClr val="bg1"/>
-              </a:solidFill>
-              <a:latin typeface="Calibri Light" panose="020F0302020204030204" pitchFamily="34" charset="0"/>
-            </a:endParaRPr>
-          </a:p>
-        </p:txBody>
-      </p:sp>
-      <p:sp>
-        <p:nvSpPr>
-          <p:cNvPr id="29" name="TextBox 28"/>
-          <p:cNvSpPr txBox="1"/>
-          <p:nvPr/>
-        </p:nvSpPr>
-        <p:spPr>
-          <a:xfrm>
-            <a:off x="8450317" y="4481013"/>
-            <a:ext cx="1923393" cy="246221"/>
-          </a:xfrm>
-          <a:prstGeom prst="rect">
-            <a:avLst/>
-          </a:prstGeom>
-          <a:noFill/>
-        </p:spPr>
-        <p:txBody>
-          <a:bodyPr wrap="square" rtlCol="0">
-            <a:spAutoFit/>
-          </a:bodyPr>
-          <a:lstStyle/>
-          <a:p>
-            <a:pPr algn="ctr"/>
-            <a:r>
-              <a:rPr lang="en-US" sz="1000" dirty="0" smtClean="0">
-                <a:solidFill>
-                  <a:schemeClr val="bg1"/>
-                </a:solidFill>
-              </a:rPr>
-              <a:t>Purchase Calculations</a:t>
-            </a:r>
-            <a:endParaRPr lang="en-US" sz="1000" dirty="0">
-              <a:solidFill>
-                <a:schemeClr val="bg1"/>
-              </a:solidFill>
-            </a:endParaRPr>
-          </a:p>
-        </p:txBody>
-      </p:sp>
-      <p:sp>
-        <p:nvSpPr>
-          <p:cNvPr id="31" name="TextBox 30"/>
-          <p:cNvSpPr txBox="1"/>
-          <p:nvPr/>
-        </p:nvSpPr>
-        <p:spPr>
-          <a:xfrm>
-            <a:off x="8463454" y="4780333"/>
-            <a:ext cx="1923393" cy="246221"/>
-          </a:xfrm>
-          <a:prstGeom prst="rect">
-            <a:avLst/>
-          </a:prstGeom>
-          <a:noFill/>
-        </p:spPr>
-        <p:txBody>
-          <a:bodyPr wrap="square" rtlCol="0">
-            <a:spAutoFit/>
-          </a:bodyPr>
-          <a:lstStyle/>
-          <a:p>
-            <a:pPr algn="ctr"/>
-            <a:r>
-              <a:rPr lang="en-US" sz="1000" dirty="0" smtClean="0">
-                <a:solidFill>
-                  <a:schemeClr val="bg1"/>
-                </a:solidFill>
-              </a:rPr>
-              <a:t>Enter Personal Details</a:t>
-            </a:r>
-            <a:endParaRPr lang="en-US" sz="1000" dirty="0">
-              <a:solidFill>
-                <a:schemeClr val="bg1"/>
-              </a:solidFill>
-            </a:endParaRPr>
-          </a:p>
-        </p:txBody>
-      </p:sp>
-      <p:sp>
-        <p:nvSpPr>
-          <p:cNvPr id="32" name="TextBox 31"/>
-          <p:cNvSpPr txBox="1"/>
-          <p:nvPr/>
-        </p:nvSpPr>
-        <p:spPr>
-          <a:xfrm>
-            <a:off x="8463454" y="5083376"/>
-            <a:ext cx="1923393" cy="246221"/>
-          </a:xfrm>
-          <a:prstGeom prst="rect">
-            <a:avLst/>
-          </a:prstGeom>
-          <a:noFill/>
-        </p:spPr>
-        <p:txBody>
-          <a:bodyPr wrap="square" rtlCol="0">
-            <a:spAutoFit/>
-          </a:bodyPr>
-          <a:lstStyle/>
-          <a:p>
-            <a:pPr algn="ctr"/>
-            <a:r>
-              <a:rPr lang="en-US" sz="1000" dirty="0" smtClean="0">
-                <a:solidFill>
-                  <a:schemeClr val="bg1"/>
-                </a:solidFill>
-              </a:rPr>
-              <a:t>Submit Purchase</a:t>
-            </a:r>
-            <a:endParaRPr lang="en-US" sz="1000" dirty="0">
-              <a:solidFill>
-                <a:schemeClr val="bg1"/>
-              </a:solidFill>
-            </a:endParaRPr>
-          </a:p>
-        </p:txBody>
-      </p:sp>
-      <p:sp>
-        <p:nvSpPr>
-          <p:cNvPr id="33" name="Rounded Rectangle 32"/>
-          <p:cNvSpPr/>
-          <p:nvPr/>
-        </p:nvSpPr>
-        <p:spPr>
-          <a:xfrm>
-            <a:off x="5284075" y="3720501"/>
-            <a:ext cx="2317531" cy="1933904"/>
-          </a:xfrm>
-          <a:prstGeom prst="roundRect">
-            <a:avLst/>
-          </a:prstGeom>
-          <a:solidFill>
-            <a:schemeClr val="tx2"/>
-          </a:solidFill>
-        </p:spPr>
-        <p:style>
-          <a:lnRef idx="2">
-            <a:schemeClr val="dk1"/>
-          </a:lnRef>
-          <a:fillRef idx="1">
-            <a:schemeClr val="lt1"/>
-          </a:fillRef>
-          <a:effectRef idx="0">
-            <a:schemeClr val="dk1"/>
-          </a:effectRef>
-          <a:fontRef idx="minor">
-            <a:schemeClr val="dk1"/>
-          </a:fontRef>
-        </p:style>
-        <p:txBody>
-          <a:bodyPr rtlCol="0" anchor="ctr"/>
-          <a:lstStyle/>
-          <a:p>
-            <a:pPr algn="ctr"/>
-            <a:endParaRPr lang="en-US"/>
-          </a:p>
-        </p:txBody>
-      </p:sp>
-      <p:sp>
-        <p:nvSpPr>
-          <p:cNvPr id="35" name="TextBox 34"/>
-          <p:cNvSpPr txBox="1"/>
-          <p:nvPr/>
-        </p:nvSpPr>
-        <p:spPr>
-          <a:xfrm>
-            <a:off x="5242034" y="3997026"/>
-            <a:ext cx="2243959" cy="307777"/>
-          </a:xfrm>
-          <a:prstGeom prst="rect">
-            <a:avLst/>
-          </a:prstGeom>
-          <a:noFill/>
-        </p:spPr>
-        <p:txBody>
-          <a:bodyPr wrap="square" rtlCol="0">
-            <a:spAutoFit/>
-          </a:bodyPr>
-          <a:lstStyle/>
-          <a:p>
-            <a:pPr algn="ctr"/>
-            <a:r>
-              <a:rPr lang="en-US" sz="1400" b="1" dirty="0" smtClean="0">
-                <a:solidFill>
-                  <a:schemeClr val="bg1"/>
-                </a:solidFill>
-                <a:latin typeface="Calibri Light" panose="020F0302020204030204" pitchFamily="34" charset="0"/>
-              </a:rPr>
-              <a:t>Confirmation Page</a:t>
-            </a:r>
-            <a:endParaRPr lang="en-US" sz="1400" b="1" dirty="0">
-              <a:solidFill>
-                <a:schemeClr val="bg1"/>
-              </a:solidFill>
-              <a:latin typeface="Calibri Light" panose="020F0302020204030204" pitchFamily="34" charset="0"/>
-            </a:endParaRPr>
-          </a:p>
-        </p:txBody>
-      </p:sp>
-      <p:sp>
-        <p:nvSpPr>
-          <p:cNvPr id="36" name="TextBox 35"/>
-          <p:cNvSpPr txBox="1"/>
-          <p:nvPr/>
-        </p:nvSpPr>
-        <p:spPr>
-          <a:xfrm>
-            <a:off x="5717628" y="4564814"/>
-            <a:ext cx="1387365" cy="553998"/>
-          </a:xfrm>
-          <a:prstGeom prst="rect">
-            <a:avLst/>
-          </a:prstGeom>
-          <a:noFill/>
-        </p:spPr>
-        <p:txBody>
-          <a:bodyPr wrap="square" rtlCol="0">
-            <a:spAutoFit/>
-          </a:bodyPr>
-          <a:lstStyle/>
-          <a:p>
-            <a:pPr algn="ctr"/>
-            <a:r>
-              <a:rPr lang="en-US" sz="1000" dirty="0" smtClean="0">
-                <a:solidFill>
-                  <a:schemeClr val="bg1"/>
-                </a:solidFill>
-              </a:rPr>
-              <a:t>Purchase </a:t>
-            </a:r>
-            <a:r>
-              <a:rPr lang="en-US" sz="1000" dirty="0" err="1" smtClean="0">
-                <a:solidFill>
-                  <a:schemeClr val="bg1"/>
-                </a:solidFill>
-              </a:rPr>
-              <a:t>Confiramation</a:t>
-            </a:r>
-            <a:r>
-              <a:rPr lang="en-US" sz="1000" dirty="0" smtClean="0">
-                <a:solidFill>
-                  <a:schemeClr val="bg1"/>
-                </a:solidFill>
-              </a:rPr>
-              <a:t> Details</a:t>
-            </a:r>
-            <a:endParaRPr lang="en-US" sz="1000" dirty="0">
-              <a:solidFill>
-                <a:schemeClr val="bg1"/>
-              </a:solidFill>
-            </a:endParaRPr>
-          </a:p>
-        </p:txBody>
-      </p:sp>
-      <p:sp>
-        <p:nvSpPr>
-          <p:cNvPr id="37" name="Right Arrow 36"/>
-          <p:cNvSpPr/>
-          <p:nvPr/>
-        </p:nvSpPr>
-        <p:spPr>
-          <a:xfrm>
-            <a:off x="4120056" y="1950987"/>
-            <a:ext cx="1513490" cy="273270"/>
-          </a:xfrm>
-          <a:prstGeom prst="rightArrow">
-            <a:avLst/>
-          </a:prstGeom>
-          <a:solidFill>
-            <a:schemeClr val="tx1"/>
-          </a:solidFill>
-          <a:ln>
-            <a:solidFill>
-              <a:schemeClr val="bg1"/>
-            </a:solidFill>
-          </a:ln>
-        </p:spPr>
-        <p:style>
-          <a:lnRef idx="2">
-            <a:schemeClr val="accent1">
-              <a:shade val="50000"/>
-            </a:schemeClr>
-          </a:lnRef>
-          <a:fillRef idx="1">
-            <a:schemeClr val="accent1"/>
-          </a:fillRef>
-          <a:effectRef idx="0">
-            <a:schemeClr val="accent1"/>
-          </a:effectRef>
-          <a:fontRef idx="minor">
-            <a:schemeClr val="lt1"/>
-          </a:fontRef>
-        </p:style>
-        <p:txBody>
-          <a:bodyPr rtlCol="0" anchor="ctr"/>
-          <a:lstStyle/>
-          <a:p>
-            <a:pPr algn="ctr"/>
-            <a:endParaRPr lang="en-US">
-              <a:solidFill>
-                <a:schemeClr val="tx1"/>
-              </a:solidFill>
-            </a:endParaRPr>
-          </a:p>
-        </p:txBody>
-      </p:sp>
-      <p:sp>
-        <p:nvSpPr>
-          <p:cNvPr id="38" name="Right Arrow 37"/>
-          <p:cNvSpPr/>
-          <p:nvPr/>
-        </p:nvSpPr>
-        <p:spPr>
-          <a:xfrm>
-            <a:off x="7359870" y="2191594"/>
-            <a:ext cx="1269124" cy="273270"/>
-          </a:xfrm>
-          <a:prstGeom prst="rightArrow">
-            <a:avLst/>
-          </a:prstGeom>
-          <a:solidFill>
-            <a:schemeClr val="tx1"/>
-          </a:solidFill>
-          <a:ln>
-            <a:solidFill>
-              <a:schemeClr val="bg1"/>
-            </a:solidFill>
-          </a:ln>
-        </p:spPr>
-        <p:style>
-          <a:lnRef idx="2">
-            <a:schemeClr val="accent1">
-              <a:shade val="50000"/>
-            </a:schemeClr>
-          </a:lnRef>
-          <a:fillRef idx="1">
-            <a:schemeClr val="accent1"/>
-          </a:fillRef>
-          <a:effectRef idx="0">
-            <a:schemeClr val="accent1"/>
-          </a:effectRef>
-          <a:fontRef idx="minor">
-            <a:schemeClr val="lt1"/>
-          </a:fontRef>
-        </p:style>
-        <p:txBody>
-          <a:bodyPr rtlCol="0" anchor="ctr"/>
-          <a:lstStyle/>
-          <a:p>
-            <a:pPr algn="ctr"/>
-            <a:endParaRPr lang="en-US">
-              <a:solidFill>
-                <a:schemeClr val="tx1"/>
-              </a:solidFill>
-            </a:endParaRPr>
-          </a:p>
-        </p:txBody>
-      </p:sp>
-      <p:sp>
-        <p:nvSpPr>
-          <p:cNvPr id="39" name="Left Arrow 38"/>
-          <p:cNvSpPr/>
-          <p:nvPr/>
-        </p:nvSpPr>
-        <p:spPr>
-          <a:xfrm>
-            <a:off x="7357242" y="2643059"/>
-            <a:ext cx="1466192" cy="245789"/>
-          </a:xfrm>
-          <a:prstGeom prst="leftArrow">
-            <a:avLst/>
-          </a:prstGeom>
-          <a:solidFill>
-            <a:schemeClr val="tx1"/>
-          </a:solidFill>
-          <a:ln>
-            <a:solidFill>
-              <a:schemeClr val="bg1"/>
-            </a:solidFill>
-          </a:ln>
-        </p:spPr>
-        <p:style>
-          <a:lnRef idx="2">
-            <a:schemeClr val="accent1">
-              <a:shade val="50000"/>
-            </a:schemeClr>
-          </a:lnRef>
-          <a:fillRef idx="1">
-            <a:schemeClr val="accent1"/>
-          </a:fillRef>
-          <a:effectRef idx="0">
-            <a:schemeClr val="accent1"/>
-          </a:effectRef>
-          <a:fontRef idx="minor">
-            <a:schemeClr val="lt1"/>
-          </a:fontRef>
-        </p:style>
-        <p:txBody>
-          <a:bodyPr rtlCol="0" anchor="ctr"/>
-          <a:lstStyle/>
-          <a:p>
-            <a:pPr algn="ctr"/>
-            <a:endParaRPr lang="en-US"/>
-          </a:p>
-        </p:txBody>
-      </p:sp>
-      <p:sp>
-        <p:nvSpPr>
-          <p:cNvPr id="43" name="Curved Left Arrow 42"/>
-          <p:cNvSpPr/>
-          <p:nvPr/>
-        </p:nvSpPr>
-        <p:spPr>
-          <a:xfrm>
-            <a:off x="10468305" y="2355243"/>
-            <a:ext cx="998480" cy="2763578"/>
-          </a:xfrm>
-          <a:prstGeom prst="curvedLeftArrow">
-            <a:avLst/>
-          </a:prstGeom>
-          <a:solidFill>
-            <a:schemeClr val="tx1"/>
-          </a:solidFill>
-          <a:ln>
-            <a:solidFill>
-              <a:schemeClr val="bg1"/>
-            </a:solidFill>
-          </a:ln>
-        </p:spPr>
-        <p:style>
-          <a:lnRef idx="2">
-            <a:schemeClr val="accent1">
-              <a:shade val="50000"/>
-            </a:schemeClr>
-          </a:lnRef>
-          <a:fillRef idx="1">
-            <a:schemeClr val="accent1"/>
-          </a:fillRef>
-          <a:effectRef idx="0">
-            <a:schemeClr val="accent1"/>
-          </a:effectRef>
-          <a:fontRef idx="minor">
-            <a:schemeClr val="lt1"/>
-          </a:fontRef>
-        </p:style>
-        <p:txBody>
-          <a:bodyPr rtlCol="0" anchor="ctr"/>
-          <a:lstStyle/>
-          <a:p>
-            <a:pPr algn="ctr"/>
-            <a:endParaRPr lang="en-US">
-              <a:solidFill>
-                <a:schemeClr val="tx1"/>
-              </a:solidFill>
-            </a:endParaRPr>
-          </a:p>
-        </p:txBody>
-      </p:sp>
-      <p:sp>
-        <p:nvSpPr>
-          <p:cNvPr id="44" name="Left Arrow 43"/>
-          <p:cNvSpPr/>
-          <p:nvPr/>
-        </p:nvSpPr>
-        <p:spPr>
-          <a:xfrm>
-            <a:off x="7325708" y="5076164"/>
-            <a:ext cx="1466192" cy="245789"/>
-          </a:xfrm>
-          <a:prstGeom prst="leftArrow">
-            <a:avLst/>
-          </a:prstGeom>
-          <a:solidFill>
-            <a:schemeClr val="tx1"/>
-          </a:solidFill>
-          <a:ln>
-            <a:solidFill>
-              <a:schemeClr val="bg1"/>
-            </a:solidFill>
-          </a:ln>
-        </p:spPr>
-        <p:style>
-          <a:lnRef idx="2">
-            <a:schemeClr val="accent1">
-              <a:shade val="50000"/>
-            </a:schemeClr>
-          </a:lnRef>
-          <a:fillRef idx="1">
-            <a:schemeClr val="accent1"/>
-          </a:fillRef>
-          <a:effectRef idx="0">
-            <a:schemeClr val="accent1"/>
-          </a:effectRef>
-          <a:fontRef idx="minor">
-            <a:schemeClr val="lt1"/>
-          </a:fontRef>
-        </p:style>
-        <p:txBody>
-          <a:bodyPr rtlCol="0" anchor="ctr"/>
-          <a:lstStyle/>
-          <a:p>
-            <a:pPr algn="ctr"/>
-            <a:endParaRPr lang="en-US"/>
-          </a:p>
-        </p:txBody>
-      </p:sp>
-      <p:sp>
-        <p:nvSpPr>
-          <p:cNvPr id="45" name="Rectangle 44"/>
-          <p:cNvSpPr/>
-          <p:nvPr/>
-        </p:nvSpPr>
-        <p:spPr>
-          <a:xfrm flipH="1">
-            <a:off x="295619" y="3195283"/>
-            <a:ext cx="2546115" cy="3170099"/>
-          </a:xfrm>
-          <a:prstGeom prst="rect">
-            <a:avLst/>
-          </a:prstGeom>
-          <a:noFill/>
-        </p:spPr>
-        <p:txBody>
-          <a:bodyPr wrap="square" lIns="91440" tIns="45720" rIns="91440" bIns="45720">
-            <a:spAutoFit/>
-          </a:bodyPr>
-          <a:lstStyle/>
-          <a:p>
-            <a:pPr algn="ctr"/>
-            <a:r>
-              <a:rPr lang="en-US" sz="4000" b="1" cap="none" spc="0" dirty="0" smtClean="0">
-                <a:ln w="12700">
-                  <a:solidFill>
-                    <a:schemeClr val="tx2">
-                      <a:lumMod val="75000"/>
-                    </a:schemeClr>
-                  </a:solidFill>
-                  <a:prstDash val="solid"/>
-                </a:ln>
-                <a:pattFill prst="dkUpDiag">
-                  <a:fgClr>
-                    <a:schemeClr val="tx2"/>
-                  </a:fgClr>
-                  <a:bgClr>
-                    <a:schemeClr val="tx2">
-                      <a:lumMod val="20000"/>
-                      <a:lumOff val="80000"/>
-                    </a:schemeClr>
-                  </a:bgClr>
-                </a:pattFill>
-                <a:effectLst>
-                  <a:outerShdw dist="38100" dir="2640000" algn="bl" rotWithShape="0">
-                    <a:schemeClr val="tx2">
-                      <a:lumMod val="75000"/>
-                    </a:schemeClr>
-                  </a:outerShdw>
-                </a:effectLst>
-              </a:rPr>
-              <a:t>Online Shopping System Process </a:t>
-            </a:r>
-            <a:r>
-              <a:rPr lang="en-US" sz="4000" b="1" cap="none" spc="0" dirty="0" err="1" smtClean="0">
-                <a:ln w="12700">
-                  <a:solidFill>
-                    <a:schemeClr val="tx2">
-                      <a:lumMod val="75000"/>
-                    </a:schemeClr>
-                  </a:solidFill>
-                  <a:prstDash val="solid"/>
-                </a:ln>
-                <a:pattFill prst="dkUpDiag">
-                  <a:fgClr>
-                    <a:schemeClr val="tx2"/>
-                  </a:fgClr>
-                  <a:bgClr>
-                    <a:schemeClr val="tx2">
-                      <a:lumMod val="20000"/>
-                      <a:lumOff val="80000"/>
-                    </a:schemeClr>
-                  </a:bgClr>
-                </a:pattFill>
-                <a:effectLst>
-                  <a:outerShdw dist="38100" dir="2640000" algn="bl" rotWithShape="0">
-                    <a:schemeClr val="tx2">
-                      <a:lumMod val="75000"/>
-                    </a:schemeClr>
-                  </a:outerShdw>
-                </a:effectLst>
-              </a:rPr>
-              <a:t>WorkFlow</a:t>
-            </a:r>
-            <a:endParaRPr lang="en-US" sz="4000" b="1" cap="none" spc="0" dirty="0">
-              <a:ln w="12700">
-                <a:solidFill>
-                  <a:schemeClr val="tx2">
-                    <a:lumMod val="75000"/>
-                  </a:schemeClr>
-                </a:solidFill>
-                <a:prstDash val="solid"/>
-              </a:ln>
-              <a:pattFill prst="dkUpDiag">
-                <a:fgClr>
-                  <a:schemeClr val="tx2"/>
-                </a:fgClr>
-                <a:bgClr>
-                  <a:schemeClr val="tx2">
-                    <a:lumMod val="20000"/>
-                    <a:lumOff val="80000"/>
-                  </a:schemeClr>
-                </a:bgClr>
-              </a:pattFill>
-              <a:effectLst>
-                <a:outerShdw dist="38100" dir="2640000" algn="bl" rotWithShape="0">
-                  <a:schemeClr val="tx2">
-                    <a:lumMod val="75000"/>
-                  </a:schemeClr>
-                </a:outerShdw>
-              </a:effectLst>
-            </a:endParaRPr>
+          <a:p>
+            <a:pPr algn="just">
+              <a:lnSpc>
+                <a:spcPct val="100000"/>
+              </a:lnSpc>
+            </a:pPr>
+            <a:r>
+              <a:rPr lang="en-US" sz="2400" dirty="0" smtClean="0">
+                <a:latin typeface="Calibri Light" panose="020F0302020204030204" pitchFamily="34" charset="0"/>
+              </a:rPr>
+              <a:t>It </a:t>
+            </a:r>
+            <a:r>
+              <a:rPr lang="en-US" sz="2400" dirty="0">
+                <a:latin typeface="Calibri Light" panose="020F0302020204030204" pitchFamily="34" charset="0"/>
+              </a:rPr>
+              <a:t>also works as a public website where one can see the information based on the purpose to access this website. There is no need for authentication here, because they has to only access the site not change or update any content and they also cannot change it because they have no authority to change.</a:t>
+            </a:r>
+          </a:p>
+          <a:p>
+            <a:pPr marL="0" indent="0">
+              <a:buNone/>
+            </a:pPr>
+            <a:endParaRPr lang="en-US" sz="2400" dirty="0"/>
           </a:p>
         </p:txBody>
       </p:sp>
     </p:spTree>
     <p:extLst>
       <p:ext uri="{BB962C8B-B14F-4D97-AF65-F5344CB8AC3E}">
-        <p14:creationId xmlns:p14="http://schemas.microsoft.com/office/powerpoint/2010/main" val="1500649797"/>
+        <p14:creationId xmlns:p14="http://schemas.microsoft.com/office/powerpoint/2010/main" val="1031771254"/>
       </p:ext>
     </p:extLst>
   </p:cSld>
@@ -8651,7 +7419,7 @@
         </p:nvSpPr>
         <p:spPr>
           <a:xfrm>
-            <a:off x="838200" y="365126"/>
+            <a:off x="838200" y="796926"/>
             <a:ext cx="10515600" cy="922762"/>
           </a:xfrm>
         </p:spPr>
@@ -8684,7 +7452,7 @@
         </p:nvSpPr>
         <p:spPr>
           <a:xfrm>
-            <a:off x="838200" y="1287888"/>
+            <a:off x="838200" y="1567288"/>
             <a:ext cx="10515600" cy="4889075"/>
           </a:xfrm>
         </p:spPr>
@@ -8768,6 +7536,1584 @@
       </p:grpSpPr>
       <p:sp>
         <p:nvSpPr>
+          <p:cNvPr id="4" name="Rectangle 3"/>
+          <p:cNvSpPr/>
+          <p:nvPr/>
+        </p:nvSpPr>
+        <p:spPr>
+          <a:xfrm>
+            <a:off x="1061544" y="2516278"/>
+            <a:ext cx="9816662" cy="1323439"/>
+          </a:xfrm>
+          <a:prstGeom prst="rect">
+            <a:avLst/>
+          </a:prstGeom>
+          <a:noFill/>
+        </p:spPr>
+        <p:txBody>
+          <a:bodyPr wrap="square" lIns="91440" tIns="45720" rIns="91440" bIns="45720">
+            <a:spAutoFit/>
+          </a:bodyPr>
+          <a:lstStyle/>
+          <a:p>
+            <a:pPr algn="ctr"/>
+            <a:r>
+              <a:rPr lang="en-US" sz="8000" b="1" i="1" u="sng" dirty="0" smtClean="0">
+                <a:latin typeface="Calibri Light" panose="020F0302020204030204" pitchFamily="34" charset="0"/>
+              </a:rPr>
+              <a:t>DATA FLOW DIAGRAM</a:t>
+            </a:r>
+            <a:endParaRPr lang="en-US" sz="8000" dirty="0">
+              <a:latin typeface="Calibri Light" panose="020F0302020204030204" pitchFamily="34" charset="0"/>
+            </a:endParaRPr>
+          </a:p>
+        </p:txBody>
+      </p:sp>
+    </p:spTree>
+    <p:extLst>
+      <p:ext uri="{BB962C8B-B14F-4D97-AF65-F5344CB8AC3E}">
+        <p14:creationId xmlns:p14="http://schemas.microsoft.com/office/powerpoint/2010/main" val="3030976122"/>
+      </p:ext>
+    </p:extLst>
+  </p:cSld>
+  <p:clrMapOvr>
+    <a:masterClrMapping/>
+  </p:clrMapOvr>
+  <p:timing>
+    <p:tnLst>
+      <p:par>
+        <p:cTn id="1" dur="indefinite" restart="never" nodeType="tmRoot"/>
+      </p:par>
+    </p:tnLst>
+  </p:timing>
+</p:sld>
+</file>
+
+<file path=ppt/slides/slide21.xml><?xml version="1.0" encoding="utf-8"?>
+<p:sld xmlns:a="http://schemas.openxmlformats.org/drawingml/2006/main" xmlns:r="http://schemas.openxmlformats.org/officeDocument/2006/relationships" xmlns:p="http://schemas.openxmlformats.org/presentationml/2006/main">
+  <p:cSld>
+    <p:spTree>
+      <p:nvGrpSpPr>
+        <p:cNvPr id="1" name=""/>
+        <p:cNvGrpSpPr/>
+        <p:nvPr/>
+      </p:nvGrpSpPr>
+      <p:grpSpPr>
+        <a:xfrm>
+          <a:off x="0" y="0"/>
+          <a:ext cx="0" cy="0"/>
+          <a:chOff x="0" y="0"/>
+          <a:chExt cx="0" cy="0"/>
+        </a:xfrm>
+      </p:grpSpPr>
+      <p:sp>
+        <p:nvSpPr>
+          <p:cNvPr id="2" name="Rounded Rectangle 1"/>
+          <p:cNvSpPr/>
+          <p:nvPr/>
+        </p:nvSpPr>
+        <p:spPr>
+          <a:xfrm>
+            <a:off x="2971800" y="1057250"/>
+            <a:ext cx="1744717" cy="1933904"/>
+          </a:xfrm>
+          <a:prstGeom prst="roundRect">
+            <a:avLst/>
+          </a:prstGeom>
+          <a:solidFill>
+            <a:schemeClr val="tx2"/>
+          </a:solidFill>
+        </p:spPr>
+        <p:style>
+          <a:lnRef idx="2">
+            <a:schemeClr val="dk1"/>
+          </a:lnRef>
+          <a:fillRef idx="1">
+            <a:schemeClr val="lt1"/>
+          </a:fillRef>
+          <a:effectRef idx="0">
+            <a:schemeClr val="dk1"/>
+          </a:effectRef>
+          <a:fontRef idx="minor">
+            <a:schemeClr val="dk1"/>
+          </a:fontRef>
+        </p:style>
+        <p:txBody>
+          <a:bodyPr rtlCol="0" anchor="ctr"/>
+          <a:lstStyle/>
+          <a:p>
+            <a:pPr algn="ctr"/>
+            <a:endParaRPr lang="en-US"/>
+          </a:p>
+        </p:txBody>
+      </p:sp>
+      <p:sp>
+        <p:nvSpPr>
+          <p:cNvPr id="3" name="TextBox 2"/>
+          <p:cNvSpPr txBox="1"/>
+          <p:nvPr/>
+        </p:nvSpPr>
+        <p:spPr>
+          <a:xfrm>
+            <a:off x="3192517" y="1309497"/>
+            <a:ext cx="1208689" cy="307777"/>
+          </a:xfrm>
+          <a:prstGeom prst="rect">
+            <a:avLst/>
+          </a:prstGeom>
+          <a:noFill/>
+        </p:spPr>
+        <p:txBody>
+          <a:bodyPr wrap="square" rtlCol="0">
+            <a:spAutoFit/>
+          </a:bodyPr>
+          <a:lstStyle/>
+          <a:p>
+            <a:pPr algn="ctr"/>
+            <a:r>
+              <a:rPr lang="en-US" sz="1400" b="1" dirty="0" smtClean="0">
+                <a:solidFill>
+                  <a:schemeClr val="bg1"/>
+                </a:solidFill>
+                <a:latin typeface="Calibri Light" panose="020F0302020204030204" pitchFamily="34" charset="0"/>
+              </a:rPr>
+              <a:t>Index Page</a:t>
+            </a:r>
+            <a:endParaRPr lang="en-US" sz="1400" b="1" dirty="0">
+              <a:solidFill>
+                <a:schemeClr val="bg1"/>
+              </a:solidFill>
+              <a:latin typeface="Calibri Light" panose="020F0302020204030204" pitchFamily="34" charset="0"/>
+            </a:endParaRPr>
+          </a:p>
+        </p:txBody>
+      </p:sp>
+      <p:sp>
+        <p:nvSpPr>
+          <p:cNvPr id="8" name="Rounded Rectangle 7"/>
+          <p:cNvSpPr/>
+          <p:nvPr/>
+        </p:nvSpPr>
+        <p:spPr>
+          <a:xfrm>
+            <a:off x="5284076" y="1057250"/>
+            <a:ext cx="2317531" cy="1933904"/>
+          </a:xfrm>
+          <a:prstGeom prst="roundRect">
+            <a:avLst/>
+          </a:prstGeom>
+          <a:solidFill>
+            <a:schemeClr val="tx2"/>
+          </a:solidFill>
+        </p:spPr>
+        <p:style>
+          <a:lnRef idx="2">
+            <a:schemeClr val="dk1"/>
+          </a:lnRef>
+          <a:fillRef idx="1">
+            <a:schemeClr val="lt1"/>
+          </a:fillRef>
+          <a:effectRef idx="0">
+            <a:schemeClr val="dk1"/>
+          </a:effectRef>
+          <a:fontRef idx="minor">
+            <a:schemeClr val="dk1"/>
+          </a:fontRef>
+        </p:style>
+        <p:txBody>
+          <a:bodyPr rtlCol="0" anchor="ctr"/>
+          <a:lstStyle/>
+          <a:p>
+            <a:pPr algn="ctr"/>
+            <a:endParaRPr lang="en-US"/>
+          </a:p>
+        </p:txBody>
+      </p:sp>
+      <p:sp>
+        <p:nvSpPr>
+          <p:cNvPr id="10" name="TextBox 9"/>
+          <p:cNvSpPr txBox="1"/>
+          <p:nvPr/>
+        </p:nvSpPr>
+        <p:spPr>
+          <a:xfrm>
+            <a:off x="5284076" y="1298986"/>
+            <a:ext cx="2243959" cy="307777"/>
+          </a:xfrm>
+          <a:prstGeom prst="rect">
+            <a:avLst/>
+          </a:prstGeom>
+          <a:noFill/>
+        </p:spPr>
+        <p:txBody>
+          <a:bodyPr wrap="square" rtlCol="0">
+            <a:spAutoFit/>
+          </a:bodyPr>
+          <a:lstStyle/>
+          <a:p>
+            <a:pPr algn="ctr"/>
+            <a:r>
+              <a:rPr lang="en-US" sz="1400" b="1" dirty="0" smtClean="0">
+                <a:solidFill>
+                  <a:schemeClr val="bg1"/>
+                </a:solidFill>
+                <a:latin typeface="Calibri Light" panose="020F0302020204030204" pitchFamily="34" charset="0"/>
+              </a:rPr>
+              <a:t>Category Page</a:t>
+            </a:r>
+            <a:endParaRPr lang="en-US" sz="1400" b="1" dirty="0">
+              <a:solidFill>
+                <a:schemeClr val="bg1"/>
+              </a:solidFill>
+              <a:latin typeface="Calibri Light" panose="020F0302020204030204" pitchFamily="34" charset="0"/>
+            </a:endParaRPr>
+          </a:p>
+        </p:txBody>
+      </p:sp>
+      <p:sp>
+        <p:nvSpPr>
+          <p:cNvPr id="11" name="TextBox 10"/>
+          <p:cNvSpPr txBox="1"/>
+          <p:nvPr/>
+        </p:nvSpPr>
+        <p:spPr>
+          <a:xfrm>
+            <a:off x="5454869" y="1685214"/>
+            <a:ext cx="987972" cy="861774"/>
+          </a:xfrm>
+          <a:prstGeom prst="rect">
+            <a:avLst/>
+          </a:prstGeom>
+          <a:noFill/>
+        </p:spPr>
+        <p:txBody>
+          <a:bodyPr wrap="square" rtlCol="0">
+            <a:spAutoFit/>
+          </a:bodyPr>
+          <a:lstStyle/>
+          <a:p>
+            <a:pPr algn="ctr"/>
+            <a:r>
+              <a:rPr lang="en-US" sz="1000" b="1" dirty="0">
+                <a:solidFill>
+                  <a:schemeClr val="bg1"/>
+                </a:solidFill>
+              </a:rPr>
+              <a:t> </a:t>
+            </a:r>
+            <a:r>
+              <a:rPr lang="en-US" sz="1000" b="1" dirty="0" smtClean="0">
+                <a:solidFill>
+                  <a:schemeClr val="bg1"/>
+                </a:solidFill>
+              </a:rPr>
+              <a:t>Product</a:t>
+            </a:r>
+            <a:endParaRPr lang="en-US" sz="1000" b="1" dirty="0">
+              <a:solidFill>
+                <a:schemeClr val="bg1"/>
+              </a:solidFill>
+            </a:endParaRPr>
+          </a:p>
+          <a:p>
+            <a:pPr algn="ctr"/>
+            <a:r>
+              <a:rPr lang="en-US" sz="1000" dirty="0" smtClean="0">
+                <a:solidFill>
+                  <a:schemeClr val="bg1"/>
+                </a:solidFill>
+              </a:rPr>
+              <a:t>Product 1</a:t>
+            </a:r>
+          </a:p>
+          <a:p>
+            <a:pPr algn="ctr"/>
+            <a:r>
+              <a:rPr lang="en-US" sz="1000" dirty="0" smtClean="0">
+                <a:solidFill>
+                  <a:schemeClr val="bg1"/>
+                </a:solidFill>
+              </a:rPr>
+              <a:t>Product 2</a:t>
+            </a:r>
+          </a:p>
+          <a:p>
+            <a:pPr algn="ctr"/>
+            <a:r>
+              <a:rPr lang="en-US" sz="1000" dirty="0" smtClean="0">
+                <a:solidFill>
+                  <a:schemeClr val="bg1"/>
+                </a:solidFill>
+              </a:rPr>
+              <a:t>Product 3</a:t>
+            </a:r>
+          </a:p>
+          <a:p>
+            <a:pPr algn="ctr"/>
+            <a:r>
+              <a:rPr lang="en-US" sz="1000" dirty="0" smtClean="0">
+                <a:solidFill>
+                  <a:schemeClr val="bg1"/>
+                </a:solidFill>
+              </a:rPr>
+              <a:t>Product 4</a:t>
+            </a:r>
+            <a:endParaRPr lang="en-US" sz="1000" dirty="0">
+              <a:solidFill>
+                <a:schemeClr val="bg1"/>
+              </a:solidFill>
+            </a:endParaRPr>
+          </a:p>
+        </p:txBody>
+      </p:sp>
+      <p:sp>
+        <p:nvSpPr>
+          <p:cNvPr id="14" name="TextBox 13"/>
+          <p:cNvSpPr txBox="1"/>
+          <p:nvPr/>
+        </p:nvSpPr>
+        <p:spPr>
+          <a:xfrm>
+            <a:off x="6442841" y="1750932"/>
+            <a:ext cx="917028" cy="400110"/>
+          </a:xfrm>
+          <a:prstGeom prst="rect">
+            <a:avLst/>
+          </a:prstGeom>
+          <a:noFill/>
+        </p:spPr>
+        <p:txBody>
+          <a:bodyPr wrap="square" rtlCol="0">
+            <a:spAutoFit/>
+          </a:bodyPr>
+          <a:lstStyle/>
+          <a:p>
+            <a:pPr algn="ctr"/>
+            <a:r>
+              <a:rPr lang="en-US" sz="1000" dirty="0" smtClean="0">
+                <a:solidFill>
+                  <a:schemeClr val="bg1"/>
+                </a:solidFill>
+              </a:rPr>
+              <a:t>Add To Cart</a:t>
+            </a:r>
+            <a:endParaRPr lang="en-US" sz="1000" dirty="0">
+              <a:solidFill>
+                <a:schemeClr val="bg1"/>
+              </a:solidFill>
+            </a:endParaRPr>
+          </a:p>
+        </p:txBody>
+      </p:sp>
+      <p:sp>
+        <p:nvSpPr>
+          <p:cNvPr id="15" name="TextBox 14"/>
+          <p:cNvSpPr txBox="1"/>
+          <p:nvPr/>
+        </p:nvSpPr>
+        <p:spPr>
+          <a:xfrm>
+            <a:off x="6534806" y="2191594"/>
+            <a:ext cx="917028" cy="246221"/>
+          </a:xfrm>
+          <a:prstGeom prst="rect">
+            <a:avLst/>
+          </a:prstGeom>
+          <a:noFill/>
+        </p:spPr>
+        <p:txBody>
+          <a:bodyPr wrap="square" rtlCol="0">
+            <a:spAutoFit/>
+          </a:bodyPr>
+          <a:lstStyle/>
+          <a:p>
+            <a:pPr algn="ctr"/>
+            <a:r>
+              <a:rPr lang="en-US" sz="1000" dirty="0" smtClean="0">
+                <a:solidFill>
+                  <a:schemeClr val="bg1"/>
+                </a:solidFill>
+              </a:rPr>
+              <a:t>View Cart</a:t>
+            </a:r>
+            <a:endParaRPr lang="en-US" sz="1000" dirty="0">
+              <a:solidFill>
+                <a:schemeClr val="bg1"/>
+              </a:solidFill>
+            </a:endParaRPr>
+          </a:p>
+        </p:txBody>
+      </p:sp>
+      <p:sp>
+        <p:nvSpPr>
+          <p:cNvPr id="16" name="Rounded Rectangle 15"/>
+          <p:cNvSpPr/>
+          <p:nvPr/>
+        </p:nvSpPr>
+        <p:spPr>
+          <a:xfrm>
+            <a:off x="8266386" y="1057250"/>
+            <a:ext cx="2317531" cy="1933904"/>
+          </a:xfrm>
+          <a:prstGeom prst="roundRect">
+            <a:avLst/>
+          </a:prstGeom>
+          <a:solidFill>
+            <a:schemeClr val="tx2"/>
+          </a:solidFill>
+        </p:spPr>
+        <p:style>
+          <a:lnRef idx="2">
+            <a:schemeClr val="dk1"/>
+          </a:lnRef>
+          <a:fillRef idx="1">
+            <a:schemeClr val="lt1"/>
+          </a:fillRef>
+          <a:effectRef idx="0">
+            <a:schemeClr val="dk1"/>
+          </a:effectRef>
+          <a:fontRef idx="minor">
+            <a:schemeClr val="dk1"/>
+          </a:fontRef>
+        </p:style>
+        <p:txBody>
+          <a:bodyPr rtlCol="0" anchor="ctr"/>
+          <a:lstStyle/>
+          <a:p>
+            <a:pPr algn="ctr"/>
+            <a:endParaRPr lang="en-US"/>
+          </a:p>
+        </p:txBody>
+      </p:sp>
+      <p:sp>
+        <p:nvSpPr>
+          <p:cNvPr id="19" name="TextBox 18"/>
+          <p:cNvSpPr txBox="1"/>
+          <p:nvPr/>
+        </p:nvSpPr>
+        <p:spPr>
+          <a:xfrm>
+            <a:off x="8303171" y="1309656"/>
+            <a:ext cx="2243959" cy="307777"/>
+          </a:xfrm>
+          <a:prstGeom prst="rect">
+            <a:avLst/>
+          </a:prstGeom>
+          <a:noFill/>
+        </p:spPr>
+        <p:txBody>
+          <a:bodyPr wrap="square" rtlCol="0">
+            <a:spAutoFit/>
+          </a:bodyPr>
+          <a:lstStyle/>
+          <a:p>
+            <a:pPr algn="ctr"/>
+            <a:r>
+              <a:rPr lang="en-US" sz="1400" b="1" dirty="0" smtClean="0">
+                <a:solidFill>
+                  <a:schemeClr val="bg1"/>
+                </a:solidFill>
+                <a:latin typeface="Calibri Light" panose="020F0302020204030204" pitchFamily="34" charset="0"/>
+              </a:rPr>
+              <a:t>Cart Page</a:t>
+            </a:r>
+            <a:endParaRPr lang="en-US" sz="1400" b="1" dirty="0">
+              <a:solidFill>
+                <a:schemeClr val="bg1"/>
+              </a:solidFill>
+              <a:latin typeface="Calibri Light" panose="020F0302020204030204" pitchFamily="34" charset="0"/>
+            </a:endParaRPr>
+          </a:p>
+        </p:txBody>
+      </p:sp>
+      <p:sp>
+        <p:nvSpPr>
+          <p:cNvPr id="20" name="TextBox 19"/>
+          <p:cNvSpPr txBox="1"/>
+          <p:nvPr/>
+        </p:nvSpPr>
+        <p:spPr>
+          <a:xfrm>
+            <a:off x="8376745" y="1643567"/>
+            <a:ext cx="987972" cy="907941"/>
+          </a:xfrm>
+          <a:prstGeom prst="rect">
+            <a:avLst/>
+          </a:prstGeom>
+          <a:noFill/>
+        </p:spPr>
+        <p:txBody>
+          <a:bodyPr wrap="square" rtlCol="0">
+            <a:spAutoFit/>
+          </a:bodyPr>
+          <a:lstStyle/>
+          <a:p>
+            <a:pPr algn="ctr"/>
+            <a:r>
+              <a:rPr lang="en-US" sz="1000" dirty="0" smtClean="0">
+                <a:solidFill>
+                  <a:schemeClr val="bg1"/>
+                </a:solidFill>
+              </a:rPr>
+              <a:t>Cart Items</a:t>
+            </a:r>
+          </a:p>
+          <a:p>
+            <a:pPr algn="ctr"/>
+            <a:r>
+              <a:rPr lang="en-US" sz="1000" dirty="0" smtClean="0">
+                <a:solidFill>
+                  <a:schemeClr val="bg1"/>
+                </a:solidFill>
+              </a:rPr>
+              <a:t>Item</a:t>
+            </a:r>
+            <a:r>
+              <a:rPr lang="en-US" sz="1100" dirty="0" smtClean="0">
+                <a:solidFill>
+                  <a:schemeClr val="bg1"/>
+                </a:solidFill>
+              </a:rPr>
+              <a:t> 1</a:t>
+            </a:r>
+          </a:p>
+          <a:p>
+            <a:pPr algn="ctr"/>
+            <a:r>
+              <a:rPr lang="en-US" sz="1100" dirty="0" smtClean="0">
+                <a:solidFill>
+                  <a:schemeClr val="bg1"/>
+                </a:solidFill>
+              </a:rPr>
+              <a:t>Item 2</a:t>
+            </a:r>
+          </a:p>
+          <a:p>
+            <a:pPr algn="ctr"/>
+            <a:r>
+              <a:rPr lang="en-US" sz="1100" dirty="0" smtClean="0">
+                <a:solidFill>
+                  <a:schemeClr val="bg1"/>
+                </a:solidFill>
+              </a:rPr>
+              <a:t>Item 3</a:t>
+            </a:r>
+          </a:p>
+          <a:p>
+            <a:pPr algn="ctr"/>
+            <a:r>
+              <a:rPr lang="en-US" sz="1000" dirty="0" smtClean="0">
+                <a:solidFill>
+                  <a:schemeClr val="bg1"/>
+                </a:solidFill>
+              </a:rPr>
+              <a:t>Item 4</a:t>
+            </a:r>
+            <a:endParaRPr lang="en-US" sz="1000" dirty="0">
+              <a:solidFill>
+                <a:schemeClr val="bg1"/>
+              </a:solidFill>
+            </a:endParaRPr>
+          </a:p>
+        </p:txBody>
+      </p:sp>
+      <p:sp>
+        <p:nvSpPr>
+          <p:cNvPr id="21" name="TextBox 20"/>
+          <p:cNvSpPr txBox="1"/>
+          <p:nvPr/>
+        </p:nvSpPr>
+        <p:spPr>
+          <a:xfrm>
+            <a:off x="3255578" y="1677678"/>
+            <a:ext cx="987972" cy="861774"/>
+          </a:xfrm>
+          <a:prstGeom prst="rect">
+            <a:avLst/>
+          </a:prstGeom>
+          <a:noFill/>
+        </p:spPr>
+        <p:txBody>
+          <a:bodyPr wrap="square" rtlCol="0">
+            <a:spAutoFit/>
+          </a:bodyPr>
+          <a:lstStyle/>
+          <a:p>
+            <a:pPr algn="ctr"/>
+            <a:r>
+              <a:rPr lang="en-US" sz="1000" b="1" dirty="0">
+                <a:solidFill>
+                  <a:schemeClr val="bg1"/>
+                </a:solidFill>
+              </a:rPr>
+              <a:t> </a:t>
+            </a:r>
+            <a:r>
+              <a:rPr lang="en-US" sz="1000" b="1" dirty="0" smtClean="0">
+                <a:solidFill>
+                  <a:schemeClr val="bg1"/>
+                </a:solidFill>
+              </a:rPr>
+              <a:t>Category</a:t>
+            </a:r>
+            <a:endParaRPr lang="en-US" sz="1000" b="1" dirty="0">
+              <a:solidFill>
+                <a:schemeClr val="bg1"/>
+              </a:solidFill>
+            </a:endParaRPr>
+          </a:p>
+          <a:p>
+            <a:pPr algn="ctr"/>
+            <a:r>
+              <a:rPr lang="en-US" sz="1000" dirty="0">
+                <a:solidFill>
+                  <a:schemeClr val="bg1"/>
+                </a:solidFill>
+              </a:rPr>
+              <a:t>Category</a:t>
+            </a:r>
+            <a:r>
+              <a:rPr lang="en-US" sz="1000" dirty="0" smtClean="0">
+                <a:solidFill>
+                  <a:schemeClr val="bg1"/>
+                </a:solidFill>
+              </a:rPr>
+              <a:t> 1</a:t>
+            </a:r>
+          </a:p>
+          <a:p>
+            <a:pPr algn="ctr"/>
+            <a:r>
+              <a:rPr lang="en-US" sz="1000" dirty="0">
+                <a:solidFill>
+                  <a:schemeClr val="bg1"/>
+                </a:solidFill>
+              </a:rPr>
+              <a:t>Category</a:t>
+            </a:r>
+            <a:r>
+              <a:rPr lang="en-US" sz="1000" dirty="0" smtClean="0">
+                <a:solidFill>
+                  <a:schemeClr val="bg1"/>
+                </a:solidFill>
+              </a:rPr>
+              <a:t> 2</a:t>
+            </a:r>
+          </a:p>
+          <a:p>
+            <a:pPr algn="ctr"/>
+            <a:r>
+              <a:rPr lang="en-US" sz="1000" dirty="0">
+                <a:solidFill>
+                  <a:schemeClr val="bg1"/>
+                </a:solidFill>
+              </a:rPr>
+              <a:t>Category</a:t>
+            </a:r>
+            <a:r>
+              <a:rPr lang="en-US" sz="1000" dirty="0" smtClean="0">
+                <a:solidFill>
+                  <a:schemeClr val="bg1"/>
+                </a:solidFill>
+              </a:rPr>
+              <a:t> 3</a:t>
+            </a:r>
+          </a:p>
+          <a:p>
+            <a:pPr algn="ctr"/>
+            <a:r>
+              <a:rPr lang="en-US" sz="1000" dirty="0">
+                <a:solidFill>
+                  <a:schemeClr val="bg1"/>
+                </a:solidFill>
+              </a:rPr>
+              <a:t>Category</a:t>
+            </a:r>
+            <a:r>
+              <a:rPr lang="en-US" sz="1000" dirty="0" smtClean="0">
+                <a:solidFill>
+                  <a:schemeClr val="bg1"/>
+                </a:solidFill>
+              </a:rPr>
+              <a:t> 4</a:t>
+            </a:r>
+            <a:endParaRPr lang="en-US" sz="1000" dirty="0">
+              <a:solidFill>
+                <a:schemeClr val="bg1"/>
+              </a:solidFill>
+            </a:endParaRPr>
+          </a:p>
+        </p:txBody>
+      </p:sp>
+      <p:sp>
+        <p:nvSpPr>
+          <p:cNvPr id="23" name="TextBox 22"/>
+          <p:cNvSpPr txBox="1"/>
+          <p:nvPr/>
+        </p:nvSpPr>
+        <p:spPr>
+          <a:xfrm>
+            <a:off x="9511863" y="1791504"/>
+            <a:ext cx="924910" cy="246221"/>
+          </a:xfrm>
+          <a:prstGeom prst="rect">
+            <a:avLst/>
+          </a:prstGeom>
+          <a:noFill/>
+        </p:spPr>
+        <p:txBody>
+          <a:bodyPr wrap="square" rtlCol="0">
+            <a:spAutoFit/>
+          </a:bodyPr>
+          <a:lstStyle/>
+          <a:p>
+            <a:pPr algn="ctr"/>
+            <a:r>
+              <a:rPr lang="en-US" sz="1000" dirty="0" smtClean="0">
+                <a:solidFill>
+                  <a:schemeClr val="bg1"/>
+                </a:solidFill>
+              </a:rPr>
+              <a:t>Clear Cart</a:t>
+            </a:r>
+            <a:endParaRPr lang="en-US" sz="1000" dirty="0">
+              <a:solidFill>
+                <a:schemeClr val="bg1"/>
+              </a:solidFill>
+            </a:endParaRPr>
+          </a:p>
+        </p:txBody>
+      </p:sp>
+      <p:sp>
+        <p:nvSpPr>
+          <p:cNvPr id="24" name="TextBox 23"/>
+          <p:cNvSpPr txBox="1"/>
+          <p:nvPr/>
+        </p:nvSpPr>
+        <p:spPr>
+          <a:xfrm>
+            <a:off x="9490840" y="2239978"/>
+            <a:ext cx="945933" cy="400110"/>
+          </a:xfrm>
+          <a:prstGeom prst="rect">
+            <a:avLst/>
+          </a:prstGeom>
+          <a:noFill/>
+        </p:spPr>
+        <p:txBody>
+          <a:bodyPr wrap="square" rtlCol="0">
+            <a:spAutoFit/>
+          </a:bodyPr>
+          <a:lstStyle/>
+          <a:p>
+            <a:pPr algn="ctr"/>
+            <a:r>
+              <a:rPr lang="en-US" sz="1000" dirty="0" smtClean="0">
+                <a:solidFill>
+                  <a:schemeClr val="bg1"/>
+                </a:solidFill>
+              </a:rPr>
+              <a:t>Proceed To Checkout</a:t>
+            </a:r>
+            <a:endParaRPr lang="en-US" sz="1000" dirty="0">
+              <a:solidFill>
+                <a:schemeClr val="bg1"/>
+              </a:solidFill>
+            </a:endParaRPr>
+          </a:p>
+        </p:txBody>
+      </p:sp>
+      <p:sp>
+        <p:nvSpPr>
+          <p:cNvPr id="25" name="TextBox 24"/>
+          <p:cNvSpPr txBox="1"/>
+          <p:nvPr/>
+        </p:nvSpPr>
+        <p:spPr>
+          <a:xfrm>
+            <a:off x="8628994" y="2640088"/>
+            <a:ext cx="1681655" cy="246221"/>
+          </a:xfrm>
+          <a:prstGeom prst="rect">
+            <a:avLst/>
+          </a:prstGeom>
+          <a:noFill/>
+        </p:spPr>
+        <p:txBody>
+          <a:bodyPr wrap="square" rtlCol="0">
+            <a:spAutoFit/>
+          </a:bodyPr>
+          <a:lstStyle/>
+          <a:p>
+            <a:pPr algn="ctr"/>
+            <a:r>
+              <a:rPr lang="en-US" sz="1000" b="1" dirty="0" smtClean="0">
+                <a:solidFill>
+                  <a:schemeClr val="bg1"/>
+                </a:solidFill>
+              </a:rPr>
+              <a:t>Continue Shopping</a:t>
+            </a:r>
+            <a:endParaRPr lang="en-US" sz="1000" b="1" dirty="0">
+              <a:solidFill>
+                <a:schemeClr val="bg1"/>
+              </a:solidFill>
+            </a:endParaRPr>
+          </a:p>
+        </p:txBody>
+      </p:sp>
+      <p:sp>
+        <p:nvSpPr>
+          <p:cNvPr id="27" name="Rounded Rectangle 26"/>
+          <p:cNvSpPr/>
+          <p:nvPr/>
+        </p:nvSpPr>
+        <p:spPr>
+          <a:xfrm>
+            <a:off x="8266386" y="3720501"/>
+            <a:ext cx="2317531" cy="1933904"/>
+          </a:xfrm>
+          <a:prstGeom prst="roundRect">
+            <a:avLst/>
+          </a:prstGeom>
+          <a:solidFill>
+            <a:schemeClr val="tx2"/>
+          </a:solidFill>
+        </p:spPr>
+        <p:style>
+          <a:lnRef idx="2">
+            <a:schemeClr val="dk1"/>
+          </a:lnRef>
+          <a:fillRef idx="1">
+            <a:schemeClr val="lt1"/>
+          </a:fillRef>
+          <a:effectRef idx="0">
+            <a:schemeClr val="dk1"/>
+          </a:effectRef>
+          <a:fontRef idx="minor">
+            <a:schemeClr val="dk1"/>
+          </a:fontRef>
+        </p:style>
+        <p:txBody>
+          <a:bodyPr rtlCol="0" anchor="ctr"/>
+          <a:lstStyle/>
+          <a:p>
+            <a:pPr algn="ctr"/>
+            <a:endParaRPr lang="en-US"/>
+          </a:p>
+        </p:txBody>
+      </p:sp>
+      <p:sp>
+        <p:nvSpPr>
+          <p:cNvPr id="28" name="TextBox 27"/>
+          <p:cNvSpPr txBox="1"/>
+          <p:nvPr/>
+        </p:nvSpPr>
+        <p:spPr>
+          <a:xfrm>
+            <a:off x="8213833" y="3997026"/>
+            <a:ext cx="2243959" cy="307777"/>
+          </a:xfrm>
+          <a:prstGeom prst="rect">
+            <a:avLst/>
+          </a:prstGeom>
+          <a:noFill/>
+        </p:spPr>
+        <p:txBody>
+          <a:bodyPr wrap="square" rtlCol="0">
+            <a:spAutoFit/>
+          </a:bodyPr>
+          <a:lstStyle/>
+          <a:p>
+            <a:pPr algn="ctr"/>
+            <a:r>
+              <a:rPr lang="en-US" sz="1400" b="1" dirty="0" err="1" smtClean="0">
+                <a:solidFill>
+                  <a:schemeClr val="bg1"/>
+                </a:solidFill>
+                <a:latin typeface="Calibri Light" panose="020F0302020204030204" pitchFamily="34" charset="0"/>
+              </a:rPr>
+              <a:t>CheckOut</a:t>
+            </a:r>
+            <a:r>
+              <a:rPr lang="en-US" sz="1400" b="1" dirty="0" smtClean="0">
+                <a:solidFill>
+                  <a:schemeClr val="bg1"/>
+                </a:solidFill>
+                <a:latin typeface="Calibri Light" panose="020F0302020204030204" pitchFamily="34" charset="0"/>
+              </a:rPr>
+              <a:t> Page</a:t>
+            </a:r>
+            <a:endParaRPr lang="en-US" sz="1400" b="1" dirty="0">
+              <a:solidFill>
+                <a:schemeClr val="bg1"/>
+              </a:solidFill>
+              <a:latin typeface="Calibri Light" panose="020F0302020204030204" pitchFamily="34" charset="0"/>
+            </a:endParaRPr>
+          </a:p>
+        </p:txBody>
+      </p:sp>
+      <p:sp>
+        <p:nvSpPr>
+          <p:cNvPr id="29" name="TextBox 28"/>
+          <p:cNvSpPr txBox="1"/>
+          <p:nvPr/>
+        </p:nvSpPr>
+        <p:spPr>
+          <a:xfrm>
+            <a:off x="8450317" y="4481013"/>
+            <a:ext cx="1923393" cy="246221"/>
+          </a:xfrm>
+          <a:prstGeom prst="rect">
+            <a:avLst/>
+          </a:prstGeom>
+          <a:noFill/>
+        </p:spPr>
+        <p:txBody>
+          <a:bodyPr wrap="square" rtlCol="0">
+            <a:spAutoFit/>
+          </a:bodyPr>
+          <a:lstStyle/>
+          <a:p>
+            <a:pPr algn="ctr"/>
+            <a:r>
+              <a:rPr lang="en-US" sz="1000" dirty="0" smtClean="0">
+                <a:solidFill>
+                  <a:schemeClr val="bg1"/>
+                </a:solidFill>
+              </a:rPr>
+              <a:t>Purchase Calculations</a:t>
+            </a:r>
+            <a:endParaRPr lang="en-US" sz="1000" dirty="0">
+              <a:solidFill>
+                <a:schemeClr val="bg1"/>
+              </a:solidFill>
+            </a:endParaRPr>
+          </a:p>
+        </p:txBody>
+      </p:sp>
+      <p:sp>
+        <p:nvSpPr>
+          <p:cNvPr id="31" name="TextBox 30"/>
+          <p:cNvSpPr txBox="1"/>
+          <p:nvPr/>
+        </p:nvSpPr>
+        <p:spPr>
+          <a:xfrm>
+            <a:off x="8463454" y="4780333"/>
+            <a:ext cx="1923393" cy="246221"/>
+          </a:xfrm>
+          <a:prstGeom prst="rect">
+            <a:avLst/>
+          </a:prstGeom>
+          <a:noFill/>
+        </p:spPr>
+        <p:txBody>
+          <a:bodyPr wrap="square" rtlCol="0">
+            <a:spAutoFit/>
+          </a:bodyPr>
+          <a:lstStyle/>
+          <a:p>
+            <a:pPr algn="ctr"/>
+            <a:r>
+              <a:rPr lang="en-US" sz="1000" dirty="0" smtClean="0">
+                <a:solidFill>
+                  <a:schemeClr val="bg1"/>
+                </a:solidFill>
+              </a:rPr>
+              <a:t>Enter Personal Details</a:t>
+            </a:r>
+            <a:endParaRPr lang="en-US" sz="1000" dirty="0">
+              <a:solidFill>
+                <a:schemeClr val="bg1"/>
+              </a:solidFill>
+            </a:endParaRPr>
+          </a:p>
+        </p:txBody>
+      </p:sp>
+      <p:sp>
+        <p:nvSpPr>
+          <p:cNvPr id="32" name="TextBox 31"/>
+          <p:cNvSpPr txBox="1"/>
+          <p:nvPr/>
+        </p:nvSpPr>
+        <p:spPr>
+          <a:xfrm>
+            <a:off x="8463454" y="5083376"/>
+            <a:ext cx="1923393" cy="246221"/>
+          </a:xfrm>
+          <a:prstGeom prst="rect">
+            <a:avLst/>
+          </a:prstGeom>
+          <a:noFill/>
+        </p:spPr>
+        <p:txBody>
+          <a:bodyPr wrap="square" rtlCol="0">
+            <a:spAutoFit/>
+          </a:bodyPr>
+          <a:lstStyle/>
+          <a:p>
+            <a:pPr algn="ctr"/>
+            <a:r>
+              <a:rPr lang="en-US" sz="1000" dirty="0" smtClean="0">
+                <a:solidFill>
+                  <a:schemeClr val="bg1"/>
+                </a:solidFill>
+              </a:rPr>
+              <a:t>Submit Purchase</a:t>
+            </a:r>
+            <a:endParaRPr lang="en-US" sz="1000" dirty="0">
+              <a:solidFill>
+                <a:schemeClr val="bg1"/>
+              </a:solidFill>
+            </a:endParaRPr>
+          </a:p>
+        </p:txBody>
+      </p:sp>
+      <p:sp>
+        <p:nvSpPr>
+          <p:cNvPr id="33" name="Rounded Rectangle 32"/>
+          <p:cNvSpPr/>
+          <p:nvPr/>
+        </p:nvSpPr>
+        <p:spPr>
+          <a:xfrm>
+            <a:off x="5284075" y="3720501"/>
+            <a:ext cx="2317531" cy="1933904"/>
+          </a:xfrm>
+          <a:prstGeom prst="roundRect">
+            <a:avLst/>
+          </a:prstGeom>
+          <a:solidFill>
+            <a:schemeClr val="tx2"/>
+          </a:solidFill>
+        </p:spPr>
+        <p:style>
+          <a:lnRef idx="2">
+            <a:schemeClr val="dk1"/>
+          </a:lnRef>
+          <a:fillRef idx="1">
+            <a:schemeClr val="lt1"/>
+          </a:fillRef>
+          <a:effectRef idx="0">
+            <a:schemeClr val="dk1"/>
+          </a:effectRef>
+          <a:fontRef idx="minor">
+            <a:schemeClr val="dk1"/>
+          </a:fontRef>
+        </p:style>
+        <p:txBody>
+          <a:bodyPr rtlCol="0" anchor="ctr"/>
+          <a:lstStyle/>
+          <a:p>
+            <a:pPr algn="ctr"/>
+            <a:endParaRPr lang="en-US"/>
+          </a:p>
+        </p:txBody>
+      </p:sp>
+      <p:sp>
+        <p:nvSpPr>
+          <p:cNvPr id="35" name="TextBox 34"/>
+          <p:cNvSpPr txBox="1"/>
+          <p:nvPr/>
+        </p:nvSpPr>
+        <p:spPr>
+          <a:xfrm>
+            <a:off x="5242034" y="3997026"/>
+            <a:ext cx="2243959" cy="307777"/>
+          </a:xfrm>
+          <a:prstGeom prst="rect">
+            <a:avLst/>
+          </a:prstGeom>
+          <a:noFill/>
+        </p:spPr>
+        <p:txBody>
+          <a:bodyPr wrap="square" rtlCol="0">
+            <a:spAutoFit/>
+          </a:bodyPr>
+          <a:lstStyle/>
+          <a:p>
+            <a:pPr algn="ctr"/>
+            <a:r>
+              <a:rPr lang="en-US" sz="1400" b="1" dirty="0" smtClean="0">
+                <a:solidFill>
+                  <a:schemeClr val="bg1"/>
+                </a:solidFill>
+                <a:latin typeface="Calibri Light" panose="020F0302020204030204" pitchFamily="34" charset="0"/>
+              </a:rPr>
+              <a:t>Confirmation Page</a:t>
+            </a:r>
+            <a:endParaRPr lang="en-US" sz="1400" b="1" dirty="0">
+              <a:solidFill>
+                <a:schemeClr val="bg1"/>
+              </a:solidFill>
+              <a:latin typeface="Calibri Light" panose="020F0302020204030204" pitchFamily="34" charset="0"/>
+            </a:endParaRPr>
+          </a:p>
+        </p:txBody>
+      </p:sp>
+      <p:sp>
+        <p:nvSpPr>
+          <p:cNvPr id="36" name="TextBox 35"/>
+          <p:cNvSpPr txBox="1"/>
+          <p:nvPr/>
+        </p:nvSpPr>
+        <p:spPr>
+          <a:xfrm>
+            <a:off x="5717628" y="4564814"/>
+            <a:ext cx="1387365" cy="553998"/>
+          </a:xfrm>
+          <a:prstGeom prst="rect">
+            <a:avLst/>
+          </a:prstGeom>
+          <a:noFill/>
+        </p:spPr>
+        <p:txBody>
+          <a:bodyPr wrap="square" rtlCol="0">
+            <a:spAutoFit/>
+          </a:bodyPr>
+          <a:lstStyle/>
+          <a:p>
+            <a:pPr algn="ctr"/>
+            <a:r>
+              <a:rPr lang="en-US" sz="1000" dirty="0" smtClean="0">
+                <a:solidFill>
+                  <a:schemeClr val="bg1"/>
+                </a:solidFill>
+              </a:rPr>
+              <a:t>Purchase </a:t>
+            </a:r>
+            <a:r>
+              <a:rPr lang="en-US" sz="1000" dirty="0" err="1" smtClean="0">
+                <a:solidFill>
+                  <a:schemeClr val="bg1"/>
+                </a:solidFill>
+              </a:rPr>
+              <a:t>Confiramation</a:t>
+            </a:r>
+            <a:r>
+              <a:rPr lang="en-US" sz="1000" dirty="0" smtClean="0">
+                <a:solidFill>
+                  <a:schemeClr val="bg1"/>
+                </a:solidFill>
+              </a:rPr>
+              <a:t> Details</a:t>
+            </a:r>
+            <a:endParaRPr lang="en-US" sz="1000" dirty="0">
+              <a:solidFill>
+                <a:schemeClr val="bg1"/>
+              </a:solidFill>
+            </a:endParaRPr>
+          </a:p>
+        </p:txBody>
+      </p:sp>
+      <p:sp>
+        <p:nvSpPr>
+          <p:cNvPr id="37" name="Right Arrow 36"/>
+          <p:cNvSpPr/>
+          <p:nvPr/>
+        </p:nvSpPr>
+        <p:spPr>
+          <a:xfrm>
+            <a:off x="4120056" y="1950987"/>
+            <a:ext cx="1513490" cy="273270"/>
+          </a:xfrm>
+          <a:prstGeom prst="rightArrow">
+            <a:avLst/>
+          </a:prstGeom>
+          <a:solidFill>
+            <a:schemeClr val="tx1"/>
+          </a:solidFill>
+          <a:ln>
+            <a:solidFill>
+              <a:schemeClr val="bg1"/>
+            </a:solidFill>
+          </a:ln>
+        </p:spPr>
+        <p:style>
+          <a:lnRef idx="2">
+            <a:schemeClr val="accent1">
+              <a:shade val="50000"/>
+            </a:schemeClr>
+          </a:lnRef>
+          <a:fillRef idx="1">
+            <a:schemeClr val="accent1"/>
+          </a:fillRef>
+          <a:effectRef idx="0">
+            <a:schemeClr val="accent1"/>
+          </a:effectRef>
+          <a:fontRef idx="minor">
+            <a:schemeClr val="lt1"/>
+          </a:fontRef>
+        </p:style>
+        <p:txBody>
+          <a:bodyPr rtlCol="0" anchor="ctr"/>
+          <a:lstStyle/>
+          <a:p>
+            <a:pPr algn="ctr"/>
+            <a:endParaRPr lang="en-US">
+              <a:solidFill>
+                <a:schemeClr val="tx1"/>
+              </a:solidFill>
+            </a:endParaRPr>
+          </a:p>
+        </p:txBody>
+      </p:sp>
+      <p:sp>
+        <p:nvSpPr>
+          <p:cNvPr id="38" name="Right Arrow 37"/>
+          <p:cNvSpPr/>
+          <p:nvPr/>
+        </p:nvSpPr>
+        <p:spPr>
+          <a:xfrm>
+            <a:off x="7359870" y="2191594"/>
+            <a:ext cx="1269124" cy="273270"/>
+          </a:xfrm>
+          <a:prstGeom prst="rightArrow">
+            <a:avLst/>
+          </a:prstGeom>
+          <a:solidFill>
+            <a:schemeClr val="tx1"/>
+          </a:solidFill>
+          <a:ln>
+            <a:solidFill>
+              <a:schemeClr val="bg1"/>
+            </a:solidFill>
+          </a:ln>
+        </p:spPr>
+        <p:style>
+          <a:lnRef idx="2">
+            <a:schemeClr val="accent1">
+              <a:shade val="50000"/>
+            </a:schemeClr>
+          </a:lnRef>
+          <a:fillRef idx="1">
+            <a:schemeClr val="accent1"/>
+          </a:fillRef>
+          <a:effectRef idx="0">
+            <a:schemeClr val="accent1"/>
+          </a:effectRef>
+          <a:fontRef idx="minor">
+            <a:schemeClr val="lt1"/>
+          </a:fontRef>
+        </p:style>
+        <p:txBody>
+          <a:bodyPr rtlCol="0" anchor="ctr"/>
+          <a:lstStyle/>
+          <a:p>
+            <a:pPr algn="ctr"/>
+            <a:endParaRPr lang="en-US">
+              <a:solidFill>
+                <a:schemeClr val="tx1"/>
+              </a:solidFill>
+            </a:endParaRPr>
+          </a:p>
+        </p:txBody>
+      </p:sp>
+      <p:sp>
+        <p:nvSpPr>
+          <p:cNvPr id="39" name="Left Arrow 38"/>
+          <p:cNvSpPr/>
+          <p:nvPr/>
+        </p:nvSpPr>
+        <p:spPr>
+          <a:xfrm>
+            <a:off x="7357242" y="2643059"/>
+            <a:ext cx="1466192" cy="245789"/>
+          </a:xfrm>
+          <a:prstGeom prst="leftArrow">
+            <a:avLst/>
+          </a:prstGeom>
+          <a:solidFill>
+            <a:schemeClr val="tx1"/>
+          </a:solidFill>
+          <a:ln>
+            <a:solidFill>
+              <a:schemeClr val="bg1"/>
+            </a:solidFill>
+          </a:ln>
+        </p:spPr>
+        <p:style>
+          <a:lnRef idx="2">
+            <a:schemeClr val="accent1">
+              <a:shade val="50000"/>
+            </a:schemeClr>
+          </a:lnRef>
+          <a:fillRef idx="1">
+            <a:schemeClr val="accent1"/>
+          </a:fillRef>
+          <a:effectRef idx="0">
+            <a:schemeClr val="accent1"/>
+          </a:effectRef>
+          <a:fontRef idx="minor">
+            <a:schemeClr val="lt1"/>
+          </a:fontRef>
+        </p:style>
+        <p:txBody>
+          <a:bodyPr rtlCol="0" anchor="ctr"/>
+          <a:lstStyle/>
+          <a:p>
+            <a:pPr algn="ctr"/>
+            <a:endParaRPr lang="en-US"/>
+          </a:p>
+        </p:txBody>
+      </p:sp>
+      <p:sp>
+        <p:nvSpPr>
+          <p:cNvPr id="43" name="Curved Left Arrow 42"/>
+          <p:cNvSpPr/>
+          <p:nvPr/>
+        </p:nvSpPr>
+        <p:spPr>
+          <a:xfrm>
+            <a:off x="10468305" y="2355243"/>
+            <a:ext cx="998480" cy="2763578"/>
+          </a:xfrm>
+          <a:prstGeom prst="curvedLeftArrow">
+            <a:avLst/>
+          </a:prstGeom>
+          <a:solidFill>
+            <a:schemeClr val="tx1"/>
+          </a:solidFill>
+          <a:ln>
+            <a:solidFill>
+              <a:schemeClr val="bg1"/>
+            </a:solidFill>
+          </a:ln>
+        </p:spPr>
+        <p:style>
+          <a:lnRef idx="2">
+            <a:schemeClr val="accent1">
+              <a:shade val="50000"/>
+            </a:schemeClr>
+          </a:lnRef>
+          <a:fillRef idx="1">
+            <a:schemeClr val="accent1"/>
+          </a:fillRef>
+          <a:effectRef idx="0">
+            <a:schemeClr val="accent1"/>
+          </a:effectRef>
+          <a:fontRef idx="minor">
+            <a:schemeClr val="lt1"/>
+          </a:fontRef>
+        </p:style>
+        <p:txBody>
+          <a:bodyPr rtlCol="0" anchor="ctr"/>
+          <a:lstStyle/>
+          <a:p>
+            <a:pPr algn="ctr"/>
+            <a:endParaRPr lang="en-US">
+              <a:solidFill>
+                <a:schemeClr val="tx1"/>
+              </a:solidFill>
+            </a:endParaRPr>
+          </a:p>
+        </p:txBody>
+      </p:sp>
+      <p:sp>
+        <p:nvSpPr>
+          <p:cNvPr id="44" name="Left Arrow 43"/>
+          <p:cNvSpPr/>
+          <p:nvPr/>
+        </p:nvSpPr>
+        <p:spPr>
+          <a:xfrm>
+            <a:off x="7325708" y="5076164"/>
+            <a:ext cx="1466192" cy="245789"/>
+          </a:xfrm>
+          <a:prstGeom prst="leftArrow">
+            <a:avLst/>
+          </a:prstGeom>
+          <a:solidFill>
+            <a:schemeClr val="tx1"/>
+          </a:solidFill>
+          <a:ln>
+            <a:solidFill>
+              <a:schemeClr val="bg1"/>
+            </a:solidFill>
+          </a:ln>
+        </p:spPr>
+        <p:style>
+          <a:lnRef idx="2">
+            <a:schemeClr val="accent1">
+              <a:shade val="50000"/>
+            </a:schemeClr>
+          </a:lnRef>
+          <a:fillRef idx="1">
+            <a:schemeClr val="accent1"/>
+          </a:fillRef>
+          <a:effectRef idx="0">
+            <a:schemeClr val="accent1"/>
+          </a:effectRef>
+          <a:fontRef idx="minor">
+            <a:schemeClr val="lt1"/>
+          </a:fontRef>
+        </p:style>
+        <p:txBody>
+          <a:bodyPr rtlCol="0" anchor="ctr"/>
+          <a:lstStyle/>
+          <a:p>
+            <a:pPr algn="ctr"/>
+            <a:endParaRPr lang="en-US"/>
+          </a:p>
+        </p:txBody>
+      </p:sp>
+      <p:sp>
+        <p:nvSpPr>
+          <p:cNvPr id="45" name="Rectangle 44"/>
+          <p:cNvSpPr/>
+          <p:nvPr/>
+        </p:nvSpPr>
+        <p:spPr>
+          <a:xfrm flipH="1">
+            <a:off x="295619" y="3195283"/>
+            <a:ext cx="2546115" cy="3170099"/>
+          </a:xfrm>
+          <a:prstGeom prst="rect">
+            <a:avLst/>
+          </a:prstGeom>
+          <a:noFill/>
+        </p:spPr>
+        <p:txBody>
+          <a:bodyPr wrap="square" lIns="91440" tIns="45720" rIns="91440" bIns="45720">
+            <a:spAutoFit/>
+          </a:bodyPr>
+          <a:lstStyle/>
+          <a:p>
+            <a:pPr algn="ctr"/>
+            <a:r>
+              <a:rPr lang="en-US" sz="4000" b="1" cap="none" spc="0" dirty="0" smtClean="0">
+                <a:ln w="12700">
+                  <a:solidFill>
+                    <a:schemeClr val="tx2">
+                      <a:lumMod val="75000"/>
+                    </a:schemeClr>
+                  </a:solidFill>
+                  <a:prstDash val="solid"/>
+                </a:ln>
+                <a:pattFill prst="dkUpDiag">
+                  <a:fgClr>
+                    <a:schemeClr val="tx2"/>
+                  </a:fgClr>
+                  <a:bgClr>
+                    <a:schemeClr val="tx2">
+                      <a:lumMod val="20000"/>
+                      <a:lumOff val="80000"/>
+                    </a:schemeClr>
+                  </a:bgClr>
+                </a:pattFill>
+                <a:effectLst>
+                  <a:outerShdw dist="38100" dir="2640000" algn="bl" rotWithShape="0">
+                    <a:schemeClr val="tx2">
+                      <a:lumMod val="75000"/>
+                    </a:schemeClr>
+                  </a:outerShdw>
+                </a:effectLst>
+              </a:rPr>
+              <a:t>Online Shopping System Process </a:t>
+            </a:r>
+            <a:r>
+              <a:rPr lang="en-US" sz="4000" b="1" cap="none" spc="0" dirty="0" err="1" smtClean="0">
+                <a:ln w="12700">
+                  <a:solidFill>
+                    <a:schemeClr val="tx2">
+                      <a:lumMod val="75000"/>
+                    </a:schemeClr>
+                  </a:solidFill>
+                  <a:prstDash val="solid"/>
+                </a:ln>
+                <a:pattFill prst="dkUpDiag">
+                  <a:fgClr>
+                    <a:schemeClr val="tx2"/>
+                  </a:fgClr>
+                  <a:bgClr>
+                    <a:schemeClr val="tx2">
+                      <a:lumMod val="20000"/>
+                      <a:lumOff val="80000"/>
+                    </a:schemeClr>
+                  </a:bgClr>
+                </a:pattFill>
+                <a:effectLst>
+                  <a:outerShdw dist="38100" dir="2640000" algn="bl" rotWithShape="0">
+                    <a:schemeClr val="tx2">
+                      <a:lumMod val="75000"/>
+                    </a:schemeClr>
+                  </a:outerShdw>
+                </a:effectLst>
+              </a:rPr>
+              <a:t>WorkFlow</a:t>
+            </a:r>
+            <a:endParaRPr lang="en-US" sz="4000" b="1" cap="none" spc="0" dirty="0">
+              <a:ln w="12700">
+                <a:solidFill>
+                  <a:schemeClr val="tx2">
+                    <a:lumMod val="75000"/>
+                  </a:schemeClr>
+                </a:solidFill>
+                <a:prstDash val="solid"/>
+              </a:ln>
+              <a:pattFill prst="dkUpDiag">
+                <a:fgClr>
+                  <a:schemeClr val="tx2"/>
+                </a:fgClr>
+                <a:bgClr>
+                  <a:schemeClr val="tx2">
+                    <a:lumMod val="20000"/>
+                    <a:lumOff val="80000"/>
+                  </a:schemeClr>
+                </a:bgClr>
+              </a:pattFill>
+              <a:effectLst>
+                <a:outerShdw dist="38100" dir="2640000" algn="bl" rotWithShape="0">
+                  <a:schemeClr val="tx2">
+                    <a:lumMod val="75000"/>
+                  </a:schemeClr>
+                </a:outerShdw>
+              </a:effectLst>
+            </a:endParaRPr>
+          </a:p>
+        </p:txBody>
+      </p:sp>
+    </p:spTree>
+    <p:extLst>
+      <p:ext uri="{BB962C8B-B14F-4D97-AF65-F5344CB8AC3E}">
+        <p14:creationId xmlns:p14="http://schemas.microsoft.com/office/powerpoint/2010/main" val="1500649797"/>
+      </p:ext>
+    </p:extLst>
+  </p:cSld>
+  <p:clrMapOvr>
+    <a:masterClrMapping/>
+  </p:clrMapOvr>
+  <p:timing>
+    <p:tnLst>
+      <p:par>
+        <p:cTn id="1" dur="indefinite" restart="never" nodeType="tmRoot"/>
+      </p:par>
+    </p:tnLst>
+  </p:timing>
+</p:sld>
+</file>
+
+<file path=ppt/slides/slide22.xml><?xml version="1.0" encoding="utf-8"?>
+<p:sld xmlns:a="http://schemas.openxmlformats.org/drawingml/2006/main" xmlns:r="http://schemas.openxmlformats.org/officeDocument/2006/relationships" xmlns:p="http://schemas.openxmlformats.org/presentationml/2006/main">
+  <p:cSld>
+    <p:spTree>
+      <p:nvGrpSpPr>
+        <p:cNvPr id="1" name=""/>
+        <p:cNvGrpSpPr/>
+        <p:nvPr/>
+      </p:nvGrpSpPr>
+      <p:grpSpPr>
+        <a:xfrm>
+          <a:off x="0" y="0"/>
+          <a:ext cx="0" cy="0"/>
+          <a:chOff x="0" y="0"/>
+          <a:chExt cx="0" cy="0"/>
+        </a:xfrm>
+      </p:grpSpPr>
+      <p:sp>
+        <p:nvSpPr>
           <p:cNvPr id="2" name="Flowchart: Magnetic Disk 1"/>
           <p:cNvSpPr/>
           <p:nvPr/>
@@ -10346,7 +10692,7 @@
 </p:sld>
 </file>
 
-<file path=ppt/slides/slide21.xml><?xml version="1.0" encoding="utf-8"?>
+<file path=ppt/slides/slide23.xml><?xml version="1.0" encoding="utf-8"?>
 <p:sld xmlns:a="http://schemas.openxmlformats.org/drawingml/2006/main" xmlns:r="http://schemas.openxmlformats.org/officeDocument/2006/relationships" xmlns:p="http://schemas.openxmlformats.org/presentationml/2006/main">
   <p:cSld>
     <p:spTree>
@@ -10417,7 +10763,7 @@
           <a:p>
             <a:pPr algn="ctr"/>
             <a:r>
-              <a:rPr lang="en-US" sz="5400" b="1" cap="none" spc="0" smtClean="0">
+              <a:rPr lang="en-US" sz="5400" b="1" cap="none" spc="0" dirty="0" smtClean="0">
                 <a:ln w="12700">
                   <a:solidFill>
                     <a:schemeClr val="tx2">
@@ -10450,37 +10796,6 @@
           </a:p>
           <a:p>
             <a:pPr algn="ctr"/>
-            <a:r>
-              <a:rPr lang="en-US" sz="5400" b="1" smtClean="0">
-                <a:ln w="12700">
-                  <a:solidFill>
-                    <a:schemeClr val="tx2">
-                      <a:lumMod val="75000"/>
-                    </a:schemeClr>
-                  </a:solidFill>
-                  <a:prstDash val="solid"/>
-                </a:ln>
-                <a:pattFill prst="dkUpDiag">
-                  <a:fgClr>
-                    <a:schemeClr val="tx2"/>
-                  </a:fgClr>
-                  <a:bgClr>
-                    <a:schemeClr val="tx2">
-                      <a:lumMod val="20000"/>
-                      <a:lumOff val="80000"/>
-                    </a:schemeClr>
-                  </a:bgClr>
-                </a:pattFill>
-                <a:effectLst>
-                  <a:outerShdw dist="38100" dir="2640000" algn="bl" rotWithShape="0">
-                    <a:schemeClr val="tx2">
-                      <a:lumMod val="75000"/>
-                    </a:schemeClr>
-                  </a:outerShdw>
-                </a:effectLst>
-              </a:rPr>
-              <a:t>Level </a:t>
-            </a:r>
             <a:r>
               <a:rPr lang="en-US" sz="5400" b="1" dirty="0" smtClean="0">
                 <a:ln w="12700">
@@ -10510,7 +10825,7 @@
                   </a:outerShdw>
                 </a:effectLst>
               </a:rPr>
-              <a:t>1</a:t>
+              <a:t>Level 1</a:t>
             </a:r>
             <a:endParaRPr lang="en-US" sz="5400" b="1" cap="none" spc="0" dirty="0">
               <a:ln w="12700">
@@ -10547,6 +10862,913 @@
     <p:extLst>
       <p:ext uri="{BB962C8B-B14F-4D97-AF65-F5344CB8AC3E}">
         <p14:creationId xmlns:p14="http://schemas.microsoft.com/office/powerpoint/2010/main" val="2855379307"/>
+      </p:ext>
+    </p:extLst>
+  </p:cSld>
+  <p:clrMapOvr>
+    <a:masterClrMapping/>
+  </p:clrMapOvr>
+  <p:timing>
+    <p:tnLst>
+      <p:par>
+        <p:cTn id="1" dur="indefinite" restart="never" nodeType="tmRoot"/>
+      </p:par>
+    </p:tnLst>
+  </p:timing>
+</p:sld>
+</file>
+
+<file path=ppt/slides/slide24.xml><?xml version="1.0" encoding="utf-8"?>
+<p:sld xmlns:a="http://schemas.openxmlformats.org/drawingml/2006/main" xmlns:r="http://schemas.openxmlformats.org/officeDocument/2006/relationships" xmlns:p="http://schemas.openxmlformats.org/presentationml/2006/main">
+  <p:cSld>
+    <p:spTree>
+      <p:nvGrpSpPr>
+        <p:cNvPr id="1" name=""/>
+        <p:cNvGrpSpPr/>
+        <p:nvPr/>
+      </p:nvGrpSpPr>
+      <p:grpSpPr>
+        <a:xfrm>
+          <a:off x="0" y="0"/>
+          <a:ext cx="0" cy="0"/>
+          <a:chOff x="0" y="0"/>
+          <a:chExt cx="0" cy="0"/>
+        </a:xfrm>
+      </p:grpSpPr>
+      <p:sp>
+        <p:nvSpPr>
+          <p:cNvPr id="2" name="Rectangle 1"/>
+          <p:cNvSpPr/>
+          <p:nvPr/>
+        </p:nvSpPr>
+        <p:spPr>
+          <a:xfrm>
+            <a:off x="1258971" y="2017514"/>
+            <a:ext cx="9816662" cy="2554545"/>
+          </a:xfrm>
+          <a:prstGeom prst="rect">
+            <a:avLst/>
+          </a:prstGeom>
+          <a:noFill/>
+        </p:spPr>
+        <p:txBody>
+          <a:bodyPr wrap="square" lIns="91440" tIns="45720" rIns="91440" bIns="45720">
+            <a:spAutoFit/>
+          </a:bodyPr>
+          <a:lstStyle/>
+          <a:p>
+            <a:pPr algn="ctr"/>
+            <a:r>
+              <a:rPr lang="en-US" sz="8000" b="1" i="1" u="sng" dirty="0" smtClean="0">
+                <a:latin typeface="Calibri Light" panose="020F0302020204030204" pitchFamily="34" charset="0"/>
+              </a:rPr>
+              <a:t>ENTITY RELATIONSHIP DIAGRAM</a:t>
+            </a:r>
+            <a:endParaRPr lang="en-US" sz="8000" dirty="0">
+              <a:latin typeface="Calibri Light" panose="020F0302020204030204" pitchFamily="34" charset="0"/>
+            </a:endParaRPr>
+          </a:p>
+        </p:txBody>
+      </p:sp>
+    </p:spTree>
+    <p:extLst>
+      <p:ext uri="{BB962C8B-B14F-4D97-AF65-F5344CB8AC3E}">
+        <p14:creationId xmlns:p14="http://schemas.microsoft.com/office/powerpoint/2010/main" val="1398535163"/>
+      </p:ext>
+    </p:extLst>
+  </p:cSld>
+  <p:clrMapOvr>
+    <a:masterClrMapping/>
+  </p:clrMapOvr>
+  <p:timing>
+    <p:tnLst>
+      <p:par>
+        <p:cTn id="1" dur="indefinite" restart="never" nodeType="tmRoot"/>
+      </p:par>
+    </p:tnLst>
+  </p:timing>
+</p:sld>
+</file>
+
+<file path=ppt/slides/slide25.xml><?xml version="1.0" encoding="utf-8"?>
+<p:sld xmlns:a="http://schemas.openxmlformats.org/drawingml/2006/main" xmlns:r="http://schemas.openxmlformats.org/officeDocument/2006/relationships" xmlns:p="http://schemas.openxmlformats.org/presentationml/2006/main">
+  <p:cSld>
+    <p:spTree>
+      <p:nvGrpSpPr>
+        <p:cNvPr id="1" name=""/>
+        <p:cNvGrpSpPr/>
+        <p:nvPr/>
+      </p:nvGrpSpPr>
+      <p:grpSpPr>
+        <a:xfrm>
+          <a:off x="0" y="0"/>
+          <a:ext cx="0" cy="0"/>
+          <a:chOff x="0" y="0"/>
+          <a:chExt cx="0" cy="0"/>
+        </a:xfrm>
+      </p:grpSpPr>
+      <p:sp>
+        <p:nvSpPr>
+          <p:cNvPr id="2" name="Rectangle 1"/>
+          <p:cNvSpPr/>
+          <p:nvPr/>
+        </p:nvSpPr>
+        <p:spPr>
+          <a:xfrm>
+            <a:off x="378353" y="2546922"/>
+            <a:ext cx="3184654" cy="3416320"/>
+          </a:xfrm>
+          <a:prstGeom prst="rect">
+            <a:avLst/>
+          </a:prstGeom>
+          <a:noFill/>
+        </p:spPr>
+        <p:txBody>
+          <a:bodyPr wrap="square" lIns="91440" tIns="45720" rIns="91440" bIns="45720">
+            <a:spAutoFit/>
+          </a:bodyPr>
+          <a:lstStyle/>
+          <a:p>
+            <a:pPr algn="ctr"/>
+            <a:r>
+              <a:rPr lang="en-US" sz="5400" b="1" cap="none" spc="0" dirty="0" smtClean="0">
+                <a:ln w="12700">
+                  <a:solidFill>
+                    <a:schemeClr val="tx2">
+                      <a:lumMod val="75000"/>
+                    </a:schemeClr>
+                  </a:solidFill>
+                  <a:prstDash val="solid"/>
+                </a:ln>
+                <a:pattFill prst="dkUpDiag">
+                  <a:fgClr>
+                    <a:schemeClr val="tx2"/>
+                  </a:fgClr>
+                  <a:bgClr>
+                    <a:schemeClr val="tx2">
+                      <a:lumMod val="20000"/>
+                      <a:lumOff val="80000"/>
+                    </a:schemeClr>
+                  </a:bgClr>
+                </a:pattFill>
+                <a:effectLst>
+                  <a:outerShdw dist="38100" dir="2640000" algn="bl" rotWithShape="0">
+                    <a:schemeClr val="tx2">
+                      <a:lumMod val="75000"/>
+                    </a:schemeClr>
+                  </a:outerShdw>
+                </a:effectLst>
+              </a:rPr>
+              <a:t>Relation-Ship</a:t>
+            </a:r>
+            <a:endParaRPr lang="en-US" sz="5400" b="1" dirty="0">
+              <a:ln w="12700">
+                <a:solidFill>
+                  <a:schemeClr val="tx2">
+                    <a:lumMod val="75000"/>
+                  </a:schemeClr>
+                </a:solidFill>
+                <a:prstDash val="solid"/>
+              </a:ln>
+              <a:pattFill prst="dkUpDiag">
+                <a:fgClr>
+                  <a:schemeClr val="tx2"/>
+                </a:fgClr>
+                <a:bgClr>
+                  <a:schemeClr val="tx2">
+                    <a:lumMod val="20000"/>
+                    <a:lumOff val="80000"/>
+                  </a:schemeClr>
+                </a:bgClr>
+              </a:pattFill>
+              <a:effectLst>
+                <a:outerShdw dist="38100" dir="2640000" algn="bl" rotWithShape="0">
+                  <a:schemeClr val="tx2">
+                    <a:lumMod val="75000"/>
+                  </a:schemeClr>
+                </a:outerShdw>
+              </a:effectLst>
+            </a:endParaRPr>
+          </a:p>
+          <a:p>
+            <a:pPr algn="ctr"/>
+            <a:r>
+              <a:rPr lang="en-US" sz="5400" b="1" dirty="0" smtClean="0">
+                <a:ln w="12700">
+                  <a:solidFill>
+                    <a:schemeClr val="tx2">
+                      <a:lumMod val="75000"/>
+                    </a:schemeClr>
+                  </a:solidFill>
+                  <a:prstDash val="solid"/>
+                </a:ln>
+                <a:pattFill prst="dkUpDiag">
+                  <a:fgClr>
+                    <a:schemeClr val="tx2"/>
+                  </a:fgClr>
+                  <a:bgClr>
+                    <a:schemeClr val="tx2">
+                      <a:lumMod val="20000"/>
+                      <a:lumOff val="80000"/>
+                    </a:schemeClr>
+                  </a:bgClr>
+                </a:pattFill>
+                <a:effectLst>
+                  <a:outerShdw dist="38100" dir="2640000" algn="bl" rotWithShape="0">
+                    <a:schemeClr val="tx2">
+                      <a:lumMod val="75000"/>
+                    </a:schemeClr>
+                  </a:outerShdw>
+                </a:effectLst>
+              </a:rPr>
+              <a:t>Between Entities</a:t>
+            </a:r>
+            <a:endParaRPr lang="en-US" sz="5400" b="1" cap="none" spc="0" dirty="0">
+              <a:ln w="12700">
+                <a:solidFill>
+                  <a:schemeClr val="tx2">
+                    <a:lumMod val="75000"/>
+                  </a:schemeClr>
+                </a:solidFill>
+                <a:prstDash val="solid"/>
+              </a:ln>
+              <a:pattFill prst="dkUpDiag">
+                <a:fgClr>
+                  <a:schemeClr val="tx2"/>
+                </a:fgClr>
+                <a:bgClr>
+                  <a:schemeClr val="tx2">
+                    <a:lumMod val="20000"/>
+                    <a:lumOff val="80000"/>
+                  </a:schemeClr>
+                </a:bgClr>
+              </a:pattFill>
+              <a:effectLst>
+                <a:outerShdw dist="38100" dir="2640000" algn="bl" rotWithShape="0">
+                  <a:schemeClr val="tx2">
+                    <a:lumMod val="75000"/>
+                  </a:schemeClr>
+                </a:outerShdw>
+              </a:effectLst>
+            </a:endParaRPr>
+          </a:p>
+        </p:txBody>
+      </p:sp>
+      <p:pic>
+        <p:nvPicPr>
+          <p:cNvPr id="15" name="Picture 14"/>
+          <p:cNvPicPr>
+            <a:picLocks noChangeAspect="1"/>
+          </p:cNvPicPr>
+          <p:nvPr/>
+        </p:nvPicPr>
+        <p:blipFill>
+          <a:blip r:embed="rId2">
+            <a:extLst>
+              <a:ext uri="{28A0092B-C50C-407E-A947-70E740481C1C}">
+                <a14:useLocalDpi xmlns:a14="http://schemas.microsoft.com/office/drawing/2010/main" val="0"/>
+              </a:ext>
+            </a:extLst>
+          </a:blip>
+          <a:stretch>
+            <a:fillRect/>
+          </a:stretch>
+        </p:blipFill>
+        <p:spPr>
+          <a:xfrm>
+            <a:off x="4148083" y="1040524"/>
+            <a:ext cx="7721600" cy="5433848"/>
+          </a:xfrm>
+          <a:prstGeom prst="rect">
+            <a:avLst/>
+          </a:prstGeom>
+        </p:spPr>
+      </p:pic>
+    </p:spTree>
+    <p:extLst>
+      <p:ext uri="{BB962C8B-B14F-4D97-AF65-F5344CB8AC3E}">
+        <p14:creationId xmlns:p14="http://schemas.microsoft.com/office/powerpoint/2010/main" val="363453068"/>
+      </p:ext>
+    </p:extLst>
+  </p:cSld>
+  <p:clrMapOvr>
+    <a:masterClrMapping/>
+  </p:clrMapOvr>
+  <p:timing>
+    <p:tnLst>
+      <p:par>
+        <p:cTn id="1" dur="indefinite" restart="never" nodeType="tmRoot"/>
+      </p:par>
+    </p:tnLst>
+  </p:timing>
+</p:sld>
+</file>
+
+<file path=ppt/slides/slide26.xml><?xml version="1.0" encoding="utf-8"?>
+<p:sld xmlns:a="http://schemas.openxmlformats.org/drawingml/2006/main" xmlns:r="http://schemas.openxmlformats.org/officeDocument/2006/relationships" xmlns:p="http://schemas.openxmlformats.org/presentationml/2006/main">
+  <p:cSld>
+    <p:spTree>
+      <p:nvGrpSpPr>
+        <p:cNvPr id="1" name=""/>
+        <p:cNvGrpSpPr/>
+        <p:nvPr/>
+      </p:nvGrpSpPr>
+      <p:grpSpPr>
+        <a:xfrm>
+          <a:off x="0" y="0"/>
+          <a:ext cx="0" cy="0"/>
+          <a:chOff x="0" y="0"/>
+          <a:chExt cx="0" cy="0"/>
+        </a:xfrm>
+      </p:grpSpPr>
+      <p:sp>
+        <p:nvSpPr>
+          <p:cNvPr id="2" name="Rectangle 1"/>
+          <p:cNvSpPr/>
+          <p:nvPr/>
+        </p:nvSpPr>
+        <p:spPr>
+          <a:xfrm>
+            <a:off x="210187" y="1874260"/>
+            <a:ext cx="3531496" cy="4524315"/>
+          </a:xfrm>
+          <a:prstGeom prst="rect">
+            <a:avLst/>
+          </a:prstGeom>
+          <a:noFill/>
+        </p:spPr>
+        <p:txBody>
+          <a:bodyPr wrap="square" lIns="91440" tIns="45720" rIns="91440" bIns="45720">
+            <a:spAutoFit/>
+          </a:bodyPr>
+          <a:lstStyle/>
+          <a:p>
+            <a:pPr algn="ctr"/>
+            <a:r>
+              <a:rPr lang="en-US" sz="4800" b="1" cap="none" spc="0" dirty="0" smtClean="0">
+                <a:ln w="12700">
+                  <a:solidFill>
+                    <a:schemeClr val="tx2">
+                      <a:lumMod val="75000"/>
+                    </a:schemeClr>
+                  </a:solidFill>
+                  <a:prstDash val="solid"/>
+                </a:ln>
+                <a:pattFill prst="dkUpDiag">
+                  <a:fgClr>
+                    <a:schemeClr val="tx2"/>
+                  </a:fgClr>
+                  <a:bgClr>
+                    <a:schemeClr val="tx2">
+                      <a:lumMod val="20000"/>
+                      <a:lumOff val="80000"/>
+                    </a:schemeClr>
+                  </a:bgClr>
+                </a:pattFill>
+                <a:effectLst>
+                  <a:outerShdw dist="38100" dir="2640000" algn="bl" rotWithShape="0">
+                    <a:schemeClr val="tx2">
+                      <a:lumMod val="75000"/>
+                    </a:schemeClr>
+                  </a:outerShdw>
+                </a:effectLst>
+              </a:rPr>
+              <a:t>Complete Structure of</a:t>
+            </a:r>
+          </a:p>
+          <a:p>
+            <a:pPr algn="ctr"/>
+            <a:r>
+              <a:rPr lang="en-US" sz="4800" b="1" cap="none" spc="0" dirty="0" smtClean="0">
+                <a:ln w="12700">
+                  <a:solidFill>
+                    <a:schemeClr val="tx2">
+                      <a:lumMod val="75000"/>
+                    </a:schemeClr>
+                  </a:solidFill>
+                  <a:prstDash val="solid"/>
+                </a:ln>
+                <a:pattFill prst="dkUpDiag">
+                  <a:fgClr>
+                    <a:schemeClr val="tx2"/>
+                  </a:fgClr>
+                  <a:bgClr>
+                    <a:schemeClr val="tx2">
+                      <a:lumMod val="20000"/>
+                      <a:lumOff val="80000"/>
+                    </a:schemeClr>
+                  </a:bgClr>
+                </a:pattFill>
+                <a:effectLst>
+                  <a:outerShdw dist="38100" dir="2640000" algn="bl" rotWithShape="0">
+                    <a:schemeClr val="tx2">
+                      <a:lumMod val="75000"/>
+                    </a:schemeClr>
+                  </a:outerShdw>
+                </a:effectLst>
+              </a:rPr>
+              <a:t>Relation-Ship</a:t>
+            </a:r>
+            <a:endParaRPr lang="en-US" sz="4800" b="1" dirty="0">
+              <a:ln w="12700">
+                <a:solidFill>
+                  <a:schemeClr val="tx2">
+                    <a:lumMod val="75000"/>
+                  </a:schemeClr>
+                </a:solidFill>
+                <a:prstDash val="solid"/>
+              </a:ln>
+              <a:pattFill prst="dkUpDiag">
+                <a:fgClr>
+                  <a:schemeClr val="tx2"/>
+                </a:fgClr>
+                <a:bgClr>
+                  <a:schemeClr val="tx2">
+                    <a:lumMod val="20000"/>
+                    <a:lumOff val="80000"/>
+                  </a:schemeClr>
+                </a:bgClr>
+              </a:pattFill>
+              <a:effectLst>
+                <a:outerShdw dist="38100" dir="2640000" algn="bl" rotWithShape="0">
+                  <a:schemeClr val="tx2">
+                    <a:lumMod val="75000"/>
+                  </a:schemeClr>
+                </a:outerShdw>
+              </a:effectLst>
+            </a:endParaRPr>
+          </a:p>
+          <a:p>
+            <a:pPr algn="ctr"/>
+            <a:r>
+              <a:rPr lang="en-US" sz="4800" b="1" dirty="0" smtClean="0">
+                <a:ln w="12700">
+                  <a:solidFill>
+                    <a:schemeClr val="tx2">
+                      <a:lumMod val="75000"/>
+                    </a:schemeClr>
+                  </a:solidFill>
+                  <a:prstDash val="solid"/>
+                </a:ln>
+                <a:pattFill prst="dkUpDiag">
+                  <a:fgClr>
+                    <a:schemeClr val="tx2"/>
+                  </a:fgClr>
+                  <a:bgClr>
+                    <a:schemeClr val="tx2">
+                      <a:lumMod val="20000"/>
+                      <a:lumOff val="80000"/>
+                    </a:schemeClr>
+                  </a:bgClr>
+                </a:pattFill>
+                <a:effectLst>
+                  <a:outerShdw dist="38100" dir="2640000" algn="bl" rotWithShape="0">
+                    <a:schemeClr val="tx2">
+                      <a:lumMod val="75000"/>
+                    </a:schemeClr>
+                  </a:outerShdw>
+                </a:effectLst>
+              </a:rPr>
+              <a:t>Between Entities</a:t>
+            </a:r>
+            <a:endParaRPr lang="en-US" sz="4800" b="1" cap="none" spc="0" dirty="0">
+              <a:ln w="12700">
+                <a:solidFill>
+                  <a:schemeClr val="tx2">
+                    <a:lumMod val="75000"/>
+                  </a:schemeClr>
+                </a:solidFill>
+                <a:prstDash val="solid"/>
+              </a:ln>
+              <a:pattFill prst="dkUpDiag">
+                <a:fgClr>
+                  <a:schemeClr val="tx2"/>
+                </a:fgClr>
+                <a:bgClr>
+                  <a:schemeClr val="tx2">
+                    <a:lumMod val="20000"/>
+                    <a:lumOff val="80000"/>
+                  </a:schemeClr>
+                </a:bgClr>
+              </a:pattFill>
+              <a:effectLst>
+                <a:outerShdw dist="38100" dir="2640000" algn="bl" rotWithShape="0">
+                  <a:schemeClr val="tx2">
+                    <a:lumMod val="75000"/>
+                  </a:schemeClr>
+                </a:outerShdw>
+              </a:effectLst>
+            </a:endParaRPr>
+          </a:p>
+        </p:txBody>
+      </p:sp>
+      <p:pic>
+        <p:nvPicPr>
+          <p:cNvPr id="3" name="Picture 2"/>
+          <p:cNvPicPr>
+            <a:picLocks noChangeAspect="1"/>
+          </p:cNvPicPr>
+          <p:nvPr/>
+        </p:nvPicPr>
+        <p:blipFill>
+          <a:blip r:embed="rId2">
+            <a:extLst>
+              <a:ext uri="{28A0092B-C50C-407E-A947-70E740481C1C}">
+                <a14:useLocalDpi xmlns:a14="http://schemas.microsoft.com/office/drawing/2010/main" val="0"/>
+              </a:ext>
+            </a:extLst>
+          </a:blip>
+          <a:stretch>
+            <a:fillRect/>
+          </a:stretch>
+        </p:blipFill>
+        <p:spPr>
+          <a:xfrm>
+            <a:off x="4635062" y="777766"/>
+            <a:ext cx="7168839" cy="5728137"/>
+          </a:xfrm>
+          <a:prstGeom prst="rect">
+            <a:avLst/>
+          </a:prstGeom>
+        </p:spPr>
+      </p:pic>
+    </p:spTree>
+    <p:extLst>
+      <p:ext uri="{BB962C8B-B14F-4D97-AF65-F5344CB8AC3E}">
+        <p14:creationId xmlns:p14="http://schemas.microsoft.com/office/powerpoint/2010/main" val="2301922306"/>
+      </p:ext>
+    </p:extLst>
+  </p:cSld>
+  <p:clrMapOvr>
+    <a:masterClrMapping/>
+  </p:clrMapOvr>
+  <p:timing>
+    <p:tnLst>
+      <p:par>
+        <p:cTn id="1" dur="indefinite" restart="never" nodeType="tmRoot"/>
+      </p:par>
+    </p:tnLst>
+  </p:timing>
+</p:sld>
+</file>
+
+<file path=ppt/slides/slide27.xml><?xml version="1.0" encoding="utf-8"?>
+<p:sld xmlns:a="http://schemas.openxmlformats.org/drawingml/2006/main" xmlns:r="http://schemas.openxmlformats.org/officeDocument/2006/relationships" xmlns:p="http://schemas.openxmlformats.org/presentationml/2006/main">
+  <p:cSld>
+    <p:spTree>
+      <p:nvGrpSpPr>
+        <p:cNvPr id="1" name=""/>
+        <p:cNvGrpSpPr/>
+        <p:nvPr/>
+      </p:nvGrpSpPr>
+      <p:grpSpPr>
+        <a:xfrm>
+          <a:off x="0" y="0"/>
+          <a:ext cx="0" cy="0"/>
+          <a:chOff x="0" y="0"/>
+          <a:chExt cx="0" cy="0"/>
+        </a:xfrm>
+      </p:grpSpPr>
+      <p:pic>
+        <p:nvPicPr>
+          <p:cNvPr id="2" name="Picture 1"/>
+          <p:cNvPicPr>
+            <a:picLocks noChangeAspect="1"/>
+          </p:cNvPicPr>
+          <p:nvPr/>
+        </p:nvPicPr>
+        <p:blipFill>
+          <a:blip r:embed="rId2" cstate="print">
+            <a:extLst>
+              <a:ext uri="{28A0092B-C50C-407E-A947-70E740481C1C}">
+                <a14:useLocalDpi xmlns:a14="http://schemas.microsoft.com/office/drawing/2010/main" val="0"/>
+              </a:ext>
+            </a:extLst>
+          </a:blip>
+          <a:stretch>
+            <a:fillRect/>
+          </a:stretch>
+        </p:blipFill>
+        <p:spPr>
+          <a:xfrm>
+            <a:off x="1027898" y="725214"/>
+            <a:ext cx="10964406" cy="5896303"/>
+          </a:xfrm>
+          <a:prstGeom prst="rect">
+            <a:avLst/>
+          </a:prstGeom>
+        </p:spPr>
+      </p:pic>
+      <p:sp>
+        <p:nvSpPr>
+          <p:cNvPr id="3" name="Rectangle 2"/>
+          <p:cNvSpPr/>
+          <p:nvPr/>
+        </p:nvSpPr>
+        <p:spPr>
+          <a:xfrm>
+            <a:off x="9915139" y="833735"/>
+            <a:ext cx="1484702" cy="923330"/>
+          </a:xfrm>
+          <a:prstGeom prst="rect">
+            <a:avLst/>
+          </a:prstGeom>
+          <a:noFill/>
+        </p:spPr>
+        <p:txBody>
+          <a:bodyPr wrap="none" lIns="91440" tIns="45720" rIns="91440" bIns="45720">
+            <a:spAutoFit/>
+          </a:bodyPr>
+          <a:lstStyle/>
+          <a:p>
+            <a:pPr algn="ctr"/>
+            <a:r>
+              <a:rPr lang="en-US" sz="5400" b="1" cap="none" spc="0" dirty="0" smtClean="0">
+                <a:ln w="12700">
+                  <a:solidFill>
+                    <a:schemeClr val="tx2">
+                      <a:lumMod val="75000"/>
+                    </a:schemeClr>
+                  </a:solidFill>
+                  <a:prstDash val="solid"/>
+                </a:ln>
+                <a:pattFill prst="dkUpDiag">
+                  <a:fgClr>
+                    <a:schemeClr val="tx2"/>
+                  </a:fgClr>
+                  <a:bgClr>
+                    <a:schemeClr val="tx2">
+                      <a:lumMod val="20000"/>
+                      <a:lumOff val="80000"/>
+                    </a:schemeClr>
+                  </a:bgClr>
+                </a:pattFill>
+                <a:effectLst>
+                  <a:outerShdw dist="38100" dir="2640000" algn="bl" rotWithShape="0">
+                    <a:schemeClr val="tx2">
+                      <a:lumMod val="75000"/>
+                    </a:schemeClr>
+                  </a:outerShdw>
+                </a:effectLst>
+              </a:rPr>
+              <a:t>DFD</a:t>
+            </a:r>
+            <a:endParaRPr lang="en-US" sz="5400" b="1" cap="none" spc="0" dirty="0">
+              <a:ln w="12700">
+                <a:solidFill>
+                  <a:schemeClr val="tx2">
+                    <a:lumMod val="75000"/>
+                  </a:schemeClr>
+                </a:solidFill>
+                <a:prstDash val="solid"/>
+              </a:ln>
+              <a:pattFill prst="dkUpDiag">
+                <a:fgClr>
+                  <a:schemeClr val="tx2"/>
+                </a:fgClr>
+                <a:bgClr>
+                  <a:schemeClr val="tx2">
+                    <a:lumMod val="20000"/>
+                    <a:lumOff val="80000"/>
+                  </a:schemeClr>
+                </a:bgClr>
+              </a:pattFill>
+              <a:effectLst>
+                <a:outerShdw dist="38100" dir="2640000" algn="bl" rotWithShape="0">
+                  <a:schemeClr val="tx2">
+                    <a:lumMod val="75000"/>
+                  </a:schemeClr>
+                </a:outerShdw>
+              </a:effectLst>
+            </a:endParaRPr>
+          </a:p>
+        </p:txBody>
+      </p:sp>
+    </p:spTree>
+    <p:extLst>
+      <p:ext uri="{BB962C8B-B14F-4D97-AF65-F5344CB8AC3E}">
+        <p14:creationId xmlns:p14="http://schemas.microsoft.com/office/powerpoint/2010/main" val="1920354545"/>
+      </p:ext>
+    </p:extLst>
+  </p:cSld>
+  <p:clrMapOvr>
+    <a:masterClrMapping/>
+  </p:clrMapOvr>
+  <p:timing>
+    <p:tnLst>
+      <p:par>
+        <p:cTn id="1" dur="indefinite" restart="never" nodeType="tmRoot"/>
+      </p:par>
+    </p:tnLst>
+  </p:timing>
+</p:sld>
+</file>
+
+<file path=ppt/slides/slide28.xml><?xml version="1.0" encoding="utf-8"?>
+<p:sld xmlns:a="http://schemas.openxmlformats.org/drawingml/2006/main" xmlns:r="http://schemas.openxmlformats.org/officeDocument/2006/relationships" xmlns:p="http://schemas.openxmlformats.org/presentationml/2006/main">
+  <p:cSld>
+    <p:spTree>
+      <p:nvGrpSpPr>
+        <p:cNvPr id="1" name=""/>
+        <p:cNvGrpSpPr/>
+        <p:nvPr/>
+      </p:nvGrpSpPr>
+      <p:grpSpPr>
+        <a:xfrm>
+          <a:off x="0" y="0"/>
+          <a:ext cx="0" cy="0"/>
+          <a:chOff x="0" y="0"/>
+          <a:chExt cx="0" cy="0"/>
+        </a:xfrm>
+      </p:grpSpPr>
+      <p:sp>
+        <p:nvSpPr>
+          <p:cNvPr id="3" name="Rectangle 2"/>
+          <p:cNvSpPr/>
+          <p:nvPr/>
+        </p:nvSpPr>
+        <p:spPr>
+          <a:xfrm>
+            <a:off x="1258971" y="2017514"/>
+            <a:ext cx="9816662" cy="1323439"/>
+          </a:xfrm>
+          <a:prstGeom prst="rect">
+            <a:avLst/>
+          </a:prstGeom>
+          <a:noFill/>
+        </p:spPr>
+        <p:txBody>
+          <a:bodyPr wrap="square" lIns="91440" tIns="45720" rIns="91440" bIns="45720">
+            <a:spAutoFit/>
+          </a:bodyPr>
+          <a:lstStyle/>
+          <a:p>
+            <a:pPr algn="ctr"/>
+            <a:r>
+              <a:rPr lang="en-US" sz="8000" b="1" i="1" u="sng" dirty="0" smtClean="0">
+                <a:latin typeface="Calibri Light" panose="020F0302020204030204" pitchFamily="34" charset="0"/>
+              </a:rPr>
+              <a:t>SCREENSHOTS</a:t>
+            </a:r>
+          </a:p>
+        </p:txBody>
+      </p:sp>
+    </p:spTree>
+    <p:extLst>
+      <p:ext uri="{BB962C8B-B14F-4D97-AF65-F5344CB8AC3E}">
+        <p14:creationId xmlns:p14="http://schemas.microsoft.com/office/powerpoint/2010/main" val="1225499745"/>
+      </p:ext>
+    </p:extLst>
+  </p:cSld>
+  <p:clrMapOvr>
+    <a:masterClrMapping/>
+  </p:clrMapOvr>
+  <p:timing>
+    <p:tnLst>
+      <p:par>
+        <p:cTn id="1" dur="indefinite" restart="never" nodeType="tmRoot"/>
+      </p:par>
+    </p:tnLst>
+  </p:timing>
+</p:sld>
+</file>
+
+<file path=ppt/slides/slide29.xml><?xml version="1.0" encoding="utf-8"?>
+<p:sld xmlns:a="http://schemas.openxmlformats.org/drawingml/2006/main" xmlns:r="http://schemas.openxmlformats.org/officeDocument/2006/relationships" xmlns:p="http://schemas.openxmlformats.org/presentationml/2006/main">
+  <p:cSld>
+    <p:spTree>
+      <p:nvGrpSpPr>
+        <p:cNvPr id="1" name=""/>
+        <p:cNvGrpSpPr/>
+        <p:nvPr/>
+      </p:nvGrpSpPr>
+      <p:grpSpPr>
+        <a:xfrm>
+          <a:off x="0" y="0"/>
+          <a:ext cx="0" cy="0"/>
+          <a:chOff x="0" y="0"/>
+          <a:chExt cx="0" cy="0"/>
+        </a:xfrm>
+      </p:grpSpPr>
+      <p:pic>
+        <p:nvPicPr>
+          <p:cNvPr id="2" name="Picture 1"/>
+          <p:cNvPicPr>
+            <a:picLocks noChangeAspect="1"/>
+          </p:cNvPicPr>
+          <p:nvPr/>
+        </p:nvPicPr>
+        <p:blipFill>
+          <a:blip r:embed="rId2">
+            <a:extLst>
+              <a:ext uri="{28A0092B-C50C-407E-A947-70E740481C1C}">
+                <a14:useLocalDpi xmlns:a14="http://schemas.microsoft.com/office/drawing/2010/main" val="0"/>
+              </a:ext>
+            </a:extLst>
+          </a:blip>
+          <a:stretch>
+            <a:fillRect/>
+          </a:stretch>
+        </p:blipFill>
+        <p:spPr>
+          <a:xfrm>
+            <a:off x="2705100" y="1308100"/>
+            <a:ext cx="9182100" cy="4976401"/>
+          </a:xfrm>
+          <a:prstGeom prst="rect">
+            <a:avLst/>
+          </a:prstGeom>
+        </p:spPr>
+      </p:pic>
+      <p:sp>
+        <p:nvSpPr>
+          <p:cNvPr id="3" name="Rectangle 2"/>
+          <p:cNvSpPr/>
+          <p:nvPr/>
+        </p:nvSpPr>
+        <p:spPr>
+          <a:xfrm>
+            <a:off x="277191" y="3062438"/>
+            <a:ext cx="2250109" cy="1754326"/>
+          </a:xfrm>
+          <a:prstGeom prst="rect">
+            <a:avLst/>
+          </a:prstGeom>
+          <a:noFill/>
+        </p:spPr>
+        <p:txBody>
+          <a:bodyPr wrap="square" lIns="91440" tIns="45720" rIns="91440" bIns="45720">
+            <a:spAutoFit/>
+          </a:bodyPr>
+          <a:lstStyle/>
+          <a:p>
+            <a:pPr algn="ctr"/>
+            <a:r>
+              <a:rPr lang="en-US" sz="5400" b="1" cap="none" spc="0" dirty="0" smtClean="0">
+                <a:ln w="12700">
+                  <a:solidFill>
+                    <a:schemeClr val="tx2">
+                      <a:lumMod val="75000"/>
+                    </a:schemeClr>
+                  </a:solidFill>
+                  <a:prstDash val="solid"/>
+                </a:ln>
+                <a:pattFill prst="dkUpDiag">
+                  <a:fgClr>
+                    <a:schemeClr val="tx2"/>
+                  </a:fgClr>
+                  <a:bgClr>
+                    <a:schemeClr val="tx2">
+                      <a:lumMod val="20000"/>
+                      <a:lumOff val="80000"/>
+                    </a:schemeClr>
+                  </a:bgClr>
+                </a:pattFill>
+                <a:effectLst>
+                  <a:outerShdw dist="38100" dir="2640000" algn="bl" rotWithShape="0">
+                    <a:schemeClr val="tx2">
+                      <a:lumMod val="75000"/>
+                    </a:schemeClr>
+                  </a:outerShdw>
+                </a:effectLst>
+              </a:rPr>
+              <a:t>Home Page</a:t>
+            </a:r>
+            <a:endParaRPr lang="en-US" sz="5400" b="1" cap="none" spc="0" dirty="0">
+              <a:ln w="12700">
+                <a:solidFill>
+                  <a:schemeClr val="tx2">
+                    <a:lumMod val="75000"/>
+                  </a:schemeClr>
+                </a:solidFill>
+                <a:prstDash val="solid"/>
+              </a:ln>
+              <a:pattFill prst="dkUpDiag">
+                <a:fgClr>
+                  <a:schemeClr val="tx2"/>
+                </a:fgClr>
+                <a:bgClr>
+                  <a:schemeClr val="tx2">
+                    <a:lumMod val="20000"/>
+                    <a:lumOff val="80000"/>
+                  </a:schemeClr>
+                </a:bgClr>
+              </a:pattFill>
+              <a:effectLst>
+                <a:outerShdw dist="38100" dir="2640000" algn="bl" rotWithShape="0">
+                  <a:schemeClr val="tx2">
+                    <a:lumMod val="75000"/>
+                  </a:schemeClr>
+                </a:outerShdw>
+              </a:effectLst>
+            </a:endParaRPr>
+          </a:p>
+        </p:txBody>
+      </p:sp>
+    </p:spTree>
+    <p:extLst>
+      <p:ext uri="{BB962C8B-B14F-4D97-AF65-F5344CB8AC3E}">
+        <p14:creationId xmlns:p14="http://schemas.microsoft.com/office/powerpoint/2010/main" val="1329229991"/>
       </p:ext>
     </p:extLst>
   </p:cSld>
@@ -10602,11 +11824,14 @@
           <a:p>
             <a:pPr algn="ctr"/>
             <a:r>
-              <a:rPr lang="en-US" b="1" u="sng" dirty="0">
-                <a:latin typeface="Calibri Light" panose="020F0302020204030204" pitchFamily="34" charset="0"/>
-              </a:rPr>
-              <a:t>OBJECIVE</a:t>
-            </a:r>
+              <a:rPr lang="en-US" b="1" u="sng" dirty="0" smtClean="0">
+                <a:latin typeface="Calibri Light" panose="020F0302020204030204" pitchFamily="34" charset="0"/>
+              </a:rPr>
+              <a:t>OBJECTIVE</a:t>
+            </a:r>
+            <a:endParaRPr lang="en-US" b="1" u="sng" dirty="0">
+              <a:latin typeface="Calibri Light" panose="020F0302020204030204" pitchFamily="34" charset="0"/>
+            </a:endParaRPr>
           </a:p>
         </p:txBody>
       </p:sp>
@@ -10671,6 +11896,1550 @@
     <p:extLst>
       <p:ext uri="{BB962C8B-B14F-4D97-AF65-F5344CB8AC3E}">
         <p14:creationId xmlns:p14="http://schemas.microsoft.com/office/powerpoint/2010/main" val="2544269454"/>
+      </p:ext>
+    </p:extLst>
+  </p:cSld>
+  <p:clrMapOvr>
+    <a:masterClrMapping/>
+  </p:clrMapOvr>
+  <p:timing>
+    <p:tnLst>
+      <p:par>
+        <p:cTn id="1" dur="indefinite" restart="never" nodeType="tmRoot"/>
+      </p:par>
+    </p:tnLst>
+  </p:timing>
+</p:sld>
+</file>
+
+<file path=ppt/slides/slide30.xml><?xml version="1.0" encoding="utf-8"?>
+<p:sld xmlns:a="http://schemas.openxmlformats.org/drawingml/2006/main" xmlns:r="http://schemas.openxmlformats.org/officeDocument/2006/relationships" xmlns:p="http://schemas.openxmlformats.org/presentationml/2006/main">
+  <p:cSld>
+    <p:spTree>
+      <p:nvGrpSpPr>
+        <p:cNvPr id="1" name=""/>
+        <p:cNvGrpSpPr/>
+        <p:nvPr/>
+      </p:nvGrpSpPr>
+      <p:grpSpPr>
+        <a:xfrm>
+          <a:off x="0" y="0"/>
+          <a:ext cx="0" cy="0"/>
+          <a:chOff x="0" y="0"/>
+          <a:chExt cx="0" cy="0"/>
+        </a:xfrm>
+      </p:grpSpPr>
+      <p:sp>
+        <p:nvSpPr>
+          <p:cNvPr id="3" name="Rectangle 2"/>
+          <p:cNvSpPr/>
+          <p:nvPr/>
+        </p:nvSpPr>
+        <p:spPr>
+          <a:xfrm>
+            <a:off x="0" y="2236938"/>
+            <a:ext cx="2783509" cy="2800767"/>
+          </a:xfrm>
+          <a:prstGeom prst="rect">
+            <a:avLst/>
+          </a:prstGeom>
+          <a:noFill/>
+        </p:spPr>
+        <p:txBody>
+          <a:bodyPr wrap="square" lIns="91440" tIns="45720" rIns="91440" bIns="45720">
+            <a:spAutoFit/>
+          </a:bodyPr>
+          <a:lstStyle/>
+          <a:p>
+            <a:pPr algn="ctr"/>
+            <a:r>
+              <a:rPr lang="en-US" sz="4400" b="1" cap="none" spc="0" dirty="0" smtClean="0">
+                <a:ln w="12700">
+                  <a:solidFill>
+                    <a:schemeClr val="tx2">
+                      <a:lumMod val="75000"/>
+                    </a:schemeClr>
+                  </a:solidFill>
+                  <a:prstDash val="solid"/>
+                </a:ln>
+                <a:pattFill prst="dkUpDiag">
+                  <a:fgClr>
+                    <a:schemeClr val="tx2"/>
+                  </a:fgClr>
+                  <a:bgClr>
+                    <a:schemeClr val="tx2">
+                      <a:lumMod val="20000"/>
+                      <a:lumOff val="80000"/>
+                    </a:schemeClr>
+                  </a:bgClr>
+                </a:pattFill>
+                <a:effectLst>
+                  <a:outerShdw dist="38100" dir="2640000" algn="bl" rotWithShape="0">
+                    <a:schemeClr val="tx2">
+                      <a:lumMod val="75000"/>
+                    </a:schemeClr>
+                  </a:outerShdw>
+                </a:effectLst>
+              </a:rPr>
+              <a:t>Category-Mobile Accessories</a:t>
+            </a:r>
+            <a:endParaRPr lang="en-US" sz="4400" b="1" cap="none" spc="0" dirty="0">
+              <a:ln w="12700">
+                <a:solidFill>
+                  <a:schemeClr val="tx2">
+                    <a:lumMod val="75000"/>
+                  </a:schemeClr>
+                </a:solidFill>
+                <a:prstDash val="solid"/>
+              </a:ln>
+              <a:pattFill prst="dkUpDiag">
+                <a:fgClr>
+                  <a:schemeClr val="tx2"/>
+                </a:fgClr>
+                <a:bgClr>
+                  <a:schemeClr val="tx2">
+                    <a:lumMod val="20000"/>
+                    <a:lumOff val="80000"/>
+                  </a:schemeClr>
+                </a:bgClr>
+              </a:pattFill>
+              <a:effectLst>
+                <a:outerShdw dist="38100" dir="2640000" algn="bl" rotWithShape="0">
+                  <a:schemeClr val="tx2">
+                    <a:lumMod val="75000"/>
+                  </a:schemeClr>
+                </a:outerShdw>
+              </a:effectLst>
+            </a:endParaRPr>
+          </a:p>
+        </p:txBody>
+      </p:sp>
+      <p:pic>
+        <p:nvPicPr>
+          <p:cNvPr id="4" name="Picture 3"/>
+          <p:cNvPicPr>
+            <a:picLocks noChangeAspect="1"/>
+          </p:cNvPicPr>
+          <p:nvPr/>
+        </p:nvPicPr>
+        <p:blipFill>
+          <a:blip r:embed="rId2">
+            <a:extLst>
+              <a:ext uri="{28A0092B-C50C-407E-A947-70E740481C1C}">
+                <a14:useLocalDpi xmlns:a14="http://schemas.microsoft.com/office/drawing/2010/main" val="0"/>
+              </a:ext>
+            </a:extLst>
+          </a:blip>
+          <a:stretch>
+            <a:fillRect/>
+          </a:stretch>
+        </p:blipFill>
+        <p:spPr>
+          <a:xfrm>
+            <a:off x="2948608" y="1320800"/>
+            <a:ext cx="9027491" cy="5054600"/>
+          </a:xfrm>
+          <a:prstGeom prst="rect">
+            <a:avLst/>
+          </a:prstGeom>
+        </p:spPr>
+      </p:pic>
+    </p:spTree>
+    <p:extLst>
+      <p:ext uri="{BB962C8B-B14F-4D97-AF65-F5344CB8AC3E}">
+        <p14:creationId xmlns:p14="http://schemas.microsoft.com/office/powerpoint/2010/main" val="3552973750"/>
+      </p:ext>
+    </p:extLst>
+  </p:cSld>
+  <p:clrMapOvr>
+    <a:masterClrMapping/>
+  </p:clrMapOvr>
+  <p:timing>
+    <p:tnLst>
+      <p:par>
+        <p:cTn id="1" dur="indefinite" restart="never" nodeType="tmRoot"/>
+      </p:par>
+    </p:tnLst>
+  </p:timing>
+</p:sld>
+</file>
+
+<file path=ppt/slides/slide31.xml><?xml version="1.0" encoding="utf-8"?>
+<p:sld xmlns:a="http://schemas.openxmlformats.org/drawingml/2006/main" xmlns:r="http://schemas.openxmlformats.org/officeDocument/2006/relationships" xmlns:p="http://schemas.openxmlformats.org/presentationml/2006/main">
+  <p:cSld>
+    <p:spTree>
+      <p:nvGrpSpPr>
+        <p:cNvPr id="1" name=""/>
+        <p:cNvGrpSpPr/>
+        <p:nvPr/>
+      </p:nvGrpSpPr>
+      <p:grpSpPr>
+        <a:xfrm>
+          <a:off x="0" y="0"/>
+          <a:ext cx="0" cy="0"/>
+          <a:chOff x="0" y="0"/>
+          <a:chExt cx="0" cy="0"/>
+        </a:xfrm>
+      </p:grpSpPr>
+      <p:sp>
+        <p:nvSpPr>
+          <p:cNvPr id="3" name="Rectangle 2"/>
+          <p:cNvSpPr/>
+          <p:nvPr/>
+        </p:nvSpPr>
+        <p:spPr>
+          <a:xfrm>
+            <a:off x="277191" y="3062438"/>
+            <a:ext cx="2250109" cy="923330"/>
+          </a:xfrm>
+          <a:prstGeom prst="rect">
+            <a:avLst/>
+          </a:prstGeom>
+          <a:noFill/>
+        </p:spPr>
+        <p:txBody>
+          <a:bodyPr wrap="square" lIns="91440" tIns="45720" rIns="91440" bIns="45720">
+            <a:spAutoFit/>
+          </a:bodyPr>
+          <a:lstStyle/>
+          <a:p>
+            <a:pPr algn="ctr"/>
+            <a:r>
+              <a:rPr lang="en-US" sz="5400" b="1" cap="none" spc="0" dirty="0" smtClean="0">
+                <a:ln w="12700">
+                  <a:solidFill>
+                    <a:schemeClr val="tx2">
+                      <a:lumMod val="75000"/>
+                    </a:schemeClr>
+                  </a:solidFill>
+                  <a:prstDash val="solid"/>
+                </a:ln>
+                <a:pattFill prst="dkUpDiag">
+                  <a:fgClr>
+                    <a:schemeClr val="tx2"/>
+                  </a:fgClr>
+                  <a:bgClr>
+                    <a:schemeClr val="tx2">
+                      <a:lumMod val="20000"/>
+                      <a:lumOff val="80000"/>
+                    </a:schemeClr>
+                  </a:bgClr>
+                </a:pattFill>
+                <a:effectLst>
+                  <a:outerShdw dist="38100" dir="2640000" algn="bl" rotWithShape="0">
+                    <a:schemeClr val="tx2">
+                      <a:lumMod val="75000"/>
+                    </a:schemeClr>
+                  </a:outerShdw>
+                </a:effectLst>
+              </a:rPr>
+              <a:t>Login</a:t>
+            </a:r>
+            <a:endParaRPr lang="en-US" sz="5400" b="1" cap="none" spc="0" dirty="0">
+              <a:ln w="12700">
+                <a:solidFill>
+                  <a:schemeClr val="tx2">
+                    <a:lumMod val="75000"/>
+                  </a:schemeClr>
+                </a:solidFill>
+                <a:prstDash val="solid"/>
+              </a:ln>
+              <a:pattFill prst="dkUpDiag">
+                <a:fgClr>
+                  <a:schemeClr val="tx2"/>
+                </a:fgClr>
+                <a:bgClr>
+                  <a:schemeClr val="tx2">
+                    <a:lumMod val="20000"/>
+                    <a:lumOff val="80000"/>
+                  </a:schemeClr>
+                </a:bgClr>
+              </a:pattFill>
+              <a:effectLst>
+                <a:outerShdw dist="38100" dir="2640000" algn="bl" rotWithShape="0">
+                  <a:schemeClr val="tx2">
+                    <a:lumMod val="75000"/>
+                  </a:schemeClr>
+                </a:outerShdw>
+              </a:effectLst>
+            </a:endParaRPr>
+          </a:p>
+        </p:txBody>
+      </p:sp>
+      <p:pic>
+        <p:nvPicPr>
+          <p:cNvPr id="4" name="Picture 3"/>
+          <p:cNvPicPr>
+            <a:picLocks noChangeAspect="1"/>
+          </p:cNvPicPr>
+          <p:nvPr/>
+        </p:nvPicPr>
+        <p:blipFill>
+          <a:blip r:embed="rId2">
+            <a:extLst>
+              <a:ext uri="{28A0092B-C50C-407E-A947-70E740481C1C}">
+                <a14:useLocalDpi xmlns:a14="http://schemas.microsoft.com/office/drawing/2010/main" val="0"/>
+              </a:ext>
+            </a:extLst>
+          </a:blip>
+          <a:stretch>
+            <a:fillRect/>
+          </a:stretch>
+        </p:blipFill>
+        <p:spPr>
+          <a:xfrm>
+            <a:off x="2628899" y="1434873"/>
+            <a:ext cx="9182101" cy="5009455"/>
+          </a:xfrm>
+          <a:prstGeom prst="rect">
+            <a:avLst/>
+          </a:prstGeom>
+        </p:spPr>
+      </p:pic>
+    </p:spTree>
+    <p:extLst>
+      <p:ext uri="{BB962C8B-B14F-4D97-AF65-F5344CB8AC3E}">
+        <p14:creationId xmlns:p14="http://schemas.microsoft.com/office/powerpoint/2010/main" val="3185212180"/>
+      </p:ext>
+    </p:extLst>
+  </p:cSld>
+  <p:clrMapOvr>
+    <a:masterClrMapping/>
+  </p:clrMapOvr>
+  <p:timing>
+    <p:tnLst>
+      <p:par>
+        <p:cTn id="1" dur="indefinite" restart="never" nodeType="tmRoot"/>
+      </p:par>
+    </p:tnLst>
+  </p:timing>
+</p:sld>
+</file>
+
+<file path=ppt/slides/slide32.xml><?xml version="1.0" encoding="utf-8"?>
+<p:sld xmlns:a="http://schemas.openxmlformats.org/drawingml/2006/main" xmlns:r="http://schemas.openxmlformats.org/officeDocument/2006/relationships" xmlns:p="http://schemas.openxmlformats.org/presentationml/2006/main">
+  <p:cSld>
+    <p:spTree>
+      <p:nvGrpSpPr>
+        <p:cNvPr id="1" name=""/>
+        <p:cNvGrpSpPr/>
+        <p:nvPr/>
+      </p:nvGrpSpPr>
+      <p:grpSpPr>
+        <a:xfrm>
+          <a:off x="0" y="0"/>
+          <a:ext cx="0" cy="0"/>
+          <a:chOff x="0" y="0"/>
+          <a:chExt cx="0" cy="0"/>
+        </a:xfrm>
+      </p:grpSpPr>
+      <p:sp>
+        <p:nvSpPr>
+          <p:cNvPr id="3" name="Rectangle 2"/>
+          <p:cNvSpPr/>
+          <p:nvPr/>
+        </p:nvSpPr>
+        <p:spPr>
+          <a:xfrm>
+            <a:off x="277191" y="3062438"/>
+            <a:ext cx="2250109" cy="1754326"/>
+          </a:xfrm>
+          <a:prstGeom prst="rect">
+            <a:avLst/>
+          </a:prstGeom>
+          <a:noFill/>
+        </p:spPr>
+        <p:txBody>
+          <a:bodyPr wrap="square" lIns="91440" tIns="45720" rIns="91440" bIns="45720">
+            <a:spAutoFit/>
+          </a:bodyPr>
+          <a:lstStyle/>
+          <a:p>
+            <a:pPr algn="ctr"/>
+            <a:r>
+              <a:rPr lang="en-US" sz="5400" b="1" cap="none" spc="0" dirty="0" smtClean="0">
+                <a:ln w="12700">
+                  <a:solidFill>
+                    <a:schemeClr val="tx2">
+                      <a:lumMod val="75000"/>
+                    </a:schemeClr>
+                  </a:solidFill>
+                  <a:prstDash val="solid"/>
+                </a:ln>
+                <a:pattFill prst="dkUpDiag">
+                  <a:fgClr>
+                    <a:schemeClr val="tx2"/>
+                  </a:fgClr>
+                  <a:bgClr>
+                    <a:schemeClr val="tx2">
+                      <a:lumMod val="20000"/>
+                      <a:lumOff val="80000"/>
+                    </a:schemeClr>
+                  </a:bgClr>
+                </a:pattFill>
+                <a:effectLst>
+                  <a:outerShdw dist="38100" dir="2640000" algn="bl" rotWithShape="0">
+                    <a:schemeClr val="tx2">
+                      <a:lumMod val="75000"/>
+                    </a:schemeClr>
+                  </a:outerShdw>
+                </a:effectLst>
+              </a:rPr>
+              <a:t>User Profile</a:t>
+            </a:r>
+          </a:p>
+        </p:txBody>
+      </p:sp>
+      <p:pic>
+        <p:nvPicPr>
+          <p:cNvPr id="2" name="Picture 1"/>
+          <p:cNvPicPr>
+            <a:picLocks noChangeAspect="1"/>
+          </p:cNvPicPr>
+          <p:nvPr/>
+        </p:nvPicPr>
+        <p:blipFill>
+          <a:blip r:embed="rId2">
+            <a:extLst>
+              <a:ext uri="{28A0092B-C50C-407E-A947-70E740481C1C}">
+                <a14:useLocalDpi xmlns:a14="http://schemas.microsoft.com/office/drawing/2010/main" val="0"/>
+              </a:ext>
+            </a:extLst>
+          </a:blip>
+          <a:stretch>
+            <a:fillRect/>
+          </a:stretch>
+        </p:blipFill>
+        <p:spPr>
+          <a:xfrm>
+            <a:off x="2667000" y="1434873"/>
+            <a:ext cx="9182101" cy="5009455"/>
+          </a:xfrm>
+          <a:prstGeom prst="rect">
+            <a:avLst/>
+          </a:prstGeom>
+        </p:spPr>
+      </p:pic>
+      <p:pic>
+        <p:nvPicPr>
+          <p:cNvPr id="5" name="Picture 4"/>
+          <p:cNvPicPr>
+            <a:picLocks noChangeAspect="1"/>
+          </p:cNvPicPr>
+          <p:nvPr/>
+        </p:nvPicPr>
+        <p:blipFill>
+          <a:blip r:embed="rId3">
+            <a:extLst>
+              <a:ext uri="{28A0092B-C50C-407E-A947-70E740481C1C}">
+                <a14:useLocalDpi xmlns:a14="http://schemas.microsoft.com/office/drawing/2010/main" val="0"/>
+              </a:ext>
+            </a:extLst>
+          </a:blip>
+          <a:stretch>
+            <a:fillRect/>
+          </a:stretch>
+        </p:blipFill>
+        <p:spPr>
+          <a:xfrm>
+            <a:off x="2666999" y="1434873"/>
+            <a:ext cx="9182101" cy="5009456"/>
+          </a:xfrm>
+          <a:prstGeom prst="rect">
+            <a:avLst/>
+          </a:prstGeom>
+        </p:spPr>
+      </p:pic>
+    </p:spTree>
+    <p:extLst>
+      <p:ext uri="{BB962C8B-B14F-4D97-AF65-F5344CB8AC3E}">
+        <p14:creationId xmlns:p14="http://schemas.microsoft.com/office/powerpoint/2010/main" val="3619591510"/>
+      </p:ext>
+    </p:extLst>
+  </p:cSld>
+  <p:clrMapOvr>
+    <a:masterClrMapping/>
+  </p:clrMapOvr>
+  <p:timing>
+    <p:tnLst>
+      <p:par>
+        <p:cTn id="1" dur="indefinite" restart="never" nodeType="tmRoot"/>
+      </p:par>
+    </p:tnLst>
+  </p:timing>
+</p:sld>
+</file>
+
+<file path=ppt/slides/slide33.xml><?xml version="1.0" encoding="utf-8"?>
+<p:sld xmlns:a="http://schemas.openxmlformats.org/drawingml/2006/main" xmlns:r="http://schemas.openxmlformats.org/officeDocument/2006/relationships" xmlns:p="http://schemas.openxmlformats.org/presentationml/2006/main">
+  <p:cSld>
+    <p:spTree>
+      <p:nvGrpSpPr>
+        <p:cNvPr id="1" name=""/>
+        <p:cNvGrpSpPr/>
+        <p:nvPr/>
+      </p:nvGrpSpPr>
+      <p:grpSpPr>
+        <a:xfrm>
+          <a:off x="0" y="0"/>
+          <a:ext cx="0" cy="0"/>
+          <a:chOff x="0" y="0"/>
+          <a:chExt cx="0" cy="0"/>
+        </a:xfrm>
+      </p:grpSpPr>
+      <p:sp>
+        <p:nvSpPr>
+          <p:cNvPr id="3" name="Rectangle 2"/>
+          <p:cNvSpPr/>
+          <p:nvPr/>
+        </p:nvSpPr>
+        <p:spPr>
+          <a:xfrm>
+            <a:off x="-2209" y="2160738"/>
+            <a:ext cx="2821609" cy="2585323"/>
+          </a:xfrm>
+          <a:prstGeom prst="rect">
+            <a:avLst/>
+          </a:prstGeom>
+          <a:noFill/>
+        </p:spPr>
+        <p:txBody>
+          <a:bodyPr wrap="square" lIns="91440" tIns="45720" rIns="91440" bIns="45720">
+            <a:spAutoFit/>
+          </a:bodyPr>
+          <a:lstStyle/>
+          <a:p>
+            <a:pPr algn="ctr"/>
+            <a:r>
+              <a:rPr lang="en-US" sz="5400" b="1" cap="none" spc="0" dirty="0" smtClean="0">
+                <a:ln w="12700">
+                  <a:solidFill>
+                    <a:schemeClr val="tx2">
+                      <a:lumMod val="75000"/>
+                    </a:schemeClr>
+                  </a:solidFill>
+                  <a:prstDash val="solid"/>
+                </a:ln>
+                <a:pattFill prst="dkUpDiag">
+                  <a:fgClr>
+                    <a:schemeClr val="tx2"/>
+                  </a:fgClr>
+                  <a:bgClr>
+                    <a:schemeClr val="tx2">
+                      <a:lumMod val="20000"/>
+                      <a:lumOff val="80000"/>
+                    </a:schemeClr>
+                  </a:bgClr>
+                </a:pattFill>
+                <a:effectLst>
+                  <a:outerShdw dist="38100" dir="2640000" algn="bl" rotWithShape="0">
+                    <a:schemeClr val="tx2">
+                      <a:lumMod val="75000"/>
+                    </a:schemeClr>
+                  </a:outerShdw>
+                </a:effectLst>
+              </a:rPr>
+              <a:t>Product</a:t>
+            </a:r>
+          </a:p>
+          <a:p>
+            <a:pPr algn="ctr"/>
+            <a:r>
+              <a:rPr lang="en-US" sz="5400" b="1" dirty="0" smtClean="0">
+                <a:ln w="12700">
+                  <a:solidFill>
+                    <a:schemeClr val="tx2">
+                      <a:lumMod val="75000"/>
+                    </a:schemeClr>
+                  </a:solidFill>
+                  <a:prstDash val="solid"/>
+                </a:ln>
+                <a:pattFill prst="dkUpDiag">
+                  <a:fgClr>
+                    <a:schemeClr val="tx2"/>
+                  </a:fgClr>
+                  <a:bgClr>
+                    <a:schemeClr val="tx2">
+                      <a:lumMod val="20000"/>
+                      <a:lumOff val="80000"/>
+                    </a:schemeClr>
+                  </a:bgClr>
+                </a:pattFill>
+                <a:effectLst>
+                  <a:outerShdw dist="38100" dir="2640000" algn="bl" rotWithShape="0">
+                    <a:schemeClr val="tx2">
+                      <a:lumMod val="75000"/>
+                    </a:schemeClr>
+                  </a:outerShdw>
+                </a:effectLst>
+              </a:rPr>
+              <a:t>Description</a:t>
+            </a:r>
+            <a:endParaRPr lang="en-US" sz="5400" b="1" cap="none" spc="0" dirty="0" smtClean="0">
+              <a:ln w="12700">
+                <a:solidFill>
+                  <a:schemeClr val="tx2">
+                    <a:lumMod val="75000"/>
+                  </a:schemeClr>
+                </a:solidFill>
+                <a:prstDash val="solid"/>
+              </a:ln>
+              <a:pattFill prst="dkUpDiag">
+                <a:fgClr>
+                  <a:schemeClr val="tx2"/>
+                </a:fgClr>
+                <a:bgClr>
+                  <a:schemeClr val="tx2">
+                    <a:lumMod val="20000"/>
+                    <a:lumOff val="80000"/>
+                  </a:schemeClr>
+                </a:bgClr>
+              </a:pattFill>
+              <a:effectLst>
+                <a:outerShdw dist="38100" dir="2640000" algn="bl" rotWithShape="0">
+                  <a:schemeClr val="tx2">
+                    <a:lumMod val="75000"/>
+                  </a:schemeClr>
+                </a:outerShdw>
+              </a:effectLst>
+            </a:endParaRPr>
+          </a:p>
+        </p:txBody>
+      </p:sp>
+      <p:pic>
+        <p:nvPicPr>
+          <p:cNvPr id="4" name="Picture 3"/>
+          <p:cNvPicPr>
+            <a:picLocks noChangeAspect="1"/>
+          </p:cNvPicPr>
+          <p:nvPr/>
+        </p:nvPicPr>
+        <p:blipFill>
+          <a:blip r:embed="rId2">
+            <a:extLst>
+              <a:ext uri="{28A0092B-C50C-407E-A947-70E740481C1C}">
+                <a14:useLocalDpi xmlns:a14="http://schemas.microsoft.com/office/drawing/2010/main" val="0"/>
+              </a:ext>
+            </a:extLst>
+          </a:blip>
+          <a:stretch>
+            <a:fillRect/>
+          </a:stretch>
+        </p:blipFill>
+        <p:spPr>
+          <a:xfrm>
+            <a:off x="2819400" y="1434873"/>
+            <a:ext cx="9029699" cy="5029427"/>
+          </a:xfrm>
+          <a:prstGeom prst="rect">
+            <a:avLst/>
+          </a:prstGeom>
+        </p:spPr>
+      </p:pic>
+    </p:spTree>
+    <p:extLst>
+      <p:ext uri="{BB962C8B-B14F-4D97-AF65-F5344CB8AC3E}">
+        <p14:creationId xmlns:p14="http://schemas.microsoft.com/office/powerpoint/2010/main" val="3185621297"/>
+      </p:ext>
+    </p:extLst>
+  </p:cSld>
+  <p:clrMapOvr>
+    <a:masterClrMapping/>
+  </p:clrMapOvr>
+  <p:timing>
+    <p:tnLst>
+      <p:par>
+        <p:cTn id="1" dur="indefinite" restart="never" nodeType="tmRoot"/>
+      </p:par>
+    </p:tnLst>
+  </p:timing>
+</p:sld>
+</file>
+
+<file path=ppt/slides/slide34.xml><?xml version="1.0" encoding="utf-8"?>
+<p:sld xmlns:a="http://schemas.openxmlformats.org/drawingml/2006/main" xmlns:r="http://schemas.openxmlformats.org/officeDocument/2006/relationships" xmlns:p="http://schemas.openxmlformats.org/presentationml/2006/main">
+  <p:cSld>
+    <p:spTree>
+      <p:nvGrpSpPr>
+        <p:cNvPr id="1" name=""/>
+        <p:cNvGrpSpPr/>
+        <p:nvPr/>
+      </p:nvGrpSpPr>
+      <p:grpSpPr>
+        <a:xfrm>
+          <a:off x="0" y="0"/>
+          <a:ext cx="0" cy="0"/>
+          <a:chOff x="0" y="0"/>
+          <a:chExt cx="0" cy="0"/>
+        </a:xfrm>
+      </p:grpSpPr>
+      <p:sp>
+        <p:nvSpPr>
+          <p:cNvPr id="3" name="Rectangle 2"/>
+          <p:cNvSpPr/>
+          <p:nvPr/>
+        </p:nvSpPr>
+        <p:spPr>
+          <a:xfrm>
+            <a:off x="-2209" y="2160738"/>
+            <a:ext cx="2821609" cy="1754326"/>
+          </a:xfrm>
+          <a:prstGeom prst="rect">
+            <a:avLst/>
+          </a:prstGeom>
+          <a:noFill/>
+        </p:spPr>
+        <p:txBody>
+          <a:bodyPr wrap="square" lIns="91440" tIns="45720" rIns="91440" bIns="45720">
+            <a:spAutoFit/>
+          </a:bodyPr>
+          <a:lstStyle/>
+          <a:p>
+            <a:pPr algn="ctr"/>
+            <a:r>
+              <a:rPr lang="en-US" sz="5400" b="1" cap="none" spc="0" dirty="0" smtClean="0">
+                <a:ln w="12700">
+                  <a:solidFill>
+                    <a:schemeClr val="tx2">
+                      <a:lumMod val="75000"/>
+                    </a:schemeClr>
+                  </a:solidFill>
+                  <a:prstDash val="solid"/>
+                </a:ln>
+                <a:pattFill prst="dkUpDiag">
+                  <a:fgClr>
+                    <a:schemeClr val="tx2"/>
+                  </a:fgClr>
+                  <a:bgClr>
+                    <a:schemeClr val="tx2">
+                      <a:lumMod val="20000"/>
+                      <a:lumOff val="80000"/>
+                    </a:schemeClr>
+                  </a:bgClr>
+                </a:pattFill>
+                <a:effectLst>
+                  <a:outerShdw dist="38100" dir="2640000" algn="bl" rotWithShape="0">
+                    <a:schemeClr val="tx2">
+                      <a:lumMod val="75000"/>
+                    </a:schemeClr>
+                  </a:outerShdw>
+                </a:effectLst>
+              </a:rPr>
+              <a:t>Admin</a:t>
+            </a:r>
+          </a:p>
+          <a:p>
+            <a:pPr algn="ctr"/>
+            <a:r>
+              <a:rPr lang="en-US" sz="5400" b="1" dirty="0" smtClean="0">
+                <a:ln w="12700">
+                  <a:solidFill>
+                    <a:schemeClr val="tx2">
+                      <a:lumMod val="75000"/>
+                    </a:schemeClr>
+                  </a:solidFill>
+                  <a:prstDash val="solid"/>
+                </a:ln>
+                <a:pattFill prst="dkUpDiag">
+                  <a:fgClr>
+                    <a:schemeClr val="tx2"/>
+                  </a:fgClr>
+                  <a:bgClr>
+                    <a:schemeClr val="tx2">
+                      <a:lumMod val="20000"/>
+                      <a:lumOff val="80000"/>
+                    </a:schemeClr>
+                  </a:bgClr>
+                </a:pattFill>
+                <a:effectLst>
+                  <a:outerShdw dist="38100" dir="2640000" algn="bl" rotWithShape="0">
+                    <a:schemeClr val="tx2">
+                      <a:lumMod val="75000"/>
+                    </a:schemeClr>
+                  </a:outerShdw>
+                </a:effectLst>
+              </a:rPr>
+              <a:t>Module</a:t>
+            </a:r>
+            <a:endParaRPr lang="en-US" sz="5400" b="1" cap="none" spc="0" dirty="0" smtClean="0">
+              <a:ln w="12700">
+                <a:solidFill>
+                  <a:schemeClr val="tx2">
+                    <a:lumMod val="75000"/>
+                  </a:schemeClr>
+                </a:solidFill>
+                <a:prstDash val="solid"/>
+              </a:ln>
+              <a:pattFill prst="dkUpDiag">
+                <a:fgClr>
+                  <a:schemeClr val="tx2"/>
+                </a:fgClr>
+                <a:bgClr>
+                  <a:schemeClr val="tx2">
+                    <a:lumMod val="20000"/>
+                    <a:lumOff val="80000"/>
+                  </a:schemeClr>
+                </a:bgClr>
+              </a:pattFill>
+              <a:effectLst>
+                <a:outerShdw dist="38100" dir="2640000" algn="bl" rotWithShape="0">
+                  <a:schemeClr val="tx2">
+                    <a:lumMod val="75000"/>
+                  </a:schemeClr>
+                </a:outerShdw>
+              </a:effectLst>
+            </a:endParaRPr>
+          </a:p>
+        </p:txBody>
+      </p:sp>
+      <p:pic>
+        <p:nvPicPr>
+          <p:cNvPr id="4" name="Picture 3"/>
+          <p:cNvPicPr>
+            <a:picLocks noChangeAspect="1"/>
+          </p:cNvPicPr>
+          <p:nvPr/>
+        </p:nvPicPr>
+        <p:blipFill>
+          <a:blip r:embed="rId2">
+            <a:extLst>
+              <a:ext uri="{28A0092B-C50C-407E-A947-70E740481C1C}">
+                <a14:useLocalDpi xmlns:a14="http://schemas.microsoft.com/office/drawing/2010/main" val="0"/>
+              </a:ext>
+            </a:extLst>
+          </a:blip>
+          <a:stretch>
+            <a:fillRect/>
+          </a:stretch>
+        </p:blipFill>
+        <p:spPr>
+          <a:xfrm>
+            <a:off x="2819846" y="1434873"/>
+            <a:ext cx="9028806" cy="5029427"/>
+          </a:xfrm>
+          <a:prstGeom prst="rect">
+            <a:avLst/>
+          </a:prstGeom>
+        </p:spPr>
+      </p:pic>
+    </p:spTree>
+    <p:extLst>
+      <p:ext uri="{BB962C8B-B14F-4D97-AF65-F5344CB8AC3E}">
+        <p14:creationId xmlns:p14="http://schemas.microsoft.com/office/powerpoint/2010/main" val="4156727088"/>
+      </p:ext>
+    </p:extLst>
+  </p:cSld>
+  <p:clrMapOvr>
+    <a:masterClrMapping/>
+  </p:clrMapOvr>
+  <p:timing>
+    <p:tnLst>
+      <p:par>
+        <p:cTn id="1" dur="indefinite" restart="never" nodeType="tmRoot"/>
+      </p:par>
+    </p:tnLst>
+  </p:timing>
+</p:sld>
+</file>
+
+<file path=ppt/slides/slide35.xml><?xml version="1.0" encoding="utf-8"?>
+<p:sld xmlns:a="http://schemas.openxmlformats.org/drawingml/2006/main" xmlns:r="http://schemas.openxmlformats.org/officeDocument/2006/relationships" xmlns:p="http://schemas.openxmlformats.org/presentationml/2006/main">
+  <p:cSld>
+    <p:spTree>
+      <p:nvGrpSpPr>
+        <p:cNvPr id="1" name=""/>
+        <p:cNvGrpSpPr/>
+        <p:nvPr/>
+      </p:nvGrpSpPr>
+      <p:grpSpPr>
+        <a:xfrm>
+          <a:off x="0" y="0"/>
+          <a:ext cx="0" cy="0"/>
+          <a:chOff x="0" y="0"/>
+          <a:chExt cx="0" cy="0"/>
+        </a:xfrm>
+      </p:grpSpPr>
+      <p:sp>
+        <p:nvSpPr>
+          <p:cNvPr id="3" name="Rectangle 2"/>
+          <p:cNvSpPr/>
+          <p:nvPr/>
+        </p:nvSpPr>
+        <p:spPr>
+          <a:xfrm>
+            <a:off x="-2209" y="2160738"/>
+            <a:ext cx="2821609" cy="1754326"/>
+          </a:xfrm>
+          <a:prstGeom prst="rect">
+            <a:avLst/>
+          </a:prstGeom>
+          <a:noFill/>
+        </p:spPr>
+        <p:txBody>
+          <a:bodyPr wrap="square" lIns="91440" tIns="45720" rIns="91440" bIns="45720">
+            <a:spAutoFit/>
+          </a:bodyPr>
+          <a:lstStyle/>
+          <a:p>
+            <a:pPr algn="ctr"/>
+            <a:r>
+              <a:rPr lang="en-US" sz="5400" b="1" cap="none" spc="0" dirty="0" smtClean="0">
+                <a:ln w="12700">
+                  <a:solidFill>
+                    <a:schemeClr val="tx2">
+                      <a:lumMod val="75000"/>
+                    </a:schemeClr>
+                  </a:solidFill>
+                  <a:prstDash val="solid"/>
+                </a:ln>
+                <a:pattFill prst="dkUpDiag">
+                  <a:fgClr>
+                    <a:schemeClr val="tx2"/>
+                  </a:fgClr>
+                  <a:bgClr>
+                    <a:schemeClr val="tx2">
+                      <a:lumMod val="20000"/>
+                      <a:lumOff val="80000"/>
+                    </a:schemeClr>
+                  </a:bgClr>
+                </a:pattFill>
+                <a:effectLst>
+                  <a:outerShdw dist="38100" dir="2640000" algn="bl" rotWithShape="0">
+                    <a:schemeClr val="tx2">
+                      <a:lumMod val="75000"/>
+                    </a:schemeClr>
+                  </a:outerShdw>
+                </a:effectLst>
+              </a:rPr>
+              <a:t>Add Product</a:t>
+            </a:r>
+          </a:p>
+        </p:txBody>
+      </p:sp>
+      <p:pic>
+        <p:nvPicPr>
+          <p:cNvPr id="4" name="Picture 3"/>
+          <p:cNvPicPr>
+            <a:picLocks noChangeAspect="1"/>
+          </p:cNvPicPr>
+          <p:nvPr/>
+        </p:nvPicPr>
+        <p:blipFill>
+          <a:blip r:embed="rId2">
+            <a:extLst>
+              <a:ext uri="{28A0092B-C50C-407E-A947-70E740481C1C}">
+                <a14:useLocalDpi xmlns:a14="http://schemas.microsoft.com/office/drawing/2010/main" val="0"/>
+              </a:ext>
+            </a:extLst>
+          </a:blip>
+          <a:stretch>
+            <a:fillRect/>
+          </a:stretch>
+        </p:blipFill>
+        <p:spPr>
+          <a:xfrm>
+            <a:off x="2819846" y="1457128"/>
+            <a:ext cx="9028806" cy="4984917"/>
+          </a:xfrm>
+          <a:prstGeom prst="rect">
+            <a:avLst/>
+          </a:prstGeom>
+        </p:spPr>
+      </p:pic>
+    </p:spTree>
+    <p:extLst>
+      <p:ext uri="{BB962C8B-B14F-4D97-AF65-F5344CB8AC3E}">
+        <p14:creationId xmlns:p14="http://schemas.microsoft.com/office/powerpoint/2010/main" val="3253017281"/>
+      </p:ext>
+    </p:extLst>
+  </p:cSld>
+  <p:clrMapOvr>
+    <a:masterClrMapping/>
+  </p:clrMapOvr>
+  <p:timing>
+    <p:tnLst>
+      <p:par>
+        <p:cTn id="1" dur="indefinite" restart="never" nodeType="tmRoot"/>
+      </p:par>
+    </p:tnLst>
+  </p:timing>
+</p:sld>
+</file>
+
+<file path=ppt/slides/slide36.xml><?xml version="1.0" encoding="utf-8"?>
+<p:sld xmlns:a="http://schemas.openxmlformats.org/drawingml/2006/main" xmlns:r="http://schemas.openxmlformats.org/officeDocument/2006/relationships" xmlns:p="http://schemas.openxmlformats.org/presentationml/2006/main">
+  <p:cSld>
+    <p:spTree>
+      <p:nvGrpSpPr>
+        <p:cNvPr id="1" name=""/>
+        <p:cNvGrpSpPr/>
+        <p:nvPr/>
+      </p:nvGrpSpPr>
+      <p:grpSpPr>
+        <a:xfrm>
+          <a:off x="0" y="0"/>
+          <a:ext cx="0" cy="0"/>
+          <a:chOff x="0" y="0"/>
+          <a:chExt cx="0" cy="0"/>
+        </a:xfrm>
+      </p:grpSpPr>
+      <p:sp>
+        <p:nvSpPr>
+          <p:cNvPr id="3" name="Rectangle 2"/>
+          <p:cNvSpPr/>
+          <p:nvPr/>
+        </p:nvSpPr>
+        <p:spPr>
+          <a:xfrm>
+            <a:off x="-2208" y="2160738"/>
+            <a:ext cx="2852554" cy="1938992"/>
+          </a:xfrm>
+          <a:prstGeom prst="rect">
+            <a:avLst/>
+          </a:prstGeom>
+          <a:noFill/>
+        </p:spPr>
+        <p:txBody>
+          <a:bodyPr wrap="square" lIns="91440" tIns="45720" rIns="91440" bIns="45720">
+            <a:spAutoFit/>
+          </a:bodyPr>
+          <a:lstStyle/>
+          <a:p>
+            <a:pPr algn="ctr"/>
+            <a:r>
+              <a:rPr lang="en-US" sz="4000" b="1" cap="none" spc="0" dirty="0" smtClean="0">
+                <a:ln w="12700">
+                  <a:solidFill>
+                    <a:schemeClr val="tx2">
+                      <a:lumMod val="75000"/>
+                    </a:schemeClr>
+                  </a:solidFill>
+                  <a:prstDash val="solid"/>
+                </a:ln>
+                <a:pattFill prst="dkUpDiag">
+                  <a:fgClr>
+                    <a:schemeClr val="tx2"/>
+                  </a:fgClr>
+                  <a:bgClr>
+                    <a:schemeClr val="tx2">
+                      <a:lumMod val="20000"/>
+                      <a:lumOff val="80000"/>
+                    </a:schemeClr>
+                  </a:bgClr>
+                </a:pattFill>
+                <a:effectLst>
+                  <a:outerShdw dist="38100" dir="2640000" algn="bl" rotWithShape="0">
+                    <a:schemeClr val="tx2">
+                      <a:lumMod val="75000"/>
+                    </a:schemeClr>
+                  </a:outerShdw>
+                </a:effectLst>
+              </a:rPr>
+              <a:t>Add</a:t>
+            </a:r>
+          </a:p>
+          <a:p>
+            <a:pPr algn="ctr"/>
+            <a:r>
+              <a:rPr lang="en-US" sz="4000" b="1" dirty="0" smtClean="0">
+                <a:ln w="12700">
+                  <a:solidFill>
+                    <a:schemeClr val="tx2">
+                      <a:lumMod val="75000"/>
+                    </a:schemeClr>
+                  </a:solidFill>
+                  <a:prstDash val="solid"/>
+                </a:ln>
+                <a:pattFill prst="dkUpDiag">
+                  <a:fgClr>
+                    <a:schemeClr val="tx2"/>
+                  </a:fgClr>
+                  <a:bgClr>
+                    <a:schemeClr val="tx2">
+                      <a:lumMod val="20000"/>
+                      <a:lumOff val="80000"/>
+                    </a:schemeClr>
+                  </a:bgClr>
+                </a:pattFill>
+                <a:effectLst>
+                  <a:outerShdw dist="38100" dir="2640000" algn="bl" rotWithShape="0">
+                    <a:schemeClr val="tx2">
+                      <a:lumMod val="75000"/>
+                    </a:schemeClr>
+                  </a:outerShdw>
+                </a:effectLst>
+              </a:rPr>
+              <a:t>Vendor/</a:t>
+            </a:r>
+            <a:r>
+              <a:rPr lang="en-US" sz="4000" b="1" cap="none" spc="0" dirty="0" smtClean="0">
+                <a:ln w="12700">
+                  <a:solidFill>
+                    <a:schemeClr val="tx2">
+                      <a:lumMod val="75000"/>
+                    </a:schemeClr>
+                  </a:solidFill>
+                  <a:prstDash val="solid"/>
+                </a:ln>
+                <a:pattFill prst="dkUpDiag">
+                  <a:fgClr>
+                    <a:schemeClr val="tx2"/>
+                  </a:fgClr>
+                  <a:bgClr>
+                    <a:schemeClr val="tx2">
+                      <a:lumMod val="20000"/>
+                      <a:lumOff val="80000"/>
+                    </a:schemeClr>
+                  </a:bgClr>
+                </a:pattFill>
+                <a:effectLst>
+                  <a:outerShdw dist="38100" dir="2640000" algn="bl" rotWithShape="0">
+                    <a:schemeClr val="tx2">
+                      <a:lumMod val="75000"/>
+                    </a:schemeClr>
+                  </a:outerShdw>
+                </a:effectLst>
+              </a:rPr>
+              <a:t> Employee</a:t>
+            </a:r>
+          </a:p>
+        </p:txBody>
+      </p:sp>
+      <p:pic>
+        <p:nvPicPr>
+          <p:cNvPr id="4" name="Picture 3"/>
+          <p:cNvPicPr>
+            <a:picLocks noChangeAspect="1"/>
+          </p:cNvPicPr>
+          <p:nvPr/>
+        </p:nvPicPr>
+        <p:blipFill>
+          <a:blip r:embed="rId2">
+            <a:extLst>
+              <a:ext uri="{28A0092B-C50C-407E-A947-70E740481C1C}">
+                <a14:useLocalDpi xmlns:a14="http://schemas.microsoft.com/office/drawing/2010/main" val="0"/>
+              </a:ext>
+            </a:extLst>
+          </a:blip>
+          <a:stretch>
+            <a:fillRect/>
+          </a:stretch>
+        </p:blipFill>
+        <p:spPr>
+          <a:xfrm>
+            <a:off x="2850345" y="1457128"/>
+            <a:ext cx="8967808" cy="4984917"/>
+          </a:xfrm>
+          <a:prstGeom prst="rect">
+            <a:avLst/>
+          </a:prstGeom>
+        </p:spPr>
+      </p:pic>
+    </p:spTree>
+    <p:extLst>
+      <p:ext uri="{BB962C8B-B14F-4D97-AF65-F5344CB8AC3E}">
+        <p14:creationId xmlns:p14="http://schemas.microsoft.com/office/powerpoint/2010/main" val="3644703211"/>
+      </p:ext>
+    </p:extLst>
+  </p:cSld>
+  <p:clrMapOvr>
+    <a:masterClrMapping/>
+  </p:clrMapOvr>
+  <p:timing>
+    <p:tnLst>
+      <p:par>
+        <p:cTn id="1" dur="indefinite" restart="never" nodeType="tmRoot"/>
+      </p:par>
+    </p:tnLst>
+  </p:timing>
+</p:sld>
+</file>
+
+<file path=ppt/slides/slide37.xml><?xml version="1.0" encoding="utf-8"?>
+<p:sld xmlns:a="http://schemas.openxmlformats.org/drawingml/2006/main" xmlns:r="http://schemas.openxmlformats.org/officeDocument/2006/relationships" xmlns:p="http://schemas.openxmlformats.org/presentationml/2006/main">
+  <p:cSld>
+    <p:spTree>
+      <p:nvGrpSpPr>
+        <p:cNvPr id="1" name=""/>
+        <p:cNvGrpSpPr/>
+        <p:nvPr/>
+      </p:nvGrpSpPr>
+      <p:grpSpPr>
+        <a:xfrm>
+          <a:off x="0" y="0"/>
+          <a:ext cx="0" cy="0"/>
+          <a:chOff x="0" y="0"/>
+          <a:chExt cx="0" cy="0"/>
+        </a:xfrm>
+      </p:grpSpPr>
+      <p:sp>
+        <p:nvSpPr>
+          <p:cNvPr id="3" name="Rectangle 2"/>
+          <p:cNvSpPr/>
+          <p:nvPr/>
+        </p:nvSpPr>
+        <p:spPr>
+          <a:xfrm>
+            <a:off x="-2208" y="2160738"/>
+            <a:ext cx="3037508" cy="1754326"/>
+          </a:xfrm>
+          <a:prstGeom prst="rect">
+            <a:avLst/>
+          </a:prstGeom>
+          <a:noFill/>
+        </p:spPr>
+        <p:txBody>
+          <a:bodyPr wrap="square" lIns="91440" tIns="45720" rIns="91440" bIns="45720">
+            <a:spAutoFit/>
+          </a:bodyPr>
+          <a:lstStyle/>
+          <a:p>
+            <a:pPr algn="ctr"/>
+            <a:r>
+              <a:rPr lang="en-US" sz="5400" b="1" cap="none" spc="0" dirty="0" smtClean="0">
+                <a:ln w="12700">
+                  <a:solidFill>
+                    <a:schemeClr val="tx2">
+                      <a:lumMod val="75000"/>
+                    </a:schemeClr>
+                  </a:solidFill>
+                  <a:prstDash val="solid"/>
+                </a:ln>
+                <a:pattFill prst="dkUpDiag">
+                  <a:fgClr>
+                    <a:schemeClr val="tx2"/>
+                  </a:fgClr>
+                  <a:bgClr>
+                    <a:schemeClr val="tx2">
+                      <a:lumMod val="20000"/>
+                      <a:lumOff val="80000"/>
+                    </a:schemeClr>
+                  </a:bgClr>
+                </a:pattFill>
+                <a:effectLst>
+                  <a:outerShdw dist="38100" dir="2640000" algn="bl" rotWithShape="0">
+                    <a:schemeClr val="tx2">
+                      <a:lumMod val="75000"/>
+                    </a:schemeClr>
+                  </a:outerShdw>
+                </a:effectLst>
+              </a:rPr>
+              <a:t>Remove Product</a:t>
+            </a:r>
+          </a:p>
+        </p:txBody>
+      </p:sp>
+      <p:pic>
+        <p:nvPicPr>
+          <p:cNvPr id="4" name="Picture 3"/>
+          <p:cNvPicPr>
+            <a:picLocks noChangeAspect="1"/>
+          </p:cNvPicPr>
+          <p:nvPr/>
+        </p:nvPicPr>
+        <p:blipFill>
+          <a:blip r:embed="rId2">
+            <a:extLst>
+              <a:ext uri="{28A0092B-C50C-407E-A947-70E740481C1C}">
+                <a14:useLocalDpi xmlns:a14="http://schemas.microsoft.com/office/drawing/2010/main" val="0"/>
+              </a:ext>
+            </a:extLst>
+          </a:blip>
+          <a:stretch>
+            <a:fillRect/>
+          </a:stretch>
+        </p:blipFill>
+        <p:spPr>
+          <a:xfrm>
+            <a:off x="3035300" y="1457128"/>
+            <a:ext cx="8734150" cy="4984917"/>
+          </a:xfrm>
+          <a:prstGeom prst="rect">
+            <a:avLst/>
+          </a:prstGeom>
+        </p:spPr>
+      </p:pic>
+    </p:spTree>
+    <p:extLst>
+      <p:ext uri="{BB962C8B-B14F-4D97-AF65-F5344CB8AC3E}">
+        <p14:creationId xmlns:p14="http://schemas.microsoft.com/office/powerpoint/2010/main" val="1833272889"/>
+      </p:ext>
+    </p:extLst>
+  </p:cSld>
+  <p:clrMapOvr>
+    <a:masterClrMapping/>
+  </p:clrMapOvr>
+  <p:timing>
+    <p:tnLst>
+      <p:par>
+        <p:cTn id="1" dur="indefinite" restart="never" nodeType="tmRoot"/>
+      </p:par>
+    </p:tnLst>
+  </p:timing>
+</p:sld>
+</file>
+
+<file path=ppt/slides/slide38.xml><?xml version="1.0" encoding="utf-8"?>
+<p:sld xmlns:a="http://schemas.openxmlformats.org/drawingml/2006/main" xmlns:r="http://schemas.openxmlformats.org/officeDocument/2006/relationships" xmlns:p="http://schemas.openxmlformats.org/presentationml/2006/main">
+  <p:cSld>
+    <p:spTree>
+      <p:nvGrpSpPr>
+        <p:cNvPr id="1" name=""/>
+        <p:cNvGrpSpPr/>
+        <p:nvPr/>
+      </p:nvGrpSpPr>
+      <p:grpSpPr>
+        <a:xfrm>
+          <a:off x="0" y="0"/>
+          <a:ext cx="0" cy="0"/>
+          <a:chOff x="0" y="0"/>
+          <a:chExt cx="0" cy="0"/>
+        </a:xfrm>
+      </p:grpSpPr>
+      <p:sp>
+        <p:nvSpPr>
+          <p:cNvPr id="3" name="Rectangle 2"/>
+          <p:cNvSpPr/>
+          <p:nvPr/>
+        </p:nvSpPr>
+        <p:spPr>
+          <a:xfrm>
+            <a:off x="-2208" y="2160738"/>
+            <a:ext cx="3037508" cy="1754326"/>
+          </a:xfrm>
+          <a:prstGeom prst="rect">
+            <a:avLst/>
+          </a:prstGeom>
+          <a:noFill/>
+        </p:spPr>
+        <p:txBody>
+          <a:bodyPr wrap="square" lIns="91440" tIns="45720" rIns="91440" bIns="45720">
+            <a:spAutoFit/>
+          </a:bodyPr>
+          <a:lstStyle/>
+          <a:p>
+            <a:pPr algn="ctr"/>
+            <a:r>
+              <a:rPr lang="en-US" sz="5400" b="1" dirty="0" smtClean="0">
+                <a:ln w="12700">
+                  <a:solidFill>
+                    <a:schemeClr val="tx2">
+                      <a:lumMod val="75000"/>
+                    </a:schemeClr>
+                  </a:solidFill>
+                  <a:prstDash val="solid"/>
+                </a:ln>
+                <a:pattFill prst="dkUpDiag">
+                  <a:fgClr>
+                    <a:schemeClr val="tx2"/>
+                  </a:fgClr>
+                  <a:bgClr>
+                    <a:schemeClr val="tx2">
+                      <a:lumMod val="20000"/>
+                      <a:lumOff val="80000"/>
+                    </a:schemeClr>
+                  </a:bgClr>
+                </a:pattFill>
+                <a:effectLst>
+                  <a:outerShdw dist="38100" dir="2640000" algn="bl" rotWithShape="0">
+                    <a:schemeClr val="tx2">
+                      <a:lumMod val="75000"/>
+                    </a:schemeClr>
+                  </a:outerShdw>
+                </a:effectLst>
+              </a:rPr>
+              <a:t>Update</a:t>
+            </a:r>
+            <a:r>
+              <a:rPr lang="en-US" sz="5400" b="1" cap="none" spc="0" dirty="0" smtClean="0">
+                <a:ln w="12700">
+                  <a:solidFill>
+                    <a:schemeClr val="tx2">
+                      <a:lumMod val="75000"/>
+                    </a:schemeClr>
+                  </a:solidFill>
+                  <a:prstDash val="solid"/>
+                </a:ln>
+                <a:pattFill prst="dkUpDiag">
+                  <a:fgClr>
+                    <a:schemeClr val="tx2"/>
+                  </a:fgClr>
+                  <a:bgClr>
+                    <a:schemeClr val="tx2">
+                      <a:lumMod val="20000"/>
+                      <a:lumOff val="80000"/>
+                    </a:schemeClr>
+                  </a:bgClr>
+                </a:pattFill>
+                <a:effectLst>
+                  <a:outerShdw dist="38100" dir="2640000" algn="bl" rotWithShape="0">
+                    <a:schemeClr val="tx2">
+                      <a:lumMod val="75000"/>
+                    </a:schemeClr>
+                  </a:outerShdw>
+                </a:effectLst>
+              </a:rPr>
+              <a:t> Product</a:t>
+            </a:r>
+          </a:p>
+        </p:txBody>
+      </p:sp>
+      <p:pic>
+        <p:nvPicPr>
+          <p:cNvPr id="4" name="Picture 3"/>
+          <p:cNvPicPr>
+            <a:picLocks noChangeAspect="1"/>
+          </p:cNvPicPr>
+          <p:nvPr/>
+        </p:nvPicPr>
+        <p:blipFill>
+          <a:blip r:embed="rId2">
+            <a:extLst>
+              <a:ext uri="{28A0092B-C50C-407E-A947-70E740481C1C}">
+                <a14:useLocalDpi xmlns:a14="http://schemas.microsoft.com/office/drawing/2010/main" val="0"/>
+              </a:ext>
+            </a:extLst>
+          </a:blip>
+          <a:stretch>
+            <a:fillRect/>
+          </a:stretch>
+        </p:blipFill>
+        <p:spPr>
+          <a:xfrm>
+            <a:off x="3035300" y="1503901"/>
+            <a:ext cx="8734150" cy="4891370"/>
+          </a:xfrm>
+          <a:prstGeom prst="rect">
+            <a:avLst/>
+          </a:prstGeom>
+        </p:spPr>
+      </p:pic>
+    </p:spTree>
+    <p:extLst>
+      <p:ext uri="{BB962C8B-B14F-4D97-AF65-F5344CB8AC3E}">
+        <p14:creationId xmlns:p14="http://schemas.microsoft.com/office/powerpoint/2010/main" val="1941625232"/>
+      </p:ext>
+    </p:extLst>
+  </p:cSld>
+  <p:clrMapOvr>
+    <a:masterClrMapping/>
+  </p:clrMapOvr>
+  <p:timing>
+    <p:tnLst>
+      <p:par>
+        <p:cTn id="1" dur="indefinite" restart="never" nodeType="tmRoot"/>
+      </p:par>
+    </p:tnLst>
+  </p:timing>
+</p:sld>
+</file>
+
+<file path=ppt/slides/slide39.xml><?xml version="1.0" encoding="utf-8"?>
+<p:sld xmlns:a="http://schemas.openxmlformats.org/drawingml/2006/main" xmlns:r="http://schemas.openxmlformats.org/officeDocument/2006/relationships" xmlns:p="http://schemas.openxmlformats.org/presentationml/2006/main">
+  <p:cSld>
+    <p:spTree>
+      <p:nvGrpSpPr>
+        <p:cNvPr id="1" name=""/>
+        <p:cNvGrpSpPr/>
+        <p:nvPr/>
+      </p:nvGrpSpPr>
+      <p:grpSpPr>
+        <a:xfrm>
+          <a:off x="0" y="0"/>
+          <a:ext cx="0" cy="0"/>
+          <a:chOff x="0" y="0"/>
+          <a:chExt cx="0" cy="0"/>
+        </a:xfrm>
+      </p:grpSpPr>
+      <p:sp>
+        <p:nvSpPr>
+          <p:cNvPr id="2" name="Rectangle 1"/>
+          <p:cNvSpPr/>
+          <p:nvPr/>
+        </p:nvSpPr>
+        <p:spPr>
+          <a:xfrm>
+            <a:off x="3031664" y="2611735"/>
+            <a:ext cx="5315879" cy="1323439"/>
+          </a:xfrm>
+          <a:prstGeom prst="rect">
+            <a:avLst/>
+          </a:prstGeom>
+          <a:noFill/>
+        </p:spPr>
+        <p:txBody>
+          <a:bodyPr wrap="none" lIns="91440" tIns="45720" rIns="91440" bIns="45720">
+            <a:spAutoFit/>
+          </a:bodyPr>
+          <a:lstStyle/>
+          <a:p>
+            <a:pPr algn="ctr"/>
+            <a:r>
+              <a:rPr lang="en-US" sz="8000" b="1" dirty="0" smtClean="0">
+                <a:ln w="12700">
+                  <a:solidFill>
+                    <a:schemeClr val="tx2">
+                      <a:lumMod val="75000"/>
+                    </a:schemeClr>
+                  </a:solidFill>
+                  <a:prstDash val="solid"/>
+                </a:ln>
+                <a:pattFill prst="dkUpDiag">
+                  <a:fgClr>
+                    <a:schemeClr val="tx2"/>
+                  </a:fgClr>
+                  <a:bgClr>
+                    <a:schemeClr val="tx2">
+                      <a:lumMod val="20000"/>
+                      <a:lumOff val="80000"/>
+                    </a:schemeClr>
+                  </a:bgClr>
+                </a:pattFill>
+                <a:effectLst>
+                  <a:outerShdw dist="38100" dir="2640000" algn="bl" rotWithShape="0">
+                    <a:schemeClr val="tx2">
+                      <a:lumMod val="75000"/>
+                    </a:schemeClr>
+                  </a:outerShdw>
+                </a:effectLst>
+              </a:rPr>
+              <a:t>Thank You</a:t>
+            </a:r>
+            <a:endParaRPr lang="en-US" sz="8000" b="1" dirty="0">
+              <a:ln w="12700">
+                <a:solidFill>
+                  <a:schemeClr val="tx2">
+                    <a:lumMod val="75000"/>
+                  </a:schemeClr>
+                </a:solidFill>
+                <a:prstDash val="solid"/>
+              </a:ln>
+              <a:pattFill prst="dkUpDiag">
+                <a:fgClr>
+                  <a:schemeClr val="tx2"/>
+                </a:fgClr>
+                <a:bgClr>
+                  <a:schemeClr val="tx2">
+                    <a:lumMod val="20000"/>
+                    <a:lumOff val="80000"/>
+                  </a:schemeClr>
+                </a:bgClr>
+              </a:pattFill>
+              <a:effectLst>
+                <a:outerShdw dist="38100" dir="2640000" algn="bl" rotWithShape="0">
+                  <a:schemeClr val="tx2">
+                    <a:lumMod val="75000"/>
+                  </a:schemeClr>
+                </a:outerShdw>
+              </a:effectLst>
+            </a:endParaRPr>
+          </a:p>
+        </p:txBody>
+      </p:sp>
+    </p:spTree>
+    <p:extLst>
+      <p:ext uri="{BB962C8B-B14F-4D97-AF65-F5344CB8AC3E}">
+        <p14:creationId xmlns:p14="http://schemas.microsoft.com/office/powerpoint/2010/main" val="115460749"/>
       </p:ext>
     </p:extLst>
   </p:cSld>
@@ -10729,11 +13498,15 @@
               <a:rPr lang="en-US" b="1" dirty="0" smtClean="0">
                 <a:latin typeface="Calibri Light" panose="020F0302020204030204" pitchFamily="34" charset="0"/>
               </a:rPr>
-              <a:t>OBJECIVE</a:t>
+              <a:t>OBJECTIVE</a:t>
             </a:r>
             <a:r>
               <a:rPr lang="en-US" b="1" dirty="0" smtClean="0"/>
-              <a:t> (</a:t>
+              <a:t> </a:t>
+            </a:r>
+            <a:r>
+              <a:rPr lang="en-US" b="1" dirty="0" smtClean="0"/>
+              <a:t>(</a:t>
             </a:r>
             <a:r>
               <a:rPr lang="en-US" b="1" u="sng" dirty="0" smtClean="0"/>
@@ -11741,13 +14514,7 @@
               <a:rPr lang="en-US" sz="2400" b="1" i="1" dirty="0" smtClean="0">
                 <a:latin typeface="Calibri Light" panose="020F0302020204030204" pitchFamily="34" charset="0"/>
               </a:rPr>
-              <a:t>		</a:t>
-            </a:r>
-            <a:r>
-              <a:rPr lang="en-US" sz="2400" b="1" i="1" dirty="0" smtClean="0">
-                <a:latin typeface="Calibri Light" panose="020F0302020204030204" pitchFamily="34" charset="0"/>
-              </a:rPr>
-              <a:t>IDE 	</a:t>
+              <a:t>		IDE 	</a:t>
             </a:r>
             <a:r>
               <a:rPr lang="en-US" sz="2400" b="1" i="1" dirty="0">

--- a/Ecommerce-Project/report data/project ppt.pptx
+++ b/Ecommerce-Project/report data/project ppt.pptx
@@ -487,7 +487,7 @@
           <a:p>
             <a:fld id="{55898C19-3F43-4A22-A9B4-86092ACC440F}" type="datetimeFigureOut">
               <a:rPr lang="en-US" smtClean="0"/>
-              <a:t>4/25/2018</a:t>
+              <a:t>5/18/2018</a:t>
             </a:fld>
             <a:endParaRPr lang="en-US"/>
           </a:p>
@@ -1583,7 +1583,7 @@
           <a:p>
             <a:fld id="{55898C19-3F43-4A22-A9B4-86092ACC440F}" type="datetimeFigureOut">
               <a:rPr lang="en-US" smtClean="0"/>
-              <a:t>4/25/2018</a:t>
+              <a:t>5/18/2018</a:t>
             </a:fld>
             <a:endParaRPr lang="en-US"/>
           </a:p>
@@ -2566,7 +2566,7 @@
           <a:p>
             <a:fld id="{55898C19-3F43-4A22-A9B4-86092ACC440F}" type="datetimeFigureOut">
               <a:rPr lang="en-US" smtClean="0"/>
-              <a:t>4/25/2018</a:t>
+              <a:t>5/18/2018</a:t>
             </a:fld>
             <a:endParaRPr lang="en-US"/>
           </a:p>
@@ -3703,7 +3703,7 @@
           <a:p>
             <a:fld id="{55898C19-3F43-4A22-A9B4-86092ACC440F}" type="datetimeFigureOut">
               <a:rPr lang="en-US" smtClean="0"/>
-              <a:t>4/25/2018</a:t>
+              <a:t>5/18/2018</a:t>
             </a:fld>
             <a:endParaRPr lang="en-US"/>
           </a:p>
@@ -4739,7 +4739,7 @@
           <a:p>
             <a:fld id="{55898C19-3F43-4A22-A9B4-86092ACC440F}" type="datetimeFigureOut">
               <a:rPr lang="en-US" smtClean="0"/>
-              <a:t>4/25/2018</a:t>
+              <a:t>5/18/2018</a:t>
             </a:fld>
             <a:endParaRPr lang="en-US"/>
           </a:p>
@@ -5402,7 +5402,7 @@
           <a:p>
             <a:fld id="{55898C19-3F43-4A22-A9B4-86092ACC440F}" type="datetimeFigureOut">
               <a:rPr lang="en-US" smtClean="0"/>
-              <a:t>4/25/2018</a:t>
+              <a:t>5/18/2018</a:t>
             </a:fld>
             <a:endParaRPr lang="en-US"/>
           </a:p>
@@ -6266,7 +6266,7 @@
           <a:p>
             <a:fld id="{55898C19-3F43-4A22-A9B4-86092ACC440F}" type="datetimeFigureOut">
               <a:rPr lang="en-US" smtClean="0"/>
-              <a:t>4/25/2018</a:t>
+              <a:t>5/18/2018</a:t>
             </a:fld>
             <a:endParaRPr lang="en-US"/>
           </a:p>
@@ -6459,7 +6459,7 @@
           <a:p>
             <a:fld id="{55898C19-3F43-4A22-A9B4-86092ACC440F}" type="datetimeFigureOut">
               <a:rPr lang="en-US" smtClean="0"/>
-              <a:t>4/25/2018</a:t>
+              <a:t>5/18/2018</a:t>
             </a:fld>
             <a:endParaRPr lang="en-US"/>
           </a:p>
@@ -7434,7 +7434,7 @@
           <a:p>
             <a:fld id="{55898C19-3F43-4A22-A9B4-86092ACC440F}" type="datetimeFigureOut">
               <a:rPr lang="en-US" smtClean="0"/>
-              <a:t>4/25/2018</a:t>
+              <a:t>5/18/2018</a:t>
             </a:fld>
             <a:endParaRPr lang="en-US"/>
           </a:p>
@@ -7648,7 +7648,7 @@
           <a:p>
             <a:fld id="{55898C19-3F43-4A22-A9B4-86092ACC440F}" type="datetimeFigureOut">
               <a:rPr lang="en-US" smtClean="0"/>
-              <a:t>4/25/2018</a:t>
+              <a:t>5/18/2018</a:t>
             </a:fld>
             <a:endParaRPr lang="en-US"/>
           </a:p>
@@ -8685,7 +8685,7 @@
           <a:p>
             <a:fld id="{55898C19-3F43-4A22-A9B4-86092ACC440F}" type="datetimeFigureOut">
               <a:rPr lang="en-US" smtClean="0"/>
-              <a:t>4/25/2018</a:t>
+              <a:t>5/18/2018</a:t>
             </a:fld>
             <a:endParaRPr lang="en-US"/>
           </a:p>
@@ -8960,7 +8960,7 @@
           <a:p>
             <a:fld id="{55898C19-3F43-4A22-A9B4-86092ACC440F}" type="datetimeFigureOut">
               <a:rPr lang="en-US" smtClean="0"/>
-              <a:t>4/25/2018</a:t>
+              <a:t>5/18/2018</a:t>
             </a:fld>
             <a:endParaRPr lang="en-US"/>
           </a:p>
@@ -9373,7 +9373,7 @@
           <a:p>
             <a:fld id="{55898C19-3F43-4A22-A9B4-86092ACC440F}" type="datetimeFigureOut">
               <a:rPr lang="en-US" smtClean="0"/>
-              <a:t>4/25/2018</a:t>
+              <a:t>5/18/2018</a:t>
             </a:fld>
             <a:endParaRPr lang="en-US"/>
           </a:p>
@@ -9503,7 +9503,7 @@
           <a:p>
             <a:fld id="{55898C19-3F43-4A22-A9B4-86092ACC440F}" type="datetimeFigureOut">
               <a:rPr lang="en-US" smtClean="0"/>
-              <a:t>4/25/2018</a:t>
+              <a:t>5/18/2018</a:t>
             </a:fld>
             <a:endParaRPr lang="en-US"/>
           </a:p>
@@ -9601,7 +9601,7 @@
           <a:p>
             <a:fld id="{55898C19-3F43-4A22-A9B4-86092ACC440F}" type="datetimeFigureOut">
               <a:rPr lang="en-US" smtClean="0"/>
-              <a:t>4/25/2018</a:t>
+              <a:t>5/18/2018</a:t>
             </a:fld>
             <a:endParaRPr lang="en-US"/>
           </a:p>
@@ -10690,7 +10690,7 @@
           <a:p>
             <a:fld id="{55898C19-3F43-4A22-A9B4-86092ACC440F}" type="datetimeFigureOut">
               <a:rPr lang="en-US" smtClean="0"/>
-              <a:t>4/25/2018</a:t>
+              <a:t>5/18/2018</a:t>
             </a:fld>
             <a:endParaRPr lang="en-US"/>
           </a:p>
@@ -11806,7 +11806,7 @@
           <a:p>
             <a:fld id="{55898C19-3F43-4A22-A9B4-86092ACC440F}" type="datetimeFigureOut">
               <a:rPr lang="en-US" smtClean="0"/>
-              <a:t>4/25/2018</a:t>
+              <a:t>5/18/2018</a:t>
             </a:fld>
             <a:endParaRPr lang="en-US"/>
           </a:p>
@@ -12806,7 +12806,7 @@
           <a:p>
             <a:fld id="{55898C19-3F43-4A22-A9B4-86092ACC440F}" type="datetimeFigureOut">
               <a:rPr lang="en-US" smtClean="0"/>
-              <a:t>4/25/2018</a:t>
+              <a:t>5/18/2018</a:t>
             </a:fld>
             <a:endParaRPr lang="en-US"/>
           </a:p>
@@ -19413,7 +19413,7 @@
         </p:blipFill>
         <p:spPr>
           <a:xfrm>
-            <a:off x="1027898" y="725214"/>
+            <a:off x="1038409" y="756745"/>
             <a:ext cx="10964406" cy="5896303"/>
           </a:xfrm>
           <a:prstGeom prst="rect">

--- a/Ecommerce-Project/report data/project ppt.pptx
+++ b/Ecommerce-Project/report data/project ppt.pptx
@@ -487,7 +487,7 @@
           <a:p>
             <a:fld id="{55898C19-3F43-4A22-A9B4-86092ACC440F}" type="datetimeFigureOut">
               <a:rPr lang="en-US" smtClean="0"/>
-              <a:t>5/18/2018</a:t>
+              <a:t>5/31/2018</a:t>
             </a:fld>
             <a:endParaRPr lang="en-US"/>
           </a:p>
@@ -1583,7 +1583,7 @@
           <a:p>
             <a:fld id="{55898C19-3F43-4A22-A9B4-86092ACC440F}" type="datetimeFigureOut">
               <a:rPr lang="en-US" smtClean="0"/>
-              <a:t>5/18/2018</a:t>
+              <a:t>5/31/2018</a:t>
             </a:fld>
             <a:endParaRPr lang="en-US"/>
           </a:p>
@@ -2566,7 +2566,7 @@
           <a:p>
             <a:fld id="{55898C19-3F43-4A22-A9B4-86092ACC440F}" type="datetimeFigureOut">
               <a:rPr lang="en-US" smtClean="0"/>
-              <a:t>5/18/2018</a:t>
+              <a:t>5/31/2018</a:t>
             </a:fld>
             <a:endParaRPr lang="en-US"/>
           </a:p>
@@ -3703,7 +3703,7 @@
           <a:p>
             <a:fld id="{55898C19-3F43-4A22-A9B4-86092ACC440F}" type="datetimeFigureOut">
               <a:rPr lang="en-US" smtClean="0"/>
-              <a:t>5/18/2018</a:t>
+              <a:t>5/31/2018</a:t>
             </a:fld>
             <a:endParaRPr lang="en-US"/>
           </a:p>
@@ -4739,7 +4739,7 @@
           <a:p>
             <a:fld id="{55898C19-3F43-4A22-A9B4-86092ACC440F}" type="datetimeFigureOut">
               <a:rPr lang="en-US" smtClean="0"/>
-              <a:t>5/18/2018</a:t>
+              <a:t>5/31/2018</a:t>
             </a:fld>
             <a:endParaRPr lang="en-US"/>
           </a:p>
@@ -5402,7 +5402,7 @@
           <a:p>
             <a:fld id="{55898C19-3F43-4A22-A9B4-86092ACC440F}" type="datetimeFigureOut">
               <a:rPr lang="en-US" smtClean="0"/>
-              <a:t>5/18/2018</a:t>
+              <a:t>5/31/2018</a:t>
             </a:fld>
             <a:endParaRPr lang="en-US"/>
           </a:p>
@@ -6266,7 +6266,7 @@
           <a:p>
             <a:fld id="{55898C19-3F43-4A22-A9B4-86092ACC440F}" type="datetimeFigureOut">
               <a:rPr lang="en-US" smtClean="0"/>
-              <a:t>5/18/2018</a:t>
+              <a:t>5/31/2018</a:t>
             </a:fld>
             <a:endParaRPr lang="en-US"/>
           </a:p>
@@ -6459,7 +6459,7 @@
           <a:p>
             <a:fld id="{55898C19-3F43-4A22-A9B4-86092ACC440F}" type="datetimeFigureOut">
               <a:rPr lang="en-US" smtClean="0"/>
-              <a:t>5/18/2018</a:t>
+              <a:t>5/31/2018</a:t>
             </a:fld>
             <a:endParaRPr lang="en-US"/>
           </a:p>
@@ -7434,7 +7434,7 @@
           <a:p>
             <a:fld id="{55898C19-3F43-4A22-A9B4-86092ACC440F}" type="datetimeFigureOut">
               <a:rPr lang="en-US" smtClean="0"/>
-              <a:t>5/18/2018</a:t>
+              <a:t>5/31/2018</a:t>
             </a:fld>
             <a:endParaRPr lang="en-US"/>
           </a:p>
@@ -7648,7 +7648,7 @@
           <a:p>
             <a:fld id="{55898C19-3F43-4A22-A9B4-86092ACC440F}" type="datetimeFigureOut">
               <a:rPr lang="en-US" smtClean="0"/>
-              <a:t>5/18/2018</a:t>
+              <a:t>5/31/2018</a:t>
             </a:fld>
             <a:endParaRPr lang="en-US"/>
           </a:p>
@@ -8685,7 +8685,7 @@
           <a:p>
             <a:fld id="{55898C19-3F43-4A22-A9B4-86092ACC440F}" type="datetimeFigureOut">
               <a:rPr lang="en-US" smtClean="0"/>
-              <a:t>5/18/2018</a:t>
+              <a:t>5/31/2018</a:t>
             </a:fld>
             <a:endParaRPr lang="en-US"/>
           </a:p>
@@ -8960,7 +8960,7 @@
           <a:p>
             <a:fld id="{55898C19-3F43-4A22-A9B4-86092ACC440F}" type="datetimeFigureOut">
               <a:rPr lang="en-US" smtClean="0"/>
-              <a:t>5/18/2018</a:t>
+              <a:t>5/31/2018</a:t>
             </a:fld>
             <a:endParaRPr lang="en-US"/>
           </a:p>
@@ -9373,7 +9373,7 @@
           <a:p>
             <a:fld id="{55898C19-3F43-4A22-A9B4-86092ACC440F}" type="datetimeFigureOut">
               <a:rPr lang="en-US" smtClean="0"/>
-              <a:t>5/18/2018</a:t>
+              <a:t>5/31/2018</a:t>
             </a:fld>
             <a:endParaRPr lang="en-US"/>
           </a:p>
@@ -9503,7 +9503,7 @@
           <a:p>
             <a:fld id="{55898C19-3F43-4A22-A9B4-86092ACC440F}" type="datetimeFigureOut">
               <a:rPr lang="en-US" smtClean="0"/>
-              <a:t>5/18/2018</a:t>
+              <a:t>5/31/2018</a:t>
             </a:fld>
             <a:endParaRPr lang="en-US"/>
           </a:p>
@@ -9601,7 +9601,7 @@
           <a:p>
             <a:fld id="{55898C19-3F43-4A22-A9B4-86092ACC440F}" type="datetimeFigureOut">
               <a:rPr lang="en-US" smtClean="0"/>
-              <a:t>5/18/2018</a:t>
+              <a:t>5/31/2018</a:t>
             </a:fld>
             <a:endParaRPr lang="en-US"/>
           </a:p>
@@ -10690,7 +10690,7 @@
           <a:p>
             <a:fld id="{55898C19-3F43-4A22-A9B4-86092ACC440F}" type="datetimeFigureOut">
               <a:rPr lang="en-US" smtClean="0"/>
-              <a:t>5/18/2018</a:t>
+              <a:t>5/31/2018</a:t>
             </a:fld>
             <a:endParaRPr lang="en-US"/>
           </a:p>
@@ -11806,7 +11806,7 @@
           <a:p>
             <a:fld id="{55898C19-3F43-4A22-A9B4-86092ACC440F}" type="datetimeFigureOut">
               <a:rPr lang="en-US" smtClean="0"/>
-              <a:t>5/18/2018</a:t>
+              <a:t>5/31/2018</a:t>
             </a:fld>
             <a:endParaRPr lang="en-US"/>
           </a:p>
@@ -12806,7 +12806,7 @@
           <a:p>
             <a:fld id="{55898C19-3F43-4A22-A9B4-86092ACC440F}" type="datetimeFigureOut">
               <a:rPr lang="en-US" smtClean="0"/>
-              <a:t>5/18/2018</a:t>
+              <a:t>5/31/2018</a:t>
             </a:fld>
             <a:endParaRPr lang="en-US"/>
           </a:p>
@@ -13440,7 +13440,7 @@
         <p:spPr>
           <a:xfrm>
             <a:off x="2811419" y="3258129"/>
-            <a:ext cx="7110077" cy="507831"/>
+            <a:ext cx="7110077" cy="923330"/>
           </a:xfrm>
           <a:prstGeom prst="rect">
             <a:avLst/>
@@ -13454,13 +13454,40 @@
           <a:p>
             <a:pPr algn="ctr"/>
             <a:r>
+              <a:rPr lang="en-IN" sz="2700" b="1" dirty="0" err="1" smtClean="0">
+                <a:solidFill>
+                  <a:prstClr val="black"/>
+                </a:solidFill>
+                <a:latin typeface="Algerian" panose="04020705040A02060702" pitchFamily="82" charset="0"/>
+              </a:rPr>
+              <a:t>Zuper</a:t>
+            </a:r>
+            <a:r>
               <a:rPr lang="en-IN" sz="2700" b="1" dirty="0" smtClean="0">
                 <a:solidFill>
                   <a:prstClr val="black"/>
                 </a:solidFill>
                 <a:latin typeface="Algerian" panose="04020705040A02060702" pitchFamily="82" charset="0"/>
               </a:rPr>
-              <a:t>E-Shopping Project</a:t>
+              <a:t> Market (</a:t>
+            </a:r>
+            <a:r>
+              <a:rPr lang="en-IN" sz="2700" b="1" smtClean="0">
+                <a:solidFill>
+                  <a:prstClr val="black"/>
+                </a:solidFill>
+                <a:latin typeface="Algerian" panose="04020705040A02060702" pitchFamily="82" charset="0"/>
+              </a:rPr>
+              <a:t>E-shopping website) </a:t>
+            </a:r>
+            <a:r>
+              <a:rPr lang="en-IN" sz="2700" b="1" dirty="0" smtClean="0">
+                <a:solidFill>
+                  <a:prstClr val="black"/>
+                </a:solidFill>
+                <a:latin typeface="Algerian" panose="04020705040A02060702" pitchFamily="82" charset="0"/>
+              </a:rPr>
+              <a:t>Project</a:t>
             </a:r>
             <a:endParaRPr lang="en-IN" sz="2700" b="1" dirty="0">
               <a:solidFill>
